--- a/Memristor Thesis/Memristor Presentation.pptx
+++ b/Memristor Thesis/Memristor Presentation.pptx
@@ -5,19 +5,19 @@
     <p:sldMasterId id="2147483910" r:id="rId1"/>
   </p:sldMasterIdLst>
   <p:notesMasterIdLst>
-    <p:notesMasterId r:id="rId26"/>
+    <p:notesMasterId r:id="rId27"/>
   </p:notesMasterIdLst>
   <p:sldIdLst>
     <p:sldId id="256" r:id="rId2"/>
     <p:sldId id="257" r:id="rId3"/>
-    <p:sldId id="258" r:id="rId4"/>
-    <p:sldId id="260" r:id="rId5"/>
-    <p:sldId id="265" r:id="rId6"/>
-    <p:sldId id="266" r:id="rId7"/>
-    <p:sldId id="277" r:id="rId8"/>
-    <p:sldId id="261" r:id="rId9"/>
-    <p:sldId id="267" r:id="rId10"/>
-    <p:sldId id="268" r:id="rId11"/>
+    <p:sldId id="282" r:id="rId4"/>
+    <p:sldId id="265" r:id="rId5"/>
+    <p:sldId id="261" r:id="rId6"/>
+    <p:sldId id="267" r:id="rId7"/>
+    <p:sldId id="268" r:id="rId8"/>
+    <p:sldId id="258" r:id="rId9"/>
+    <p:sldId id="266" r:id="rId10"/>
+    <p:sldId id="277" r:id="rId11"/>
     <p:sldId id="269" r:id="rId12"/>
     <p:sldId id="262" r:id="rId13"/>
     <p:sldId id="270" r:id="rId14"/>
@@ -32,6 +32,7 @@
     <p:sldId id="276" r:id="rId23"/>
     <p:sldId id="264" r:id="rId24"/>
     <p:sldId id="278" r:id="rId25"/>
+    <p:sldId id="281" r:id="rId26"/>
   </p:sldIdLst>
   <p:sldSz cx="12192000" cy="6858000"/>
   <p:notesSz cx="6858000" cy="9144000"/>
@@ -220,7 +221,7 @@
           <a:p>
             <a:fld id="{633A82BD-B66E-4D80-A70E-2EB0FC0F57F6}" type="datetimeFigureOut">
               <a:rPr lang="en-US" smtClean="0"/>
-              <a:t>3/4/2014</a:t>
+              <a:t>3/26/2014</a:t>
             </a:fld>
             <a:endParaRPr lang="en-US"/>
           </a:p>
@@ -532,6 +533,14 @@
           <a:bodyPr/>
           <a:lstStyle/>
           <a:p>
+            <a:r>
+              <a:rPr lang="en-US" dirty="0" smtClean="0"/>
+              <a:t>Add E,V</a:t>
+            </a:r>
+            <a:r>
+              <a:rPr lang="en-US" baseline="0" dirty="0" smtClean="0"/>
+              <a:t> Boundary conditions</a:t>
+            </a:r>
             <a:endParaRPr lang="en-US" dirty="0"/>
           </a:p>
         </p:txBody>
@@ -553,7 +562,7 @@
           <a:p>
             <a:fld id="{C938C26D-EBF1-41FC-BA8D-73BC1ABF576E}" type="slidenum">
               <a:rPr lang="en-US" smtClean="0"/>
-              <a:t>4</a:t>
+              <a:t>10</a:t>
             </a:fld>
             <a:endParaRPr lang="en-US"/>
           </a:p>
@@ -562,7 +571,7 @@
     </p:spTree>
     <p:extLst>
       <p:ext uri="{BB962C8B-B14F-4D97-AF65-F5344CB8AC3E}">
-        <p14:creationId xmlns:p14="http://schemas.microsoft.com/office/powerpoint/2010/main" val="3326925967"/>
+        <p14:creationId xmlns:p14="http://schemas.microsoft.com/office/powerpoint/2010/main" val="715409340"/>
       </p:ext>
     </p:extLst>
   </p:cSld>
@@ -616,14 +625,37 @@
           <a:bodyPr/>
           <a:lstStyle/>
           <a:p>
+            <a:pPr marL="0" marR="0" indent="0" algn="l" defTabSz="914400" rtl="0" eaLnBrk="1" fontAlgn="auto" latinLnBrk="0" hangingPunct="1">
+              <a:lnSpc>
+                <a:spcPct val="100000"/>
+              </a:lnSpc>
+              <a:spcBef>
+                <a:spcPts val="0"/>
+              </a:spcBef>
+              <a:spcAft>
+                <a:spcPts val="0"/>
+              </a:spcAft>
+              <a:buClrTx/>
+              <a:buSzTx/>
+              <a:buFontTx/>
+              <a:buNone/>
+              <a:tabLst/>
+              <a:defRPr/>
+            </a:pPr>
             <a:r>
               <a:rPr lang="en-US" dirty="0" smtClean="0"/>
-              <a:t>Add E,V</a:t>
-            </a:r>
-            <a:r>
-              <a:rPr lang="en-US" baseline="0" dirty="0" smtClean="0"/>
-              <a:t> Boundary conditions</a:t>
-            </a:r>
+              <a:t>Potential pulse train: Current Output, Lithium, hole density, </a:t>
+            </a:r>
+            <a:r>
+              <a:rPr lang="en-US" dirty="0" err="1" smtClean="0"/>
+              <a:t>Efield</a:t>
+            </a:r>
+            <a:r>
+              <a:rPr lang="en-US" dirty="0" smtClean="0"/>
+              <a:t> ?</a:t>
+            </a:r>
+          </a:p>
+          <a:p>
             <a:endParaRPr lang="en-US" dirty="0"/>
           </a:p>
         </p:txBody>
@@ -645,7 +677,7 @@
           <a:p>
             <a:fld id="{C938C26D-EBF1-41FC-BA8D-73BC1ABF576E}" type="slidenum">
               <a:rPr lang="en-US" smtClean="0"/>
-              <a:t>7</a:t>
+              <a:t>13</a:t>
             </a:fld>
             <a:endParaRPr lang="en-US"/>
           </a:p>
@@ -654,7 +686,7 @@
     </p:spTree>
     <p:extLst>
       <p:ext uri="{BB962C8B-B14F-4D97-AF65-F5344CB8AC3E}">
-        <p14:creationId xmlns:p14="http://schemas.microsoft.com/office/powerpoint/2010/main" val="715409340"/>
+        <p14:creationId xmlns:p14="http://schemas.microsoft.com/office/powerpoint/2010/main" val="3993091017"/>
       </p:ext>
     </p:extLst>
   </p:cSld>
@@ -727,7 +759,7 @@
             </a:pPr>
             <a:r>
               <a:rPr lang="en-US" dirty="0" smtClean="0"/>
-              <a:t>Potential pulse train: Current Output, Lithium, hole density, </a:t>
+              <a:t>Sinusoid: Current Output, Lithium, perchlorate and hole density, </a:t>
             </a:r>
             <a:r>
               <a:rPr lang="en-US" dirty="0" err="1" smtClean="0"/>
@@ -760,7 +792,7 @@
           <a:p>
             <a:fld id="{C938C26D-EBF1-41FC-BA8D-73BC1ABF576E}" type="slidenum">
               <a:rPr lang="en-US" smtClean="0"/>
-              <a:t>13</a:t>
+              <a:t>14</a:t>
             </a:fld>
             <a:endParaRPr lang="en-US"/>
           </a:p>
@@ -769,7 +801,7 @@
     </p:spTree>
     <p:extLst>
       <p:ext uri="{BB962C8B-B14F-4D97-AF65-F5344CB8AC3E}">
-        <p14:creationId xmlns:p14="http://schemas.microsoft.com/office/powerpoint/2010/main" val="3993091017"/>
+        <p14:creationId xmlns:p14="http://schemas.microsoft.com/office/powerpoint/2010/main" val="1893823834"/>
       </p:ext>
     </p:extLst>
   </p:cSld>
@@ -842,121 +874,6 @@
             </a:pPr>
             <a:r>
               <a:rPr lang="en-US" dirty="0" smtClean="0"/>
-              <a:t>Sinusoid: Current Output, Lithium, perchlorate and hole density, </a:t>
-            </a:r>
-            <a:r>
-              <a:rPr lang="en-US" dirty="0" err="1" smtClean="0"/>
-              <a:t>Efield</a:t>
-            </a:r>
-            <a:r>
-              <a:rPr lang="en-US" dirty="0" smtClean="0"/>
-              <a:t> ?</a:t>
-            </a:r>
-          </a:p>
-          <a:p>
-            <a:endParaRPr lang="en-US" dirty="0"/>
-          </a:p>
-        </p:txBody>
-      </p:sp>
-      <p:sp>
-        <p:nvSpPr>
-          <p:cNvPr id="4" name="Slide Number Placeholder 3"/>
-          <p:cNvSpPr>
-            <a:spLocks noGrp="1"/>
-          </p:cNvSpPr>
-          <p:nvPr>
-            <p:ph type="sldNum" sz="quarter" idx="10"/>
-          </p:nvPr>
-        </p:nvSpPr>
-        <p:spPr/>
-        <p:txBody>
-          <a:bodyPr/>
-          <a:lstStyle/>
-          <a:p>
-            <a:fld id="{C938C26D-EBF1-41FC-BA8D-73BC1ABF576E}" type="slidenum">
-              <a:rPr lang="en-US" smtClean="0"/>
-              <a:t>14</a:t>
-            </a:fld>
-            <a:endParaRPr lang="en-US"/>
-          </a:p>
-        </p:txBody>
-      </p:sp>
-    </p:spTree>
-    <p:extLst>
-      <p:ext uri="{BB962C8B-B14F-4D97-AF65-F5344CB8AC3E}">
-        <p14:creationId xmlns:p14="http://schemas.microsoft.com/office/powerpoint/2010/main" val="1893823834"/>
-      </p:ext>
-    </p:extLst>
-  </p:cSld>
-  <p:clrMapOvr>
-    <a:masterClrMapping/>
-  </p:clrMapOvr>
-</p:notes>
-</file>
-
-<file path=ppt/notesSlides/notesSlide5.xml><?xml version="1.0" encoding="utf-8"?>
-<p:notes xmlns:a="http://schemas.openxmlformats.org/drawingml/2006/main" xmlns:r="http://schemas.openxmlformats.org/officeDocument/2006/relationships" xmlns:p="http://schemas.openxmlformats.org/presentationml/2006/main">
-  <p:cSld>
-    <p:spTree>
-      <p:nvGrpSpPr>
-        <p:cNvPr id="1" name=""/>
-        <p:cNvGrpSpPr/>
-        <p:nvPr/>
-      </p:nvGrpSpPr>
-      <p:grpSpPr>
-        <a:xfrm>
-          <a:off x="0" y="0"/>
-          <a:ext cx="0" cy="0"/>
-          <a:chOff x="0" y="0"/>
-          <a:chExt cx="0" cy="0"/>
-        </a:xfrm>
-      </p:grpSpPr>
-      <p:sp>
-        <p:nvSpPr>
-          <p:cNvPr id="2" name="Slide Image Placeholder 1"/>
-          <p:cNvSpPr>
-            <a:spLocks noGrp="1" noRot="1" noChangeAspect="1"/>
-          </p:cNvSpPr>
-          <p:nvPr>
-            <p:ph type="sldImg"/>
-          </p:nvPr>
-        </p:nvSpPr>
-        <p:spPr/>
-      </p:sp>
-      <p:sp>
-        <p:nvSpPr>
-          <p:cNvPr id="3" name="Notes Placeholder 2"/>
-          <p:cNvSpPr>
-            <a:spLocks noGrp="1"/>
-          </p:cNvSpPr>
-          <p:nvPr>
-            <p:ph type="body" idx="1"/>
-          </p:nvPr>
-        </p:nvSpPr>
-        <p:spPr/>
-        <p:txBody>
-          <a:bodyPr/>
-          <a:lstStyle/>
-          <a:p>
-            <a:pPr marL="0" marR="0" indent="0" algn="l" defTabSz="914400" rtl="0" eaLnBrk="1" fontAlgn="auto" latinLnBrk="0" hangingPunct="1">
-              <a:lnSpc>
-                <a:spcPct val="100000"/>
-              </a:lnSpc>
-              <a:spcBef>
-                <a:spcPts val="0"/>
-              </a:spcBef>
-              <a:spcAft>
-                <a:spcPts val="0"/>
-              </a:spcAft>
-              <a:buClrTx/>
-              <a:buSzTx/>
-              <a:buFontTx/>
-              <a:buNone/>
-              <a:tabLst/>
-              <a:defRPr/>
-            </a:pPr>
-            <a:r>
-              <a:rPr lang="en-US" dirty="0" smtClean="0"/>
               <a:t>Potential pulse train: Current Output, Lithium, perchlorate and hole density, </a:t>
             </a:r>
             <a:r>
@@ -1009,7 +926,7 @@
 </p:notes>
 </file>
 
-<file path=ppt/notesSlides/notesSlide6.xml><?xml version="1.0" encoding="utf-8"?>
+<file path=ppt/notesSlides/notesSlide5.xml><?xml version="1.0" encoding="utf-8"?>
 <p:notes xmlns:a="http://schemas.openxmlformats.org/drawingml/2006/main" xmlns:r="http://schemas.openxmlformats.org/officeDocument/2006/relationships" xmlns:p="http://schemas.openxmlformats.org/presentationml/2006/main">
   <p:cSld>
     <p:spTree>
@@ -1369,7 +1286,7 @@
           <a:p>
             <a:fld id="{6CA6AEE6-DAD3-407D-9B77-68B03FA581D4}" type="datetimeFigureOut">
               <a:rPr lang="en-US" smtClean="0"/>
-              <a:t>3/4/2014</a:t>
+              <a:t>3/26/2014</a:t>
             </a:fld>
             <a:endParaRPr lang="en-US"/>
           </a:p>
@@ -1631,7 +1548,7 @@
           <a:p>
             <a:fld id="{6CA6AEE6-DAD3-407D-9B77-68B03FA581D4}" type="datetimeFigureOut">
               <a:rPr lang="en-US" smtClean="0"/>
-              <a:t>3/4/2014</a:t>
+              <a:t>3/26/2014</a:t>
             </a:fld>
             <a:endParaRPr lang="en-US"/>
           </a:p>
@@ -1866,7 +1783,7 @@
           <a:p>
             <a:fld id="{6CA6AEE6-DAD3-407D-9B77-68B03FA581D4}" type="datetimeFigureOut">
               <a:rPr lang="en-US" smtClean="0"/>
-              <a:t>3/4/2014</a:t>
+              <a:t>3/26/2014</a:t>
             </a:fld>
             <a:endParaRPr lang="en-US"/>
           </a:p>
@@ -2106,7 +2023,7 @@
           <a:p>
             <a:fld id="{6CA6AEE6-DAD3-407D-9B77-68B03FA581D4}" type="datetimeFigureOut">
               <a:rPr lang="en-US" smtClean="0"/>
-              <a:t>3/4/2014</a:t>
+              <a:t>3/26/2014</a:t>
             </a:fld>
             <a:endParaRPr lang="en-US"/>
           </a:p>
@@ -2413,7 +2330,7 @@
           <a:p>
             <a:fld id="{6CA6AEE6-DAD3-407D-9B77-68B03FA581D4}" type="datetimeFigureOut">
               <a:rPr lang="en-US" smtClean="0"/>
-              <a:t>3/4/2014</a:t>
+              <a:t>3/26/2014</a:t>
             </a:fld>
             <a:endParaRPr lang="en-US"/>
           </a:p>
@@ -2715,7 +2632,7 @@
           <a:p>
             <a:fld id="{6CA6AEE6-DAD3-407D-9B77-68B03FA581D4}" type="datetimeFigureOut">
               <a:rPr lang="en-US" smtClean="0"/>
-              <a:t>3/4/2014</a:t>
+              <a:t>3/26/2014</a:t>
             </a:fld>
             <a:endParaRPr lang="en-US"/>
           </a:p>
@@ -3137,7 +3054,7 @@
           <a:p>
             <a:fld id="{6CA6AEE6-DAD3-407D-9B77-68B03FA581D4}" type="datetimeFigureOut">
               <a:rPr lang="en-US" smtClean="0"/>
-              <a:t>3/4/2014</a:t>
+              <a:t>3/26/2014</a:t>
             </a:fld>
             <a:endParaRPr lang="en-US"/>
           </a:p>
@@ -3232,7 +3149,7 @@
           <a:p>
             <a:fld id="{6CA6AEE6-DAD3-407D-9B77-68B03FA581D4}" type="datetimeFigureOut">
               <a:rPr lang="en-US" smtClean="0"/>
-              <a:t>3/4/2014</a:t>
+              <a:t>3/26/2014</a:t>
             </a:fld>
             <a:endParaRPr lang="en-US"/>
           </a:p>
@@ -3394,7 +3311,7 @@
           <a:p>
             <a:fld id="{6CA6AEE6-DAD3-407D-9B77-68B03FA581D4}" type="datetimeFigureOut">
               <a:rPr lang="en-US" smtClean="0"/>
-              <a:t>3/4/2014</a:t>
+              <a:t>3/26/2014</a:t>
             </a:fld>
             <a:endParaRPr lang="en-US"/>
           </a:p>
@@ -3772,7 +3689,7 @@
           <a:p>
             <a:fld id="{6CA6AEE6-DAD3-407D-9B77-68B03FA581D4}" type="datetimeFigureOut">
               <a:rPr lang="en-US" smtClean="0"/>
-              <a:t>3/4/2014</a:t>
+              <a:t>3/26/2014</a:t>
             </a:fld>
             <a:endParaRPr lang="en-US"/>
           </a:p>
@@ -4061,7 +3978,7 @@
           <a:p>
             <a:fld id="{6CA6AEE6-DAD3-407D-9B77-68B03FA581D4}" type="datetimeFigureOut">
               <a:rPr lang="en-US" smtClean="0"/>
-              <a:t>3/4/2014</a:t>
+              <a:t>3/26/2014</a:t>
             </a:fld>
             <a:endParaRPr lang="en-US"/>
           </a:p>
@@ -4272,7 +4189,7 @@
           <a:p>
             <a:fld id="{6CA6AEE6-DAD3-407D-9B77-68B03FA581D4}" type="datetimeFigureOut">
               <a:rPr lang="en-US" smtClean="0"/>
-              <a:t>3/4/2014</a:t>
+              <a:t>3/26/2014</a:t>
             </a:fld>
             <a:endParaRPr lang="en-US"/>
           </a:p>
@@ -4889,14 +4806,24 @@
           <a:lstStyle/>
           <a:p>
             <a:r>
-              <a:rPr lang="en-US" dirty="0" smtClean="0"/>
-              <a:t>Simulation Of an organic </a:t>
-            </a:r>
-            <a:r>
-              <a:rPr lang="en-US" dirty="0" err="1" smtClean="0"/>
-              <a:t>memristor</a:t>
-            </a:r>
-            <a:endParaRPr lang="en-US" dirty="0"/>
+              <a:rPr lang="en-US" dirty="0"/>
+              <a:t>The Drift </a:t>
+            </a:r>
+            <a:r>
+              <a:rPr lang="en-US" dirty="0" err="1"/>
+              <a:t>Diusion</a:t>
+            </a:r>
+            <a:r>
+              <a:rPr lang="en-US" dirty="0"/>
+              <a:t> Simulation of Coupled</a:t>
+            </a:r>
+            <a:br>
+              <a:rPr lang="en-US" dirty="0"/>
+            </a:br>
+            <a:r>
+              <a:rPr lang="en-US" dirty="0"/>
+              <a:t>Ionic-Electronic Devices</a:t>
+            </a:r>
           </a:p>
         </p:txBody>
       </p:sp>
@@ -4926,11 +4853,7 @@
             </a:r>
             <a:r>
               <a:rPr lang="en-US" dirty="0" smtClean="0"/>
-              <a:t>em </a:t>
-            </a:r>
-            <a:r>
-              <a:rPr lang="en-US" dirty="0" smtClean="0"/>
-              <a:t>Bonfil</a:t>
+              <a:t>em Bonfil</a:t>
             </a:r>
             <a:endParaRPr lang="en-US" dirty="0"/>
           </a:p>
@@ -4990,9 +4913,16 @@
           <a:p>
             <a:r>
               <a:rPr lang="en-US" dirty="0" smtClean="0"/>
-              <a:t>3.2 Current Limiting Mechanism</a:t>
-            </a:r>
-            <a:endParaRPr lang="en-US" dirty="0"/>
+              <a:t>4.2- </a:t>
+            </a:r>
+            <a:r>
+              <a:rPr lang="en-US" dirty="0" err="1"/>
+              <a:t>BoundarY</a:t>
+            </a:r>
+            <a:r>
+              <a:rPr lang="en-US" dirty="0"/>
+              <a:t> conditions</a:t>
+            </a:r>
           </a:p>
         </p:txBody>
       </p:sp>
@@ -5011,14 +4941,65 @@
           <a:bodyPr/>
           <a:lstStyle/>
           <a:p>
-            <a:endParaRPr lang="en-US"/>
-          </a:p>
-        </p:txBody>
-      </p:sp>
+            <a:pPr marL="2571400" lvl="8" indent="0">
+              <a:buNone/>
+            </a:pPr>
+            <a:endParaRPr lang="en-US" dirty="0"/>
+          </a:p>
+        </p:txBody>
+      </p:sp>
+      <p:pic>
+        <p:nvPicPr>
+          <p:cNvPr id="4" name="Picture 3"/>
+          <p:cNvPicPr>
+            <a:picLocks noChangeAspect="1"/>
+          </p:cNvPicPr>
+          <p:nvPr/>
+        </p:nvPicPr>
+        <p:blipFill>
+          <a:blip r:embed="rId3"/>
+          <a:stretch>
+            <a:fillRect/>
+          </a:stretch>
+        </p:blipFill>
+        <p:spPr>
+          <a:xfrm>
+            <a:off x="369148" y="2180496"/>
+            <a:ext cx="5726851" cy="4308832"/>
+          </a:xfrm>
+          <a:prstGeom prst="rect">
+            <a:avLst/>
+          </a:prstGeom>
+        </p:spPr>
+      </p:pic>
+      <p:pic>
+        <p:nvPicPr>
+          <p:cNvPr id="5" name="Picture 4"/>
+          <p:cNvPicPr>
+            <a:picLocks noChangeAspect="1"/>
+          </p:cNvPicPr>
+          <p:nvPr/>
+        </p:nvPicPr>
+        <p:blipFill>
+          <a:blip r:embed="rId4"/>
+          <a:stretch>
+            <a:fillRect/>
+          </a:stretch>
+        </p:blipFill>
+        <p:spPr>
+          <a:xfrm>
+            <a:off x="6095999" y="2084703"/>
+            <a:ext cx="5981324" cy="4522465"/>
+          </a:xfrm>
+          <a:prstGeom prst="rect">
+            <a:avLst/>
+          </a:prstGeom>
+        </p:spPr>
+      </p:pic>
     </p:spTree>
     <p:extLst>
       <p:ext uri="{BB962C8B-B14F-4D97-AF65-F5344CB8AC3E}">
-        <p14:creationId xmlns:p14="http://schemas.microsoft.com/office/powerpoint/2010/main" val="463396718"/>
+        <p14:creationId xmlns:p14="http://schemas.microsoft.com/office/powerpoint/2010/main" val="1793866515"/>
       </p:ext>
     </p:extLst>
   </p:cSld>
@@ -5071,7 +5052,7 @@
           <a:p>
             <a:r>
               <a:rPr lang="en-US" dirty="0" smtClean="0"/>
-              <a:t>3.3- Numerical and Physical Limitations</a:t>
+              <a:t>4.3- Numerical and Physical Limitations</a:t>
             </a:r>
             <a:endParaRPr lang="en-US" dirty="0"/>
           </a:p>
@@ -5104,7 +5085,6 @@
               <a:rPr lang="en-US" sz="2200" dirty="0" smtClean="0"/>
               <a:t>Dielectric Relaxation Time </a:t>
             </a:r>
-            <a:endParaRPr lang="en-US" sz="2200" dirty="0" smtClean="0"/>
           </a:p>
           <a:p>
             <a:r>
@@ -5131,7 +5111,7 @@
       </p:sp>
       <p:pic>
         <p:nvPicPr>
-          <p:cNvPr id="4" name="Picture 3"/>
+          <p:cNvPr id="6" name="Picture 5"/>
           <p:cNvPicPr>
             <a:picLocks noChangeAspect="1"/>
           </p:cNvPicPr>
@@ -5145,8 +5125,8 @@
         </p:blipFill>
         <p:spPr>
           <a:xfrm>
-            <a:off x="5676900" y="1838087"/>
-            <a:ext cx="6074738" cy="4893378"/>
+            <a:off x="4169403" y="2605658"/>
+            <a:ext cx="1263462" cy="847639"/>
           </a:xfrm>
           <a:prstGeom prst="rect">
             <a:avLst/>
@@ -5155,7 +5135,7 @@
       </p:pic>
       <p:pic>
         <p:nvPicPr>
-          <p:cNvPr id="5" name="Picture 4"/>
+          <p:cNvPr id="7" name="Picture 6"/>
           <p:cNvPicPr>
             <a:picLocks noChangeAspect="1"/>
           </p:cNvPicPr>
@@ -5169,8 +5149,8 @@
         </p:blipFill>
         <p:spPr>
           <a:xfrm>
-            <a:off x="7746999" y="6636357"/>
-            <a:ext cx="2624985" cy="190216"/>
+            <a:off x="4169403" y="3317752"/>
+            <a:ext cx="1031560" cy="583751"/>
           </a:xfrm>
           <a:prstGeom prst="rect">
             <a:avLst/>
@@ -5179,7 +5159,7 @@
       </p:pic>
       <p:pic>
         <p:nvPicPr>
-          <p:cNvPr id="6" name="Picture 5"/>
+          <p:cNvPr id="8" name="Picture 7"/>
           <p:cNvPicPr>
             <a:picLocks noChangeAspect="1"/>
           </p:cNvPicPr>
@@ -5193,8 +5173,8 @@
         </p:blipFill>
         <p:spPr>
           <a:xfrm>
-            <a:off x="4169403" y="2605658"/>
-            <a:ext cx="1263462" cy="847639"/>
+            <a:off x="4247815" y="4787793"/>
+            <a:ext cx="1023564" cy="631731"/>
           </a:xfrm>
           <a:prstGeom prst="rect">
             <a:avLst/>
@@ -5203,7 +5183,7 @@
       </p:pic>
       <p:pic>
         <p:nvPicPr>
-          <p:cNvPr id="7" name="Picture 6"/>
+          <p:cNvPr id="9" name="Picture 8"/>
           <p:cNvPicPr>
             <a:picLocks noChangeAspect="1"/>
           </p:cNvPicPr>
@@ -5217,8 +5197,8 @@
         </p:blipFill>
         <p:spPr>
           <a:xfrm>
-            <a:off x="4169403" y="3317752"/>
-            <a:ext cx="1031560" cy="583751"/>
+            <a:off x="4169403" y="4076096"/>
+            <a:ext cx="1031560" cy="711697"/>
           </a:xfrm>
           <a:prstGeom prst="rect">
             <a:avLst/>
@@ -5227,7 +5207,7 @@
       </p:pic>
       <p:pic>
         <p:nvPicPr>
-          <p:cNvPr id="8" name="Picture 7"/>
+          <p:cNvPr id="10" name="Picture 9"/>
           <p:cNvPicPr>
             <a:picLocks noChangeAspect="1"/>
           </p:cNvPicPr>
@@ -5241,32 +5221,8 @@
         </p:blipFill>
         <p:spPr>
           <a:xfrm>
-            <a:off x="4247815" y="4787793"/>
-            <a:ext cx="1023564" cy="631731"/>
-          </a:xfrm>
-          <a:prstGeom prst="rect">
-            <a:avLst/>
-          </a:prstGeom>
-        </p:spPr>
-      </p:pic>
-      <p:pic>
-        <p:nvPicPr>
-          <p:cNvPr id="9" name="Picture 8"/>
-          <p:cNvPicPr>
-            <a:picLocks noChangeAspect="1"/>
-          </p:cNvPicPr>
-          <p:nvPr/>
-        </p:nvPicPr>
-        <p:blipFill>
-          <a:blip r:embed="rId7"/>
-          <a:stretch>
-            <a:fillRect/>
-          </a:stretch>
-        </p:blipFill>
-        <p:spPr>
-          <a:xfrm>
-            <a:off x="4169403" y="4076096"/>
-            <a:ext cx="1031560" cy="711697"/>
+            <a:off x="5912448" y="1824057"/>
+            <a:ext cx="5698359" cy="4878248"/>
           </a:xfrm>
           <a:prstGeom prst="rect">
             <a:avLst/>
@@ -5329,7 +5285,7 @@
           <a:p>
             <a:r>
               <a:rPr lang="en-US" dirty="0" smtClean="0"/>
-              <a:t>4- 1-D and 2-d </a:t>
+              <a:t>5- 1-D and 2-d </a:t>
             </a:r>
             <a:r>
               <a:rPr lang="en-US" dirty="0" err="1" smtClean="0"/>
@@ -5358,13 +5314,46 @@
           <a:bodyPr/>
           <a:lstStyle/>
           <a:p>
+            <a:r>
+              <a:rPr lang="en-US" dirty="0" smtClean="0"/>
+              <a:t>Diffusion Current Density:</a:t>
+            </a:r>
+          </a:p>
+          <a:p>
+            <a:endParaRPr lang="en-US" dirty="0" smtClean="0"/>
+          </a:p>
+          <a:p>
+            <a:r>
+              <a:rPr lang="en-US" dirty="0" smtClean="0"/>
+              <a:t>Electric Potential:</a:t>
+            </a:r>
+          </a:p>
+          <a:p>
+            <a:endParaRPr lang="en-US" dirty="0" smtClean="0"/>
+          </a:p>
+          <a:p>
+            <a:r>
+              <a:rPr lang="en-US" dirty="0" smtClean="0"/>
+              <a:t>Electric Field:</a:t>
+            </a:r>
+          </a:p>
+          <a:p>
+            <a:endParaRPr lang="en-US" dirty="0" smtClean="0"/>
+          </a:p>
+          <a:p>
+            <a:r>
+              <a:rPr lang="en-US" dirty="0" smtClean="0"/>
+              <a:t>Drift Current Density:</a:t>
+            </a:r>
+          </a:p>
+          <a:p>
             <a:endParaRPr lang="en-US" dirty="0"/>
           </a:p>
         </p:txBody>
       </p:sp>
       <p:pic>
         <p:nvPicPr>
-          <p:cNvPr id="5" name="Picture 4"/>
+          <p:cNvPr id="4" name="Picture 3"/>
           <p:cNvPicPr>
             <a:picLocks noChangeAspect="1"/>
           </p:cNvPicPr>
@@ -5378,8 +5367,104 @@
         </p:blipFill>
         <p:spPr>
           <a:xfrm>
-            <a:off x="1553062" y="1928632"/>
-            <a:ext cx="9178438" cy="4555558"/>
+            <a:off x="5615599" y="2334405"/>
+            <a:ext cx="6576401" cy="3215369"/>
+          </a:xfrm>
+          <a:prstGeom prst="rect">
+            <a:avLst/>
+          </a:prstGeom>
+        </p:spPr>
+      </p:pic>
+      <p:pic>
+        <p:nvPicPr>
+          <p:cNvPr id="6" name="Picture 5"/>
+          <p:cNvPicPr>
+            <a:picLocks noChangeAspect="1"/>
+          </p:cNvPicPr>
+          <p:nvPr/>
+        </p:nvPicPr>
+        <p:blipFill>
+          <a:blip r:embed="rId3"/>
+          <a:stretch>
+            <a:fillRect/>
+          </a:stretch>
+        </p:blipFill>
+        <p:spPr>
+          <a:xfrm>
+            <a:off x="3504762" y="2289049"/>
+            <a:ext cx="2489441" cy="660660"/>
+          </a:xfrm>
+          <a:prstGeom prst="rect">
+            <a:avLst/>
+          </a:prstGeom>
+        </p:spPr>
+      </p:pic>
+      <p:pic>
+        <p:nvPicPr>
+          <p:cNvPr id="7" name="Picture 6"/>
+          <p:cNvPicPr>
+            <a:picLocks noChangeAspect="1"/>
+          </p:cNvPicPr>
+          <p:nvPr/>
+        </p:nvPicPr>
+        <p:blipFill>
+          <a:blip r:embed="rId4"/>
+          <a:stretch>
+            <a:fillRect/>
+          </a:stretch>
+        </p:blipFill>
+        <p:spPr>
+          <a:xfrm>
+            <a:off x="3535950" y="3021817"/>
+            <a:ext cx="1651686" cy="848162"/>
+          </a:xfrm>
+          <a:prstGeom prst="rect">
+            <a:avLst/>
+          </a:prstGeom>
+        </p:spPr>
+      </p:pic>
+      <p:pic>
+        <p:nvPicPr>
+          <p:cNvPr id="8" name="Picture 7"/>
+          <p:cNvPicPr>
+            <a:picLocks noChangeAspect="1"/>
+          </p:cNvPicPr>
+          <p:nvPr/>
+        </p:nvPicPr>
+        <p:blipFill>
+          <a:blip r:embed="rId5"/>
+          <a:stretch>
+            <a:fillRect/>
+          </a:stretch>
+        </p:blipFill>
+        <p:spPr>
+          <a:xfrm>
+            <a:off x="3602746" y="3919047"/>
+            <a:ext cx="1518094" cy="732873"/>
+          </a:xfrm>
+          <a:prstGeom prst="rect">
+            <a:avLst/>
+          </a:prstGeom>
+        </p:spPr>
+      </p:pic>
+      <p:pic>
+        <p:nvPicPr>
+          <p:cNvPr id="9" name="Picture 8"/>
+          <p:cNvPicPr>
+            <a:picLocks noChangeAspect="1"/>
+          </p:cNvPicPr>
+          <p:nvPr/>
+        </p:nvPicPr>
+        <p:blipFill>
+          <a:blip r:embed="rId6"/>
+          <a:stretch>
+            <a:fillRect/>
+          </a:stretch>
+        </p:blipFill>
+        <p:spPr>
+          <a:xfrm>
+            <a:off x="3644591" y="4700988"/>
+            <a:ext cx="3225587" cy="1091865"/>
           </a:xfrm>
           <a:prstGeom prst="rect">
             <a:avLst/>
@@ -5440,7 +5525,7 @@
           <a:p>
             <a:r>
               <a:rPr lang="en-US" dirty="0" smtClean="0"/>
-              <a:t>4.1 – 1-D </a:t>
+              <a:t>5.1 – 1-D </a:t>
             </a:r>
             <a:r>
               <a:rPr lang="en-US" dirty="0" err="1" smtClean="0"/>
@@ -5475,7 +5560,7 @@
       </p:sp>
       <p:pic>
         <p:nvPicPr>
-          <p:cNvPr id="4" name="Picture 3"/>
+          <p:cNvPr id="5" name="Picture 4"/>
           <p:cNvPicPr>
             <a:picLocks noChangeAspect="1"/>
           </p:cNvPicPr>
@@ -5489,8 +5574,8 @@
         </p:blipFill>
         <p:spPr>
           <a:xfrm>
-            <a:off x="581192" y="1977296"/>
-            <a:ext cx="5003800" cy="4603496"/>
+            <a:off x="5808308" y="1977296"/>
+            <a:ext cx="6167791" cy="4603496"/>
           </a:xfrm>
           <a:prstGeom prst="rect">
             <a:avLst/>
@@ -5499,7 +5584,7 @@
       </p:pic>
       <p:pic>
         <p:nvPicPr>
-          <p:cNvPr id="5" name="Picture 4"/>
+          <p:cNvPr id="7" name="Picture 6"/>
           <p:cNvPicPr>
             <a:picLocks noChangeAspect="1"/>
           </p:cNvPicPr>
@@ -5513,8 +5598,8 @@
         </p:blipFill>
         <p:spPr>
           <a:xfrm>
-            <a:off x="5808308" y="1977296"/>
-            <a:ext cx="6167791" cy="4603496"/>
+            <a:off x="471742" y="2123387"/>
+            <a:ext cx="5171009" cy="4311313"/>
           </a:xfrm>
           <a:prstGeom prst="rect">
             <a:avLst/>
@@ -5576,8 +5661,12 @@
           <a:lstStyle/>
           <a:p>
             <a:r>
+              <a:rPr lang="en-US" dirty="0" smtClean="0"/>
+              <a:t>5.1 </a:t>
+            </a:r>
+            <a:r>
               <a:rPr lang="en-US" dirty="0"/>
-              <a:t>4.1 – 1-D </a:t>
+              <a:t>– 1-D </a:t>
             </a:r>
             <a:r>
               <a:rPr lang="en-US" dirty="0" err="1"/>
@@ -5716,34 +5805,15 @@
           <a:p>
             <a:r>
               <a:rPr lang="en-US" dirty="0" smtClean="0"/>
-              <a:t>4.2- Scaling to Higher densities</a:t>
-            </a:r>
-            <a:endParaRPr lang="en-US" dirty="0"/>
-          </a:p>
-        </p:txBody>
-      </p:sp>
-      <p:sp>
-        <p:nvSpPr>
-          <p:cNvPr id="3" name="Content Placeholder 2"/>
-          <p:cNvSpPr>
-            <a:spLocks noGrp="1"/>
-          </p:cNvSpPr>
-          <p:nvPr>
-            <p:ph idx="1"/>
-          </p:nvPr>
-        </p:nvSpPr>
-        <p:spPr/>
-        <p:txBody>
-          <a:bodyPr/>
-          <a:lstStyle/>
-          <a:p>
+              <a:t>5.2- Scaling to Higher densities</a:t>
+            </a:r>
             <a:endParaRPr lang="en-US" dirty="0"/>
           </a:p>
         </p:txBody>
       </p:sp>
       <p:pic>
         <p:nvPicPr>
-          <p:cNvPr id="5" name="Picture 4"/>
+          <p:cNvPr id="7" name="Picture 6"/>
           <p:cNvPicPr>
             <a:picLocks noChangeAspect="1"/>
           </p:cNvPicPr>
@@ -5757,8 +5827,8 @@
         </p:blipFill>
         <p:spPr>
           <a:xfrm>
-            <a:off x="7791186" y="2364879"/>
-            <a:ext cx="4272426" cy="3212983"/>
+            <a:off x="6473266" y="1940778"/>
+            <a:ext cx="4499534" cy="4236223"/>
           </a:xfrm>
           <a:prstGeom prst="rect">
             <a:avLst/>
@@ -5767,7 +5837,7 @@
       </p:pic>
       <p:pic>
         <p:nvPicPr>
-          <p:cNvPr id="6" name="Picture 5"/>
+          <p:cNvPr id="8" name="Picture 7"/>
           <p:cNvPicPr>
             <a:picLocks noChangeAspect="1"/>
           </p:cNvPicPr>
@@ -5781,56 +5851,8 @@
         </p:blipFill>
         <p:spPr>
           <a:xfrm>
-            <a:off x="7961762" y="5548140"/>
-            <a:ext cx="4024888" cy="310657"/>
-          </a:xfrm>
-          <a:prstGeom prst="rect">
-            <a:avLst/>
-          </a:prstGeom>
-        </p:spPr>
-      </p:pic>
-      <p:pic>
-        <p:nvPicPr>
-          <p:cNvPr id="7" name="Picture 6"/>
-          <p:cNvPicPr>
-            <a:picLocks noChangeAspect="1"/>
-          </p:cNvPicPr>
-          <p:nvPr/>
-        </p:nvPicPr>
-        <p:blipFill>
-          <a:blip r:embed="rId4"/>
-          <a:stretch>
-            <a:fillRect/>
-          </a:stretch>
-        </p:blipFill>
-        <p:spPr>
-          <a:xfrm>
-            <a:off x="4074097" y="2189914"/>
-            <a:ext cx="3896930" cy="3668883"/>
-          </a:xfrm>
-          <a:prstGeom prst="rect">
-            <a:avLst/>
-          </a:prstGeom>
-        </p:spPr>
-      </p:pic>
-      <p:pic>
-        <p:nvPicPr>
-          <p:cNvPr id="8" name="Picture 7"/>
-          <p:cNvPicPr>
-            <a:picLocks noChangeAspect="1"/>
-          </p:cNvPicPr>
-          <p:nvPr/>
-        </p:nvPicPr>
-        <p:blipFill>
-          <a:blip r:embed="rId5"/>
-          <a:stretch>
-            <a:fillRect/>
-          </a:stretch>
-        </p:blipFill>
-        <p:spPr>
-          <a:xfrm>
-            <a:off x="205349" y="2311886"/>
-            <a:ext cx="3868748" cy="3546911"/>
+            <a:off x="812392" y="1983123"/>
+            <a:ext cx="4574419" cy="4193878"/>
           </a:xfrm>
           <a:prstGeom prst="rect">
             <a:avLst/>
@@ -5890,8 +5912,12 @@
           <a:lstStyle/>
           <a:p>
             <a:r>
+              <a:rPr lang="en-US" dirty="0" smtClean="0"/>
+              <a:t>5.3- </a:t>
+            </a:r>
+            <a:r>
               <a:rPr lang="en-US" dirty="0"/>
-              <a:t>4.3- 2-D </a:t>
+              <a:t>2-D </a:t>
             </a:r>
             <a:r>
               <a:rPr lang="en-US" dirty="0" err="1"/>
@@ -5925,7 +5951,7 @@
       </p:sp>
       <p:pic>
         <p:nvPicPr>
-          <p:cNvPr id="6" name="Picture 5"/>
+          <p:cNvPr id="7" name="Picture 6"/>
           <p:cNvPicPr>
             <a:picLocks noChangeAspect="1"/>
           </p:cNvPicPr>
@@ -5939,8 +5965,8 @@
         </p:blipFill>
         <p:spPr>
           <a:xfrm>
-            <a:off x="581192" y="2097797"/>
-            <a:ext cx="5124283" cy="3924057"/>
+            <a:off x="6234493" y="2075753"/>
+            <a:ext cx="5376314" cy="4041679"/>
           </a:xfrm>
           <a:prstGeom prst="rect">
             <a:avLst/>
@@ -5949,7 +5975,7 @@
       </p:pic>
       <p:pic>
         <p:nvPicPr>
-          <p:cNvPr id="7" name="Picture 6"/>
+          <p:cNvPr id="4" name="Picture 3"/>
           <p:cNvPicPr>
             <a:picLocks noChangeAspect="1"/>
           </p:cNvPicPr>
@@ -5963,8 +5989,8 @@
         </p:blipFill>
         <p:spPr>
           <a:xfrm>
-            <a:off x="6237231" y="2075754"/>
-            <a:ext cx="5278494" cy="3968142"/>
+            <a:off x="581192" y="2075754"/>
+            <a:ext cx="5230770" cy="4041679"/>
           </a:xfrm>
           <a:prstGeom prst="rect">
             <a:avLst/>
@@ -6024,8 +6050,12 @@
           <a:lstStyle/>
           <a:p>
             <a:r>
+              <a:rPr lang="en-US" dirty="0" smtClean="0"/>
+              <a:t>5.3- </a:t>
+            </a:r>
+            <a:r>
               <a:rPr lang="en-US" dirty="0"/>
-              <a:t>4.3- 2-D </a:t>
+              <a:t>2-D </a:t>
             </a:r>
             <a:r>
               <a:rPr lang="en-US" dirty="0" err="1"/>
@@ -6152,7 +6182,7 @@
           <a:p>
             <a:r>
               <a:rPr lang="en-US" dirty="0" smtClean="0"/>
-              <a:t>4.3- 2-D </a:t>
+              <a:t>5.3- 2-D </a:t>
             </a:r>
             <a:r>
               <a:rPr lang="en-US" dirty="0" err="1" smtClean="0"/>
@@ -6198,7 +6228,7 @@
       </p:pic>
       <p:pic>
         <p:nvPicPr>
-          <p:cNvPr id="4" name="Picture 3"/>
+          <p:cNvPr id="3" name="Picture 2"/>
           <p:cNvPicPr>
             <a:picLocks noChangeAspect="1"/>
           </p:cNvPicPr>
@@ -6212,8 +6242,8 @@
         </p:blipFill>
         <p:spPr>
           <a:xfrm>
-            <a:off x="427181" y="2094770"/>
-            <a:ext cx="5858800" cy="4286599"/>
+            <a:off x="581192" y="2094770"/>
+            <a:ext cx="5558140" cy="4312803"/>
           </a:xfrm>
           <a:prstGeom prst="rect">
             <a:avLst/>
@@ -6273,8 +6303,12 @@
           <a:lstStyle/>
           <a:p>
             <a:r>
+              <a:rPr lang="en-US" dirty="0" smtClean="0"/>
+              <a:t>5.3- </a:t>
+            </a:r>
+            <a:r>
               <a:rPr lang="en-US" dirty="0"/>
-              <a:t>4.3- 2-D </a:t>
+              <a:t>2-D </a:t>
             </a:r>
             <a:r>
               <a:rPr lang="en-US" dirty="0" err="1"/>
@@ -6440,15 +6474,7 @@
             </a:pPr>
             <a:r>
               <a:rPr lang="en-US" sz="2400" dirty="0" smtClean="0"/>
-              <a:t>What is a </a:t>
-            </a:r>
-            <a:r>
-              <a:rPr lang="en-US" sz="2400" dirty="0" err="1" smtClean="0"/>
-              <a:t>memristor</a:t>
-            </a:r>
-            <a:r>
-              <a:rPr lang="en-US" sz="2400" dirty="0" smtClean="0"/>
-              <a:t> ?</a:t>
+              <a:t>What is an ionic electronic device ?</a:t>
             </a:r>
           </a:p>
           <a:p>
@@ -6458,15 +6484,7 @@
             </a:pPr>
             <a:r>
               <a:rPr lang="en-US" sz="2400" dirty="0" smtClean="0"/>
-              <a:t>Organic </a:t>
-            </a:r>
-            <a:r>
-              <a:rPr lang="en-US" sz="2400" dirty="0" err="1" smtClean="0"/>
-              <a:t>Memristor</a:t>
-            </a:r>
-            <a:r>
-              <a:rPr lang="en-US" sz="2400" dirty="0" smtClean="0"/>
-              <a:t> Modelling</a:t>
+              <a:t>Equations</a:t>
             </a:r>
           </a:p>
           <a:p>
@@ -6476,7 +6494,21 @@
             </a:pPr>
             <a:r>
               <a:rPr lang="en-US" sz="2400" dirty="0" smtClean="0"/>
-              <a:t> Application of Finite Difference</a:t>
+              <a:t>Application of Finite Difference</a:t>
+            </a:r>
+          </a:p>
+          <a:p>
+            <a:pPr marL="457200" indent="-457200">
+              <a:buFont typeface="+mj-lt"/>
+              <a:buAutoNum type="arabicPeriod"/>
+            </a:pPr>
+            <a:r>
+              <a:rPr lang="en-US" sz="2400" dirty="0" err="1" smtClean="0"/>
+              <a:t>Memristor</a:t>
+            </a:r>
+            <a:r>
+              <a:rPr lang="en-US" sz="2400" dirty="0" smtClean="0"/>
+              <a:t> </a:t>
             </a:r>
           </a:p>
           <a:p>
@@ -6578,7 +6610,7 @@
           <a:p>
             <a:r>
               <a:rPr lang="en-US" dirty="0" smtClean="0"/>
-              <a:t>5. 2-D simulation vs. experimental results</a:t>
+              <a:t>6. 2-D simulation vs. experimental results</a:t>
             </a:r>
             <a:endParaRPr lang="en-US" dirty="0"/>
           </a:p>
@@ -6619,8 +6651,8 @@
         </p:blipFill>
         <p:spPr>
           <a:xfrm>
-            <a:off x="144422" y="2001718"/>
-            <a:ext cx="6390786" cy="3351453"/>
+            <a:off x="264544" y="2407850"/>
+            <a:ext cx="5504968" cy="2886913"/>
           </a:xfrm>
           <a:prstGeom prst="rect">
             <a:avLst/>
@@ -6643,7 +6675,7 @@
         </p:blipFill>
         <p:spPr>
           <a:xfrm>
-            <a:off x="796023" y="5353171"/>
+            <a:off x="726145" y="5294763"/>
             <a:ext cx="4898415" cy="297131"/>
           </a:xfrm>
           <a:prstGeom prst="rect">
@@ -6653,7 +6685,7 @@
       </p:pic>
       <p:pic>
         <p:nvPicPr>
-          <p:cNvPr id="8" name="Picture 7"/>
+          <p:cNvPr id="10" name="Picture 9"/>
           <p:cNvPicPr>
             <a:picLocks noChangeAspect="1"/>
           </p:cNvPicPr>
@@ -6667,8 +6699,8 @@
         </p:blipFill>
         <p:spPr>
           <a:xfrm>
-            <a:off x="6691428" y="1950687"/>
-            <a:ext cx="5237201" cy="4050300"/>
+            <a:off x="6530315" y="5347487"/>
+            <a:ext cx="4953000" cy="244407"/>
           </a:xfrm>
           <a:prstGeom prst="rect">
             <a:avLst/>
@@ -6677,7 +6709,7 @@
       </p:pic>
       <p:pic>
         <p:nvPicPr>
-          <p:cNvPr id="10" name="Picture 9"/>
+          <p:cNvPr id="5" name="Picture 4"/>
           <p:cNvPicPr>
             <a:picLocks noChangeAspect="1"/>
           </p:cNvPicPr>
@@ -6691,8 +6723,8 @@
         </p:blipFill>
         <p:spPr>
           <a:xfrm>
-            <a:off x="6883401" y="6004349"/>
-            <a:ext cx="4953000" cy="244407"/>
+            <a:off x="5769512" y="2425542"/>
+            <a:ext cx="6198852" cy="2869221"/>
           </a:xfrm>
           <a:prstGeom prst="rect">
             <a:avLst/>
@@ -6754,8 +6786,12 @@
           <a:lstStyle/>
           <a:p>
             <a:r>
+              <a:rPr lang="en-US" dirty="0" smtClean="0"/>
+              <a:t>6. </a:t>
+            </a:r>
+            <a:r>
               <a:rPr lang="en-US" dirty="0"/>
-              <a:t>5. 2-D </a:t>
+              <a:t>2-D </a:t>
             </a:r>
             <a:r>
               <a:rPr lang="en-US" dirty="0" smtClean="0"/>
@@ -6919,8 +6955,12 @@
           <a:lstStyle/>
           <a:p>
             <a:r>
+              <a:rPr lang="en-US" dirty="0" smtClean="0"/>
+              <a:t>6. </a:t>
+            </a:r>
+            <a:r>
               <a:rPr lang="en-US" dirty="0"/>
-              <a:t>5. 2-D simulation vs. experimental results Cont.</a:t>
+              <a:t>2-D simulation vs. experimental results Cont.</a:t>
             </a:r>
           </a:p>
         </p:txBody>
@@ -6970,7 +7010,7 @@
       </p:pic>
       <p:pic>
         <p:nvPicPr>
-          <p:cNvPr id="6" name="Picture 5"/>
+          <p:cNvPr id="4" name="Picture 3"/>
           <p:cNvPicPr>
             <a:picLocks noChangeAspect="1"/>
           </p:cNvPicPr>
@@ -6984,8 +7024,8 @@
         </p:blipFill>
         <p:spPr>
           <a:xfrm>
-            <a:off x="6736557" y="2249487"/>
-            <a:ext cx="5152386" cy="3647090"/>
+            <a:off x="6441756" y="2249487"/>
+            <a:ext cx="5420769" cy="3421574"/>
           </a:xfrm>
           <a:prstGeom prst="rect">
             <a:avLst/>
@@ -7045,8 +7085,12 @@
           <a:lstStyle/>
           <a:p>
             <a:r>
+              <a:rPr lang="en-US" dirty="0"/>
+              <a:t>7</a:t>
+            </a:r>
+            <a:r>
               <a:rPr lang="en-US" dirty="0" smtClean="0"/>
-              <a:t>6- Conclusion</a:t>
+              <a:t>- Conclusion</a:t>
             </a:r>
             <a:endParaRPr lang="en-US" dirty="0"/>
           </a:p>
@@ -7069,6 +7113,9 @@
           </a:bodyPr>
           <a:lstStyle/>
           <a:p>
+            <a:pPr marL="0" indent="0">
+              <a:buNone/>
+            </a:pPr>
             <a:endParaRPr lang="en-US" dirty="0" smtClean="0"/>
           </a:p>
           <a:p>
@@ -7088,11 +7135,7 @@
             </a:r>
             <a:r>
               <a:rPr lang="en-US" dirty="0" smtClean="0"/>
-              <a:t> (</a:t>
-            </a:r>
-            <a:r>
-              <a:rPr lang="en-US" dirty="0" smtClean="0"/>
-              <a:t>Can be extended to other ionic devices)</a:t>
+              <a:t> (Can be extended to other ionic devices)</a:t>
             </a:r>
           </a:p>
           <a:p>
@@ -7200,7 +7243,11 @@
           <a:bodyPr/>
           <a:lstStyle/>
           <a:p>
-            <a:endParaRPr lang="en-US"/>
+            <a:r>
+              <a:rPr lang="en-US" dirty="0" smtClean="0"/>
+              <a:t>Electric Field</a:t>
+            </a:r>
+            <a:endParaRPr lang="en-US" dirty="0"/>
           </a:p>
         </p:txBody>
       </p:sp>
@@ -7251,6 +7298,102 @@
     <p:extLst>
       <p:ext uri="{BB962C8B-B14F-4D97-AF65-F5344CB8AC3E}">
         <p14:creationId xmlns:p14="http://schemas.microsoft.com/office/powerpoint/2010/main" val="3301534791"/>
+      </p:ext>
+    </p:extLst>
+  </p:cSld>
+  <p:clrMapOvr>
+    <a:masterClrMapping/>
+  </p:clrMapOvr>
+</p:sld>
+</file>
+
+<file path=ppt/slides/slide25.xml><?xml version="1.0" encoding="utf-8"?>
+<p:sld xmlns:a="http://schemas.openxmlformats.org/drawingml/2006/main" xmlns:r="http://schemas.openxmlformats.org/officeDocument/2006/relationships" xmlns:p="http://schemas.openxmlformats.org/presentationml/2006/main">
+  <p:cSld>
+    <p:spTree>
+      <p:nvGrpSpPr>
+        <p:cNvPr id="1" name=""/>
+        <p:cNvGrpSpPr/>
+        <p:nvPr/>
+      </p:nvGrpSpPr>
+      <p:grpSpPr>
+        <a:xfrm>
+          <a:off x="0" y="0"/>
+          <a:ext cx="0" cy="0"/>
+          <a:chOff x="0" y="0"/>
+          <a:chExt cx="0" cy="0"/>
+        </a:xfrm>
+      </p:grpSpPr>
+      <p:sp>
+        <p:nvSpPr>
+          <p:cNvPr id="2" name="Title 1"/>
+          <p:cNvSpPr>
+            <a:spLocks noGrp="1"/>
+          </p:cNvSpPr>
+          <p:nvPr>
+            <p:ph type="title"/>
+          </p:nvPr>
+        </p:nvSpPr>
+        <p:spPr/>
+        <p:txBody>
+          <a:bodyPr/>
+          <a:lstStyle/>
+          <a:p>
+            <a:r>
+              <a:rPr lang="en-US" dirty="0" smtClean="0"/>
+              <a:t>Percentage Difference</a:t>
+            </a:r>
+            <a:endParaRPr lang="en-US" dirty="0"/>
+          </a:p>
+        </p:txBody>
+      </p:sp>
+      <p:sp>
+        <p:nvSpPr>
+          <p:cNvPr id="3" name="Content Placeholder 2"/>
+          <p:cNvSpPr>
+            <a:spLocks noGrp="1"/>
+          </p:cNvSpPr>
+          <p:nvPr>
+            <p:ph idx="1"/>
+          </p:nvPr>
+        </p:nvSpPr>
+        <p:spPr/>
+        <p:txBody>
+          <a:bodyPr/>
+          <a:lstStyle/>
+          <a:p>
+            <a:endParaRPr lang="en-US"/>
+          </a:p>
+        </p:txBody>
+      </p:sp>
+      <p:pic>
+        <p:nvPicPr>
+          <p:cNvPr id="4" name="Picture 3"/>
+          <p:cNvPicPr>
+            <a:picLocks noChangeAspect="1"/>
+          </p:cNvPicPr>
+          <p:nvPr/>
+        </p:nvPicPr>
+        <p:blipFill>
+          <a:blip r:embed="rId2"/>
+          <a:stretch>
+            <a:fillRect/>
+          </a:stretch>
+        </p:blipFill>
+        <p:spPr>
+          <a:xfrm>
+            <a:off x="3441409" y="2330689"/>
+            <a:ext cx="5309179" cy="3992650"/>
+          </a:xfrm>
+          <a:prstGeom prst="rect">
+            <a:avLst/>
+          </a:prstGeom>
+        </p:spPr>
+      </p:pic>
+    </p:spTree>
+    <p:extLst>
+      <p:ext uri="{BB962C8B-B14F-4D97-AF65-F5344CB8AC3E}">
+        <p14:creationId xmlns:p14="http://schemas.microsoft.com/office/powerpoint/2010/main" val="3642537834"/>
       </p:ext>
     </p:extLst>
   </p:cSld>
@@ -7292,94 +7435,121 @@
           <a:bodyPr/>
           <a:lstStyle/>
           <a:p>
+            <a:pPr marL="457200" indent="-457200"/>
             <a:r>
               <a:rPr lang="en-US" dirty="0" smtClean="0"/>
               <a:t>1-What </a:t>
             </a:r>
             <a:r>
               <a:rPr lang="en-US" dirty="0"/>
-              <a:t>is a </a:t>
-            </a:r>
-            <a:r>
-              <a:rPr lang="en-US" dirty="0" err="1"/>
-              <a:t>memristor</a:t>
-            </a:r>
-            <a:r>
-              <a:rPr lang="en-US" dirty="0"/>
-              <a:t> </a:t>
-            </a:r>
-            <a:r>
-              <a:rPr lang="en-US" dirty="0" smtClean="0"/>
-              <a:t>?</a:t>
-            </a:r>
+              <a:t>is an ionic electronic device ?</a:t>
+            </a:r>
+          </a:p>
+        </p:txBody>
+      </p:sp>
+      <p:sp>
+        <p:nvSpPr>
+          <p:cNvPr id="3" name="Content Placeholder 2"/>
+          <p:cNvSpPr>
+            <a:spLocks noGrp="1"/>
+          </p:cNvSpPr>
+          <p:nvPr>
+            <p:ph idx="1"/>
+          </p:nvPr>
+        </p:nvSpPr>
+        <p:spPr/>
+        <p:txBody>
+          <a:bodyPr/>
+          <a:lstStyle/>
+          <a:p>
+            <a:r>
+              <a:rPr lang="en-US" sz="2200" dirty="0" smtClean="0"/>
+              <a:t>Electrical behavior determined </a:t>
+            </a:r>
+            <a:r>
+              <a:rPr lang="en-US" sz="2200" dirty="0"/>
+              <a:t>by the movement </a:t>
+            </a:r>
+            <a:r>
+              <a:rPr lang="en-US" sz="2200" dirty="0" smtClean="0"/>
+              <a:t>of mobile </a:t>
+            </a:r>
+            <a:r>
+              <a:rPr lang="en-US" sz="2200" dirty="0"/>
+              <a:t>charged </a:t>
+            </a:r>
+            <a:r>
+              <a:rPr lang="en-US" sz="2200" dirty="0" smtClean="0"/>
+              <a:t>particles</a:t>
+            </a:r>
+          </a:p>
+          <a:p>
+            <a:r>
+              <a:rPr lang="en-US" sz="2200" dirty="0" smtClean="0"/>
+              <a:t>Ions</a:t>
+            </a:r>
+            <a:r>
+              <a:rPr lang="en-US" sz="2200" dirty="0"/>
+              <a:t>, holes and </a:t>
+            </a:r>
+            <a:r>
+              <a:rPr lang="en-US" sz="2200" dirty="0" smtClean="0"/>
+              <a:t>electrons</a:t>
+            </a:r>
+          </a:p>
+          <a:p>
+            <a:r>
+              <a:rPr lang="en-US" sz="2200" dirty="0"/>
+              <a:t>Natural: </a:t>
+            </a:r>
+            <a:r>
+              <a:rPr lang="en-US" sz="2200" dirty="0" smtClean="0"/>
+              <a:t>Ionic-channels </a:t>
+            </a:r>
+            <a:r>
+              <a:rPr lang="en-US" sz="2200" dirty="0"/>
+              <a:t>in organic </a:t>
+            </a:r>
+            <a:r>
+              <a:rPr lang="en-US" sz="2200" dirty="0" smtClean="0"/>
+              <a:t>membranes</a:t>
+            </a:r>
+          </a:p>
+          <a:p>
+            <a:r>
+              <a:rPr lang="en-US" sz="2200" dirty="0" smtClean="0"/>
+              <a:t>Engineered: Non-Volatile Memory, Organic FET, </a:t>
+            </a:r>
+            <a:r>
+              <a:rPr lang="en-US" sz="2200" dirty="0" err="1" smtClean="0"/>
+              <a:t>Memristor</a:t>
+            </a:r>
+            <a:endParaRPr lang="en-US" sz="2200" dirty="0" smtClean="0"/>
+          </a:p>
+          <a:p>
+            <a:r>
+              <a:rPr lang="en-US" sz="2200" dirty="0" smtClean="0"/>
+              <a:t>Easy to fabricate, low </a:t>
+            </a:r>
+            <a:r>
+              <a:rPr lang="en-US" sz="2200" dirty="0" smtClean="0"/>
+              <a:t>operating </a:t>
+            </a:r>
+            <a:r>
+              <a:rPr lang="en-US" sz="2200" dirty="0" smtClean="0"/>
+              <a:t>voltage, slow</a:t>
+            </a:r>
+            <a:endParaRPr lang="en-US" sz="2200" dirty="0"/>
+          </a:p>
+          <a:p>
             <a:endParaRPr lang="en-US" dirty="0"/>
-          </a:p>
-        </p:txBody>
-      </p:sp>
-      <p:sp>
-        <p:nvSpPr>
-          <p:cNvPr id="3" name="Content Placeholder 2"/>
-          <p:cNvSpPr>
-            <a:spLocks noGrp="1"/>
-          </p:cNvSpPr>
-          <p:nvPr>
-            <p:ph idx="1"/>
-          </p:nvPr>
-        </p:nvSpPr>
-        <p:spPr/>
-        <p:txBody>
-          <a:bodyPr>
-            <a:normAutofit/>
-          </a:bodyPr>
-          <a:lstStyle/>
-          <a:p>
-            <a:r>
-              <a:rPr lang="en-US" sz="2400" dirty="0" smtClean="0"/>
-              <a:t>Voltage controlled resistor with memory</a:t>
-            </a:r>
-          </a:p>
-          <a:p>
-            <a:r>
-              <a:rPr lang="en-US" sz="2400" dirty="0" smtClean="0"/>
-              <a:t>Equation: M(q(t)) = V(t)/I(t)</a:t>
-            </a:r>
-          </a:p>
-          <a:p>
-            <a:r>
-              <a:rPr lang="en-US" sz="2400" dirty="0" smtClean="0"/>
-              <a:t>2 Distinct types</a:t>
-            </a:r>
-          </a:p>
-          <a:p>
-            <a:pPr lvl="1"/>
-            <a:r>
-              <a:rPr lang="en-US" sz="2400" dirty="0" smtClean="0"/>
-              <a:t>Organic: Based on </a:t>
-            </a:r>
-            <a:r>
-              <a:rPr lang="en-US" sz="2400" dirty="0" smtClean="0"/>
-              <a:t>PEDOT:PSS….</a:t>
-            </a:r>
-            <a:endParaRPr lang="en-US" sz="2400" dirty="0" smtClean="0"/>
-          </a:p>
-          <a:p>
-            <a:pPr lvl="1"/>
-            <a:r>
-              <a:rPr lang="en-US" sz="2400" dirty="0" smtClean="0"/>
-              <a:t>Inorganic: Based on </a:t>
-            </a:r>
-            <a:r>
-              <a:rPr lang="en-US" sz="2400" dirty="0" smtClean="0"/>
-              <a:t>TiO2  </a:t>
-            </a:r>
-            <a:endParaRPr lang="en-US" sz="2400" dirty="0" smtClean="0"/>
           </a:p>
         </p:txBody>
       </p:sp>
     </p:spTree>
     <p:extLst>
       <p:ext uri="{BB962C8B-B14F-4D97-AF65-F5344CB8AC3E}">
-        <p14:creationId xmlns:p14="http://schemas.microsoft.com/office/powerpoint/2010/main" val="593619456"/>
+        <p14:creationId xmlns:p14="http://schemas.microsoft.com/office/powerpoint/2010/main" val="442507411"/>
       </p:ext>
     </p:extLst>
   </p:cSld>
@@ -7423,27 +7593,14 @@
             <p:ph type="title"/>
           </p:nvPr>
         </p:nvSpPr>
-        <p:spPr>
-          <a:xfrm>
-            <a:off x="1141413" y="115414"/>
-            <a:ext cx="9905998" cy="1478570"/>
-          </a:xfrm>
-        </p:spPr>
+        <p:spPr/>
         <p:txBody>
           <a:bodyPr/>
           <a:lstStyle/>
           <a:p>
             <a:r>
               <a:rPr lang="en-US" dirty="0" smtClean="0"/>
-              <a:t>2. Organic </a:t>
-            </a:r>
-            <a:r>
-              <a:rPr lang="en-US" dirty="0" err="1" smtClean="0"/>
-              <a:t>Memristor</a:t>
-            </a:r>
-            <a:r>
-              <a:rPr lang="en-US" dirty="0" smtClean="0"/>
-              <a:t> Modelling</a:t>
+              <a:t>2- General Equations</a:t>
             </a:r>
             <a:endParaRPr lang="en-US" dirty="0"/>
           </a:p>
@@ -7461,13 +7618,65 @@
         </p:nvSpPr>
         <p:spPr/>
         <p:txBody>
-          <a:bodyPr/>
+          <a:bodyPr>
+            <a:normAutofit/>
+          </a:bodyPr>
           <a:lstStyle/>
           <a:p>
-            <a:endParaRPr lang="en-US" dirty="0"/>
-          </a:p>
-        </p:txBody>
-      </p:sp>
+            <a:r>
+              <a:rPr lang="en-US" sz="2400" dirty="0" smtClean="0"/>
+              <a:t>Drift diffusion equation:</a:t>
+            </a:r>
+          </a:p>
+          <a:p>
+            <a:endParaRPr lang="en-US" sz="2400" dirty="0" smtClean="0"/>
+          </a:p>
+          <a:p>
+            <a:r>
+              <a:rPr lang="en-US" sz="2400" dirty="0" smtClean="0"/>
+              <a:t>Continuity Equation:</a:t>
+            </a:r>
+          </a:p>
+          <a:p>
+            <a:endParaRPr lang="en-US" sz="2400" dirty="0"/>
+          </a:p>
+          <a:p>
+            <a:r>
+              <a:rPr lang="en-US" sz="2400" dirty="0" smtClean="0"/>
+              <a:t>Poisson’s </a:t>
+            </a:r>
+            <a:r>
+              <a:rPr lang="en-US" sz="2400" dirty="0" smtClean="0"/>
+              <a:t>Equation:</a:t>
+            </a:r>
+            <a:endParaRPr lang="en-US" sz="2400" dirty="0"/>
+          </a:p>
+        </p:txBody>
+      </p:sp>
+      <p:pic>
+        <p:nvPicPr>
+          <p:cNvPr id="4" name="Picture 3"/>
+          <p:cNvPicPr>
+            <a:picLocks noChangeAspect="1"/>
+          </p:cNvPicPr>
+          <p:nvPr/>
+        </p:nvPicPr>
+        <p:blipFill>
+          <a:blip r:embed="rId2"/>
+          <a:stretch>
+            <a:fillRect/>
+          </a:stretch>
+        </p:blipFill>
+        <p:spPr>
+          <a:xfrm>
+            <a:off x="4294381" y="2674976"/>
+            <a:ext cx="3095238" cy="619048"/>
+          </a:xfrm>
+          <a:prstGeom prst="rect">
+            <a:avLst/>
+          </a:prstGeom>
+        </p:spPr>
+      </p:pic>
       <p:pic>
         <p:nvPicPr>
           <p:cNvPr id="5" name="Picture 4"/>
@@ -7484,8 +7693,32 @@
         </p:blipFill>
         <p:spPr>
           <a:xfrm>
-            <a:off x="2806700" y="1930206"/>
-            <a:ext cx="5987567" cy="4505424"/>
+            <a:off x="4294381" y="3572028"/>
+            <a:ext cx="2285714" cy="895238"/>
+          </a:xfrm>
+          <a:prstGeom prst="rect">
+            <a:avLst/>
+          </a:prstGeom>
+        </p:spPr>
+      </p:pic>
+      <p:pic>
+        <p:nvPicPr>
+          <p:cNvPr id="7" name="Picture 6"/>
+          <p:cNvPicPr>
+            <a:picLocks noChangeAspect="1"/>
+          </p:cNvPicPr>
+          <p:nvPr/>
+        </p:nvPicPr>
+        <p:blipFill>
+          <a:blip r:embed="rId4"/>
+          <a:stretch>
+            <a:fillRect/>
+          </a:stretch>
+        </p:blipFill>
+        <p:spPr>
+          <a:xfrm>
+            <a:off x="4294381" y="4590256"/>
+            <a:ext cx="5422466" cy="809849"/>
           </a:xfrm>
           <a:prstGeom prst="rect">
             <a:avLst/>
@@ -7495,7 +7728,7 @@
     </p:spTree>
     <p:extLst>
       <p:ext uri="{BB962C8B-B14F-4D97-AF65-F5344CB8AC3E}">
-        <p14:creationId xmlns:p14="http://schemas.microsoft.com/office/powerpoint/2010/main" val="2199597429"/>
+        <p14:creationId xmlns:p14="http://schemas.microsoft.com/office/powerpoint/2010/main" val="240498953"/>
       </p:ext>
     </p:extLst>
   </p:cSld>
@@ -7546,7 +7779,15 @@
           <a:p>
             <a:r>
               <a:rPr lang="en-US" dirty="0" smtClean="0"/>
-              <a:t>2.1- General Equations</a:t>
+              <a:t>3. Application </a:t>
+            </a:r>
+            <a:r>
+              <a:rPr lang="en-US" dirty="0"/>
+              <a:t>of Finite </a:t>
+            </a:r>
+            <a:r>
+              <a:rPr lang="en-US" dirty="0" smtClean="0"/>
+              <a:t>Difference</a:t>
             </a:r>
             <a:endParaRPr lang="en-US" dirty="0"/>
           </a:p>
@@ -7562,30 +7803,57 @@
             <p:ph idx="1"/>
           </p:nvPr>
         </p:nvSpPr>
-        <p:spPr/>
+        <p:spPr>
+          <a:xfrm>
+            <a:off x="1141412" y="2249486"/>
+            <a:ext cx="9905999" cy="4299359"/>
+          </a:xfrm>
+        </p:spPr>
         <p:txBody>
           <a:bodyPr>
-            <a:normAutofit/>
+            <a:normAutofit fontScale="77500" lnSpcReduction="20000"/>
           </a:bodyPr>
           <a:lstStyle/>
           <a:p>
+            <a:endParaRPr lang="en-US" dirty="0" smtClean="0"/>
+          </a:p>
+          <a:p>
+            <a:endParaRPr lang="en-US" dirty="0"/>
+          </a:p>
+          <a:p>
+            <a:endParaRPr lang="en-US" dirty="0" smtClean="0"/>
+          </a:p>
+          <a:p>
             <a:r>
               <a:rPr lang="en-US" sz="2400" dirty="0" smtClean="0"/>
-              <a:t>Drift diffusion </a:t>
-            </a:r>
+              <a:t>First Order Central Difference :</a:t>
+            </a:r>
+          </a:p>
+          <a:p>
+            <a:endParaRPr lang="en-US" sz="2400" dirty="0" smtClean="0"/>
+          </a:p>
+          <a:p>
             <a:r>
               <a:rPr lang="en-US" sz="2400" dirty="0" smtClean="0"/>
-              <a:t>equation:</a:t>
-            </a:r>
+              <a:t>Second Order Central Difference:</a:t>
+            </a:r>
+          </a:p>
+          <a:p>
             <a:endParaRPr lang="en-US" sz="2400" dirty="0" smtClean="0"/>
           </a:p>
           <a:p>
+            <a:r>
+              <a:rPr lang="en-US" sz="2400" dirty="0" smtClean="0"/>
+              <a:t>Current Density</a:t>
+            </a:r>
+          </a:p>
+          <a:p>
             <a:endParaRPr lang="en-US" sz="2400" dirty="0" smtClean="0"/>
           </a:p>
           <a:p>
             <a:r>
               <a:rPr lang="en-US" sz="2400" dirty="0" smtClean="0"/>
-              <a:t>Continuity Equation:</a:t>
+              <a:t>Continuity</a:t>
             </a:r>
           </a:p>
           <a:p>
@@ -7593,14 +7861,34 @@
           </a:p>
           <a:p>
             <a:r>
-              <a:rPr lang="en-US" sz="2400" dirty="0" err="1" smtClean="0"/>
-              <a:t>Poissons</a:t>
-            </a:r>
-            <a:r>
               <a:rPr lang="en-US" sz="2400" dirty="0" smtClean="0"/>
-              <a:t> Equation:</a:t>
+              <a:t>Poisson’s Equation </a:t>
             </a:r>
             <a:endParaRPr lang="en-US" sz="2400" dirty="0"/>
+          </a:p>
+          <a:p>
+            <a:pPr marL="457200" lvl="1" indent="0">
+              <a:buNone/>
+            </a:pPr>
+            <a:endParaRPr lang="en-US" dirty="0" smtClean="0"/>
+          </a:p>
+          <a:p>
+            <a:endParaRPr lang="en-US" dirty="0"/>
+          </a:p>
+          <a:p>
+            <a:endParaRPr lang="en-US" dirty="0" smtClean="0"/>
+          </a:p>
+          <a:p>
+            <a:pPr marL="0" indent="0">
+              <a:buNone/>
+            </a:pPr>
+            <a:endParaRPr lang="en-US" dirty="0" smtClean="0"/>
+          </a:p>
+          <a:p>
+            <a:endParaRPr lang="en-US" dirty="0"/>
+          </a:p>
+          <a:p>
+            <a:endParaRPr lang="en-US" dirty="0"/>
           </a:p>
         </p:txBody>
       </p:sp>
@@ -7620,8 +7908,8 @@
         </p:blipFill>
         <p:spPr>
           <a:xfrm>
-            <a:off x="4294381" y="2674976"/>
-            <a:ext cx="3095238" cy="619048"/>
+            <a:off x="5345347" y="2132835"/>
+            <a:ext cx="2730368" cy="760356"/>
           </a:xfrm>
           <a:prstGeom prst="rect">
             <a:avLst/>
@@ -7644,8 +7932,8 @@
         </p:blipFill>
         <p:spPr>
           <a:xfrm>
-            <a:off x="4294381" y="3572028"/>
-            <a:ext cx="2285714" cy="895238"/>
+            <a:off x="5345346" y="2922712"/>
+            <a:ext cx="3311003" cy="670496"/>
           </a:xfrm>
           <a:prstGeom prst="rect">
             <a:avLst/>
@@ -7668,8 +7956,56 @@
         </p:blipFill>
         <p:spPr>
           <a:xfrm>
-            <a:off x="4294381" y="4745270"/>
-            <a:ext cx="5123809" cy="600000"/>
+            <a:off x="5345347" y="5162559"/>
+            <a:ext cx="1983837" cy="400915"/>
+          </a:xfrm>
+          <a:prstGeom prst="rect">
+            <a:avLst/>
+          </a:prstGeom>
+        </p:spPr>
+      </p:pic>
+      <p:pic>
+        <p:nvPicPr>
+          <p:cNvPr id="8" name="Picture 7"/>
+          <p:cNvPicPr>
+            <a:picLocks noChangeAspect="1"/>
+          </p:cNvPicPr>
+          <p:nvPr/>
+        </p:nvPicPr>
+        <p:blipFill>
+          <a:blip r:embed="rId5"/>
+          <a:stretch>
+            <a:fillRect/>
+          </a:stretch>
+        </p:blipFill>
+        <p:spPr>
+          <a:xfrm>
+            <a:off x="5345346" y="3717796"/>
+            <a:ext cx="5377788" cy="546073"/>
+          </a:xfrm>
+          <a:prstGeom prst="rect">
+            <a:avLst/>
+          </a:prstGeom>
+        </p:spPr>
+      </p:pic>
+      <p:pic>
+        <p:nvPicPr>
+          <p:cNvPr id="9" name="Picture 8"/>
+          <p:cNvPicPr>
+            <a:picLocks noChangeAspect="1"/>
+          </p:cNvPicPr>
+          <p:nvPr/>
+        </p:nvPicPr>
+        <p:blipFill>
+          <a:blip r:embed="rId6"/>
+          <a:stretch>
+            <a:fillRect/>
+          </a:stretch>
+        </p:blipFill>
+        <p:spPr>
+          <a:xfrm>
+            <a:off x="5345346" y="4293390"/>
+            <a:ext cx="5246453" cy="746531"/>
           </a:xfrm>
           <a:prstGeom prst="rect">
             <a:avLst/>
@@ -7679,7 +8015,7 @@
     </p:spTree>
     <p:extLst>
       <p:ext uri="{BB962C8B-B14F-4D97-AF65-F5344CB8AC3E}">
-        <p14:creationId xmlns:p14="http://schemas.microsoft.com/office/powerpoint/2010/main" val="240498953"/>
+        <p14:creationId xmlns:p14="http://schemas.microsoft.com/office/powerpoint/2010/main" val="3216042984"/>
       </p:ext>
     </p:extLst>
   </p:cSld>
@@ -7730,42 +8066,15 @@
           <a:p>
             <a:r>
               <a:rPr lang="en-US" dirty="0" smtClean="0"/>
-              <a:t>2.2 </a:t>
-            </a:r>
-            <a:r>
-              <a:rPr lang="en-US" dirty="0" err="1" smtClean="0"/>
-              <a:t>BoundarY</a:t>
-            </a:r>
-            <a:r>
-              <a:rPr lang="en-US" dirty="0" smtClean="0"/>
-              <a:t> conditions</a:t>
-            </a:r>
-            <a:endParaRPr lang="en-US" dirty="0"/>
-          </a:p>
-        </p:txBody>
-      </p:sp>
-      <p:sp>
-        <p:nvSpPr>
-          <p:cNvPr id="3" name="Content Placeholder 2"/>
-          <p:cNvSpPr>
-            <a:spLocks noGrp="1"/>
-          </p:cNvSpPr>
-          <p:nvPr>
-            <p:ph idx="1"/>
-          </p:nvPr>
-        </p:nvSpPr>
-        <p:spPr/>
-        <p:txBody>
-          <a:bodyPr/>
-          <a:lstStyle/>
-          <a:p>
+              <a:t>3.1- Solution Process</a:t>
+            </a:r>
             <a:endParaRPr lang="en-US" dirty="0"/>
           </a:p>
         </p:txBody>
       </p:sp>
       <p:pic>
         <p:nvPicPr>
-          <p:cNvPr id="5" name="Picture 4"/>
+          <p:cNvPr id="4" name="Picture 3"/>
           <p:cNvPicPr>
             <a:picLocks noChangeAspect="1"/>
           </p:cNvPicPr>
@@ -7779,32 +8088,8 @@
         </p:blipFill>
         <p:spPr>
           <a:xfrm>
-            <a:off x="342899" y="2180496"/>
-            <a:ext cx="5632121" cy="4232091"/>
-          </a:xfrm>
-          <a:prstGeom prst="rect">
-            <a:avLst/>
-          </a:prstGeom>
-        </p:spPr>
-      </p:pic>
-      <p:pic>
-        <p:nvPicPr>
-          <p:cNvPr id="6" name="Picture 5"/>
-          <p:cNvPicPr>
-            <a:picLocks noChangeAspect="1"/>
-          </p:cNvPicPr>
-          <p:nvPr/>
-        </p:nvPicPr>
-        <p:blipFill>
-          <a:blip r:embed="rId3"/>
-          <a:stretch>
-            <a:fillRect/>
-          </a:stretch>
-        </p:blipFill>
-        <p:spPr>
-          <a:xfrm>
-            <a:off x="6213313" y="2180496"/>
-            <a:ext cx="5635787" cy="4300836"/>
+            <a:off x="4159380" y="1816100"/>
+            <a:ext cx="3389646" cy="4902200"/>
           </a:xfrm>
           <a:prstGeom prst="rect">
             <a:avLst/>
@@ -7814,7 +8099,7 @@
     </p:spTree>
     <p:extLst>
       <p:ext uri="{BB962C8B-B14F-4D97-AF65-F5344CB8AC3E}">
-        <p14:creationId xmlns:p14="http://schemas.microsoft.com/office/powerpoint/2010/main" val="2908598331"/>
+        <p14:creationId xmlns:p14="http://schemas.microsoft.com/office/powerpoint/2010/main" val="1626049667"/>
       </p:ext>
     </p:extLst>
   </p:cSld>
@@ -7864,45 +8149,42 @@
           <a:lstStyle/>
           <a:p>
             <a:r>
-              <a:rPr lang="en-US" dirty="0"/>
-              <a:t>2.2 </a:t>
-            </a:r>
-            <a:r>
-              <a:rPr lang="en-US" dirty="0" err="1"/>
-              <a:t>BoundarY</a:t>
-            </a:r>
-            <a:r>
-              <a:rPr lang="en-US" dirty="0"/>
-              <a:t> conditions</a:t>
-            </a:r>
-          </a:p>
-        </p:txBody>
-      </p:sp>
-      <p:sp>
-        <p:nvSpPr>
-          <p:cNvPr id="3" name="Content Placeholder 2"/>
-          <p:cNvSpPr>
-            <a:spLocks noGrp="1"/>
-          </p:cNvSpPr>
-          <p:nvPr>
-            <p:ph idx="1"/>
-          </p:nvPr>
-        </p:nvSpPr>
-        <p:spPr/>
-        <p:txBody>
-          <a:bodyPr/>
-          <a:lstStyle/>
-          <a:p>
-            <a:pPr marL="2571400" lvl="8" indent="0">
-              <a:buNone/>
-            </a:pPr>
+              <a:rPr lang="en-US" dirty="0" smtClean="0"/>
+              <a:t>3.2- Current Limiting Mechanism</a:t>
+            </a:r>
             <a:endParaRPr lang="en-US" dirty="0"/>
           </a:p>
         </p:txBody>
       </p:sp>
       <p:pic>
         <p:nvPicPr>
-          <p:cNvPr id="4" name="Picture 3"/>
+          <p:cNvPr id="4" name="Content Placeholder 3"/>
+          <p:cNvPicPr>
+            <a:picLocks noGrp="1" noChangeAspect="1"/>
+          </p:cNvPicPr>
+          <p:nvPr>
+            <p:ph idx="1"/>
+          </p:nvPr>
+        </p:nvPicPr>
+        <p:blipFill>
+          <a:blip r:embed="rId2"/>
+          <a:stretch>
+            <a:fillRect/>
+          </a:stretch>
+        </p:blipFill>
+        <p:spPr>
+          <a:xfrm>
+            <a:off x="5057378" y="1864355"/>
+            <a:ext cx="2882511" cy="2550405"/>
+          </a:xfrm>
+          <a:prstGeom prst="rect">
+            <a:avLst/>
+          </a:prstGeom>
+        </p:spPr>
+      </p:pic>
+      <p:pic>
+        <p:nvPicPr>
+          <p:cNvPr id="6" name="Picture 5"/>
           <p:cNvPicPr>
             <a:picLocks noChangeAspect="1"/>
           </p:cNvPicPr>
@@ -7916,24 +8198,337 @@
         </p:blipFill>
         <p:spPr>
           <a:xfrm>
-            <a:off x="369148" y="2180496"/>
-            <a:ext cx="5726851" cy="4308832"/>
+            <a:off x="8039477" y="1864355"/>
+            <a:ext cx="3038057" cy="2609614"/>
           </a:xfrm>
           <a:prstGeom prst="rect">
             <a:avLst/>
           </a:prstGeom>
         </p:spPr>
       </p:pic>
+      <p:pic>
+        <p:nvPicPr>
+          <p:cNvPr id="7" name="Picture 6"/>
+          <p:cNvPicPr>
+            <a:picLocks noChangeAspect="1"/>
+          </p:cNvPicPr>
+          <p:nvPr/>
+        </p:nvPicPr>
+        <p:blipFill>
+          <a:blip r:embed="rId4"/>
+          <a:stretch>
+            <a:fillRect/>
+          </a:stretch>
+        </p:blipFill>
+        <p:spPr>
+          <a:xfrm>
+            <a:off x="5131423" y="4414760"/>
+            <a:ext cx="2808467" cy="2443240"/>
+          </a:xfrm>
+          <a:prstGeom prst="rect">
+            <a:avLst/>
+          </a:prstGeom>
+        </p:spPr>
+      </p:pic>
+      <p:pic>
+        <p:nvPicPr>
+          <p:cNvPr id="8" name="Picture 7"/>
+          <p:cNvPicPr>
+            <a:picLocks noChangeAspect="1"/>
+          </p:cNvPicPr>
+          <p:nvPr/>
+        </p:nvPicPr>
+        <p:blipFill>
+          <a:blip r:embed="rId5"/>
+          <a:stretch>
+            <a:fillRect/>
+          </a:stretch>
+        </p:blipFill>
+        <p:spPr>
+          <a:xfrm>
+            <a:off x="8305309" y="4473968"/>
+            <a:ext cx="2622224" cy="2340137"/>
+          </a:xfrm>
+          <a:prstGeom prst="rect">
+            <a:avLst/>
+          </a:prstGeom>
+        </p:spPr>
+      </p:pic>
+      <p:sp>
+        <p:nvSpPr>
+          <p:cNvPr id="9" name="Content Placeholder 2"/>
+          <p:cNvSpPr txBox="1">
+            <a:spLocks/>
+          </p:cNvSpPr>
+          <p:nvPr/>
+        </p:nvSpPr>
+        <p:spPr>
+          <a:xfrm>
+            <a:off x="581192" y="2180496"/>
+            <a:ext cx="11029615" cy="3678303"/>
+          </a:xfrm>
+          <a:prstGeom prst="rect">
+            <a:avLst/>
+          </a:prstGeom>
+        </p:spPr>
+        <p:txBody>
+          <a:bodyPr vert="horz" lIns="91440" tIns="45720" rIns="91440" bIns="45720" rtlCol="0" anchor="ctr">
+            <a:normAutofit/>
+          </a:bodyPr>
+          <a:lstStyle>
+            <a:lvl1pPr marL="306000" indent="-306000" algn="l" defTabSz="457200" rtl="0" eaLnBrk="1" latinLnBrk="0" hangingPunct="1">
+              <a:spcBef>
+                <a:spcPct val="20000"/>
+              </a:spcBef>
+              <a:spcAft>
+                <a:spcPts val="600"/>
+              </a:spcAft>
+              <a:buClr>
+                <a:schemeClr val="accent2"/>
+              </a:buClr>
+              <a:buSzPct val="92000"/>
+              <a:buFont typeface="Wingdings 2" panose="05020102010507070707" pitchFamily="18" charset="2"/>
+              <a:buChar char=""/>
+              <a:defRPr sz="1800" kern="1200">
+                <a:solidFill>
+                  <a:schemeClr val="tx2"/>
+                </a:solidFill>
+                <a:latin typeface="+mn-lt"/>
+                <a:ea typeface="+mn-ea"/>
+                <a:cs typeface="+mn-cs"/>
+              </a:defRPr>
+            </a:lvl1pPr>
+            <a:lvl2pPr marL="630000" indent="-306000" algn="l" defTabSz="457200" rtl="0" eaLnBrk="1" latinLnBrk="0" hangingPunct="1">
+              <a:spcBef>
+                <a:spcPct val="20000"/>
+              </a:spcBef>
+              <a:spcAft>
+                <a:spcPts val="600"/>
+              </a:spcAft>
+              <a:buClr>
+                <a:schemeClr val="accent2"/>
+              </a:buClr>
+              <a:buSzPct val="92000"/>
+              <a:buFont typeface="Wingdings 2" panose="05020102010507070707" pitchFamily="18" charset="2"/>
+              <a:buChar char=""/>
+              <a:defRPr sz="1600" kern="1200">
+                <a:solidFill>
+                  <a:schemeClr val="tx2"/>
+                </a:solidFill>
+                <a:latin typeface="+mn-lt"/>
+                <a:ea typeface="+mn-ea"/>
+                <a:cs typeface="+mn-cs"/>
+              </a:defRPr>
+            </a:lvl2pPr>
+            <a:lvl3pPr marL="900000" indent="-270000" algn="l" defTabSz="457200" rtl="0" eaLnBrk="1" latinLnBrk="0" hangingPunct="1">
+              <a:spcBef>
+                <a:spcPct val="20000"/>
+              </a:spcBef>
+              <a:spcAft>
+                <a:spcPts val="600"/>
+              </a:spcAft>
+              <a:buClr>
+                <a:schemeClr val="accent2"/>
+              </a:buClr>
+              <a:buSzPct val="92000"/>
+              <a:buFont typeface="Wingdings 2" panose="05020102010507070707" pitchFamily="18" charset="2"/>
+              <a:buChar char=""/>
+              <a:defRPr sz="1400" kern="1200">
+                <a:solidFill>
+                  <a:schemeClr val="tx2"/>
+                </a:solidFill>
+                <a:latin typeface="+mn-lt"/>
+                <a:ea typeface="+mn-ea"/>
+                <a:cs typeface="+mn-cs"/>
+              </a:defRPr>
+            </a:lvl3pPr>
+            <a:lvl4pPr marL="1242000" indent="-234000" algn="l" defTabSz="457200" rtl="0" eaLnBrk="1" latinLnBrk="0" hangingPunct="1">
+              <a:spcBef>
+                <a:spcPct val="20000"/>
+              </a:spcBef>
+              <a:spcAft>
+                <a:spcPts val="600"/>
+              </a:spcAft>
+              <a:buClr>
+                <a:schemeClr val="accent2"/>
+              </a:buClr>
+              <a:buSzPct val="92000"/>
+              <a:buFont typeface="Wingdings 2" panose="05020102010507070707" pitchFamily="18" charset="2"/>
+              <a:buChar char=""/>
+              <a:defRPr sz="1200" kern="1200">
+                <a:solidFill>
+                  <a:schemeClr val="tx2"/>
+                </a:solidFill>
+                <a:latin typeface="+mn-lt"/>
+                <a:ea typeface="+mn-ea"/>
+                <a:cs typeface="+mn-cs"/>
+              </a:defRPr>
+            </a:lvl4pPr>
+            <a:lvl5pPr marL="1602000" indent="-234000" algn="l" defTabSz="457200" rtl="0" eaLnBrk="1" latinLnBrk="0" hangingPunct="1">
+              <a:spcBef>
+                <a:spcPct val="20000"/>
+              </a:spcBef>
+              <a:spcAft>
+                <a:spcPts val="600"/>
+              </a:spcAft>
+              <a:buClr>
+                <a:schemeClr val="accent2"/>
+              </a:buClr>
+              <a:buSzPct val="92000"/>
+              <a:buFont typeface="Wingdings 2" panose="05020102010507070707" pitchFamily="18" charset="2"/>
+              <a:buChar char=""/>
+              <a:defRPr sz="1200" kern="1200">
+                <a:solidFill>
+                  <a:schemeClr val="tx2"/>
+                </a:solidFill>
+                <a:latin typeface="+mn-lt"/>
+                <a:ea typeface="+mn-ea"/>
+                <a:cs typeface="+mn-cs"/>
+              </a:defRPr>
+            </a:lvl5pPr>
+            <a:lvl6pPr marL="1900000" indent="-228600" algn="l" defTabSz="457200" rtl="0" eaLnBrk="1" latinLnBrk="0" hangingPunct="1">
+              <a:spcBef>
+                <a:spcPct val="20000"/>
+              </a:spcBef>
+              <a:spcAft>
+                <a:spcPts val="600"/>
+              </a:spcAft>
+              <a:buClr>
+                <a:schemeClr val="accent2"/>
+              </a:buClr>
+              <a:buSzPct val="92000"/>
+              <a:buFont typeface="Wingdings 2" panose="05020102010507070707" pitchFamily="18" charset="2"/>
+              <a:buChar char=""/>
+              <a:defRPr sz="1200" kern="1200">
+                <a:solidFill>
+                  <a:schemeClr val="tx2"/>
+                </a:solidFill>
+                <a:latin typeface="+mn-lt"/>
+                <a:ea typeface="+mn-ea"/>
+                <a:cs typeface="+mn-cs"/>
+              </a:defRPr>
+            </a:lvl6pPr>
+            <a:lvl7pPr marL="2200000" indent="-228600" algn="l" defTabSz="457200" rtl="0" eaLnBrk="1" latinLnBrk="0" hangingPunct="1">
+              <a:spcBef>
+                <a:spcPct val="20000"/>
+              </a:spcBef>
+              <a:spcAft>
+                <a:spcPts val="600"/>
+              </a:spcAft>
+              <a:buClr>
+                <a:schemeClr val="accent2"/>
+              </a:buClr>
+              <a:buSzPct val="92000"/>
+              <a:buFont typeface="Wingdings 2" panose="05020102010507070707" pitchFamily="18" charset="2"/>
+              <a:buChar char=""/>
+              <a:defRPr sz="1200" kern="1200">
+                <a:solidFill>
+                  <a:schemeClr val="tx2"/>
+                </a:solidFill>
+                <a:latin typeface="+mn-lt"/>
+                <a:ea typeface="+mn-ea"/>
+                <a:cs typeface="+mn-cs"/>
+              </a:defRPr>
+            </a:lvl7pPr>
+            <a:lvl8pPr marL="2500000" indent="-228600" algn="l" defTabSz="457200" rtl="0" eaLnBrk="1" latinLnBrk="0" hangingPunct="1">
+              <a:spcBef>
+                <a:spcPct val="20000"/>
+              </a:spcBef>
+              <a:spcAft>
+                <a:spcPts val="600"/>
+              </a:spcAft>
+              <a:buClr>
+                <a:schemeClr val="accent2"/>
+              </a:buClr>
+              <a:buSzPct val="92000"/>
+              <a:buFont typeface="Wingdings 2" panose="05020102010507070707" pitchFamily="18" charset="2"/>
+              <a:buChar char=""/>
+              <a:defRPr sz="1200" kern="1200">
+                <a:solidFill>
+                  <a:schemeClr val="tx2"/>
+                </a:solidFill>
+                <a:latin typeface="+mn-lt"/>
+                <a:ea typeface="+mn-ea"/>
+                <a:cs typeface="+mn-cs"/>
+              </a:defRPr>
+            </a:lvl8pPr>
+            <a:lvl9pPr marL="2800000" indent="-228600" algn="l" defTabSz="457200" rtl="0" eaLnBrk="1" latinLnBrk="0" hangingPunct="1">
+              <a:spcBef>
+                <a:spcPct val="20000"/>
+              </a:spcBef>
+              <a:spcAft>
+                <a:spcPts val="600"/>
+              </a:spcAft>
+              <a:buClr>
+                <a:schemeClr val="accent2"/>
+              </a:buClr>
+              <a:buSzPct val="92000"/>
+              <a:buFont typeface="Wingdings 2" panose="05020102010507070707" pitchFamily="18" charset="2"/>
+              <a:buChar char=""/>
+              <a:defRPr sz="1200" kern="1200">
+                <a:solidFill>
+                  <a:schemeClr val="tx2"/>
+                </a:solidFill>
+                <a:latin typeface="+mn-lt"/>
+                <a:ea typeface="+mn-ea"/>
+                <a:cs typeface="+mn-cs"/>
+              </a:defRPr>
+            </a:lvl9pPr>
+          </a:lstStyle>
+          <a:p>
+            <a:r>
+              <a:rPr lang="en-US" sz="2200" dirty="0" smtClean="0"/>
+              <a:t>Pre calculate the next time step</a:t>
+            </a:r>
+          </a:p>
+          <a:p>
+            <a:r>
+              <a:rPr lang="en-US" sz="2200" dirty="0" smtClean="0"/>
+              <a:t>Check for saturation</a:t>
+            </a:r>
+          </a:p>
+          <a:p>
+            <a:pPr lvl="1"/>
+            <a:r>
+              <a:rPr lang="en-US" sz="2000" dirty="0" smtClean="0"/>
+              <a:t>Set influx to zero (saturation)</a:t>
+            </a:r>
+          </a:p>
+          <a:p>
+            <a:pPr lvl="1"/>
+            <a:r>
+              <a:rPr lang="en-US" sz="2000" dirty="0" smtClean="0"/>
+              <a:t>Do nothing (no saturation)</a:t>
+            </a:r>
+          </a:p>
+          <a:p>
+            <a:r>
+              <a:rPr lang="en-US" sz="2200" dirty="0" smtClean="0"/>
+              <a:t>Update carrier densities</a:t>
+            </a:r>
+          </a:p>
+          <a:p>
+            <a:endParaRPr lang="en-US" sz="2200" dirty="0"/>
+          </a:p>
+        </p:txBody>
+      </p:sp>
     </p:spTree>
     <p:extLst>
       <p:ext uri="{BB962C8B-B14F-4D97-AF65-F5344CB8AC3E}">
-        <p14:creationId xmlns:p14="http://schemas.microsoft.com/office/powerpoint/2010/main" val="1793866515"/>
+        <p14:creationId xmlns:p14="http://schemas.microsoft.com/office/powerpoint/2010/main" val="463396718"/>
       </p:ext>
     </p:extLst>
   </p:cSld>
   <p:clrMapOvr>
     <a:masterClrMapping/>
   </p:clrMapOvr>
+  <p:timing>
+    <p:tnLst>
+      <p:par>
+        <p:cTn id="1" dur="indefinite" restart="never" nodeType="tmRoot"/>
+      </p:par>
+    </p:tnLst>
+  </p:timing>
 </p:sld>
 </file>
 
@@ -7971,15 +8566,11 @@
           <a:p>
             <a:r>
               <a:rPr lang="en-US" dirty="0" smtClean="0"/>
-              <a:t>3. Application </a:t>
-            </a:r>
-            <a:r>
-              <a:rPr lang="en-US" dirty="0"/>
-              <a:t>of Finite </a:t>
-            </a:r>
-            <a:r>
-              <a:rPr lang="en-US" dirty="0" smtClean="0"/>
-              <a:t>Difference</a:t>
+              <a:t>4- </a:t>
+            </a:r>
+            <a:r>
+              <a:rPr lang="en-US" dirty="0" err="1" smtClean="0"/>
+              <a:t>Memristor</a:t>
             </a:r>
             <a:endParaRPr lang="en-US" dirty="0"/>
           </a:p>
@@ -7995,92 +8586,43 @@
             <p:ph idx="1"/>
           </p:nvPr>
         </p:nvSpPr>
-        <p:spPr>
-          <a:xfrm>
-            <a:off x="1141412" y="2249486"/>
-            <a:ext cx="9905999" cy="4299359"/>
-          </a:xfrm>
-        </p:spPr>
+        <p:spPr/>
         <p:txBody>
           <a:bodyPr>
-            <a:normAutofit fontScale="77500" lnSpcReduction="20000"/>
+            <a:normAutofit/>
           </a:bodyPr>
           <a:lstStyle/>
           <a:p>
-            <a:endParaRPr lang="en-US" dirty="0" smtClean="0"/>
-          </a:p>
-          <a:p>
-            <a:endParaRPr lang="en-US" dirty="0"/>
-          </a:p>
-          <a:p>
-            <a:endParaRPr lang="en-US" dirty="0" smtClean="0"/>
-          </a:p>
-          <a:p>
             <a:r>
               <a:rPr lang="en-US" sz="2400" dirty="0" smtClean="0"/>
-              <a:t>First Order Central Difference :</a:t>
-            </a:r>
-          </a:p>
-          <a:p>
-            <a:endParaRPr lang="en-US" sz="2400" dirty="0" smtClean="0"/>
+              <a:t>Voltage controlled resistor with memory</a:t>
+            </a:r>
           </a:p>
           <a:p>
             <a:r>
               <a:rPr lang="en-US" sz="2400" dirty="0" smtClean="0"/>
-              <a:t>Second Order Central Difference:</a:t>
-            </a:r>
-          </a:p>
-          <a:p>
-            <a:endParaRPr lang="en-US" sz="2400" dirty="0" smtClean="0"/>
+              <a:t>Equation: M(q(t)) = V(t)/I(t)</a:t>
+            </a:r>
           </a:p>
           <a:p>
             <a:r>
               <a:rPr lang="en-US" sz="2400" dirty="0" smtClean="0"/>
-              <a:t>Current Density</a:t>
-            </a:r>
-          </a:p>
-          <a:p>
-            <a:endParaRPr lang="en-US" sz="2400" dirty="0" smtClean="0"/>
-          </a:p>
-          <a:p>
+              <a:t>2 Distinct types</a:t>
+            </a:r>
+          </a:p>
+          <a:p>
+            <a:pPr lvl="1"/>
             <a:r>
               <a:rPr lang="en-US" sz="2400" dirty="0" smtClean="0"/>
-              <a:t>Continuity</a:t>
-            </a:r>
-          </a:p>
-          <a:p>
-            <a:endParaRPr lang="en-US" sz="2400" dirty="0"/>
-          </a:p>
-          <a:p>
+              <a:t>Organic: Based on PEDOT:PSS….</a:t>
+            </a:r>
+          </a:p>
+          <a:p>
+            <a:pPr lvl="1"/>
             <a:r>
               <a:rPr lang="en-US" sz="2400" dirty="0" smtClean="0"/>
-              <a:t>Poisson’s Equation </a:t>
-            </a:r>
-            <a:endParaRPr lang="en-US" sz="2400" dirty="0"/>
-          </a:p>
-          <a:p>
-            <a:pPr marL="457200" lvl="1" indent="0">
-              <a:buNone/>
-            </a:pPr>
-            <a:endParaRPr lang="en-US" dirty="0" smtClean="0"/>
-          </a:p>
-          <a:p>
-            <a:endParaRPr lang="en-US" dirty="0"/>
-          </a:p>
-          <a:p>
-            <a:endParaRPr lang="en-US" dirty="0" smtClean="0"/>
-          </a:p>
-          <a:p>
-            <a:pPr marL="0" indent="0">
-              <a:buNone/>
-            </a:pPr>
-            <a:endParaRPr lang="en-US" dirty="0" smtClean="0"/>
-          </a:p>
-          <a:p>
-            <a:endParaRPr lang="en-US" dirty="0"/>
-          </a:p>
-          <a:p>
-            <a:endParaRPr lang="en-US" dirty="0"/>
+              <a:t>Inorganic: Based on TiO2  </a:t>
+            </a:r>
           </a:p>
         </p:txBody>
       </p:sp>
@@ -8100,104 +8642,8 @@
         </p:blipFill>
         <p:spPr>
           <a:xfrm>
-            <a:off x="5345347" y="2132835"/>
-            <a:ext cx="2730368" cy="760356"/>
-          </a:xfrm>
-          <a:prstGeom prst="rect">
-            <a:avLst/>
-          </a:prstGeom>
-        </p:spPr>
-      </p:pic>
-      <p:pic>
-        <p:nvPicPr>
-          <p:cNvPr id="5" name="Picture 4"/>
-          <p:cNvPicPr>
-            <a:picLocks noChangeAspect="1"/>
-          </p:cNvPicPr>
-          <p:nvPr/>
-        </p:nvPicPr>
-        <p:blipFill>
-          <a:blip r:embed="rId3"/>
-          <a:stretch>
-            <a:fillRect/>
-          </a:stretch>
-        </p:blipFill>
-        <p:spPr>
-          <a:xfrm>
-            <a:off x="5345346" y="2922712"/>
-            <a:ext cx="3311003" cy="670496"/>
-          </a:xfrm>
-          <a:prstGeom prst="rect">
-            <a:avLst/>
-          </a:prstGeom>
-        </p:spPr>
-      </p:pic>
-      <p:pic>
-        <p:nvPicPr>
-          <p:cNvPr id="6" name="Picture 5"/>
-          <p:cNvPicPr>
-            <a:picLocks noChangeAspect="1"/>
-          </p:cNvPicPr>
-          <p:nvPr/>
-        </p:nvPicPr>
-        <p:blipFill>
-          <a:blip r:embed="rId4"/>
-          <a:stretch>
-            <a:fillRect/>
-          </a:stretch>
-        </p:blipFill>
-        <p:spPr>
-          <a:xfrm>
-            <a:off x="5345347" y="5162559"/>
-            <a:ext cx="1983837" cy="400915"/>
-          </a:xfrm>
-          <a:prstGeom prst="rect">
-            <a:avLst/>
-          </a:prstGeom>
-        </p:spPr>
-      </p:pic>
-      <p:pic>
-        <p:nvPicPr>
-          <p:cNvPr id="8" name="Picture 7"/>
-          <p:cNvPicPr>
-            <a:picLocks noChangeAspect="1"/>
-          </p:cNvPicPr>
-          <p:nvPr/>
-        </p:nvPicPr>
-        <p:blipFill>
-          <a:blip r:embed="rId5"/>
-          <a:stretch>
-            <a:fillRect/>
-          </a:stretch>
-        </p:blipFill>
-        <p:spPr>
-          <a:xfrm>
-            <a:off x="5345346" y="3717796"/>
-            <a:ext cx="5377788" cy="546073"/>
-          </a:xfrm>
-          <a:prstGeom prst="rect">
-            <a:avLst/>
-          </a:prstGeom>
-        </p:spPr>
-      </p:pic>
-      <p:pic>
-        <p:nvPicPr>
-          <p:cNvPr id="9" name="Picture 8"/>
-          <p:cNvPicPr>
-            <a:picLocks noChangeAspect="1"/>
-          </p:cNvPicPr>
-          <p:nvPr/>
-        </p:nvPicPr>
-        <p:blipFill>
-          <a:blip r:embed="rId6"/>
-          <a:stretch>
-            <a:fillRect/>
-          </a:stretch>
-        </p:blipFill>
-        <p:spPr>
-          <a:xfrm>
-            <a:off x="5345346" y="4293390"/>
-            <a:ext cx="5246453" cy="746531"/>
+            <a:off x="6095999" y="2842018"/>
+            <a:ext cx="5857582" cy="3016781"/>
           </a:xfrm>
           <a:prstGeom prst="rect">
             <a:avLst/>
@@ -8207,7 +8653,7 @@
     </p:spTree>
     <p:extLst>
       <p:ext uri="{BB962C8B-B14F-4D97-AF65-F5344CB8AC3E}">
-        <p14:creationId xmlns:p14="http://schemas.microsoft.com/office/powerpoint/2010/main" val="3216042984"/>
+        <p14:creationId xmlns:p14="http://schemas.microsoft.com/office/powerpoint/2010/main" val="593619456"/>
       </p:ext>
     </p:extLst>
   </p:cSld>
@@ -8258,7 +8704,15 @@
           <a:p>
             <a:r>
               <a:rPr lang="en-US" dirty="0" smtClean="0"/>
-              <a:t>3.1- Solution Process</a:t>
+              <a:t>4.2- </a:t>
+            </a:r>
+            <a:r>
+              <a:rPr lang="en-US" dirty="0" err="1" smtClean="0"/>
+              <a:t>BoundarY</a:t>
+            </a:r>
+            <a:r>
+              <a:rPr lang="en-US" dirty="0" smtClean="0"/>
+              <a:t> conditions</a:t>
             </a:r>
             <a:endParaRPr lang="en-US" dirty="0"/>
           </a:p>
@@ -8285,7 +8739,7 @@
       </p:sp>
       <p:pic>
         <p:nvPicPr>
-          <p:cNvPr id="4" name="Picture 3"/>
+          <p:cNvPr id="5" name="Picture 4"/>
           <p:cNvPicPr>
             <a:picLocks noChangeAspect="1"/>
           </p:cNvPicPr>
@@ -8299,8 +8753,32 @@
         </p:blipFill>
         <p:spPr>
           <a:xfrm>
-            <a:off x="4159380" y="1816100"/>
-            <a:ext cx="3389646" cy="4902200"/>
+            <a:off x="342899" y="2180496"/>
+            <a:ext cx="5632121" cy="4232091"/>
+          </a:xfrm>
+          <a:prstGeom prst="rect">
+            <a:avLst/>
+          </a:prstGeom>
+        </p:spPr>
+      </p:pic>
+      <p:pic>
+        <p:nvPicPr>
+          <p:cNvPr id="6" name="Picture 5"/>
+          <p:cNvPicPr>
+            <a:picLocks noChangeAspect="1"/>
+          </p:cNvPicPr>
+          <p:nvPr/>
+        </p:nvPicPr>
+        <p:blipFill>
+          <a:blip r:embed="rId3"/>
+          <a:stretch>
+            <a:fillRect/>
+          </a:stretch>
+        </p:blipFill>
+        <p:spPr>
+          <a:xfrm>
+            <a:off x="6213313" y="2180496"/>
+            <a:ext cx="5635787" cy="4300836"/>
           </a:xfrm>
           <a:prstGeom prst="rect">
             <a:avLst/>
@@ -8310,7 +8788,7 @@
     </p:spTree>
     <p:extLst>
       <p:ext uri="{BB962C8B-B14F-4D97-AF65-F5344CB8AC3E}">
-        <p14:creationId xmlns:p14="http://schemas.microsoft.com/office/powerpoint/2010/main" val="1626049667"/>
+        <p14:creationId xmlns:p14="http://schemas.microsoft.com/office/powerpoint/2010/main" val="2908598331"/>
       </p:ext>
     </p:extLst>
   </p:cSld>

--- a/Memristor Thesis/Memristor Presentation.pptx
+++ b/Memristor Thesis/Memristor Presentation.pptx
@@ -2,7 +2,7 @@
 <file path=ppt/presentation.xml><?xml version="1.0" encoding="utf-8"?>
 <p:presentation xmlns:a="http://schemas.openxmlformats.org/drawingml/2006/main" xmlns:r="http://schemas.openxmlformats.org/officeDocument/2006/relationships" xmlns:p="http://schemas.openxmlformats.org/presentationml/2006/main" saveSubsetFonts="1">
   <p:sldMasterIdLst>
-    <p:sldMasterId id="2147483910" r:id="rId1"/>
+    <p:sldMasterId id="2147483922" r:id="rId1"/>
   </p:sldMasterIdLst>
   <p:notesMasterIdLst>
     <p:notesMasterId r:id="rId27"/>
@@ -34,7 +34,7 @@
     <p:sldId id="278" r:id="rId25"/>
     <p:sldId id="281" r:id="rId26"/>
   </p:sldIdLst>
-  <p:sldSz cx="12192000" cy="6858000"/>
+  <p:sldSz cx="9144000" cy="6858000" type="screen4x3"/>
   <p:notesSz cx="6858000" cy="9144000"/>
   <p:defaultTextStyle>
     <a:defPPr>
@@ -239,8 +239,8 @@
         </p:nvSpPr>
         <p:spPr>
           <a:xfrm>
-            <a:off x="685800" y="1143000"/>
-            <a:ext cx="5486400" cy="3086100"/>
+            <a:off x="1371600" y="1143000"/>
+            <a:ext cx="4114800" cy="3086100"/>
           </a:xfrm>
           <a:prstGeom prst="rect">
             <a:avLst/>
@@ -516,7 +516,12 @@
             <p:ph type="sldImg"/>
           </p:nvPr>
         </p:nvSpPr>
-        <p:spPr/>
+        <p:spPr>
+          <a:xfrm>
+            <a:off x="1371600" y="1143000"/>
+            <a:ext cx="4114800" cy="3086100"/>
+          </a:xfrm>
+        </p:spPr>
       </p:sp>
       <p:sp>
         <p:nvSpPr>
@@ -608,7 +613,12 @@
             <p:ph type="sldImg"/>
           </p:nvPr>
         </p:nvSpPr>
-        <p:spPr/>
+        <p:spPr>
+          <a:xfrm>
+            <a:off x="1371600" y="1143000"/>
+            <a:ext cx="4114800" cy="3086100"/>
+          </a:xfrm>
+        </p:spPr>
       </p:sp>
       <p:sp>
         <p:nvSpPr>
@@ -723,53 +733,27 @@
             <p:ph type="sldImg"/>
           </p:nvPr>
         </p:nvSpPr>
+        <p:spPr>
+          <a:xfrm>
+            <a:off x="1371600" y="1143000"/>
+            <a:ext cx="4114800" cy="3086100"/>
+          </a:xfrm>
+        </p:spPr>
+      </p:sp>
+      <p:sp>
+        <p:nvSpPr>
+          <p:cNvPr id="3" name="Notes Placeholder 2"/>
+          <p:cNvSpPr>
+            <a:spLocks noGrp="1"/>
+          </p:cNvSpPr>
+          <p:nvPr>
+            <p:ph type="body" idx="1"/>
+          </p:nvPr>
+        </p:nvSpPr>
         <p:spPr/>
-      </p:sp>
-      <p:sp>
-        <p:nvSpPr>
-          <p:cNvPr id="3" name="Notes Placeholder 2"/>
-          <p:cNvSpPr>
-            <a:spLocks noGrp="1"/>
-          </p:cNvSpPr>
-          <p:nvPr>
-            <p:ph type="body" idx="1"/>
-          </p:nvPr>
-        </p:nvSpPr>
-        <p:spPr/>
         <p:txBody>
           <a:bodyPr/>
           <a:lstStyle/>
-          <a:p>
-            <a:pPr marL="0" marR="0" indent="0" algn="l" defTabSz="914400" rtl="0" eaLnBrk="1" fontAlgn="auto" latinLnBrk="0" hangingPunct="1">
-              <a:lnSpc>
-                <a:spcPct val="100000"/>
-              </a:lnSpc>
-              <a:spcBef>
-                <a:spcPts val="0"/>
-              </a:spcBef>
-              <a:spcAft>
-                <a:spcPts val="0"/>
-              </a:spcAft>
-              <a:buClrTx/>
-              <a:buSzTx/>
-              <a:buFontTx/>
-              <a:buNone/>
-              <a:tabLst/>
-              <a:defRPr/>
-            </a:pPr>
-            <a:r>
-              <a:rPr lang="en-US" dirty="0" smtClean="0"/>
-              <a:t>Sinusoid: Current Output, Lithium, perchlorate and hole density, </a:t>
-            </a:r>
-            <a:r>
-              <a:rPr lang="en-US" dirty="0" err="1" smtClean="0"/>
-              <a:t>Efield</a:t>
-            </a:r>
-            <a:r>
-              <a:rPr lang="en-US" dirty="0" smtClean="0"/>
-              <a:t> ?</a:t>
-            </a:r>
-          </a:p>
           <a:p>
             <a:endParaRPr lang="en-US" dirty="0"/>
           </a:p>
@@ -838,7 +822,12 @@
             <p:ph type="sldImg"/>
           </p:nvPr>
         </p:nvSpPr>
-        <p:spPr/>
+        <p:spPr>
+          <a:xfrm>
+            <a:off x="1371600" y="1143000"/>
+            <a:ext cx="4114800" cy="3086100"/>
+          </a:xfrm>
+        </p:spPr>
       </p:sp>
       <p:sp>
         <p:nvSpPr>
@@ -953,7 +942,12 @@
             <p:ph type="sldImg"/>
           </p:nvPr>
         </p:nvSpPr>
-        <p:spPr/>
+        <p:spPr>
+          <a:xfrm>
+            <a:off x="1371600" y="1143000"/>
+            <a:ext cx="4114800" cy="3086100"/>
+          </a:xfrm>
+        </p:spPr>
       </p:sp>
       <p:sp>
         <p:nvSpPr>
@@ -1066,8 +1060,8 @@
         </p:nvSpPr>
         <p:spPr>
           <a:xfrm>
-            <a:off x="446534" y="3085765"/>
-            <a:ext cx="11262866" cy="3304800"/>
+            <a:off x="448091" y="3085765"/>
+            <a:ext cx="8240108" cy="3304800"/>
           </a:xfrm>
           <a:prstGeom prst="rect">
             <a:avLst/>
@@ -1107,8 +1101,8 @@
         </p:nvSpPr>
         <p:spPr>
           <a:xfrm>
-            <a:off x="581191" y="1020431"/>
-            <a:ext cx="10993549" cy="1475013"/>
+            <a:off x="581192" y="990600"/>
+            <a:ext cx="7989752" cy="1504844"/>
           </a:xfrm>
           <a:effectLst/>
         </p:spPr>
@@ -1146,8 +1140,8 @@
         </p:nvSpPr>
         <p:spPr>
           <a:xfrm>
-            <a:off x="581194" y="2495445"/>
-            <a:ext cx="10993546" cy="590321"/>
+            <a:off x="581192" y="2495444"/>
+            <a:ext cx="7989752" cy="590321"/>
           </a:xfrm>
         </p:spPr>
         <p:txBody>
@@ -1263,12 +1257,7 @@
             <p:ph type="dt" sz="half" idx="10"/>
           </p:nvPr>
         </p:nvSpPr>
-        <p:spPr>
-          <a:xfrm>
-            <a:off x="7605951" y="5956137"/>
-            <a:ext cx="2844800" cy="365125"/>
-          </a:xfrm>
-        </p:spPr>
+        <p:spPr/>
         <p:txBody>
           <a:bodyPr/>
           <a:lstStyle>
@@ -1302,12 +1291,7 @@
             <p:ph type="ftr" sz="quarter" idx="11"/>
           </p:nvPr>
         </p:nvSpPr>
-        <p:spPr>
-          <a:xfrm>
-            <a:off x="581192" y="5951811"/>
-            <a:ext cx="6917210" cy="365125"/>
-          </a:xfrm>
-        </p:spPr>
+        <p:spPr/>
         <p:txBody>
           <a:bodyPr/>
           <a:lstStyle>
@@ -1337,12 +1321,7 @@
             <p:ph type="sldNum" sz="quarter" idx="12"/>
           </p:nvPr>
         </p:nvSpPr>
-        <p:spPr>
-          <a:xfrm>
-            <a:off x="10558300" y="5956137"/>
-            <a:ext cx="1016440" cy="365125"/>
-          </a:xfrm>
-        </p:spPr>
+        <p:spPr/>
         <p:txBody>
           <a:bodyPr/>
           <a:lstStyle>
@@ -1369,7 +1348,7 @@
     </p:spTree>
     <p:extLst>
       <p:ext uri="{BB962C8B-B14F-4D97-AF65-F5344CB8AC3E}">
-        <p14:creationId xmlns:p14="http://schemas.microsoft.com/office/powerpoint/2010/main" val="3362025534"/>
+        <p14:creationId xmlns:p14="http://schemas.microsoft.com/office/powerpoint/2010/main" val="1341583812"/>
       </p:ext>
     </p:extLst>
   </p:cSld>
@@ -1398,7 +1377,7 @@
       </p:grpSpPr>
       <p:sp>
         <p:nvSpPr>
-          <p:cNvPr id="8" name="Rectangle 7"/>
+          <p:cNvPr id="7" name="Rectangle 6"/>
           <p:cNvSpPr>
             <a:spLocks noChangeAspect="1"/>
           </p:cNvSpPr>
@@ -1406,8 +1385,8 @@
         </p:nvSpPr>
         <p:spPr>
           <a:xfrm>
-            <a:off x="440286" y="614407"/>
-            <a:ext cx="11309338" cy="1189298"/>
+            <a:off x="448092" y="599725"/>
+            <a:ext cx="8238707" cy="1258827"/>
           </a:xfrm>
           <a:prstGeom prst="rect">
             <a:avLst/>
@@ -1437,7 +1416,7 @@
       </p:sp>
       <p:sp>
         <p:nvSpPr>
-          <p:cNvPr id="9" name="Title 1"/>
+          <p:cNvPr id="2" name="Title 1"/>
           <p:cNvSpPr>
             <a:spLocks noGrp="1"/>
           </p:cNvSpPr>
@@ -1445,12 +1424,7 @@
             <p:ph type="title"/>
           </p:nvPr>
         </p:nvSpPr>
-        <p:spPr>
-          <a:xfrm>
-            <a:off x="581192" y="702156"/>
-            <a:ext cx="11029616" cy="1013800"/>
-          </a:xfrm>
-        </p:spPr>
+        <p:spPr/>
         <p:txBody>
           <a:bodyPr/>
           <a:lstStyle/>
@@ -1599,7 +1573,7 @@
     </p:spTree>
     <p:extLst>
       <p:ext uri="{BB962C8B-B14F-4D97-AF65-F5344CB8AC3E}">
-        <p14:creationId xmlns:p14="http://schemas.microsoft.com/office/powerpoint/2010/main" val="1977988301"/>
+        <p14:creationId xmlns:p14="http://schemas.microsoft.com/office/powerpoint/2010/main" val="937402593"/>
       </p:ext>
     </p:extLst>
   </p:cSld>
@@ -1636,8 +1610,8 @@
         </p:nvSpPr>
         <p:spPr>
           <a:xfrm>
-            <a:off x="8839201" y="599725"/>
-            <a:ext cx="2906817" cy="5816950"/>
+            <a:off x="6629400" y="599725"/>
+            <a:ext cx="2057399" cy="5816950"/>
           </a:xfrm>
           <a:prstGeom prst="rect">
             <a:avLst/>
@@ -1677,8 +1651,8 @@
         </p:nvSpPr>
         <p:spPr>
           <a:xfrm>
-            <a:off x="8839201" y="675726"/>
-            <a:ext cx="2004164" cy="5183073"/>
+            <a:off x="6629400" y="675725"/>
+            <a:ext cx="1503123" cy="5183073"/>
           </a:xfrm>
         </p:spPr>
         <p:txBody>
@@ -1705,8 +1679,8 @@
         </p:nvSpPr>
         <p:spPr>
           <a:xfrm>
-            <a:off x="774923" y="675726"/>
-            <a:ext cx="7896279" cy="5183073"/>
+            <a:off x="581192" y="675725"/>
+            <a:ext cx="5922209" cy="5183073"/>
           </a:xfrm>
         </p:spPr>
         <p:txBody>
@@ -1762,8 +1736,8 @@
         </p:nvSpPr>
         <p:spPr>
           <a:xfrm>
-            <a:off x="8993673" y="5956137"/>
-            <a:ext cx="1328141" cy="365125"/>
+            <a:off x="6745255" y="5956136"/>
+            <a:ext cx="947672" cy="365125"/>
           </a:xfrm>
         </p:spPr>
         <p:txBody>
@@ -1801,8 +1775,8 @@
         </p:nvSpPr>
         <p:spPr>
           <a:xfrm>
-            <a:off x="774923" y="5951811"/>
-            <a:ext cx="7896279" cy="365125"/>
+            <a:off x="581192" y="5951810"/>
+            <a:ext cx="5922209" cy="365125"/>
           </a:xfrm>
         </p:spPr>
         <p:txBody>
@@ -1823,12 +1797,7 @@
             <p:ph type="sldNum" sz="quarter" idx="12"/>
           </p:nvPr>
         </p:nvSpPr>
-        <p:spPr>
-          <a:xfrm>
-            <a:off x="10446615" y="5956137"/>
-            <a:ext cx="1164195" cy="365125"/>
-          </a:xfrm>
-        </p:spPr>
+        <p:spPr/>
         <p:txBody>
           <a:bodyPr/>
           <a:lstStyle>
@@ -1855,7 +1824,7 @@
     </p:spTree>
     <p:extLst>
       <p:ext uri="{BB962C8B-B14F-4D97-AF65-F5344CB8AC3E}">
-        <p14:creationId xmlns:p14="http://schemas.microsoft.com/office/powerpoint/2010/main" val="4189795641"/>
+        <p14:creationId xmlns:p14="http://schemas.microsoft.com/office/powerpoint/2010/main" val="2903737397"/>
       </p:ext>
     </p:extLst>
   </p:cSld>
@@ -1892,8 +1861,8 @@
         </p:nvSpPr>
         <p:spPr>
           <a:xfrm>
-            <a:off x="440286" y="614407"/>
-            <a:ext cx="11309338" cy="1189298"/>
+            <a:off x="448092" y="599725"/>
+            <a:ext cx="8238707" cy="1258827"/>
           </a:xfrm>
           <a:prstGeom prst="rect">
             <a:avLst/>
@@ -1931,12 +1900,7 @@
             <p:ph type="title"/>
           </p:nvPr>
         </p:nvSpPr>
-        <p:spPr>
-          <a:xfrm>
-            <a:off x="581192" y="702156"/>
-            <a:ext cx="11029616" cy="1013800"/>
-          </a:xfrm>
-        </p:spPr>
+        <p:spPr/>
         <p:txBody>
           <a:bodyPr/>
           <a:lstStyle/>
@@ -1961,8 +1925,8 @@
         </p:nvSpPr>
         <p:spPr>
           <a:xfrm>
-            <a:off x="581192" y="2180496"/>
-            <a:ext cx="11029615" cy="3678303"/>
+            <a:off x="581192" y="2228003"/>
+            <a:ext cx="7989752" cy="3630795"/>
           </a:xfrm>
         </p:spPr>
         <p:txBody>
@@ -2058,12 +2022,7 @@
             <p:ph type="sldNum" sz="quarter" idx="12"/>
           </p:nvPr>
         </p:nvSpPr>
-        <p:spPr>
-          <a:xfrm>
-            <a:off x="10558300" y="5956137"/>
-            <a:ext cx="1052508" cy="365125"/>
-          </a:xfrm>
-        </p:spPr>
+        <p:spPr/>
         <p:txBody>
           <a:bodyPr/>
           <a:lstStyle/>
@@ -2079,7 +2038,7 @@
     </p:spTree>
     <p:extLst>
       <p:ext uri="{BB962C8B-B14F-4D97-AF65-F5344CB8AC3E}">
-        <p14:creationId xmlns:p14="http://schemas.microsoft.com/office/powerpoint/2010/main" val="2718980412"/>
+        <p14:creationId xmlns:p14="http://schemas.microsoft.com/office/powerpoint/2010/main" val="1420844454"/>
       </p:ext>
     </p:extLst>
   </p:cSld>
@@ -2116,8 +2075,8 @@
         </p:nvSpPr>
         <p:spPr>
           <a:xfrm>
-            <a:off x="447817" y="5141974"/>
-            <a:ext cx="11290860" cy="1258827"/>
+            <a:off x="452646" y="5141973"/>
+            <a:ext cx="8238707" cy="1258827"/>
           </a:xfrm>
           <a:prstGeom prst="rect">
             <a:avLst/>
@@ -2157,8 +2116,8 @@
         </p:nvSpPr>
         <p:spPr>
           <a:xfrm>
-            <a:off x="581193" y="3043910"/>
-            <a:ext cx="11029615" cy="1497507"/>
+            <a:off x="581193" y="3036573"/>
+            <a:ext cx="7989751" cy="1504844"/>
           </a:xfrm>
         </p:spPr>
         <p:txBody>
@@ -2195,8 +2154,8 @@
         </p:nvSpPr>
         <p:spPr>
           <a:xfrm>
-            <a:off x="581192" y="4541417"/>
-            <a:ext cx="11029615" cy="600556"/>
+            <a:off x="581193" y="4541417"/>
+            <a:ext cx="7989751" cy="600556"/>
           </a:xfrm>
         </p:spPr>
         <p:txBody>
@@ -2403,7 +2362,7 @@
     </p:spTree>
     <p:extLst>
       <p:ext uri="{BB962C8B-B14F-4D97-AF65-F5344CB8AC3E}">
-        <p14:creationId xmlns:p14="http://schemas.microsoft.com/office/powerpoint/2010/main" val="1695727520"/>
+        <p14:creationId xmlns:p14="http://schemas.microsoft.com/office/powerpoint/2010/main" val="3254786729"/>
       </p:ext>
     </p:extLst>
   </p:cSld>
@@ -2440,8 +2399,8 @@
         </p:nvSpPr>
         <p:spPr>
           <a:xfrm>
-            <a:off x="445982" y="606554"/>
-            <a:ext cx="11300036" cy="1258827"/>
+            <a:off x="448092" y="599725"/>
+            <a:ext cx="8238707" cy="1258827"/>
           </a:xfrm>
           <a:prstGeom prst="rect">
             <a:avLst/>
@@ -2479,12 +2438,7 @@
             <p:ph type="title"/>
           </p:nvPr>
         </p:nvSpPr>
-        <p:spPr>
-          <a:xfrm>
-            <a:off x="581193" y="729658"/>
-            <a:ext cx="11029616" cy="988332"/>
-          </a:xfrm>
-        </p:spPr>
+        <p:spPr/>
         <p:txBody>
           <a:bodyPr/>
           <a:lstStyle/>
@@ -2509,8 +2463,8 @@
         </p:nvSpPr>
         <p:spPr>
           <a:xfrm>
-            <a:off x="581193" y="2228003"/>
-            <a:ext cx="5422390" cy="3633047"/>
+            <a:off x="581192" y="2228002"/>
+            <a:ext cx="3899527" cy="3633047"/>
           </a:xfrm>
         </p:spPr>
         <p:txBody>
@@ -2568,8 +2522,8 @@
         </p:nvSpPr>
         <p:spPr>
           <a:xfrm>
-            <a:off x="6188417" y="2228003"/>
-            <a:ext cx="5422392" cy="3633047"/>
+            <a:off x="4663282" y="2228003"/>
+            <a:ext cx="3907662" cy="3633047"/>
           </a:xfrm>
         </p:spPr>
         <p:txBody>
@@ -2683,7 +2637,7 @@
     </p:spTree>
     <p:extLst>
       <p:ext uri="{BB962C8B-B14F-4D97-AF65-F5344CB8AC3E}">
-        <p14:creationId xmlns:p14="http://schemas.microsoft.com/office/powerpoint/2010/main" val="2429412356"/>
+        <p14:creationId xmlns:p14="http://schemas.microsoft.com/office/powerpoint/2010/main" val="2235000182"/>
       </p:ext>
     </p:extLst>
   </p:cSld>
@@ -2712,7 +2666,7 @@
       </p:grpSpPr>
       <p:sp>
         <p:nvSpPr>
-          <p:cNvPr id="11" name="Rectangle 10"/>
+          <p:cNvPr id="10" name="Rectangle 9"/>
           <p:cNvSpPr>
             <a:spLocks noChangeAspect="1"/>
           </p:cNvSpPr>
@@ -2720,8 +2674,8 @@
         </p:nvSpPr>
         <p:spPr>
           <a:xfrm>
-            <a:off x="445982" y="606554"/>
-            <a:ext cx="11300036" cy="1258827"/>
+            <a:off x="448092" y="599725"/>
+            <a:ext cx="8238707" cy="1258827"/>
           </a:xfrm>
           <a:prstGeom prst="rect">
             <a:avLst/>
@@ -2751,7 +2705,7 @@
       </p:sp>
       <p:sp>
         <p:nvSpPr>
-          <p:cNvPr id="12" name="Title 1"/>
+          <p:cNvPr id="2" name="Title 1"/>
           <p:cNvSpPr>
             <a:spLocks noGrp="1"/>
           </p:cNvSpPr>
@@ -2759,15 +2713,14 @@
             <p:ph type="title"/>
           </p:nvPr>
         </p:nvSpPr>
-        <p:spPr>
-          <a:xfrm>
-            <a:off x="581193" y="729658"/>
-            <a:ext cx="11029616" cy="988332"/>
-          </a:xfrm>
-        </p:spPr>
+        <p:spPr/>
         <p:txBody>
           <a:bodyPr/>
-          <a:lstStyle/>
+          <a:lstStyle>
+            <a:lvl1pPr>
+              <a:defRPr/>
+            </a:lvl1pPr>
+          </a:lstStyle>
           <a:p>
             <a:r>
               <a:rPr lang="en-US" smtClean="0"/>
@@ -2789,8 +2742,8 @@
         </p:nvSpPr>
         <p:spPr>
           <a:xfrm>
-            <a:off x="887219" y="2250892"/>
-            <a:ext cx="5087075" cy="536005"/>
+            <a:off x="887219" y="2228003"/>
+            <a:ext cx="3593500" cy="576262"/>
           </a:xfrm>
         </p:spPr>
         <p:txBody>
@@ -2860,8 +2813,8 @@
         </p:nvSpPr>
         <p:spPr>
           <a:xfrm>
-            <a:off x="581194" y="2926052"/>
-            <a:ext cx="5393100" cy="2934999"/>
+            <a:off x="581192" y="2926051"/>
+            <a:ext cx="3899527" cy="2934999"/>
           </a:xfrm>
         </p:spPr>
         <p:txBody>
@@ -2919,8 +2872,8 @@
         </p:nvSpPr>
         <p:spPr>
           <a:xfrm>
-            <a:off x="6523735" y="2250892"/>
-            <a:ext cx="5087073" cy="553373"/>
+            <a:off x="4969308" y="2228003"/>
+            <a:ext cx="3601635" cy="576262"/>
           </a:xfrm>
         </p:spPr>
         <p:txBody>
@@ -2990,8 +2943,8 @@
         </p:nvSpPr>
         <p:spPr>
           <a:xfrm>
-            <a:off x="6217709" y="2926052"/>
-            <a:ext cx="5393100" cy="2934999"/>
+            <a:off x="4663282" y="2926051"/>
+            <a:ext cx="3907662" cy="2934999"/>
           </a:xfrm>
         </p:spPr>
         <p:txBody>
@@ -3105,7 +3058,7 @@
     </p:spTree>
     <p:extLst>
       <p:ext uri="{BB962C8B-B14F-4D97-AF65-F5344CB8AC3E}">
-        <p14:creationId xmlns:p14="http://schemas.microsoft.com/office/powerpoint/2010/main" val="50381526"/>
+        <p14:creationId xmlns:p14="http://schemas.microsoft.com/office/powerpoint/2010/main" val="1812793035"/>
       </p:ext>
     </p:extLst>
   </p:cSld>
@@ -3134,72 +3087,7 @@
       </p:grpSpPr>
       <p:sp>
         <p:nvSpPr>
-          <p:cNvPr id="3" name="Date Placeholder 2"/>
-          <p:cNvSpPr>
-            <a:spLocks noGrp="1"/>
-          </p:cNvSpPr>
-          <p:nvPr>
-            <p:ph type="dt" sz="half" idx="10"/>
-          </p:nvPr>
-        </p:nvSpPr>
-        <p:spPr/>
-        <p:txBody>
-          <a:bodyPr/>
-          <a:lstStyle/>
-          <a:p>
-            <a:fld id="{6CA6AEE6-DAD3-407D-9B77-68B03FA581D4}" type="datetimeFigureOut">
-              <a:rPr lang="en-US" smtClean="0"/>
-              <a:t>3/26/2014</a:t>
-            </a:fld>
-            <a:endParaRPr lang="en-US"/>
-          </a:p>
-        </p:txBody>
-      </p:sp>
-      <p:sp>
-        <p:nvSpPr>
-          <p:cNvPr id="4" name="Footer Placeholder 3"/>
-          <p:cNvSpPr>
-            <a:spLocks noGrp="1"/>
-          </p:cNvSpPr>
-          <p:nvPr>
-            <p:ph type="ftr" sz="quarter" idx="11"/>
-          </p:nvPr>
-        </p:nvSpPr>
-        <p:spPr/>
-        <p:txBody>
-          <a:bodyPr/>
-          <a:lstStyle/>
-          <a:p>
-            <a:endParaRPr lang="en-US"/>
-          </a:p>
-        </p:txBody>
-      </p:sp>
-      <p:sp>
-        <p:nvSpPr>
-          <p:cNvPr id="5" name="Slide Number Placeholder 4"/>
-          <p:cNvSpPr>
-            <a:spLocks noGrp="1"/>
-          </p:cNvSpPr>
-          <p:nvPr>
-            <p:ph type="sldNum" sz="quarter" idx="12"/>
-          </p:nvPr>
-        </p:nvSpPr>
-        <p:spPr/>
-        <p:txBody>
-          <a:bodyPr/>
-          <a:lstStyle/>
-          <a:p>
-            <a:fld id="{CEEEEBC8-50BF-40B4-A547-95BCBE04148B}" type="slidenum">
-              <a:rPr lang="en-US" smtClean="0"/>
-              <a:t>‹#›</a:t>
-            </a:fld>
-            <a:endParaRPr lang="en-US"/>
-          </a:p>
-        </p:txBody>
-      </p:sp>
-      <p:sp>
-        <p:nvSpPr>
-          <p:cNvPr id="7" name="Rectangle 6"/>
+          <p:cNvPr id="6" name="Rectangle 5"/>
           <p:cNvSpPr>
             <a:spLocks noChangeAspect="1"/>
           </p:cNvSpPr>
@@ -3207,8 +3095,8 @@
         </p:nvSpPr>
         <p:spPr>
           <a:xfrm>
-            <a:off x="440683" y="606554"/>
-            <a:ext cx="11300036" cy="1258827"/>
+            <a:off x="448092" y="599725"/>
+            <a:ext cx="8238707" cy="1258827"/>
           </a:xfrm>
           <a:prstGeom prst="rect">
             <a:avLst/>
@@ -3238,7 +3126,7 @@
       </p:sp>
       <p:sp>
         <p:nvSpPr>
-          <p:cNvPr id="8" name="Title 1"/>
+          <p:cNvPr id="2" name="Title 1"/>
           <p:cNvSpPr>
             <a:spLocks noGrp="1"/>
           </p:cNvSpPr>
@@ -3246,12 +3134,7 @@
             <p:ph type="title"/>
           </p:nvPr>
         </p:nvSpPr>
-        <p:spPr>
-          <a:xfrm>
-            <a:off x="575894" y="729658"/>
-            <a:ext cx="11029616" cy="988332"/>
-          </a:xfrm>
-        </p:spPr>
+        <p:spPr/>
         <p:txBody>
           <a:bodyPr/>
           <a:lstStyle/>
@@ -3261,13 +3144,78 @@
               <a:t>Click to edit Master title style</a:t>
             </a:r>
             <a:endParaRPr lang="en-US" dirty="0"/>
+          </a:p>
+        </p:txBody>
+      </p:sp>
+      <p:sp>
+        <p:nvSpPr>
+          <p:cNvPr id="3" name="Date Placeholder 2"/>
+          <p:cNvSpPr>
+            <a:spLocks noGrp="1"/>
+          </p:cNvSpPr>
+          <p:nvPr>
+            <p:ph type="dt" sz="half" idx="10"/>
+          </p:nvPr>
+        </p:nvSpPr>
+        <p:spPr/>
+        <p:txBody>
+          <a:bodyPr/>
+          <a:lstStyle/>
+          <a:p>
+            <a:fld id="{6CA6AEE6-DAD3-407D-9B77-68B03FA581D4}" type="datetimeFigureOut">
+              <a:rPr lang="en-US" smtClean="0"/>
+              <a:t>3/26/2014</a:t>
+            </a:fld>
+            <a:endParaRPr lang="en-US"/>
+          </a:p>
+        </p:txBody>
+      </p:sp>
+      <p:sp>
+        <p:nvSpPr>
+          <p:cNvPr id="4" name="Footer Placeholder 3"/>
+          <p:cNvSpPr>
+            <a:spLocks noGrp="1"/>
+          </p:cNvSpPr>
+          <p:nvPr>
+            <p:ph type="ftr" sz="quarter" idx="11"/>
+          </p:nvPr>
+        </p:nvSpPr>
+        <p:spPr/>
+        <p:txBody>
+          <a:bodyPr/>
+          <a:lstStyle/>
+          <a:p>
+            <a:endParaRPr lang="en-US"/>
+          </a:p>
+        </p:txBody>
+      </p:sp>
+      <p:sp>
+        <p:nvSpPr>
+          <p:cNvPr id="5" name="Slide Number Placeholder 4"/>
+          <p:cNvSpPr>
+            <a:spLocks noGrp="1"/>
+          </p:cNvSpPr>
+          <p:nvPr>
+            <p:ph type="sldNum" sz="quarter" idx="12"/>
+          </p:nvPr>
+        </p:nvSpPr>
+        <p:spPr/>
+        <p:txBody>
+          <a:bodyPr/>
+          <a:lstStyle/>
+          <a:p>
+            <a:fld id="{CEEEEBC8-50BF-40B4-A547-95BCBE04148B}" type="slidenum">
+              <a:rPr lang="en-US" smtClean="0"/>
+              <a:t>‹#›</a:t>
+            </a:fld>
+            <a:endParaRPr lang="en-US"/>
           </a:p>
         </p:txBody>
       </p:sp>
     </p:spTree>
     <p:extLst>
       <p:ext uri="{BB962C8B-B14F-4D97-AF65-F5344CB8AC3E}">
-        <p14:creationId xmlns:p14="http://schemas.microsoft.com/office/powerpoint/2010/main" val="964037338"/>
+        <p14:creationId xmlns:p14="http://schemas.microsoft.com/office/powerpoint/2010/main" val="1389970383"/>
       </p:ext>
     </p:extLst>
   </p:cSld>
@@ -3362,7 +3310,7 @@
     </p:spTree>
     <p:extLst>
       <p:ext uri="{BB962C8B-B14F-4D97-AF65-F5344CB8AC3E}">
-        <p14:creationId xmlns:p14="http://schemas.microsoft.com/office/powerpoint/2010/main" val="726654500"/>
+        <p14:creationId xmlns:p14="http://schemas.microsoft.com/office/powerpoint/2010/main" val="1781389627"/>
       </p:ext>
     </p:extLst>
   </p:cSld>
@@ -3399,8 +3347,8 @@
         </p:nvSpPr>
         <p:spPr>
           <a:xfrm>
-            <a:off x="447817" y="5141973"/>
-            <a:ext cx="11298200" cy="1274702"/>
+            <a:off x="452646" y="5141973"/>
+            <a:ext cx="8238707" cy="1274702"/>
           </a:xfrm>
           <a:prstGeom prst="rect">
             <a:avLst/>
@@ -3440,8 +3388,8 @@
         </p:nvSpPr>
         <p:spPr>
           <a:xfrm>
-            <a:off x="581192" y="5262296"/>
-            <a:ext cx="4909445" cy="689514"/>
+            <a:off x="581352" y="5262296"/>
+            <a:ext cx="3536625" cy="689514"/>
           </a:xfrm>
         </p:spPr>
         <p:txBody>
@@ -3479,8 +3427,8 @@
         </p:nvSpPr>
         <p:spPr>
           <a:xfrm>
-            <a:off x="447816" y="601200"/>
-            <a:ext cx="11292840" cy="4204800"/>
+            <a:off x="446399" y="601200"/>
+            <a:ext cx="8240400" cy="4204800"/>
           </a:xfrm>
         </p:spPr>
         <p:txBody>
@@ -3602,8 +3550,8 @@
         </p:nvSpPr>
         <p:spPr>
           <a:xfrm>
-            <a:off x="5740823" y="5262296"/>
-            <a:ext cx="5869987" cy="689515"/>
+            <a:off x="4305617" y="5262295"/>
+            <a:ext cx="4265327" cy="689515"/>
           </a:xfrm>
         </p:spPr>
         <p:txBody>
@@ -3762,7 +3710,7 @@
     </p:spTree>
     <p:extLst>
       <p:ext uri="{BB962C8B-B14F-4D97-AF65-F5344CB8AC3E}">
-        <p14:creationId xmlns:p14="http://schemas.microsoft.com/office/powerpoint/2010/main" val="2392053973"/>
+        <p14:creationId xmlns:p14="http://schemas.microsoft.com/office/powerpoint/2010/main" val="975209935"/>
       </p:ext>
     </p:extLst>
   </p:cSld>
@@ -3801,8 +3749,8 @@
         </p:nvSpPr>
         <p:spPr>
           <a:xfrm>
-            <a:off x="581193" y="4693389"/>
-            <a:ext cx="11029616" cy="566738"/>
+            <a:off x="581192" y="4693389"/>
+            <a:ext cx="7989752" cy="566738"/>
           </a:xfrm>
         </p:spPr>
         <p:txBody>
@@ -3839,8 +3787,8 @@
         </p:nvSpPr>
         <p:spPr>
           <a:xfrm>
-            <a:off x="447817" y="599725"/>
-            <a:ext cx="11290859" cy="3557252"/>
+            <a:off x="448093" y="599725"/>
+            <a:ext cx="8238706" cy="3557252"/>
           </a:xfrm>
         </p:spPr>
         <p:txBody>
@@ -3906,8 +3854,8 @@
         </p:nvSpPr>
         <p:spPr>
           <a:xfrm>
-            <a:off x="581192" y="5260127"/>
-            <a:ext cx="11029617" cy="598671"/>
+            <a:off x="581192" y="5260126"/>
+            <a:ext cx="7989752" cy="598671"/>
           </a:xfrm>
         </p:spPr>
         <p:txBody>
@@ -4029,7 +3977,7 @@
     </p:spTree>
     <p:extLst>
       <p:ext uri="{BB962C8B-B14F-4D97-AF65-F5344CB8AC3E}">
-        <p14:creationId xmlns:p14="http://schemas.microsoft.com/office/powerpoint/2010/main" val="1839017607"/>
+        <p14:creationId xmlns:p14="http://schemas.microsoft.com/office/powerpoint/2010/main" val="2440067228"/>
       </p:ext>
     </p:extLst>
   </p:cSld>
@@ -4073,8 +4021,8 @@
         </p:nvSpPr>
         <p:spPr>
           <a:xfrm>
-            <a:off x="581192" y="705124"/>
-            <a:ext cx="11029616" cy="1189554"/>
+            <a:off x="581192" y="687474"/>
+            <a:ext cx="7989752" cy="1083329"/>
           </a:xfrm>
           <a:prstGeom prst="rect">
             <a:avLst/>
@@ -4106,8 +4054,8 @@
         </p:nvSpPr>
         <p:spPr>
           <a:xfrm>
-            <a:off x="581192" y="2336003"/>
-            <a:ext cx="11029616" cy="3522794"/>
+            <a:off x="581192" y="2228003"/>
+            <a:ext cx="7989752" cy="3630794"/>
           </a:xfrm>
           <a:prstGeom prst="rect">
             <a:avLst/>
@@ -4168,8 +4116,8 @@
         </p:nvSpPr>
         <p:spPr>
           <a:xfrm>
-            <a:off x="7605951" y="5956137"/>
-            <a:ext cx="2844799" cy="365125"/>
+            <a:off x="5559327" y="5956136"/>
+            <a:ext cx="2133600" cy="365125"/>
           </a:xfrm>
           <a:prstGeom prst="rect">
             <a:avLst/>
@@ -4207,8 +4155,8 @@
         </p:nvSpPr>
         <p:spPr>
           <a:xfrm>
-            <a:off x="581192" y="5951811"/>
-            <a:ext cx="6917210" cy="365125"/>
+            <a:off x="581192" y="5951810"/>
+            <a:ext cx="4870585" cy="365125"/>
           </a:xfrm>
           <a:prstGeom prst="rect">
             <a:avLst/>
@@ -4242,8 +4190,8 @@
         </p:nvSpPr>
         <p:spPr>
           <a:xfrm>
-            <a:off x="10558300" y="5956137"/>
-            <a:ext cx="1052510" cy="365125"/>
+            <a:off x="7800476" y="5956136"/>
+            <a:ext cx="770468" cy="365125"/>
           </a:xfrm>
           <a:prstGeom prst="rect">
             <a:avLst/>
@@ -4277,8 +4225,8 @@
         </p:nvSpPr>
         <p:spPr>
           <a:xfrm>
-            <a:off x="446534" y="457200"/>
-            <a:ext cx="3703320" cy="94997"/>
+            <a:off x="448091" y="441325"/>
+            <a:ext cx="2719909" cy="108000"/>
           </a:xfrm>
           <a:prstGeom prst="rect">
             <a:avLst/>
@@ -4314,8 +4262,8 @@
         </p:nvSpPr>
         <p:spPr>
           <a:xfrm>
-            <a:off x="8042147" y="453643"/>
-            <a:ext cx="3703320" cy="98554"/>
+            <a:off x="5976001" y="441325"/>
+            <a:ext cx="2710800" cy="108000"/>
           </a:xfrm>
           <a:prstGeom prst="rect">
             <a:avLst/>
@@ -4351,8 +4299,8 @@
         </p:nvSpPr>
         <p:spPr>
           <a:xfrm>
-            <a:off x="4241830" y="457200"/>
-            <a:ext cx="3703320" cy="91440"/>
+            <a:off x="3216601" y="441325"/>
+            <a:ext cx="2710800" cy="108000"/>
           </a:xfrm>
           <a:prstGeom prst="rect">
             <a:avLst/>
@@ -4383,23 +4331,23 @@
     </p:spTree>
     <p:extLst>
       <p:ext uri="{BB962C8B-B14F-4D97-AF65-F5344CB8AC3E}">
-        <p14:creationId xmlns:p14="http://schemas.microsoft.com/office/powerpoint/2010/main" val="3126622420"/>
+        <p14:creationId xmlns:p14="http://schemas.microsoft.com/office/powerpoint/2010/main" val="3677117808"/>
       </p:ext>
     </p:extLst>
   </p:cSld>
   <p:clrMap bg1="lt1" tx1="dk1" bg2="lt2" tx2="dk2" accent1="accent1" accent2="accent2" accent3="accent3" accent4="accent4" accent5="accent5" accent6="accent6" hlink="hlink" folHlink="folHlink"/>
   <p:sldLayoutIdLst>
-    <p:sldLayoutId id="2147483911" r:id="rId1"/>
-    <p:sldLayoutId id="2147483912" r:id="rId2"/>
-    <p:sldLayoutId id="2147483913" r:id="rId3"/>
-    <p:sldLayoutId id="2147483914" r:id="rId4"/>
-    <p:sldLayoutId id="2147483915" r:id="rId5"/>
-    <p:sldLayoutId id="2147483916" r:id="rId6"/>
-    <p:sldLayoutId id="2147483917" r:id="rId7"/>
-    <p:sldLayoutId id="2147483918" r:id="rId8"/>
-    <p:sldLayoutId id="2147483919" r:id="rId9"/>
-    <p:sldLayoutId id="2147483920" r:id="rId10"/>
-    <p:sldLayoutId id="2147483921" r:id="rId11"/>
+    <p:sldLayoutId id="2147483923" r:id="rId1"/>
+    <p:sldLayoutId id="2147483924" r:id="rId2"/>
+    <p:sldLayoutId id="2147483925" r:id="rId3"/>
+    <p:sldLayoutId id="2147483926" r:id="rId4"/>
+    <p:sldLayoutId id="2147483927" r:id="rId5"/>
+    <p:sldLayoutId id="2147483928" r:id="rId6"/>
+    <p:sldLayoutId id="2147483929" r:id="rId7"/>
+    <p:sldLayoutId id="2147483930" r:id="rId8"/>
+    <p:sldLayoutId id="2147483931" r:id="rId9"/>
+    <p:sldLayoutId id="2147483932" r:id="rId10"/>
+    <p:sldLayoutId id="2147483933" r:id="rId11"/>
   </p:sldLayoutIdLst>
   <p:txStyles>
     <p:titleStyle>
@@ -4802,7 +4750,9 @@
         </p:nvSpPr>
         <p:spPr/>
         <p:txBody>
-          <a:bodyPr/>
+          <a:bodyPr>
+            <a:normAutofit fontScale="90000"/>
+          </a:bodyPr>
           <a:lstStyle/>
           <a:p>
             <a:r>
@@ -4926,28 +4876,6 @@
           </a:p>
         </p:txBody>
       </p:sp>
-      <p:sp>
-        <p:nvSpPr>
-          <p:cNvPr id="3" name="Content Placeholder 2"/>
-          <p:cNvSpPr>
-            <a:spLocks noGrp="1"/>
-          </p:cNvSpPr>
-          <p:nvPr>
-            <p:ph idx="1"/>
-          </p:nvPr>
-        </p:nvSpPr>
-        <p:spPr/>
-        <p:txBody>
-          <a:bodyPr/>
-          <a:lstStyle/>
-          <a:p>
-            <a:pPr marL="2571400" lvl="8" indent="0">
-              <a:buNone/>
-            </a:pPr>
-            <a:endParaRPr lang="en-US" dirty="0"/>
-          </a:p>
-        </p:txBody>
-      </p:sp>
       <p:pic>
         <p:nvPicPr>
           <p:cNvPr id="4" name="Picture 3"/>
@@ -4956,16 +4884,15 @@
           </p:cNvPicPr>
           <p:nvPr/>
         </p:nvPicPr>
-        <p:blipFill>
+        <p:blipFill rotWithShape="1">
           <a:blip r:embed="rId3"/>
-          <a:stretch>
-            <a:fillRect/>
-          </a:stretch>
+          <a:srcRect b="12122"/>
+          <a:stretch/>
         </p:blipFill>
         <p:spPr>
           <a:xfrm>
-            <a:off x="369148" y="2180496"/>
-            <a:ext cx="5726851" cy="4308832"/>
+            <a:off x="276862" y="2492622"/>
+            <a:ext cx="4295138" cy="2839869"/>
           </a:xfrm>
           <a:prstGeom prst="rect">
             <a:avLst/>
@@ -4980,22 +4907,82 @@
           </p:cNvPicPr>
           <p:nvPr/>
         </p:nvPicPr>
-        <p:blipFill>
+        <p:blipFill rotWithShape="1">
           <a:blip r:embed="rId4"/>
-          <a:stretch>
-            <a:fillRect/>
-          </a:stretch>
+          <a:srcRect b="13888"/>
+          <a:stretch/>
         </p:blipFill>
         <p:spPr>
           <a:xfrm>
-            <a:off x="6095999" y="2084703"/>
-            <a:ext cx="5981324" cy="4522465"/>
+            <a:off x="4571999" y="2420778"/>
+            <a:ext cx="4485993" cy="2920767"/>
           </a:xfrm>
           <a:prstGeom prst="rect">
             <a:avLst/>
           </a:prstGeom>
         </p:spPr>
       </p:pic>
+      <p:sp>
+        <p:nvSpPr>
+          <p:cNvPr id="6" name="TextBox 5"/>
+          <p:cNvSpPr txBox="1"/>
+          <p:nvPr/>
+        </p:nvSpPr>
+        <p:spPr>
+          <a:xfrm>
+            <a:off x="227458" y="5332491"/>
+            <a:ext cx="4393945" cy="369332"/>
+          </a:xfrm>
+          <a:prstGeom prst="rect">
+            <a:avLst/>
+          </a:prstGeom>
+          <a:noFill/>
+        </p:spPr>
+        <p:txBody>
+          <a:bodyPr wrap="square" rtlCol="0">
+            <a:spAutoFit/>
+          </a:bodyPr>
+          <a:lstStyle/>
+          <a:p>
+            <a:r>
+              <a:rPr lang="en-US" dirty="0" smtClean="0"/>
+              <a:t>Figure 9: Boundary condition for holes</a:t>
+            </a:r>
+            <a:endParaRPr lang="en-US" dirty="0"/>
+          </a:p>
+        </p:txBody>
+      </p:sp>
+      <p:sp>
+        <p:nvSpPr>
+          <p:cNvPr id="7" name="TextBox 6"/>
+          <p:cNvSpPr txBox="1"/>
+          <p:nvPr/>
+        </p:nvSpPr>
+        <p:spPr>
+          <a:xfrm>
+            <a:off x="4664047" y="5341545"/>
+            <a:ext cx="4393945" cy="646331"/>
+          </a:xfrm>
+          <a:prstGeom prst="rect">
+            <a:avLst/>
+          </a:prstGeom>
+          <a:noFill/>
+        </p:spPr>
+        <p:txBody>
+          <a:bodyPr wrap="square" rtlCol="0">
+            <a:spAutoFit/>
+          </a:bodyPr>
+          <a:lstStyle/>
+          <a:p>
+            <a:pPr algn="ctr"/>
+            <a:r>
+              <a:rPr lang="en-US" dirty="0" smtClean="0"/>
+              <a:t>Figure 10: Boundary condition for electric potential</a:t>
+            </a:r>
+            <a:endParaRPr lang="en-US" dirty="0"/>
+          </a:p>
+        </p:txBody>
+      </p:sp>
     </p:spTree>
     <p:extLst>
       <p:ext uri="{BB962C8B-B14F-4D97-AF65-F5344CB8AC3E}">
@@ -5076,36 +5063,41 @@
           <a:lstStyle/>
           <a:p>
             <a:r>
-              <a:rPr lang="en-US" sz="2200" dirty="0" smtClean="0"/>
+              <a:rPr lang="en-US" dirty="0"/>
               <a:t>Debye Length:</a:t>
             </a:r>
           </a:p>
           <a:p>
             <a:r>
-              <a:rPr lang="en-US" sz="2200" dirty="0" smtClean="0"/>
-              <a:t>Dielectric Relaxation Time </a:t>
-            </a:r>
-          </a:p>
-          <a:p>
-            <a:r>
-              <a:rPr lang="en-US" sz="2200" dirty="0" smtClean="0"/>
+              <a:rPr lang="en-US" dirty="0"/>
+              <a:t>Dielectric Relaxation </a:t>
+            </a:r>
+            <a:r>
+              <a:rPr lang="en-US" dirty="0" smtClean="0"/>
+              <a:t>Time: </a:t>
+            </a:r>
+            <a:endParaRPr lang="en-US" dirty="0"/>
+          </a:p>
+          <a:p>
+            <a:r>
+              <a:rPr lang="en-US" dirty="0"/>
               <a:t>CFL Conditions</a:t>
             </a:r>
           </a:p>
           <a:p>
             <a:pPr lvl="1"/>
             <a:r>
-              <a:rPr lang="en-US" sz="2200" dirty="0" smtClean="0"/>
+              <a:rPr lang="en-US" sz="1800" dirty="0"/>
               <a:t>Drift</a:t>
             </a:r>
           </a:p>
           <a:p>
             <a:pPr lvl="1"/>
             <a:r>
-              <a:rPr lang="en-US" sz="2200" dirty="0" smtClean="0"/>
+              <a:rPr lang="en-US" sz="1800" dirty="0"/>
               <a:t>Diffusion:</a:t>
             </a:r>
-            <a:endParaRPr lang="en-US" sz="2200" dirty="0"/>
+            <a:endParaRPr lang="en-US" sz="1800" dirty="0"/>
           </a:p>
         </p:txBody>
       </p:sp>
@@ -5125,8 +5117,8 @@
         </p:blipFill>
         <p:spPr>
           <a:xfrm>
-            <a:off x="4169403" y="2605658"/>
-            <a:ext cx="1263462" cy="847639"/>
+            <a:off x="3693460" y="2787266"/>
+            <a:ext cx="947597" cy="635729"/>
           </a:xfrm>
           <a:prstGeom prst="rect">
             <a:avLst/>
@@ -5149,8 +5141,8 @@
         </p:blipFill>
         <p:spPr>
           <a:xfrm>
-            <a:off x="4169403" y="3317752"/>
-            <a:ext cx="1031560" cy="583751"/>
+            <a:off x="3638213" y="3398774"/>
+            <a:ext cx="773670" cy="437813"/>
           </a:xfrm>
           <a:prstGeom prst="rect">
             <a:avLst/>
@@ -5173,8 +5165,8 @@
         </p:blipFill>
         <p:spPr>
           <a:xfrm>
-            <a:off x="4247815" y="4787793"/>
-            <a:ext cx="1023564" cy="631731"/>
+            <a:off x="3693460" y="4679648"/>
+            <a:ext cx="767673" cy="473798"/>
           </a:xfrm>
           <a:prstGeom prst="rect">
             <a:avLst/>
@@ -5197,8 +5189,8 @@
         </p:blipFill>
         <p:spPr>
           <a:xfrm>
-            <a:off x="4169403" y="4076096"/>
-            <a:ext cx="1031560" cy="711697"/>
+            <a:off x="3697843" y="4167214"/>
+            <a:ext cx="773670" cy="533773"/>
           </a:xfrm>
           <a:prstGeom prst="rect">
             <a:avLst/>
@@ -5213,22 +5205,52 @@
           </p:cNvPicPr>
           <p:nvPr/>
         </p:nvPicPr>
-        <p:blipFill>
+        <p:blipFill rotWithShape="1">
           <a:blip r:embed="rId6"/>
-          <a:stretch>
-            <a:fillRect/>
-          </a:stretch>
+          <a:srcRect b="8717"/>
+          <a:stretch/>
         </p:blipFill>
         <p:spPr>
           <a:xfrm>
-            <a:off x="5912448" y="1824057"/>
-            <a:ext cx="5698359" cy="4878248"/>
+            <a:off x="4641057" y="2228002"/>
+            <a:ext cx="4447696" cy="3475681"/>
           </a:xfrm>
           <a:prstGeom prst="rect">
             <a:avLst/>
           </a:prstGeom>
         </p:spPr>
       </p:pic>
+      <p:sp>
+        <p:nvSpPr>
+          <p:cNvPr id="4" name="TextBox 3"/>
+          <p:cNvSpPr txBox="1"/>
+          <p:nvPr/>
+        </p:nvSpPr>
+        <p:spPr>
+          <a:xfrm>
+            <a:off x="4822127" y="5703683"/>
+            <a:ext cx="4321874" cy="646331"/>
+          </a:xfrm>
+          <a:prstGeom prst="rect">
+            <a:avLst/>
+          </a:prstGeom>
+          <a:noFill/>
+        </p:spPr>
+        <p:txBody>
+          <a:bodyPr wrap="square" rtlCol="0">
+            <a:spAutoFit/>
+          </a:bodyPr>
+          <a:lstStyle/>
+          <a:p>
+            <a:pPr algn="ctr"/>
+            <a:r>
+              <a:rPr lang="en-US" dirty="0" smtClean="0"/>
+              <a:t>Figure 11: Spatial and temporal requirements for a simulation</a:t>
+            </a:r>
+            <a:endParaRPr lang="en-US" dirty="0"/>
+          </a:p>
+        </p:txBody>
+      </p:sp>
     </p:spTree>
     <p:extLst>
       <p:ext uri="{BB962C8B-B14F-4D97-AF65-F5344CB8AC3E}">
@@ -5316,8 +5338,13 @@
           <a:p>
             <a:r>
               <a:rPr lang="en-US" dirty="0" smtClean="0"/>
-              <a:t>Diffusion Current Density:</a:t>
-            </a:r>
+              <a:t>Diffusion Current </a:t>
+            </a:r>
+            <a:r>
+              <a:rPr lang="en-US" dirty="0" smtClean="0"/>
+              <a:t>:</a:t>
+            </a:r>
+            <a:endParaRPr lang="en-US" dirty="0" smtClean="0"/>
           </a:p>
           <a:p>
             <a:endParaRPr lang="en-US" dirty="0" smtClean="0"/>
@@ -5343,8 +5370,13 @@
           <a:p>
             <a:r>
               <a:rPr lang="en-US" dirty="0" smtClean="0"/>
-              <a:t>Drift Current Density:</a:t>
-            </a:r>
+              <a:t>Drift </a:t>
+            </a:r>
+            <a:r>
+              <a:rPr lang="en-US" dirty="0" smtClean="0"/>
+              <a:t>Current:</a:t>
+            </a:r>
+            <a:endParaRPr lang="en-US" dirty="0" smtClean="0"/>
           </a:p>
           <a:p>
             <a:endParaRPr lang="en-US" dirty="0"/>
@@ -5359,16 +5391,15 @@
           </p:cNvPicPr>
           <p:nvPr/>
         </p:nvPicPr>
-        <p:blipFill>
+        <p:blipFill rotWithShape="1">
           <a:blip r:embed="rId2"/>
-          <a:stretch>
-            <a:fillRect/>
-          </a:stretch>
+          <a:srcRect b="23099"/>
+          <a:stretch/>
         </p:blipFill>
         <p:spPr>
           <a:xfrm>
-            <a:off x="5615599" y="2334405"/>
-            <a:ext cx="6576401" cy="3215369"/>
+            <a:off x="4405037" y="2795562"/>
+            <a:ext cx="4738963" cy="1781793"/>
           </a:xfrm>
           <a:prstGeom prst="rect">
             <a:avLst/>
@@ -5391,8 +5422,8 @@
         </p:blipFill>
         <p:spPr>
           <a:xfrm>
-            <a:off x="3504762" y="2289049"/>
-            <a:ext cx="2489441" cy="660660"/>
+            <a:off x="2810708" y="2425013"/>
+            <a:ext cx="1867081" cy="495495"/>
           </a:xfrm>
           <a:prstGeom prst="rect">
             <a:avLst/>
@@ -5415,8 +5446,8 @@
         </p:blipFill>
         <p:spPr>
           <a:xfrm>
-            <a:off x="3535950" y="3021817"/>
-            <a:ext cx="1651686" cy="848162"/>
+            <a:off x="2859018" y="3124401"/>
+            <a:ext cx="1238765" cy="636122"/>
           </a:xfrm>
           <a:prstGeom prst="rect">
             <a:avLst/>
@@ -5439,8 +5470,8 @@
         </p:blipFill>
         <p:spPr>
           <a:xfrm>
-            <a:off x="3602746" y="3919047"/>
-            <a:ext cx="1518094" cy="732873"/>
+            <a:off x="2825872" y="3796535"/>
+            <a:ext cx="1138571" cy="549655"/>
           </a:xfrm>
           <a:prstGeom prst="rect">
             <a:avLst/>
@@ -5463,14 +5494,52 @@
         </p:blipFill>
         <p:spPr>
           <a:xfrm>
-            <a:off x="3644591" y="4700988"/>
-            <a:ext cx="3225587" cy="1091865"/>
+            <a:off x="2754848" y="4693044"/>
+            <a:ext cx="2419190" cy="818899"/>
           </a:xfrm>
           <a:prstGeom prst="rect">
             <a:avLst/>
           </a:prstGeom>
         </p:spPr>
       </p:pic>
+      <p:sp>
+        <p:nvSpPr>
+          <p:cNvPr id="5" name="TextBox 4"/>
+          <p:cNvSpPr txBox="1"/>
+          <p:nvPr/>
+        </p:nvSpPr>
+        <p:spPr>
+          <a:xfrm>
+            <a:off x="5243498" y="4578572"/>
+            <a:ext cx="3257986" cy="369332"/>
+          </a:xfrm>
+          <a:prstGeom prst="rect">
+            <a:avLst/>
+          </a:prstGeom>
+          <a:noFill/>
+        </p:spPr>
+        <p:txBody>
+          <a:bodyPr wrap="square" rtlCol="0">
+            <a:spAutoFit/>
+          </a:bodyPr>
+          <a:lstStyle/>
+          <a:p>
+            <a:r>
+              <a:rPr lang="en-US" dirty="0" smtClean="0"/>
+              <a:t>Figure 12: 1-D </a:t>
+            </a:r>
+            <a:r>
+              <a:rPr lang="en-US" dirty="0" err="1" smtClean="0"/>
+              <a:t>Memristor</a:t>
+            </a:r>
+            <a:r>
+              <a:rPr lang="en-US" dirty="0" smtClean="0"/>
+              <a:t> Model</a:t>
+            </a:r>
+            <a:endParaRPr lang="en-US" dirty="0"/>
+          </a:p>
+        </p:txBody>
+      </p:sp>
     </p:spTree>
     <p:extLst>
       <p:ext uri="{BB962C8B-B14F-4D97-AF65-F5344CB8AC3E}">
@@ -5539,25 +5608,6 @@
           </a:p>
         </p:txBody>
       </p:sp>
-      <p:sp>
-        <p:nvSpPr>
-          <p:cNvPr id="3" name="Content Placeholder 2"/>
-          <p:cNvSpPr>
-            <a:spLocks noGrp="1"/>
-          </p:cNvSpPr>
-          <p:nvPr>
-            <p:ph idx="1"/>
-          </p:nvPr>
-        </p:nvSpPr>
-        <p:spPr/>
-        <p:txBody>
-          <a:bodyPr/>
-          <a:lstStyle/>
-          <a:p>
-            <a:endParaRPr lang="en-US" dirty="0"/>
-          </a:p>
-        </p:txBody>
-      </p:sp>
       <p:pic>
         <p:nvPicPr>
           <p:cNvPr id="5" name="Picture 4"/>
@@ -5566,16 +5616,15 @@
           </p:cNvPicPr>
           <p:nvPr/>
         </p:nvPicPr>
-        <p:blipFill>
+        <p:blipFill rotWithShape="1">
           <a:blip r:embed="rId3"/>
-          <a:stretch>
-            <a:fillRect/>
-          </a:stretch>
+          <a:srcRect b="12284"/>
+          <a:stretch/>
         </p:blipFill>
         <p:spPr>
           <a:xfrm>
-            <a:off x="5808308" y="1977296"/>
-            <a:ext cx="6167791" cy="4603496"/>
+            <a:off x="4356232" y="2340222"/>
+            <a:ext cx="4625843" cy="3028483"/>
           </a:xfrm>
           <a:prstGeom prst="rect">
             <a:avLst/>
@@ -5590,22 +5639,83 @@
           </p:cNvPicPr>
           <p:nvPr/>
         </p:nvPicPr>
-        <p:blipFill>
+        <p:blipFill rotWithShape="1">
           <a:blip r:embed="rId4"/>
-          <a:stretch>
-            <a:fillRect/>
-          </a:stretch>
+          <a:srcRect b="10288"/>
+          <a:stretch/>
         </p:blipFill>
         <p:spPr>
           <a:xfrm>
-            <a:off x="471742" y="2123387"/>
-            <a:ext cx="5171009" cy="4311313"/>
+            <a:off x="353807" y="2449791"/>
+            <a:ext cx="3878257" cy="2900807"/>
           </a:xfrm>
           <a:prstGeom prst="rect">
             <a:avLst/>
           </a:prstGeom>
         </p:spPr>
       </p:pic>
+      <p:sp>
+        <p:nvSpPr>
+          <p:cNvPr id="4" name="TextBox 3"/>
+          <p:cNvSpPr txBox="1"/>
+          <p:nvPr/>
+        </p:nvSpPr>
+        <p:spPr>
+          <a:xfrm>
+            <a:off x="724277" y="5251010"/>
+            <a:ext cx="3631955" cy="646331"/>
+          </a:xfrm>
+          <a:prstGeom prst="rect">
+            <a:avLst/>
+          </a:prstGeom>
+          <a:noFill/>
+        </p:spPr>
+        <p:txBody>
+          <a:bodyPr wrap="square" rtlCol="0">
+            <a:spAutoFit/>
+          </a:bodyPr>
+          <a:lstStyle/>
+          <a:p>
+            <a:pPr algn="ctr"/>
+            <a:r>
+              <a:rPr lang="en-US" dirty="0" smtClean="0"/>
+              <a:t>Figure 13: Current density over time for a potential pulse train</a:t>
+            </a:r>
+            <a:endParaRPr lang="en-US" dirty="0"/>
+          </a:p>
+        </p:txBody>
+      </p:sp>
+      <p:sp>
+        <p:nvSpPr>
+          <p:cNvPr id="8" name="TextBox 7"/>
+          <p:cNvSpPr txBox="1"/>
+          <p:nvPr/>
+        </p:nvSpPr>
+        <p:spPr>
+          <a:xfrm>
+            <a:off x="4726702" y="5251009"/>
+            <a:ext cx="3631955" cy="646331"/>
+          </a:xfrm>
+          <a:prstGeom prst="rect">
+            <a:avLst/>
+          </a:prstGeom>
+          <a:noFill/>
+        </p:spPr>
+        <p:txBody>
+          <a:bodyPr wrap="square" rtlCol="0">
+            <a:spAutoFit/>
+          </a:bodyPr>
+          <a:lstStyle/>
+          <a:p>
+            <a:pPr algn="ctr"/>
+            <a:r>
+              <a:rPr lang="en-US" dirty="0" smtClean="0"/>
+              <a:t>Figure 14: Lithium and hole density distribution over time</a:t>
+            </a:r>
+            <a:endParaRPr lang="en-US" dirty="0"/>
+          </a:p>
+        </p:txBody>
+      </p:sp>
     </p:spTree>
     <p:extLst>
       <p:ext uri="{BB962C8B-B14F-4D97-AF65-F5344CB8AC3E}">
@@ -5684,25 +5794,6 @@
           </a:p>
         </p:txBody>
       </p:sp>
-      <p:sp>
-        <p:nvSpPr>
-          <p:cNvPr id="3" name="Content Placeholder 2"/>
-          <p:cNvSpPr>
-            <a:spLocks noGrp="1"/>
-          </p:cNvSpPr>
-          <p:nvPr>
-            <p:ph idx="1"/>
-          </p:nvPr>
-        </p:nvSpPr>
-        <p:spPr/>
-        <p:txBody>
-          <a:bodyPr/>
-          <a:lstStyle/>
-          <a:p>
-            <a:endParaRPr lang="en-US" dirty="0"/>
-          </a:p>
-        </p:txBody>
-      </p:sp>
       <p:pic>
         <p:nvPicPr>
           <p:cNvPr id="5" name="Picture 4"/>
@@ -5711,16 +5802,15 @@
           </p:cNvPicPr>
           <p:nvPr/>
         </p:nvPicPr>
-        <p:blipFill>
+        <p:blipFill rotWithShape="1">
           <a:blip r:embed="rId3"/>
-          <a:stretch>
-            <a:fillRect/>
-          </a:stretch>
+          <a:srcRect b="9684"/>
+          <a:stretch/>
         </p:blipFill>
         <p:spPr>
           <a:xfrm>
-            <a:off x="336135" y="2006600"/>
-            <a:ext cx="5295849" cy="4745896"/>
+            <a:off x="269291" y="2228003"/>
+            <a:ext cx="4260735" cy="3448520"/>
           </a:xfrm>
           <a:prstGeom prst="rect">
             <a:avLst/>
@@ -5735,22 +5825,83 @@
           </p:cNvPicPr>
           <p:nvPr/>
         </p:nvPicPr>
-        <p:blipFill>
+        <p:blipFill rotWithShape="1">
           <a:blip r:embed="rId4"/>
-          <a:stretch>
-            <a:fillRect/>
-          </a:stretch>
+          <a:srcRect b="9829"/>
+          <a:stretch/>
         </p:blipFill>
         <p:spPr>
           <a:xfrm>
-            <a:off x="6290894" y="1930400"/>
-            <a:ext cx="5564970" cy="4898296"/>
+            <a:off x="4599160" y="2185075"/>
+            <a:ext cx="4410434" cy="3500501"/>
           </a:xfrm>
           <a:prstGeom prst="rect">
             <a:avLst/>
           </a:prstGeom>
         </p:spPr>
       </p:pic>
+      <p:sp>
+        <p:nvSpPr>
+          <p:cNvPr id="4" name="TextBox 3"/>
+          <p:cNvSpPr txBox="1"/>
+          <p:nvPr/>
+        </p:nvSpPr>
+        <p:spPr>
+          <a:xfrm>
+            <a:off x="425513" y="5685576"/>
+            <a:ext cx="4104513" cy="646331"/>
+          </a:xfrm>
+          <a:prstGeom prst="rect">
+            <a:avLst/>
+          </a:prstGeom>
+          <a:noFill/>
+        </p:spPr>
+        <p:txBody>
+          <a:bodyPr wrap="square" rtlCol="0">
+            <a:spAutoFit/>
+          </a:bodyPr>
+          <a:lstStyle/>
+          <a:p>
+            <a:pPr algn="ctr"/>
+            <a:r>
+              <a:rPr lang="en-US" dirty="0" smtClean="0"/>
+              <a:t>Figure 15: Normalized current vs. applied potential at different frequencies</a:t>
+            </a:r>
+            <a:endParaRPr lang="en-US" dirty="0"/>
+          </a:p>
+        </p:txBody>
+      </p:sp>
+      <p:sp>
+        <p:nvSpPr>
+          <p:cNvPr id="7" name="TextBox 6"/>
+          <p:cNvSpPr txBox="1"/>
+          <p:nvPr/>
+        </p:nvSpPr>
+        <p:spPr>
+          <a:xfrm>
+            <a:off x="4938989" y="5676523"/>
+            <a:ext cx="3631955" cy="646331"/>
+          </a:xfrm>
+          <a:prstGeom prst="rect">
+            <a:avLst/>
+          </a:prstGeom>
+          <a:noFill/>
+        </p:spPr>
+        <p:txBody>
+          <a:bodyPr wrap="square" rtlCol="0">
+            <a:spAutoFit/>
+          </a:bodyPr>
+          <a:lstStyle/>
+          <a:p>
+            <a:pPr algn="ctr"/>
+            <a:r>
+              <a:rPr lang="en-US" dirty="0" smtClean="0"/>
+              <a:t>Figure 16: Lithium and hole density distribution over time</a:t>
+            </a:r>
+            <a:endParaRPr lang="en-US" dirty="0"/>
+          </a:p>
+        </p:txBody>
+      </p:sp>
     </p:spTree>
     <p:extLst>
       <p:ext uri="{BB962C8B-B14F-4D97-AF65-F5344CB8AC3E}">
@@ -5819,16 +5970,15 @@
           </p:cNvPicPr>
           <p:nvPr/>
         </p:nvPicPr>
-        <p:blipFill>
+        <p:blipFill rotWithShape="1">
           <a:blip r:embed="rId2"/>
-          <a:stretch>
-            <a:fillRect/>
-          </a:stretch>
+          <a:srcRect b="12082"/>
+          <a:stretch/>
         </p:blipFill>
         <p:spPr>
           <a:xfrm>
-            <a:off x="6473266" y="1940778"/>
-            <a:ext cx="4499534" cy="4236223"/>
+            <a:off x="4701039" y="2224755"/>
+            <a:ext cx="4017448" cy="3325386"/>
           </a:xfrm>
           <a:prstGeom prst="rect">
             <a:avLst/>
@@ -5843,22 +5993,83 @@
           </p:cNvPicPr>
           <p:nvPr/>
         </p:nvPicPr>
-        <p:blipFill>
+        <p:blipFill rotWithShape="1">
           <a:blip r:embed="rId3"/>
-          <a:stretch>
-            <a:fillRect/>
-          </a:stretch>
+          <a:srcRect b="10476"/>
+          <a:stretch/>
         </p:blipFill>
         <p:spPr>
           <a:xfrm>
-            <a:off x="812392" y="1983123"/>
-            <a:ext cx="4574419" cy="4193878"/>
+            <a:off x="238103" y="2290272"/>
+            <a:ext cx="3971758" cy="3259869"/>
           </a:xfrm>
           <a:prstGeom prst="rect">
             <a:avLst/>
           </a:prstGeom>
         </p:spPr>
       </p:pic>
+      <p:sp>
+        <p:nvSpPr>
+          <p:cNvPr id="5" name="TextBox 4"/>
+          <p:cNvSpPr txBox="1"/>
+          <p:nvPr/>
+        </p:nvSpPr>
+        <p:spPr>
+          <a:xfrm>
+            <a:off x="581192" y="5550141"/>
+            <a:ext cx="3631955" cy="646331"/>
+          </a:xfrm>
+          <a:prstGeom prst="rect">
+            <a:avLst/>
+          </a:prstGeom>
+          <a:noFill/>
+        </p:spPr>
+        <p:txBody>
+          <a:bodyPr wrap="square" rtlCol="0">
+            <a:spAutoFit/>
+          </a:bodyPr>
+          <a:lstStyle/>
+          <a:p>
+            <a:pPr algn="ctr"/>
+            <a:r>
+              <a:rPr lang="en-US" dirty="0" smtClean="0"/>
+              <a:t>Figure 17: Normalized hole densities at steady state</a:t>
+            </a:r>
+            <a:endParaRPr lang="en-US" dirty="0"/>
+          </a:p>
+        </p:txBody>
+      </p:sp>
+      <p:sp>
+        <p:nvSpPr>
+          <p:cNvPr id="6" name="TextBox 5"/>
+          <p:cNvSpPr txBox="1"/>
+          <p:nvPr/>
+        </p:nvSpPr>
+        <p:spPr>
+          <a:xfrm>
+            <a:off x="4938989" y="5550141"/>
+            <a:ext cx="3631955" cy="646331"/>
+          </a:xfrm>
+          <a:prstGeom prst="rect">
+            <a:avLst/>
+          </a:prstGeom>
+          <a:noFill/>
+        </p:spPr>
+        <p:txBody>
+          <a:bodyPr wrap="square" rtlCol="0">
+            <a:spAutoFit/>
+          </a:bodyPr>
+          <a:lstStyle/>
+          <a:p>
+            <a:pPr algn="ctr"/>
+            <a:r>
+              <a:rPr lang="en-US" dirty="0" smtClean="0"/>
+              <a:t>Figure 18: Normalized current densities</a:t>
+            </a:r>
+            <a:endParaRPr lang="en-US" dirty="0"/>
+          </a:p>
+        </p:txBody>
+      </p:sp>
     </p:spTree>
     <p:extLst>
       <p:ext uri="{BB962C8B-B14F-4D97-AF65-F5344CB8AC3E}">
@@ -5930,25 +6141,6 @@
           </a:p>
         </p:txBody>
       </p:sp>
-      <p:sp>
-        <p:nvSpPr>
-          <p:cNvPr id="3" name="Content Placeholder 2"/>
-          <p:cNvSpPr>
-            <a:spLocks noGrp="1"/>
-          </p:cNvSpPr>
-          <p:nvPr>
-            <p:ph idx="1"/>
-          </p:nvPr>
-        </p:nvSpPr>
-        <p:spPr/>
-        <p:txBody>
-          <a:bodyPr/>
-          <a:lstStyle/>
-          <a:p>
-            <a:endParaRPr lang="en-US" dirty="0"/>
-          </a:p>
-        </p:txBody>
-      </p:sp>
       <p:pic>
         <p:nvPicPr>
           <p:cNvPr id="7" name="Picture 6"/>
@@ -5957,16 +6149,15 @@
           </p:cNvPicPr>
           <p:nvPr/>
         </p:nvPicPr>
-        <p:blipFill>
+        <p:blipFill rotWithShape="1">
           <a:blip r:embed="rId2"/>
-          <a:stretch>
-            <a:fillRect/>
-          </a:stretch>
+          <a:srcRect r="10071" b="9098"/>
+          <a:stretch/>
         </p:blipFill>
         <p:spPr>
           <a:xfrm>
-            <a:off x="6234493" y="2075753"/>
-            <a:ext cx="5376314" cy="4041679"/>
+            <a:off x="4314773" y="2228002"/>
+            <a:ext cx="4609697" cy="3502841"/>
           </a:xfrm>
           <a:prstGeom prst="rect">
             <a:avLst/>
@@ -5981,22 +6172,89 @@
           </p:cNvPicPr>
           <p:nvPr/>
         </p:nvPicPr>
-        <p:blipFill>
+        <p:blipFill rotWithShape="1">
           <a:blip r:embed="rId3"/>
-          <a:stretch>
-            <a:fillRect/>
-          </a:stretch>
+          <a:srcRect r="8417" b="7605"/>
+          <a:stretch/>
         </p:blipFill>
         <p:spPr>
           <a:xfrm>
-            <a:off x="581192" y="2075754"/>
-            <a:ext cx="5230770" cy="4041679"/>
+            <a:off x="0" y="2228003"/>
+            <a:ext cx="4590107" cy="3578073"/>
           </a:xfrm>
           <a:prstGeom prst="rect">
             <a:avLst/>
           </a:prstGeom>
         </p:spPr>
       </p:pic>
+      <p:sp>
+        <p:nvSpPr>
+          <p:cNvPr id="6" name="TextBox 5"/>
+          <p:cNvSpPr txBox="1"/>
+          <p:nvPr/>
+        </p:nvSpPr>
+        <p:spPr>
+          <a:xfrm>
+            <a:off x="479075" y="5730842"/>
+            <a:ext cx="3631955" cy="923330"/>
+          </a:xfrm>
+          <a:prstGeom prst="rect">
+            <a:avLst/>
+          </a:prstGeom>
+          <a:noFill/>
+        </p:spPr>
+        <p:txBody>
+          <a:bodyPr wrap="square" rtlCol="0">
+            <a:spAutoFit/>
+          </a:bodyPr>
+          <a:lstStyle/>
+          <a:p>
+            <a:pPr algn="ctr"/>
+            <a:r>
+              <a:rPr lang="en-US" dirty="0" smtClean="0"/>
+              <a:t>Figure 19</a:t>
+            </a:r>
+            <a:r>
+              <a:rPr lang="en-US" dirty="0"/>
+              <a:t>: Hole distribution at steady state for different PEDOT:PSS thicknesses</a:t>
+            </a:r>
+          </a:p>
+        </p:txBody>
+      </p:sp>
+      <p:sp>
+        <p:nvSpPr>
+          <p:cNvPr id="8" name="TextBox 7"/>
+          <p:cNvSpPr txBox="1"/>
+          <p:nvPr/>
+        </p:nvSpPr>
+        <p:spPr>
+          <a:xfrm>
+            <a:off x="4793848" y="5726377"/>
+            <a:ext cx="3631955" cy="923330"/>
+          </a:xfrm>
+          <a:prstGeom prst="rect">
+            <a:avLst/>
+          </a:prstGeom>
+          <a:noFill/>
+        </p:spPr>
+        <p:txBody>
+          <a:bodyPr wrap="square" rtlCol="0">
+            <a:spAutoFit/>
+          </a:bodyPr>
+          <a:lstStyle/>
+          <a:p>
+            <a:pPr algn="ctr"/>
+            <a:r>
+              <a:rPr lang="en-US" dirty="0" smtClean="0"/>
+              <a:t>Figure 20: Lithium </a:t>
+            </a:r>
+            <a:r>
+              <a:rPr lang="en-US" dirty="0"/>
+              <a:t>distribution at steady state for different PEDOT:PSS thicknesses</a:t>
+            </a:r>
+          </a:p>
+        </p:txBody>
+      </p:sp>
     </p:spTree>
     <p:extLst>
       <p:ext uri="{BB962C8B-B14F-4D97-AF65-F5344CB8AC3E}">
@@ -6068,25 +6326,6 @@
           </a:p>
         </p:txBody>
       </p:sp>
-      <p:sp>
-        <p:nvSpPr>
-          <p:cNvPr id="3" name="Content Placeholder 2"/>
-          <p:cNvSpPr>
-            <a:spLocks noGrp="1"/>
-          </p:cNvSpPr>
-          <p:nvPr>
-            <p:ph idx="1"/>
-          </p:nvPr>
-        </p:nvSpPr>
-        <p:spPr/>
-        <p:txBody>
-          <a:bodyPr/>
-          <a:lstStyle/>
-          <a:p>
-            <a:endParaRPr lang="en-US" dirty="0"/>
-          </a:p>
-        </p:txBody>
-      </p:sp>
       <p:pic>
         <p:nvPicPr>
           <p:cNvPr id="4" name="Picture 3"/>
@@ -6095,16 +6334,15 @@
           </p:cNvPicPr>
           <p:nvPr/>
         </p:nvPicPr>
-        <p:blipFill>
+        <p:blipFill rotWithShape="1">
           <a:blip r:embed="rId2"/>
-          <a:stretch>
-            <a:fillRect/>
-          </a:stretch>
+          <a:srcRect r="10628" b="18785"/>
+          <a:stretch/>
         </p:blipFill>
         <p:spPr>
           <a:xfrm>
-            <a:off x="714542" y="2180495"/>
-            <a:ext cx="4981408" cy="4097515"/>
+            <a:off x="119448" y="2347925"/>
+            <a:ext cx="4614984" cy="3449635"/>
           </a:xfrm>
           <a:prstGeom prst="rect">
             <a:avLst/>
@@ -6119,22 +6357,89 @@
           </p:cNvPicPr>
           <p:nvPr/>
         </p:nvPicPr>
-        <p:blipFill>
+        <p:blipFill rotWithShape="1">
           <a:blip r:embed="rId3"/>
-          <a:stretch>
-            <a:fillRect/>
-          </a:stretch>
+          <a:srcRect l="7764" r="8703" b="12345"/>
+          <a:stretch/>
         </p:blipFill>
         <p:spPr>
           <a:xfrm>
-            <a:off x="6186965" y="2096207"/>
-            <a:ext cx="5202363" cy="4181803"/>
+            <a:off x="4734432" y="2259952"/>
+            <a:ext cx="4298256" cy="3625580"/>
           </a:xfrm>
           <a:prstGeom prst="rect">
             <a:avLst/>
           </a:prstGeom>
         </p:spPr>
       </p:pic>
+      <p:sp>
+        <p:nvSpPr>
+          <p:cNvPr id="6" name="TextBox 5"/>
+          <p:cNvSpPr txBox="1"/>
+          <p:nvPr/>
+        </p:nvSpPr>
+        <p:spPr>
+          <a:xfrm>
+            <a:off x="479075" y="5730842"/>
+            <a:ext cx="3631955" cy="923330"/>
+          </a:xfrm>
+          <a:prstGeom prst="rect">
+            <a:avLst/>
+          </a:prstGeom>
+          <a:noFill/>
+        </p:spPr>
+        <p:txBody>
+          <a:bodyPr wrap="square" rtlCol="0">
+            <a:spAutoFit/>
+          </a:bodyPr>
+          <a:lstStyle/>
+          <a:p>
+            <a:pPr algn="ctr"/>
+            <a:r>
+              <a:rPr lang="en-US" dirty="0" smtClean="0"/>
+              <a:t>Figure 21: Perchlorate </a:t>
+            </a:r>
+            <a:r>
+              <a:rPr lang="en-US" dirty="0"/>
+              <a:t>distribution at steady state for different PEDOT:PSS thicknesses</a:t>
+            </a:r>
+          </a:p>
+        </p:txBody>
+      </p:sp>
+      <p:sp>
+        <p:nvSpPr>
+          <p:cNvPr id="7" name="TextBox 6"/>
+          <p:cNvSpPr txBox="1"/>
+          <p:nvPr/>
+        </p:nvSpPr>
+        <p:spPr>
+          <a:xfrm>
+            <a:off x="4734432" y="5797560"/>
+            <a:ext cx="3631955" cy="923330"/>
+          </a:xfrm>
+          <a:prstGeom prst="rect">
+            <a:avLst/>
+          </a:prstGeom>
+          <a:noFill/>
+        </p:spPr>
+        <p:txBody>
+          <a:bodyPr wrap="square" rtlCol="0">
+            <a:spAutoFit/>
+          </a:bodyPr>
+          <a:lstStyle/>
+          <a:p>
+            <a:pPr algn="ctr"/>
+            <a:r>
+              <a:rPr lang="en-US" dirty="0" smtClean="0"/>
+              <a:t>Figure 22: Electric field strength </a:t>
+            </a:r>
+            <a:r>
+              <a:rPr lang="en-US" dirty="0"/>
+              <a:t>distribution at steady state for different PEDOT:PSS thicknesses</a:t>
+            </a:r>
+          </a:p>
+        </p:txBody>
+      </p:sp>
     </p:spTree>
     <p:extLst>
       <p:ext uri="{BB962C8B-B14F-4D97-AF65-F5344CB8AC3E}">
@@ -6210,16 +6515,15 @@
             <p:ph idx="1"/>
           </p:nvPr>
         </p:nvPicPr>
-        <p:blipFill>
+        <p:blipFill rotWithShape="1">
           <a:blip r:embed="rId3"/>
-          <a:stretch>
-            <a:fillRect/>
-          </a:stretch>
+          <a:srcRect b="12078"/>
+          <a:stretch/>
         </p:blipFill>
         <p:spPr>
           <a:xfrm>
-            <a:off x="6432119" y="2094770"/>
-            <a:ext cx="4550205" cy="4312803"/>
+            <a:off x="4407219" y="1908709"/>
+            <a:ext cx="4456124" cy="3713493"/>
           </a:xfrm>
           <a:prstGeom prst="rect">
             <a:avLst/>
@@ -6234,22 +6538,83 @@
           </p:cNvPicPr>
           <p:nvPr/>
         </p:nvPicPr>
-        <p:blipFill>
+        <p:blipFill rotWithShape="1">
           <a:blip r:embed="rId4"/>
-          <a:stretch>
-            <a:fillRect/>
-          </a:stretch>
+          <a:srcRect l="8004" r="6426" b="10216"/>
+          <a:stretch/>
         </p:blipFill>
         <p:spPr>
           <a:xfrm>
-            <a:off x="581192" y="2094770"/>
-            <a:ext cx="5558140" cy="4312803"/>
+            <a:off x="139594" y="2028189"/>
+            <a:ext cx="4267625" cy="3474531"/>
           </a:xfrm>
           <a:prstGeom prst="rect">
             <a:avLst/>
           </a:prstGeom>
         </p:spPr>
       </p:pic>
+      <p:sp>
+        <p:nvSpPr>
+          <p:cNvPr id="6" name="TextBox 5"/>
+          <p:cNvSpPr txBox="1"/>
+          <p:nvPr/>
+        </p:nvSpPr>
+        <p:spPr>
+          <a:xfrm>
+            <a:off x="569222" y="5436940"/>
+            <a:ext cx="3631955" cy="646331"/>
+          </a:xfrm>
+          <a:prstGeom prst="rect">
+            <a:avLst/>
+          </a:prstGeom>
+          <a:noFill/>
+        </p:spPr>
+        <p:txBody>
+          <a:bodyPr wrap="square" rtlCol="0">
+            <a:spAutoFit/>
+          </a:bodyPr>
+          <a:lstStyle/>
+          <a:p>
+            <a:pPr algn="ctr"/>
+            <a:r>
+              <a:rPr lang="en-US" dirty="0" smtClean="0"/>
+              <a:t>Figure 23: Current density over time for a potential pulse train</a:t>
+            </a:r>
+            <a:endParaRPr lang="en-US" dirty="0"/>
+          </a:p>
+        </p:txBody>
+      </p:sp>
+      <p:sp>
+        <p:nvSpPr>
+          <p:cNvPr id="7" name="TextBox 6"/>
+          <p:cNvSpPr txBox="1"/>
+          <p:nvPr/>
+        </p:nvSpPr>
+        <p:spPr>
+          <a:xfrm>
+            <a:off x="4819303" y="5436942"/>
+            <a:ext cx="3631955" cy="646331"/>
+          </a:xfrm>
+          <a:prstGeom prst="rect">
+            <a:avLst/>
+          </a:prstGeom>
+          <a:noFill/>
+        </p:spPr>
+        <p:txBody>
+          <a:bodyPr wrap="square" rtlCol="0">
+            <a:spAutoFit/>
+          </a:bodyPr>
+          <a:lstStyle/>
+          <a:p>
+            <a:pPr algn="ctr"/>
+            <a:r>
+              <a:rPr lang="en-US" dirty="0" smtClean="0"/>
+              <a:t>Figure 24: Lithium and hole density distribution over time</a:t>
+            </a:r>
+            <a:endParaRPr lang="en-US" dirty="0"/>
+          </a:p>
+        </p:txBody>
+      </p:sp>
     </p:spTree>
     <p:extLst>
       <p:ext uri="{BB962C8B-B14F-4D97-AF65-F5344CB8AC3E}">
@@ -6326,25 +6691,6 @@
           </a:p>
         </p:txBody>
       </p:sp>
-      <p:sp>
-        <p:nvSpPr>
-          <p:cNvPr id="3" name="Content Placeholder 2"/>
-          <p:cNvSpPr>
-            <a:spLocks noGrp="1"/>
-          </p:cNvSpPr>
-          <p:nvPr>
-            <p:ph idx="1"/>
-          </p:nvPr>
-        </p:nvSpPr>
-        <p:spPr/>
-        <p:txBody>
-          <a:bodyPr/>
-          <a:lstStyle/>
-          <a:p>
-            <a:endParaRPr lang="en-US" dirty="0"/>
-          </a:p>
-        </p:txBody>
-      </p:sp>
       <p:pic>
         <p:nvPicPr>
           <p:cNvPr id="4" name="Picture 3"/>
@@ -6353,16 +6699,15 @@
           </p:cNvPicPr>
           <p:nvPr/>
         </p:nvPicPr>
-        <p:blipFill>
+        <p:blipFill rotWithShape="1">
           <a:blip r:embed="rId3"/>
-          <a:stretch>
-            <a:fillRect/>
-          </a:stretch>
+          <a:srcRect b="12458"/>
+          <a:stretch/>
         </p:blipFill>
         <p:spPr>
           <a:xfrm>
-            <a:off x="581192" y="1989996"/>
-            <a:ext cx="5238992" cy="4653266"/>
+            <a:off x="191450" y="2159624"/>
+            <a:ext cx="4450964" cy="3460834"/>
           </a:xfrm>
           <a:prstGeom prst="rect">
             <a:avLst/>
@@ -6377,22 +6722,83 @@
           </p:cNvPicPr>
           <p:nvPr/>
         </p:nvPicPr>
-        <p:blipFill>
+        <p:blipFill rotWithShape="1">
           <a:blip r:embed="rId4"/>
-          <a:stretch>
-            <a:fillRect/>
-          </a:stretch>
+          <a:srcRect r="5399" b="12096"/>
+          <a:stretch/>
         </p:blipFill>
         <p:spPr>
           <a:xfrm>
-            <a:off x="6297040" y="1950445"/>
-            <a:ext cx="5238040" cy="4692817"/>
+            <a:off x="4642414" y="2159624"/>
+            <a:ext cx="4085127" cy="3400827"/>
           </a:xfrm>
           <a:prstGeom prst="rect">
             <a:avLst/>
           </a:prstGeom>
         </p:spPr>
       </p:pic>
+      <p:sp>
+        <p:nvSpPr>
+          <p:cNvPr id="6" name="TextBox 5"/>
+          <p:cNvSpPr txBox="1"/>
+          <p:nvPr/>
+        </p:nvSpPr>
+        <p:spPr>
+          <a:xfrm>
+            <a:off x="425513" y="5695166"/>
+            <a:ext cx="4104513" cy="646331"/>
+          </a:xfrm>
+          <a:prstGeom prst="rect">
+            <a:avLst/>
+          </a:prstGeom>
+          <a:noFill/>
+        </p:spPr>
+        <p:txBody>
+          <a:bodyPr wrap="square" rtlCol="0">
+            <a:spAutoFit/>
+          </a:bodyPr>
+          <a:lstStyle/>
+          <a:p>
+            <a:pPr algn="ctr"/>
+            <a:r>
+              <a:rPr lang="en-US" dirty="0" smtClean="0"/>
+              <a:t>Figure 25: Normalized current vs. applied potential at different frequencies</a:t>
+            </a:r>
+            <a:endParaRPr lang="en-US" dirty="0"/>
+          </a:p>
+        </p:txBody>
+      </p:sp>
+      <p:sp>
+        <p:nvSpPr>
+          <p:cNvPr id="7" name="TextBox 6"/>
+          <p:cNvSpPr txBox="1"/>
+          <p:nvPr/>
+        </p:nvSpPr>
+        <p:spPr>
+          <a:xfrm>
+            <a:off x="4938989" y="5686113"/>
+            <a:ext cx="3631955" cy="646331"/>
+          </a:xfrm>
+          <a:prstGeom prst="rect">
+            <a:avLst/>
+          </a:prstGeom>
+          <a:noFill/>
+        </p:spPr>
+        <p:txBody>
+          <a:bodyPr wrap="square" rtlCol="0">
+            <a:spAutoFit/>
+          </a:bodyPr>
+          <a:lstStyle/>
+          <a:p>
+            <a:pPr algn="ctr"/>
+            <a:r>
+              <a:rPr lang="en-US" dirty="0" smtClean="0"/>
+              <a:t>Figure 26: Lithium and hole density distribution over time</a:t>
+            </a:r>
+            <a:endParaRPr lang="en-US" dirty="0"/>
+          </a:p>
+        </p:txBody>
+      </p:sp>
     </p:spTree>
     <p:extLst>
       <p:ext uri="{BB962C8B-B14F-4D97-AF65-F5344CB8AC3E}">
@@ -6468,84 +6874,84 @@
           <a:bodyPr/>
           <a:lstStyle/>
           <a:p>
-            <a:pPr marL="457200" indent="-457200">
+            <a:pPr marL="342900" indent="-342900">
               <a:buFont typeface="+mj-lt"/>
               <a:buAutoNum type="arabicPeriod"/>
             </a:pPr>
             <a:r>
-              <a:rPr lang="en-US" sz="2400" dirty="0" smtClean="0"/>
+              <a:rPr lang="en-US" sz="1800" dirty="0"/>
               <a:t>What is an ionic electronic device ?</a:t>
             </a:r>
           </a:p>
           <a:p>
-            <a:pPr marL="457200" indent="-457200">
+            <a:pPr marL="342900" indent="-342900">
               <a:buFont typeface="+mj-lt"/>
               <a:buAutoNum type="arabicPeriod"/>
             </a:pPr>
             <a:r>
-              <a:rPr lang="en-US" sz="2400" dirty="0" smtClean="0"/>
+              <a:rPr lang="en-US" sz="1800" dirty="0"/>
               <a:t>Equations</a:t>
             </a:r>
           </a:p>
           <a:p>
-            <a:pPr marL="457200" indent="-457200">
+            <a:pPr marL="342900" indent="-342900">
               <a:buFont typeface="+mj-lt"/>
               <a:buAutoNum type="arabicPeriod"/>
             </a:pPr>
             <a:r>
-              <a:rPr lang="en-US" sz="2400" dirty="0" smtClean="0"/>
+              <a:rPr lang="en-US" sz="1800" dirty="0"/>
               <a:t>Application of Finite Difference</a:t>
             </a:r>
           </a:p>
           <a:p>
-            <a:pPr marL="457200" indent="-457200">
+            <a:pPr marL="342900" indent="-342900">
               <a:buFont typeface="+mj-lt"/>
               <a:buAutoNum type="arabicPeriod"/>
             </a:pPr>
             <a:r>
-              <a:rPr lang="en-US" sz="2400" dirty="0" err="1" smtClean="0"/>
+              <a:rPr lang="en-US" sz="1800" dirty="0" err="1"/>
               <a:t>Memristor</a:t>
             </a:r>
             <a:r>
-              <a:rPr lang="en-US" sz="2400" dirty="0" smtClean="0"/>
+              <a:rPr lang="en-US" sz="1800" dirty="0"/>
               <a:t> </a:t>
             </a:r>
           </a:p>
           <a:p>
-            <a:pPr marL="457200" indent="-457200">
+            <a:pPr marL="342900" indent="-342900">
               <a:buFont typeface="+mj-lt"/>
               <a:buAutoNum type="arabicPeriod"/>
             </a:pPr>
             <a:r>
-              <a:rPr lang="en-US" sz="2400" dirty="0" smtClean="0"/>
+              <a:rPr lang="en-US" sz="1800" dirty="0"/>
               <a:t>1-D and 2-D </a:t>
             </a:r>
             <a:r>
-              <a:rPr lang="en-US" sz="2400" dirty="0" err="1" smtClean="0"/>
+              <a:rPr lang="en-US" sz="1800" dirty="0" err="1"/>
               <a:t>Memristor</a:t>
             </a:r>
             <a:r>
-              <a:rPr lang="en-US" sz="2400" dirty="0" smtClean="0"/>
+              <a:rPr lang="en-US" sz="1800" dirty="0"/>
               <a:t> Simulations</a:t>
             </a:r>
           </a:p>
           <a:p>
-            <a:pPr marL="457200" indent="-457200">
+            <a:pPr marL="342900" indent="-342900">
               <a:buFont typeface="+mj-lt"/>
               <a:buAutoNum type="arabicPeriod"/>
             </a:pPr>
             <a:r>
-              <a:rPr lang="en-US" sz="2400" dirty="0" smtClean="0"/>
+              <a:rPr lang="en-US" sz="1800" dirty="0"/>
               <a:t>2-D Simulation vs. Experimental Results</a:t>
             </a:r>
           </a:p>
           <a:p>
-            <a:pPr marL="457200" indent="-457200">
+            <a:pPr marL="342900" indent="-342900">
               <a:buFont typeface="+mj-lt"/>
               <a:buAutoNum type="arabicPeriod"/>
             </a:pPr>
             <a:r>
-              <a:rPr lang="en-US" sz="2400" dirty="0" smtClean="0"/>
+              <a:rPr lang="en-US" sz="1800" dirty="0"/>
               <a:t>Conclusion</a:t>
             </a:r>
           </a:p>
@@ -6616,25 +7022,6 @@
           </a:p>
         </p:txBody>
       </p:sp>
-      <p:sp>
-        <p:nvSpPr>
-          <p:cNvPr id="3" name="Content Placeholder 2"/>
-          <p:cNvSpPr>
-            <a:spLocks noGrp="1"/>
-          </p:cNvSpPr>
-          <p:nvPr>
-            <p:ph idx="1"/>
-          </p:nvPr>
-        </p:nvSpPr>
-        <p:spPr/>
-        <p:txBody>
-          <a:bodyPr/>
-          <a:lstStyle/>
-          <a:p>
-            <a:endParaRPr lang="en-US" dirty="0"/>
-          </a:p>
-        </p:txBody>
-      </p:sp>
       <p:pic>
         <p:nvPicPr>
           <p:cNvPr id="4" name="Picture 3"/>
@@ -6643,16 +7030,15 @@
           </p:cNvPicPr>
           <p:nvPr/>
         </p:nvPicPr>
-        <p:blipFill>
+        <p:blipFill rotWithShape="1">
           <a:blip r:embed="rId2"/>
-          <a:stretch>
-            <a:fillRect/>
-          </a:stretch>
+          <a:srcRect b="967"/>
+          <a:stretch/>
         </p:blipFill>
         <p:spPr>
           <a:xfrm>
-            <a:off x="264544" y="2407850"/>
-            <a:ext cx="5504968" cy="2886913"/>
+            <a:off x="198408" y="2663139"/>
+            <a:ext cx="4128726" cy="2144252"/>
           </a:xfrm>
           <a:prstGeom prst="rect">
             <a:avLst/>
@@ -6661,7 +7047,7 @@
       </p:pic>
       <p:pic>
         <p:nvPicPr>
-          <p:cNvPr id="6" name="Picture 5"/>
+          <p:cNvPr id="5" name="Picture 4"/>
           <p:cNvPicPr>
             <a:picLocks noChangeAspect="1"/>
           </p:cNvPicPr>
@@ -6675,62 +7061,74 @@
         </p:blipFill>
         <p:spPr>
           <a:xfrm>
-            <a:off x="726145" y="5294763"/>
-            <a:ext cx="4898415" cy="297131"/>
+            <a:off x="4327134" y="2676407"/>
+            <a:ext cx="4649139" cy="2151916"/>
           </a:xfrm>
           <a:prstGeom prst="rect">
             <a:avLst/>
           </a:prstGeom>
         </p:spPr>
       </p:pic>
-      <p:pic>
-        <p:nvPicPr>
-          <p:cNvPr id="10" name="Picture 9"/>
-          <p:cNvPicPr>
-            <a:picLocks noChangeAspect="1"/>
-          </p:cNvPicPr>
+      <p:sp>
+        <p:nvSpPr>
+          <p:cNvPr id="7" name="Rectangle 6"/>
+          <p:cNvSpPr/>
           <p:nvPr/>
-        </p:nvPicPr>
-        <p:blipFill>
-          <a:blip r:embed="rId4"/>
-          <a:stretch>
-            <a:fillRect/>
-          </a:stretch>
-        </p:blipFill>
-        <p:spPr>
-          <a:xfrm>
-            <a:off x="6530315" y="5347487"/>
-            <a:ext cx="4953000" cy="244407"/>
-          </a:xfrm>
-          <a:prstGeom prst="rect">
-            <a:avLst/>
-          </a:prstGeom>
-        </p:spPr>
-      </p:pic>
-      <p:pic>
-        <p:nvPicPr>
-          <p:cNvPr id="5" name="Picture 4"/>
-          <p:cNvPicPr>
-            <a:picLocks noChangeAspect="1"/>
-          </p:cNvPicPr>
+        </p:nvSpPr>
+        <p:spPr>
+          <a:xfrm>
+            <a:off x="300534" y="4986258"/>
+            <a:ext cx="4572000" cy="923330"/>
+          </a:xfrm>
+          <a:prstGeom prst="rect">
+            <a:avLst/>
+          </a:prstGeom>
+        </p:spPr>
+        <p:txBody>
+          <a:bodyPr>
+            <a:spAutoFit/>
+          </a:bodyPr>
+          <a:lstStyle/>
+          <a:p>
+            <a:pPr algn="ctr"/>
+            <a:r>
+              <a:rPr lang="en-US" dirty="0" smtClean="0"/>
+              <a:t>Figure 27: Experimental results for various applied potentials at 1.0 Hz (Courtesy of Eduardo Barrera)</a:t>
+            </a:r>
+            <a:endParaRPr lang="en-US" dirty="0"/>
+          </a:p>
+        </p:txBody>
+      </p:sp>
+      <p:sp>
+        <p:nvSpPr>
+          <p:cNvPr id="9" name="Rectangle 8"/>
+          <p:cNvSpPr/>
           <p:nvPr/>
-        </p:nvPicPr>
-        <p:blipFill>
-          <a:blip r:embed="rId5"/>
-          <a:stretch>
-            <a:fillRect/>
-          </a:stretch>
-        </p:blipFill>
-        <p:spPr>
-          <a:xfrm>
-            <a:off x="5769512" y="2425542"/>
-            <a:ext cx="6198852" cy="2869221"/>
-          </a:xfrm>
-          <a:prstGeom prst="rect">
-            <a:avLst/>
-          </a:prstGeom>
-        </p:spPr>
-      </p:pic>
+        </p:nvSpPr>
+        <p:spPr>
+          <a:xfrm>
+            <a:off x="4572000" y="5007190"/>
+            <a:ext cx="4404273" cy="646331"/>
+          </a:xfrm>
+          <a:prstGeom prst="rect">
+            <a:avLst/>
+          </a:prstGeom>
+        </p:spPr>
+        <p:txBody>
+          <a:bodyPr wrap="square">
+            <a:spAutoFit/>
+          </a:bodyPr>
+          <a:lstStyle/>
+          <a:p>
+            <a:pPr algn="ctr"/>
+            <a:r>
+              <a:rPr lang="en-US" dirty="0" smtClean="0"/>
+              <a:t>Figure 28: Simulation results for various applied potentials at 1.0 Hz</a:t>
+            </a:r>
+            <a:endParaRPr lang="en-US" dirty="0"/>
+          </a:p>
+        </p:txBody>
+      </p:sp>
     </p:spTree>
     <p:extLst>
       <p:ext uri="{BB962C8B-B14F-4D97-AF65-F5344CB8AC3E}">
@@ -6809,25 +7207,6 @@
           </a:p>
         </p:txBody>
       </p:sp>
-      <p:sp>
-        <p:nvSpPr>
-          <p:cNvPr id="3" name="Content Placeholder 2"/>
-          <p:cNvSpPr>
-            <a:spLocks noGrp="1"/>
-          </p:cNvSpPr>
-          <p:nvPr>
-            <p:ph idx="1"/>
-          </p:nvPr>
-        </p:nvSpPr>
-        <p:spPr/>
-        <p:txBody>
-          <a:bodyPr/>
-          <a:lstStyle/>
-          <a:p>
-            <a:endParaRPr lang="en-US" dirty="0"/>
-          </a:p>
-        </p:txBody>
-      </p:sp>
       <p:pic>
         <p:nvPicPr>
           <p:cNvPr id="5" name="Picture 4"/>
@@ -6844,32 +7223,8 @@
         </p:blipFill>
         <p:spPr>
           <a:xfrm>
-            <a:off x="498321" y="2249487"/>
-            <a:ext cx="5655580" cy="3689710"/>
-          </a:xfrm>
-          <a:prstGeom prst="rect">
-            <a:avLst/>
-          </a:prstGeom>
-        </p:spPr>
-      </p:pic>
-      <p:pic>
-        <p:nvPicPr>
-          <p:cNvPr id="7" name="Picture 6"/>
-          <p:cNvPicPr>
-            <a:picLocks noChangeAspect="1"/>
-          </p:cNvPicPr>
-          <p:nvPr/>
-        </p:nvPicPr>
-        <p:blipFill>
-          <a:blip r:embed="rId3"/>
-          <a:stretch>
-            <a:fillRect/>
-          </a:stretch>
-        </p:blipFill>
-        <p:spPr>
-          <a:xfrm>
-            <a:off x="1064218" y="5931539"/>
-            <a:ext cx="4523785" cy="336074"/>
+            <a:off x="161464" y="2354243"/>
+            <a:ext cx="4661413" cy="3041114"/>
           </a:xfrm>
           <a:prstGeom prst="rect">
             <a:avLst/>
@@ -6884,22 +7239,92 @@
           </p:cNvPicPr>
           <p:nvPr/>
         </p:nvPicPr>
-        <p:blipFill>
-          <a:blip r:embed="rId4"/>
-          <a:stretch>
-            <a:fillRect/>
-          </a:stretch>
+        <p:blipFill rotWithShape="1">
+          <a:blip r:embed="rId3"/>
+          <a:srcRect b="11745"/>
+          <a:stretch/>
         </p:blipFill>
         <p:spPr>
           <a:xfrm>
-            <a:off x="6519178" y="2249487"/>
-            <a:ext cx="5166456" cy="4198547"/>
+            <a:off x="4822877" y="2354243"/>
+            <a:ext cx="4218095" cy="3025256"/>
           </a:xfrm>
           <a:prstGeom prst="rect">
             <a:avLst/>
           </a:prstGeom>
         </p:spPr>
       </p:pic>
+      <p:sp>
+        <p:nvSpPr>
+          <p:cNvPr id="9" name="Rectangle 8"/>
+          <p:cNvSpPr/>
+          <p:nvPr/>
+        </p:nvSpPr>
+        <p:spPr>
+          <a:xfrm>
+            <a:off x="290033" y="5395357"/>
+            <a:ext cx="4404273" cy="646331"/>
+          </a:xfrm>
+          <a:prstGeom prst="rect">
+            <a:avLst/>
+          </a:prstGeom>
+        </p:spPr>
+        <p:txBody>
+          <a:bodyPr wrap="square">
+            <a:spAutoFit/>
+          </a:bodyPr>
+          <a:lstStyle/>
+          <a:p>
+            <a:pPr algn="ctr"/>
+            <a:r>
+              <a:rPr lang="en-US" dirty="0" smtClean="0"/>
+              <a:t>Figure 29</a:t>
+            </a:r>
+            <a:r>
+              <a:rPr lang="en-US" dirty="0"/>
+              <a:t>: Measured I-V curve at different frequencies (Courtesy of Eduardo Barrera)</a:t>
+            </a:r>
+          </a:p>
+        </p:txBody>
+      </p:sp>
+      <p:sp>
+        <p:nvSpPr>
+          <p:cNvPr id="4" name="Rectangle 3"/>
+          <p:cNvSpPr/>
+          <p:nvPr/>
+        </p:nvSpPr>
+        <p:spPr>
+          <a:xfrm>
+            <a:off x="4971439" y="5395357"/>
+            <a:ext cx="4069533" cy="646331"/>
+          </a:xfrm>
+          <a:prstGeom prst="rect">
+            <a:avLst/>
+          </a:prstGeom>
+        </p:spPr>
+        <p:txBody>
+          <a:bodyPr wrap="square">
+            <a:spAutoFit/>
+          </a:bodyPr>
+          <a:lstStyle/>
+          <a:p>
+            <a:pPr algn="ctr"/>
+            <a:r>
+              <a:rPr lang="en-US" dirty="0" smtClean="0"/>
+              <a:t>Figure 30: Measured </a:t>
+            </a:r>
+            <a:r>
+              <a:rPr lang="en-US" dirty="0"/>
+              <a:t>I-V curve at different </a:t>
+            </a:r>
+            <a:r>
+              <a:rPr lang="en-US" dirty="0" smtClean="0"/>
+              <a:t>frequencies</a:t>
+            </a:r>
+            <a:endParaRPr lang="en-US" dirty="0"/>
+          </a:p>
+        </p:txBody>
+      </p:sp>
     </p:spTree>
     <p:extLst>
       <p:ext uri="{BB962C8B-B14F-4D97-AF65-F5344CB8AC3E}">
@@ -6965,25 +7390,6 @@
           </a:p>
         </p:txBody>
       </p:sp>
-      <p:sp>
-        <p:nvSpPr>
-          <p:cNvPr id="3" name="Content Placeholder 2"/>
-          <p:cNvSpPr>
-            <a:spLocks noGrp="1"/>
-          </p:cNvSpPr>
-          <p:nvPr>
-            <p:ph idx="1"/>
-          </p:nvPr>
-        </p:nvSpPr>
-        <p:spPr/>
-        <p:txBody>
-          <a:bodyPr/>
-          <a:lstStyle/>
-          <a:p>
-            <a:endParaRPr lang="en-US" dirty="0"/>
-          </a:p>
-        </p:txBody>
-      </p:sp>
       <p:pic>
         <p:nvPicPr>
           <p:cNvPr id="5" name="Picture 4"/>
@@ -6992,16 +7398,15 @@
           </p:cNvPicPr>
           <p:nvPr/>
         </p:nvPicPr>
-        <p:blipFill>
+        <p:blipFill rotWithShape="1">
           <a:blip r:embed="rId2"/>
-          <a:stretch>
-            <a:fillRect/>
-          </a:stretch>
+          <a:srcRect b="16604"/>
+          <a:stretch/>
         </p:blipFill>
         <p:spPr>
           <a:xfrm>
-            <a:off x="329474" y="2249487"/>
-            <a:ext cx="6088743" cy="3647090"/>
+            <a:off x="9511" y="2480990"/>
+            <a:ext cx="4804152" cy="2399818"/>
           </a:xfrm>
           <a:prstGeom prst="rect">
             <a:avLst/>
@@ -7016,22 +7421,92 @@
           </p:cNvPicPr>
           <p:nvPr/>
         </p:nvPicPr>
-        <p:blipFill>
+        <p:blipFill rotWithShape="1">
           <a:blip r:embed="rId3"/>
-          <a:stretch>
-            <a:fillRect/>
-          </a:stretch>
+          <a:srcRect l="9210" r="5279" b="11813"/>
+          <a:stretch/>
         </p:blipFill>
         <p:spPr>
           <a:xfrm>
-            <a:off x="6441756" y="2249487"/>
-            <a:ext cx="5420769" cy="3421574"/>
+            <a:off x="4813663" y="2417616"/>
+            <a:ext cx="4040626" cy="2630219"/>
           </a:xfrm>
           <a:prstGeom prst="rect">
             <a:avLst/>
           </a:prstGeom>
         </p:spPr>
       </p:pic>
+      <p:sp>
+        <p:nvSpPr>
+          <p:cNvPr id="6" name="Rectangle 5"/>
+          <p:cNvSpPr/>
+          <p:nvPr/>
+        </p:nvSpPr>
+        <p:spPr>
+          <a:xfrm>
+            <a:off x="241663" y="4944182"/>
+            <a:ext cx="4572000" cy="923330"/>
+          </a:xfrm>
+          <a:prstGeom prst="rect">
+            <a:avLst/>
+          </a:prstGeom>
+        </p:spPr>
+        <p:txBody>
+          <a:bodyPr>
+            <a:spAutoFit/>
+          </a:bodyPr>
+          <a:lstStyle/>
+          <a:p>
+            <a:pPr algn="ctr"/>
+            <a:r>
+              <a:rPr lang="en-US" dirty="0" smtClean="0"/>
+              <a:t>Figure 31: Experimental </a:t>
+            </a:r>
+            <a:r>
+              <a:rPr lang="en-US" dirty="0"/>
+              <a:t>results for accumulation of lithium inside PEDOT:PSS (Courtesy of Eduardo Barrera)</a:t>
+            </a:r>
+          </a:p>
+        </p:txBody>
+      </p:sp>
+      <p:sp>
+        <p:nvSpPr>
+          <p:cNvPr id="7" name="Rectangle 6"/>
+          <p:cNvSpPr/>
+          <p:nvPr/>
+        </p:nvSpPr>
+        <p:spPr>
+          <a:xfrm>
+            <a:off x="4440962" y="4944664"/>
+            <a:ext cx="4572000" cy="646331"/>
+          </a:xfrm>
+          <a:prstGeom prst="rect">
+            <a:avLst/>
+          </a:prstGeom>
+        </p:spPr>
+        <p:txBody>
+          <a:bodyPr>
+            <a:spAutoFit/>
+          </a:bodyPr>
+          <a:lstStyle/>
+          <a:p>
+            <a:pPr algn="ctr"/>
+            <a:r>
+              <a:rPr lang="en-US" dirty="0" smtClean="0"/>
+              <a:t>Figure 32: Simulation </a:t>
+            </a:r>
+            <a:r>
+              <a:rPr lang="en-US" dirty="0"/>
+              <a:t>results for accumulation of lithium inside </a:t>
+            </a:r>
+            <a:r>
+              <a:rPr lang="en-US" dirty="0" smtClean="0"/>
+              <a:t>PEDOT:PSS</a:t>
+            </a:r>
+            <a:endParaRPr lang="en-US" dirty="0"/>
+          </a:p>
+        </p:txBody>
+      </p:sp>
     </p:spTree>
     <p:extLst>
       <p:ext uri="{BB962C8B-B14F-4D97-AF65-F5344CB8AC3E}">
@@ -7109,7 +7584,7 @@
         <p:spPr/>
         <p:txBody>
           <a:bodyPr>
-            <a:normAutofit fontScale="92500" lnSpcReduction="10000"/>
+            <a:normAutofit fontScale="92500" lnSpcReduction="20000"/>
           </a:bodyPr>
           <a:lstStyle/>
           <a:p>
@@ -7127,16 +7602,13 @@
           <a:p>
             <a:r>
               <a:rPr lang="en-US" dirty="0" smtClean="0"/>
-              <a:t>Simulation of an organic </a:t>
-            </a:r>
-            <a:r>
-              <a:rPr lang="en-US" dirty="0" err="1" smtClean="0"/>
-              <a:t>memristor</a:t>
+              <a:t>Simulation of </a:t>
             </a:r>
             <a:r>
               <a:rPr lang="en-US" dirty="0" smtClean="0"/>
-              <a:t> (Can be extended to other ionic devices)</a:t>
-            </a:r>
+              <a:t>a ionic electronic device</a:t>
+            </a:r>
+            <a:endParaRPr lang="en-US" dirty="0" smtClean="0"/>
           </a:p>
           <a:p>
             <a:r>
@@ -7266,7 +7738,7 @@
           <a:bodyPr/>
           <a:lstStyle/>
           <a:p>
-            <a:endParaRPr lang="en-US"/>
+            <a:endParaRPr lang="en-US" dirty="0"/>
           </a:p>
         </p:txBody>
       </p:sp>
@@ -7278,16 +7750,15 @@
           </p:cNvPicPr>
           <p:nvPr/>
         </p:nvPicPr>
-        <p:blipFill>
+        <p:blipFill rotWithShape="1">
           <a:blip r:embed="rId2"/>
-          <a:stretch>
-            <a:fillRect/>
-          </a:stretch>
+          <a:srcRect b="9838"/>
+          <a:stretch/>
         </p:blipFill>
         <p:spPr>
           <a:xfrm>
-            <a:off x="3486859" y="1957255"/>
-            <a:ext cx="5218280" cy="4460663"/>
+            <a:off x="2615144" y="2325192"/>
+            <a:ext cx="3913710" cy="3016353"/>
           </a:xfrm>
           <a:prstGeom prst="rect">
             <a:avLst/>
@@ -7382,8 +7853,8 @@
         </p:blipFill>
         <p:spPr>
           <a:xfrm>
-            <a:off x="3441409" y="2330689"/>
-            <a:ext cx="5309179" cy="3992650"/>
+            <a:off x="2581057" y="2605267"/>
+            <a:ext cx="3981884" cy="2994488"/>
           </a:xfrm>
           <a:prstGeom prst="rect">
             <a:avLst/>
@@ -7435,7 +7906,7 @@
           <a:bodyPr/>
           <a:lstStyle/>
           <a:p>
-            <a:pPr marL="457200" indent="-457200"/>
+            <a:pPr marL="342900" indent="-342900"/>
             <a:r>
               <a:rPr lang="en-US" dirty="0" smtClean="0"/>
               <a:t>1-What </a:t>
@@ -7463,83 +7934,75 @@
           <a:lstStyle/>
           <a:p>
             <a:r>
-              <a:rPr lang="en-US" sz="2200" dirty="0" smtClean="0"/>
+              <a:rPr lang="en-US" sz="1650" dirty="0"/>
               <a:t>Electrical behavior determined </a:t>
             </a:r>
             <a:r>
-              <a:rPr lang="en-US" sz="2200" dirty="0"/>
+              <a:rPr lang="en-US" sz="1650" dirty="0"/>
               <a:t>by the movement </a:t>
             </a:r>
             <a:r>
-              <a:rPr lang="en-US" sz="2200" dirty="0" smtClean="0"/>
+              <a:rPr lang="en-US" sz="1650" dirty="0"/>
               <a:t>of mobile </a:t>
             </a:r>
             <a:r>
-              <a:rPr lang="en-US" sz="2200" dirty="0"/>
+              <a:rPr lang="en-US" sz="1650" dirty="0"/>
               <a:t>charged </a:t>
             </a:r>
             <a:r>
-              <a:rPr lang="en-US" sz="2200" dirty="0" smtClean="0"/>
+              <a:rPr lang="en-US" sz="1650" dirty="0"/>
               <a:t>particles</a:t>
             </a:r>
           </a:p>
           <a:p>
             <a:r>
-              <a:rPr lang="en-US" sz="2200" dirty="0" smtClean="0"/>
+              <a:rPr lang="en-US" sz="1650" dirty="0"/>
               <a:t>Ions</a:t>
             </a:r>
             <a:r>
-              <a:rPr lang="en-US" sz="2200" dirty="0"/>
+              <a:rPr lang="en-US" sz="1650" dirty="0"/>
               <a:t>, holes and </a:t>
             </a:r>
             <a:r>
-              <a:rPr lang="en-US" sz="2200" dirty="0" smtClean="0"/>
+              <a:rPr lang="en-US" sz="1650" dirty="0"/>
               <a:t>electrons</a:t>
             </a:r>
           </a:p>
           <a:p>
             <a:r>
-              <a:rPr lang="en-US" sz="2200" dirty="0"/>
+              <a:rPr lang="en-US" sz="1650" dirty="0"/>
               <a:t>Natural: </a:t>
             </a:r>
             <a:r>
-              <a:rPr lang="en-US" sz="2200" dirty="0" smtClean="0"/>
+              <a:rPr lang="en-US" sz="1650" dirty="0"/>
               <a:t>Ionic-channels </a:t>
             </a:r>
             <a:r>
-              <a:rPr lang="en-US" sz="2200" dirty="0"/>
+              <a:rPr lang="en-US" sz="1650" dirty="0"/>
               <a:t>in organic </a:t>
             </a:r>
             <a:r>
-              <a:rPr lang="en-US" sz="2200" dirty="0" smtClean="0"/>
+              <a:rPr lang="en-US" sz="1650" dirty="0"/>
               <a:t>membranes</a:t>
             </a:r>
           </a:p>
           <a:p>
             <a:r>
-              <a:rPr lang="en-US" sz="2200" dirty="0" smtClean="0"/>
+              <a:rPr lang="en-US" sz="1650" dirty="0"/>
               <a:t>Engineered: Non-Volatile Memory, Organic FET, </a:t>
             </a:r>
             <a:r>
-              <a:rPr lang="en-US" sz="2200" dirty="0" err="1" smtClean="0"/>
+              <a:rPr lang="en-US" sz="1650" dirty="0" err="1"/>
               <a:t>Memristor</a:t>
             </a:r>
-            <a:endParaRPr lang="en-US" sz="2200" dirty="0" smtClean="0"/>
-          </a:p>
-          <a:p>
-            <a:r>
-              <a:rPr lang="en-US" sz="2200" dirty="0" smtClean="0"/>
-              <a:t>Easy to fabricate, low </a:t>
-            </a:r>
-            <a:r>
-              <a:rPr lang="en-US" sz="2200" dirty="0" smtClean="0"/>
-              <a:t>operating </a:t>
-            </a:r>
-            <a:r>
-              <a:rPr lang="en-US" sz="2200" dirty="0" smtClean="0"/>
-              <a:t>voltage, slow</a:t>
-            </a:r>
-            <a:endParaRPr lang="en-US" sz="2200" dirty="0"/>
+            <a:endParaRPr lang="en-US" sz="1650" dirty="0"/>
+          </a:p>
+          <a:p>
+            <a:r>
+              <a:rPr lang="en-US" sz="1650" dirty="0"/>
+              <a:t>Easy to fabricate, low operating voltage, slow</a:t>
+            </a:r>
+            <a:endParaRPr lang="en-US" sz="1650" dirty="0"/>
           </a:p>
           <a:p>
             <a:endParaRPr lang="en-US" dirty="0"/>
@@ -7624,32 +8087,28 @@
           <a:lstStyle/>
           <a:p>
             <a:r>
-              <a:rPr lang="en-US" sz="2400" dirty="0" smtClean="0"/>
+              <a:rPr lang="en-US" sz="1800" dirty="0"/>
               <a:t>Drift diffusion equation:</a:t>
             </a:r>
           </a:p>
           <a:p>
-            <a:endParaRPr lang="en-US" sz="2400" dirty="0" smtClean="0"/>
-          </a:p>
-          <a:p>
-            <a:r>
-              <a:rPr lang="en-US" sz="2400" dirty="0" smtClean="0"/>
+            <a:endParaRPr lang="en-US" sz="1800" dirty="0"/>
+          </a:p>
+          <a:p>
+            <a:r>
+              <a:rPr lang="en-US" sz="1800" dirty="0"/>
               <a:t>Continuity Equation:</a:t>
             </a:r>
           </a:p>
           <a:p>
-            <a:endParaRPr lang="en-US" sz="2400" dirty="0"/>
-          </a:p>
-          <a:p>
-            <a:r>
-              <a:rPr lang="en-US" sz="2400" dirty="0" smtClean="0"/>
-              <a:t>Poisson’s </a:t>
-            </a:r>
-            <a:r>
-              <a:rPr lang="en-US" sz="2400" dirty="0" smtClean="0"/>
-              <a:t>Equation:</a:t>
-            </a:r>
-            <a:endParaRPr lang="en-US" sz="2400" dirty="0"/>
+            <a:endParaRPr lang="en-US" sz="1800" dirty="0"/>
+          </a:p>
+          <a:p>
+            <a:r>
+              <a:rPr lang="en-US" sz="1800" dirty="0"/>
+              <a:t>Poisson’s Equation:</a:t>
+            </a:r>
+            <a:endParaRPr lang="en-US" sz="1800" dirty="0"/>
           </a:p>
         </p:txBody>
       </p:sp>
@@ -7669,8 +8128,8 @@
         </p:blipFill>
         <p:spPr>
           <a:xfrm>
-            <a:off x="4294381" y="2674976"/>
-            <a:ext cx="3095238" cy="619048"/>
+            <a:off x="3220786" y="3014799"/>
+            <a:ext cx="2321429" cy="464286"/>
           </a:xfrm>
           <a:prstGeom prst="rect">
             <a:avLst/>
@@ -7693,8 +8152,8 @@
         </p:blipFill>
         <p:spPr>
           <a:xfrm>
-            <a:off x="4294381" y="3572028"/>
-            <a:ext cx="2285714" cy="895238"/>
+            <a:off x="3220786" y="3707685"/>
+            <a:ext cx="1714286" cy="671429"/>
           </a:xfrm>
           <a:prstGeom prst="rect">
             <a:avLst/>
@@ -7717,8 +8176,8 @@
         </p:blipFill>
         <p:spPr>
           <a:xfrm>
-            <a:off x="4294381" y="4590256"/>
-            <a:ext cx="5422466" cy="809849"/>
+            <a:off x="3220786" y="4580599"/>
+            <a:ext cx="4066850" cy="607387"/>
           </a:xfrm>
           <a:prstGeom prst="rect">
             <a:avLst/>
@@ -7805,13 +8264,13 @@
         </p:nvSpPr>
         <p:spPr>
           <a:xfrm>
-            <a:off x="1141412" y="2249486"/>
-            <a:ext cx="9905999" cy="4299359"/>
+            <a:off x="832920" y="2544365"/>
+            <a:ext cx="7452640" cy="3738740"/>
           </a:xfrm>
         </p:spPr>
         <p:txBody>
           <a:bodyPr>
-            <a:normAutofit fontScale="77500" lnSpcReduction="20000"/>
+            <a:normAutofit fontScale="70000" lnSpcReduction="20000"/>
           </a:bodyPr>
           <a:lstStyle/>
           <a:p>
@@ -7821,53 +8280,53 @@
             <a:endParaRPr lang="en-US" dirty="0"/>
           </a:p>
           <a:p>
-            <a:endParaRPr lang="en-US" dirty="0" smtClean="0"/>
-          </a:p>
-          <a:p>
-            <a:r>
-              <a:rPr lang="en-US" sz="2400" dirty="0" smtClean="0"/>
+            <a:endParaRPr lang="en-US" sz="2200" dirty="0" smtClean="0"/>
+          </a:p>
+          <a:p>
+            <a:r>
+              <a:rPr lang="en-US" sz="2200" dirty="0"/>
               <a:t>First Order Central Difference :</a:t>
             </a:r>
           </a:p>
           <a:p>
-            <a:endParaRPr lang="en-US" sz="2400" dirty="0" smtClean="0"/>
-          </a:p>
-          <a:p>
-            <a:r>
-              <a:rPr lang="en-US" sz="2400" dirty="0" smtClean="0"/>
+            <a:endParaRPr lang="en-US" sz="2200" dirty="0"/>
+          </a:p>
+          <a:p>
+            <a:r>
+              <a:rPr lang="en-US" sz="2200" dirty="0"/>
               <a:t>Second Order Central Difference:</a:t>
             </a:r>
           </a:p>
           <a:p>
-            <a:endParaRPr lang="en-US" sz="2400" dirty="0" smtClean="0"/>
-          </a:p>
-          <a:p>
-            <a:r>
-              <a:rPr lang="en-US" sz="2400" dirty="0" smtClean="0"/>
+            <a:endParaRPr lang="en-US" sz="2200" dirty="0"/>
+          </a:p>
+          <a:p>
+            <a:r>
+              <a:rPr lang="en-US" sz="2200" dirty="0"/>
               <a:t>Current Density</a:t>
             </a:r>
           </a:p>
           <a:p>
-            <a:endParaRPr lang="en-US" sz="2400" dirty="0" smtClean="0"/>
-          </a:p>
-          <a:p>
-            <a:r>
-              <a:rPr lang="en-US" sz="2400" dirty="0" smtClean="0"/>
+            <a:endParaRPr lang="en-US" sz="2200" dirty="0"/>
+          </a:p>
+          <a:p>
+            <a:r>
+              <a:rPr lang="en-US" sz="2200" dirty="0"/>
               <a:t>Continuity</a:t>
             </a:r>
           </a:p>
           <a:p>
-            <a:endParaRPr lang="en-US" sz="2400" dirty="0"/>
-          </a:p>
-          <a:p>
-            <a:r>
-              <a:rPr lang="en-US" sz="2400" dirty="0" smtClean="0"/>
+            <a:endParaRPr lang="en-US" sz="2200" dirty="0"/>
+          </a:p>
+          <a:p>
+            <a:r>
+              <a:rPr lang="en-US" sz="2200" dirty="0"/>
               <a:t>Poisson’s Equation </a:t>
             </a:r>
-            <a:endParaRPr lang="en-US" sz="2400" dirty="0"/>
-          </a:p>
-          <a:p>
-            <a:pPr marL="457200" lvl="1" indent="0">
+            <a:endParaRPr lang="en-US" sz="2200" dirty="0"/>
+          </a:p>
+          <a:p>
+            <a:pPr marL="342900" lvl="1" indent="0">
               <a:buNone/>
             </a:pPr>
             <a:endParaRPr lang="en-US" dirty="0" smtClean="0"/>
@@ -7908,8 +8367,8 @@
         </p:blipFill>
         <p:spPr>
           <a:xfrm>
-            <a:off x="5345347" y="2132835"/>
-            <a:ext cx="2730368" cy="760356"/>
+            <a:off x="4009010" y="2546735"/>
+            <a:ext cx="2047776" cy="570267"/>
           </a:xfrm>
           <a:prstGeom prst="rect">
             <a:avLst/>
@@ -7932,8 +8391,8 @@
         </p:blipFill>
         <p:spPr>
           <a:xfrm>
-            <a:off x="5345346" y="2922712"/>
-            <a:ext cx="3311003" cy="670496"/>
+            <a:off x="4009010" y="3163813"/>
+            <a:ext cx="2483252" cy="502872"/>
           </a:xfrm>
           <a:prstGeom prst="rect">
             <a:avLst/>
@@ -7956,8 +8415,8 @@
         </p:blipFill>
         <p:spPr>
           <a:xfrm>
-            <a:off x="5345347" y="5162559"/>
-            <a:ext cx="1983837" cy="400915"/>
+            <a:off x="4009010" y="5006041"/>
+            <a:ext cx="1487878" cy="300686"/>
           </a:xfrm>
           <a:prstGeom prst="rect">
             <a:avLst/>
@@ -7980,8 +8439,8 @@
         </p:blipFill>
         <p:spPr>
           <a:xfrm>
-            <a:off x="5345346" y="3717796"/>
-            <a:ext cx="5377788" cy="546073"/>
+            <a:off x="4009010" y="3803356"/>
+            <a:ext cx="4033341" cy="409555"/>
           </a:xfrm>
           <a:prstGeom prst="rect">
             <a:avLst/>
@@ -8004,8 +8463,8 @@
         </p:blipFill>
         <p:spPr>
           <a:xfrm>
-            <a:off x="5345346" y="4293390"/>
-            <a:ext cx="5246453" cy="746531"/>
+            <a:off x="4009010" y="4339311"/>
+            <a:ext cx="3934840" cy="559898"/>
           </a:xfrm>
           <a:prstGeom prst="rect">
             <a:avLst/>
@@ -8080,22 +8539,51 @@
           </p:cNvPicPr>
           <p:nvPr/>
         </p:nvPicPr>
-        <p:blipFill>
+        <p:blipFill rotWithShape="1">
           <a:blip r:embed="rId2"/>
-          <a:stretch>
-            <a:fillRect/>
-          </a:stretch>
+          <a:srcRect l="7442" t="1" r="8980" b="7204"/>
+          <a:stretch/>
         </p:blipFill>
         <p:spPr>
           <a:xfrm>
-            <a:off x="4159380" y="1816100"/>
-            <a:ext cx="3389646" cy="4902200"/>
+            <a:off x="3009763" y="1922676"/>
+            <a:ext cx="2688934" cy="4317621"/>
           </a:xfrm>
           <a:prstGeom prst="rect">
             <a:avLst/>
           </a:prstGeom>
         </p:spPr>
       </p:pic>
+      <p:sp>
+        <p:nvSpPr>
+          <p:cNvPr id="3" name="TextBox 2"/>
+          <p:cNvSpPr txBox="1"/>
+          <p:nvPr/>
+        </p:nvSpPr>
+        <p:spPr>
+          <a:xfrm>
+            <a:off x="1801640" y="6240297"/>
+            <a:ext cx="6934954" cy="369332"/>
+          </a:xfrm>
+          <a:prstGeom prst="rect">
+            <a:avLst/>
+          </a:prstGeom>
+          <a:noFill/>
+        </p:spPr>
+        <p:txBody>
+          <a:bodyPr wrap="square" rtlCol="0">
+            <a:spAutoFit/>
+          </a:bodyPr>
+          <a:lstStyle/>
+          <a:p>
+            <a:r>
+              <a:rPr lang="en-US" dirty="0" smtClean="0"/>
+              <a:t>Figure 1: Finite Difference Drift Diffusion Solver Flowchart</a:t>
+            </a:r>
+            <a:endParaRPr lang="en-US" dirty="0"/>
+          </a:p>
+        </p:txBody>
+      </p:sp>
     </p:spTree>
     <p:extLst>
       <p:ext uri="{BB962C8B-B14F-4D97-AF65-F5344CB8AC3E}">
@@ -8166,16 +8654,15 @@
             <p:ph idx="1"/>
           </p:nvPr>
         </p:nvPicPr>
-        <p:blipFill>
+        <p:blipFill rotWithShape="1">
           <a:blip r:embed="rId2"/>
-          <a:stretch>
-            <a:fillRect/>
-          </a:stretch>
+          <a:srcRect l="2110" b="11555"/>
+          <a:stretch/>
         </p:blipFill>
         <p:spPr>
           <a:xfrm>
-            <a:off x="5057378" y="1864355"/>
-            <a:ext cx="2882511" cy="2550405"/>
+            <a:off x="3693813" y="2174772"/>
+            <a:ext cx="2116248" cy="1691794"/>
           </a:xfrm>
           <a:prstGeom prst="rect">
             <a:avLst/>
@@ -8190,16 +8677,15 @@
           </p:cNvPicPr>
           <p:nvPr/>
         </p:nvPicPr>
-        <p:blipFill>
+        <p:blipFill rotWithShape="1">
           <a:blip r:embed="rId3"/>
-          <a:stretch>
-            <a:fillRect/>
-          </a:stretch>
+          <a:srcRect l="3974" b="12173"/>
+          <a:stretch/>
         </p:blipFill>
         <p:spPr>
           <a:xfrm>
-            <a:off x="8039477" y="1864355"/>
-            <a:ext cx="3038057" cy="2609614"/>
+            <a:off x="6303808" y="2174772"/>
+            <a:ext cx="2188008" cy="1718955"/>
           </a:xfrm>
           <a:prstGeom prst="rect">
             <a:avLst/>
@@ -8214,16 +8700,15 @@
           </p:cNvPicPr>
           <p:nvPr/>
         </p:nvPicPr>
-        <p:blipFill>
+        <p:blipFill rotWithShape="1">
           <a:blip r:embed="rId4"/>
-          <a:stretch>
-            <a:fillRect/>
-          </a:stretch>
+          <a:srcRect l="2110" b="12587"/>
+          <a:stretch/>
         </p:blipFill>
         <p:spPr>
           <a:xfrm>
-            <a:off x="5131423" y="4414760"/>
-            <a:ext cx="2808467" cy="2443240"/>
+            <a:off x="3693812" y="4331283"/>
+            <a:ext cx="2116249" cy="1644005"/>
           </a:xfrm>
           <a:prstGeom prst="rect">
             <a:avLst/>
@@ -8238,16 +8723,15 @@
           </p:cNvPicPr>
           <p:nvPr/>
         </p:nvPicPr>
-        <p:blipFill>
+        <p:blipFill rotWithShape="1">
           <a:blip r:embed="rId5"/>
-          <a:stretch>
-            <a:fillRect/>
-          </a:stretch>
+          <a:srcRect l="2200" b="10414"/>
+          <a:stretch/>
         </p:blipFill>
         <p:spPr>
           <a:xfrm>
-            <a:off x="8305309" y="4473968"/>
-            <a:ext cx="2622224" cy="2340137"/>
+            <a:off x="6391746" y="4331283"/>
+            <a:ext cx="2012133" cy="1644866"/>
           </a:xfrm>
           <a:prstGeom prst="rect">
             <a:avLst/>
@@ -8264,15 +8748,15 @@
         </p:nvSpPr>
         <p:spPr>
           <a:xfrm>
-            <a:off x="581192" y="2180496"/>
-            <a:ext cx="11029615" cy="3678303"/>
-          </a:xfrm>
-          <a:prstGeom prst="rect">
-            <a:avLst/>
-          </a:prstGeom>
-        </p:spPr>
-        <p:txBody>
-          <a:bodyPr vert="horz" lIns="91440" tIns="45720" rIns="91440" bIns="45720" rtlCol="0" anchor="ctr">
+            <a:off x="375924" y="2255516"/>
+            <a:ext cx="8400288" cy="3935337"/>
+          </a:xfrm>
+          <a:prstGeom prst="rect">
+            <a:avLst/>
+          </a:prstGeom>
+        </p:spPr>
+        <p:txBody>
+          <a:bodyPr vert="horz" lIns="68580" tIns="34290" rIns="68580" bIns="34290" rtlCol="0" anchor="ctr">
             <a:normAutofit/>
           </a:bodyPr>
           <a:lstStyle>
@@ -8477,38 +8961,164 @@
           </a:lstStyle>
           <a:p>
             <a:r>
-              <a:rPr lang="en-US" sz="2200" dirty="0" smtClean="0"/>
+              <a:rPr lang="en-US" sz="1650" dirty="0"/>
               <a:t>Pre calculate the next time step</a:t>
             </a:r>
           </a:p>
           <a:p>
             <a:r>
-              <a:rPr lang="en-US" sz="2200" dirty="0" smtClean="0"/>
+              <a:rPr lang="en-US" sz="1650" dirty="0"/>
               <a:t>Check for saturation</a:t>
             </a:r>
           </a:p>
           <a:p>
             <a:pPr lvl="1"/>
             <a:r>
-              <a:rPr lang="en-US" sz="2000" dirty="0" smtClean="0"/>
+              <a:rPr lang="en-US" sz="1500" dirty="0"/>
               <a:t>Set influx to zero (saturation)</a:t>
             </a:r>
           </a:p>
           <a:p>
             <a:pPr lvl="1"/>
             <a:r>
-              <a:rPr lang="en-US" sz="2000" dirty="0" smtClean="0"/>
+              <a:rPr lang="en-US" sz="1500" dirty="0"/>
               <a:t>Do nothing (no saturation)</a:t>
             </a:r>
           </a:p>
           <a:p>
             <a:r>
-              <a:rPr lang="en-US" sz="2200" dirty="0" smtClean="0"/>
+              <a:rPr lang="en-US" sz="1650" dirty="0"/>
               <a:t>Update carrier densities</a:t>
             </a:r>
           </a:p>
           <a:p>
-            <a:endParaRPr lang="en-US" sz="2200" dirty="0"/>
+            <a:endParaRPr lang="en-US" sz="1650" dirty="0"/>
+          </a:p>
+        </p:txBody>
+      </p:sp>
+      <p:sp>
+        <p:nvSpPr>
+          <p:cNvPr id="3" name="TextBox 2"/>
+          <p:cNvSpPr txBox="1"/>
+          <p:nvPr/>
+        </p:nvSpPr>
+        <p:spPr>
+          <a:xfrm>
+            <a:off x="3534245" y="3894464"/>
+            <a:ext cx="2435382" cy="307777"/>
+          </a:xfrm>
+          <a:prstGeom prst="rect">
+            <a:avLst/>
+          </a:prstGeom>
+          <a:noFill/>
+        </p:spPr>
+        <p:txBody>
+          <a:bodyPr wrap="square" rtlCol="0">
+            <a:spAutoFit/>
+          </a:bodyPr>
+          <a:lstStyle/>
+          <a:p>
+            <a:r>
+              <a:rPr lang="en-US" sz="1400" dirty="0" smtClean="0"/>
+              <a:t>Figure 2: Initial particle density</a:t>
+            </a:r>
+            <a:endParaRPr lang="en-US" sz="1400" dirty="0"/>
+          </a:p>
+        </p:txBody>
+      </p:sp>
+      <p:sp>
+        <p:nvSpPr>
+          <p:cNvPr id="10" name="TextBox 9"/>
+          <p:cNvSpPr txBox="1"/>
+          <p:nvPr/>
+        </p:nvSpPr>
+        <p:spPr>
+          <a:xfrm>
+            <a:off x="6180121" y="3915407"/>
+            <a:ext cx="2435382" cy="523220"/>
+          </a:xfrm>
+          <a:prstGeom prst="rect">
+            <a:avLst/>
+          </a:prstGeom>
+          <a:noFill/>
+        </p:spPr>
+        <p:txBody>
+          <a:bodyPr wrap="square" rtlCol="0">
+            <a:spAutoFit/>
+          </a:bodyPr>
+          <a:lstStyle/>
+          <a:p>
+            <a:pPr algn="ctr"/>
+            <a:r>
+              <a:rPr lang="en-US" sz="1400" dirty="0" smtClean="0"/>
+              <a:t>Figure 3: Density accumulation (right wall) </a:t>
+            </a:r>
+            <a:endParaRPr lang="en-US" sz="1400" dirty="0"/>
+          </a:p>
+        </p:txBody>
+      </p:sp>
+      <p:sp>
+        <p:nvSpPr>
+          <p:cNvPr id="11" name="TextBox 10"/>
+          <p:cNvSpPr txBox="1"/>
+          <p:nvPr/>
+        </p:nvSpPr>
+        <p:spPr>
+          <a:xfrm>
+            <a:off x="3693811" y="5990858"/>
+            <a:ext cx="2435382" cy="523220"/>
+          </a:xfrm>
+          <a:prstGeom prst="rect">
+            <a:avLst/>
+          </a:prstGeom>
+          <a:noFill/>
+        </p:spPr>
+        <p:txBody>
+          <a:bodyPr wrap="square" rtlCol="0">
+            <a:spAutoFit/>
+          </a:bodyPr>
+          <a:lstStyle/>
+          <a:p>
+            <a:pPr algn="ctr"/>
+            <a:r>
+              <a:rPr lang="en-US" sz="1400" dirty="0" smtClean="0"/>
+              <a:t>Figure 4: Density accumulation </a:t>
+            </a:r>
+            <a:r>
+              <a:rPr lang="en-US" sz="1400" dirty="0"/>
+              <a:t>(right wall) </a:t>
+            </a:r>
+          </a:p>
+        </p:txBody>
+      </p:sp>
+      <p:sp>
+        <p:nvSpPr>
+          <p:cNvPr id="12" name="TextBox 11"/>
+          <p:cNvSpPr txBox="1"/>
+          <p:nvPr/>
+        </p:nvSpPr>
+        <p:spPr>
+          <a:xfrm>
+            <a:off x="6235011" y="5990858"/>
+            <a:ext cx="2435382" cy="523220"/>
+          </a:xfrm>
+          <a:prstGeom prst="rect">
+            <a:avLst/>
+          </a:prstGeom>
+          <a:noFill/>
+        </p:spPr>
+        <p:txBody>
+          <a:bodyPr wrap="square" rtlCol="0">
+            <a:spAutoFit/>
+          </a:bodyPr>
+          <a:lstStyle/>
+          <a:p>
+            <a:pPr algn="ctr"/>
+            <a:r>
+              <a:rPr lang="en-US" sz="1400" dirty="0" smtClean="0"/>
+              <a:t>Figure 5: Density accumulation over time</a:t>
+            </a:r>
+            <a:endParaRPr lang="en-US" sz="1400" dirty="0"/>
           </a:p>
         </p:txBody>
       </p:sp>
@@ -8586,7 +9196,12 @@
             <p:ph idx="1"/>
           </p:nvPr>
         </p:nvSpPr>
-        <p:spPr/>
+        <p:spPr>
+          <a:xfrm>
+            <a:off x="581192" y="2055987"/>
+            <a:ext cx="7989752" cy="3630795"/>
+          </a:xfrm>
+        </p:spPr>
         <p:txBody>
           <a:bodyPr>
             <a:normAutofit/>
@@ -8594,33 +9209,33 @@
           <a:lstStyle/>
           <a:p>
             <a:r>
-              <a:rPr lang="en-US" sz="2400" dirty="0" smtClean="0"/>
+              <a:rPr lang="en-US" sz="1800" dirty="0"/>
               <a:t>Voltage controlled resistor with memory</a:t>
             </a:r>
           </a:p>
           <a:p>
             <a:r>
-              <a:rPr lang="en-US" sz="2400" dirty="0" smtClean="0"/>
+              <a:rPr lang="en-US" sz="1800" dirty="0"/>
               <a:t>Equation: M(q(t)) = V(t)/I(t)</a:t>
             </a:r>
           </a:p>
           <a:p>
             <a:r>
-              <a:rPr lang="en-US" sz="2400" dirty="0" smtClean="0"/>
+              <a:rPr lang="en-US" sz="1800" dirty="0"/>
               <a:t>2 Distinct types</a:t>
             </a:r>
           </a:p>
           <a:p>
             <a:pPr lvl="1"/>
             <a:r>
-              <a:rPr lang="en-US" sz="2400" dirty="0" smtClean="0"/>
+              <a:rPr lang="en-US" sz="1800" dirty="0"/>
               <a:t>Organic: Based on PEDOT:PSS….</a:t>
             </a:r>
           </a:p>
           <a:p>
             <a:pPr lvl="1"/>
             <a:r>
-              <a:rPr lang="en-US" sz="2400" dirty="0" smtClean="0"/>
+              <a:rPr lang="en-US" sz="1800" dirty="0"/>
               <a:t>Inorganic: Based on TiO2  </a:t>
             </a:r>
           </a:p>
@@ -8634,22 +9249,60 @@
           </p:cNvPicPr>
           <p:nvPr/>
         </p:nvPicPr>
-        <p:blipFill>
+        <p:blipFill rotWithShape="1">
           <a:blip r:embed="rId2"/>
-          <a:stretch>
-            <a:fillRect/>
-          </a:stretch>
+          <a:srcRect l="1968" r="3647" b="36427"/>
+          <a:stretch/>
         </p:blipFill>
         <p:spPr>
           <a:xfrm>
-            <a:off x="6095999" y="2842018"/>
-            <a:ext cx="5857582" cy="3016781"/>
+            <a:off x="4576068" y="3152193"/>
+            <a:ext cx="4146487" cy="1438381"/>
           </a:xfrm>
           <a:prstGeom prst="rect">
             <a:avLst/>
           </a:prstGeom>
         </p:spPr>
       </p:pic>
+      <p:sp>
+        <p:nvSpPr>
+          <p:cNvPr id="5" name="TextBox 4"/>
+          <p:cNvSpPr txBox="1"/>
+          <p:nvPr/>
+        </p:nvSpPr>
+        <p:spPr>
+          <a:xfrm>
+            <a:off x="4336150" y="4590574"/>
+            <a:ext cx="4626321" cy="646331"/>
+          </a:xfrm>
+          <a:prstGeom prst="rect">
+            <a:avLst/>
+          </a:prstGeom>
+          <a:noFill/>
+        </p:spPr>
+        <p:txBody>
+          <a:bodyPr wrap="square" rtlCol="0">
+            <a:spAutoFit/>
+          </a:bodyPr>
+          <a:lstStyle/>
+          <a:p>
+            <a:pPr algn="ctr"/>
+            <a:r>
+              <a:rPr lang="en-US" dirty="0" smtClean="0"/>
+              <a:t>Figure 6: An organic </a:t>
+            </a:r>
+            <a:r>
+              <a:rPr lang="en-US" dirty="0" err="1" smtClean="0"/>
+              <a:t>memristor</a:t>
+            </a:r>
+            <a:r>
+              <a:rPr lang="en-US" dirty="0" smtClean="0"/>
+              <a:t> with electrolyte and PEDOT:PSS (not to scale)</a:t>
+            </a:r>
+            <a:endParaRPr lang="en-US" dirty="0"/>
+          </a:p>
+        </p:txBody>
+      </p:sp>
     </p:spTree>
     <p:extLst>
       <p:ext uri="{BB962C8B-B14F-4D97-AF65-F5344CB8AC3E}">
@@ -8718,25 +9371,6 @@
           </a:p>
         </p:txBody>
       </p:sp>
-      <p:sp>
-        <p:nvSpPr>
-          <p:cNvPr id="3" name="Content Placeholder 2"/>
-          <p:cNvSpPr>
-            <a:spLocks noGrp="1"/>
-          </p:cNvSpPr>
-          <p:nvPr>
-            <p:ph idx="1"/>
-          </p:nvPr>
-        </p:nvSpPr>
-        <p:spPr/>
-        <p:txBody>
-          <a:bodyPr/>
-          <a:lstStyle/>
-          <a:p>
-            <a:endParaRPr lang="en-US" dirty="0"/>
-          </a:p>
-        </p:txBody>
-      </p:sp>
       <p:pic>
         <p:nvPicPr>
           <p:cNvPr id="5" name="Picture 4"/>
@@ -8745,16 +9379,15 @@
           </p:cNvPicPr>
           <p:nvPr/>
         </p:nvPicPr>
-        <p:blipFill>
+        <p:blipFill rotWithShape="1">
           <a:blip r:embed="rId2"/>
-          <a:stretch>
-            <a:fillRect/>
-          </a:stretch>
+          <a:srcRect b="9959"/>
+          <a:stretch/>
         </p:blipFill>
         <p:spPr>
           <a:xfrm>
-            <a:off x="342899" y="2180496"/>
-            <a:ext cx="5632121" cy="4232091"/>
+            <a:off x="257175" y="2492623"/>
+            <a:ext cx="4224091" cy="2857975"/>
           </a:xfrm>
           <a:prstGeom prst="rect">
             <a:avLst/>
@@ -8769,22 +9402,82 @@
           </p:cNvPicPr>
           <p:nvPr/>
         </p:nvPicPr>
-        <p:blipFill>
+        <p:blipFill rotWithShape="1">
           <a:blip r:embed="rId3"/>
-          <a:stretch>
-            <a:fillRect/>
-          </a:stretch>
+          <a:srcRect b="11398"/>
+          <a:stretch/>
         </p:blipFill>
         <p:spPr>
           <a:xfrm>
-            <a:off x="6213313" y="2180496"/>
-            <a:ext cx="5635787" cy="4300836"/>
+            <a:off x="4659985" y="2492623"/>
+            <a:ext cx="4226840" cy="2857976"/>
           </a:xfrm>
           <a:prstGeom prst="rect">
             <a:avLst/>
           </a:prstGeom>
         </p:spPr>
       </p:pic>
+      <p:sp>
+        <p:nvSpPr>
+          <p:cNvPr id="4" name="TextBox 3"/>
+          <p:cNvSpPr txBox="1"/>
+          <p:nvPr/>
+        </p:nvSpPr>
+        <p:spPr>
+          <a:xfrm>
+            <a:off x="4614949" y="5350597"/>
+            <a:ext cx="4271875" cy="646331"/>
+          </a:xfrm>
+          <a:prstGeom prst="rect">
+            <a:avLst/>
+          </a:prstGeom>
+          <a:noFill/>
+        </p:spPr>
+        <p:txBody>
+          <a:bodyPr wrap="square" rtlCol="0">
+            <a:spAutoFit/>
+          </a:bodyPr>
+          <a:lstStyle/>
+          <a:p>
+            <a:pPr algn="ctr"/>
+            <a:r>
+              <a:rPr lang="en-US" dirty="0" smtClean="0"/>
+              <a:t>Figure 8: Boundary condition for perchlorate ions</a:t>
+            </a:r>
+            <a:endParaRPr lang="en-US" dirty="0"/>
+          </a:p>
+        </p:txBody>
+      </p:sp>
+      <p:sp>
+        <p:nvSpPr>
+          <p:cNvPr id="7" name="TextBox 6"/>
+          <p:cNvSpPr txBox="1"/>
+          <p:nvPr/>
+        </p:nvSpPr>
+        <p:spPr>
+          <a:xfrm>
+            <a:off x="221005" y="5350597"/>
+            <a:ext cx="4393945" cy="369332"/>
+          </a:xfrm>
+          <a:prstGeom prst="rect">
+            <a:avLst/>
+          </a:prstGeom>
+          <a:noFill/>
+        </p:spPr>
+        <p:txBody>
+          <a:bodyPr wrap="square" rtlCol="0">
+            <a:spAutoFit/>
+          </a:bodyPr>
+          <a:lstStyle/>
+          <a:p>
+            <a:r>
+              <a:rPr lang="en-US" dirty="0" smtClean="0"/>
+              <a:t>Figure 7: Boundary condition for lithium ions </a:t>
+            </a:r>
+            <a:endParaRPr lang="en-US" dirty="0"/>
+          </a:p>
+        </p:txBody>
+      </p:sp>
     </p:spTree>
     <p:extLst>
       <p:ext uri="{BB962C8B-B14F-4D97-AF65-F5344CB8AC3E}">

--- a/Memristor Thesis/Memristor Presentation.pptx
+++ b/Memristor Thesis/Memristor Presentation.pptx
@@ -5,7 +5,7 @@
     <p:sldMasterId id="2147483922" r:id="rId1"/>
   </p:sldMasterIdLst>
   <p:notesMasterIdLst>
-    <p:notesMasterId r:id="rId27"/>
+    <p:notesMasterId r:id="rId28"/>
   </p:notesMasterIdLst>
   <p:sldIdLst>
     <p:sldId id="256" r:id="rId2"/>
@@ -14,25 +14,26 @@
     <p:sldId id="265" r:id="rId5"/>
     <p:sldId id="261" r:id="rId6"/>
     <p:sldId id="267" r:id="rId7"/>
-    <p:sldId id="268" r:id="rId8"/>
-    <p:sldId id="258" r:id="rId9"/>
+    <p:sldId id="258" r:id="rId8"/>
+    <p:sldId id="268" r:id="rId9"/>
     <p:sldId id="266" r:id="rId10"/>
     <p:sldId id="277" r:id="rId11"/>
     <p:sldId id="269" r:id="rId12"/>
     <p:sldId id="262" r:id="rId13"/>
     <p:sldId id="270" r:id="rId14"/>
     <p:sldId id="271" r:id="rId15"/>
-    <p:sldId id="272" r:id="rId16"/>
-    <p:sldId id="279" r:id="rId17"/>
-    <p:sldId id="280" r:id="rId18"/>
-    <p:sldId id="273" r:id="rId19"/>
-    <p:sldId id="274" r:id="rId20"/>
-    <p:sldId id="263" r:id="rId21"/>
-    <p:sldId id="275" r:id="rId22"/>
-    <p:sldId id="276" r:id="rId23"/>
-    <p:sldId id="264" r:id="rId24"/>
-    <p:sldId id="278" r:id="rId25"/>
-    <p:sldId id="281" r:id="rId26"/>
+    <p:sldId id="279" r:id="rId16"/>
+    <p:sldId id="280" r:id="rId17"/>
+    <p:sldId id="273" r:id="rId18"/>
+    <p:sldId id="274" r:id="rId19"/>
+    <p:sldId id="263" r:id="rId20"/>
+    <p:sldId id="275" r:id="rId21"/>
+    <p:sldId id="276" r:id="rId22"/>
+    <p:sldId id="264" r:id="rId23"/>
+    <p:sldId id="283" r:id="rId24"/>
+    <p:sldId id="272" r:id="rId25"/>
+    <p:sldId id="278" r:id="rId26"/>
+    <p:sldId id="281" r:id="rId27"/>
   </p:sldIdLst>
   <p:sldSz cx="9144000" cy="6858000" type="screen4x3"/>
   <p:notesSz cx="6858000" cy="9144000"/>
@@ -221,7 +222,7 @@
           <a:p>
             <a:fld id="{633A82BD-B66E-4D80-A70E-2EB0FC0F57F6}" type="datetimeFigureOut">
               <a:rPr lang="en-US" smtClean="0"/>
-              <a:t>3/26/2014</a:t>
+              <a:t>3/28/2014</a:t>
             </a:fld>
             <a:endParaRPr lang="en-US"/>
           </a:p>
@@ -896,7 +897,7 @@
           <a:p>
             <a:fld id="{C938C26D-EBF1-41FC-BA8D-73BC1ABF576E}" type="slidenum">
               <a:rPr lang="en-US" smtClean="0"/>
-              <a:t>18</a:t>
+              <a:t>17</a:t>
             </a:fld>
             <a:endParaRPr lang="en-US"/>
           </a:p>
@@ -964,37 +965,6 @@
           <a:bodyPr/>
           <a:lstStyle/>
           <a:p>
-            <a:pPr marL="0" marR="0" indent="0" algn="l" defTabSz="914400" rtl="0" eaLnBrk="1" fontAlgn="auto" latinLnBrk="0" hangingPunct="1">
-              <a:lnSpc>
-                <a:spcPct val="100000"/>
-              </a:lnSpc>
-              <a:spcBef>
-                <a:spcPts val="0"/>
-              </a:spcBef>
-              <a:spcAft>
-                <a:spcPts val="0"/>
-              </a:spcAft>
-              <a:buClrTx/>
-              <a:buSzTx/>
-              <a:buFontTx/>
-              <a:buNone/>
-              <a:tabLst/>
-              <a:defRPr/>
-            </a:pPr>
-            <a:r>
-              <a:rPr lang="en-US" dirty="0" smtClean="0"/>
-              <a:t>Sinusoid: Current Output, Lithium, perchlorate and hole density, </a:t>
-            </a:r>
-            <a:r>
-              <a:rPr lang="en-US" dirty="0" err="1" smtClean="0"/>
-              <a:t>Efield</a:t>
-            </a:r>
-            <a:r>
-              <a:rPr lang="en-US" dirty="0" smtClean="0"/>
-              <a:t> ?</a:t>
-            </a:r>
-          </a:p>
-          <a:p>
             <a:endParaRPr lang="en-US" dirty="0"/>
           </a:p>
         </p:txBody>
@@ -1016,7 +986,7 @@
           <a:p>
             <a:fld id="{C938C26D-EBF1-41FC-BA8D-73BC1ABF576E}" type="slidenum">
               <a:rPr lang="en-US" smtClean="0"/>
-              <a:t>19</a:t>
+              <a:t>18</a:t>
             </a:fld>
             <a:endParaRPr lang="en-US"/>
           </a:p>
@@ -1275,7 +1245,7 @@
           <a:p>
             <a:fld id="{6CA6AEE6-DAD3-407D-9B77-68B03FA581D4}" type="datetimeFigureOut">
               <a:rPr lang="en-US" smtClean="0"/>
-              <a:t>3/26/2014</a:t>
+              <a:t>3/28/2014</a:t>
             </a:fld>
             <a:endParaRPr lang="en-US"/>
           </a:p>
@@ -1522,7 +1492,7 @@
           <a:p>
             <a:fld id="{6CA6AEE6-DAD3-407D-9B77-68B03FA581D4}" type="datetimeFigureOut">
               <a:rPr lang="en-US" smtClean="0"/>
-              <a:t>3/26/2014</a:t>
+              <a:t>3/28/2014</a:t>
             </a:fld>
             <a:endParaRPr lang="en-US"/>
           </a:p>
@@ -1757,7 +1727,7 @@
           <a:p>
             <a:fld id="{6CA6AEE6-DAD3-407D-9B77-68B03FA581D4}" type="datetimeFigureOut">
               <a:rPr lang="en-US" smtClean="0"/>
-              <a:t>3/26/2014</a:t>
+              <a:t>3/28/2014</a:t>
             </a:fld>
             <a:endParaRPr lang="en-US"/>
           </a:p>
@@ -1987,7 +1957,7 @@
           <a:p>
             <a:fld id="{6CA6AEE6-DAD3-407D-9B77-68B03FA581D4}" type="datetimeFigureOut">
               <a:rPr lang="en-US" smtClean="0"/>
-              <a:t>3/26/2014</a:t>
+              <a:t>3/28/2014</a:t>
             </a:fld>
             <a:endParaRPr lang="en-US"/>
           </a:p>
@@ -2289,7 +2259,7 @@
           <a:p>
             <a:fld id="{6CA6AEE6-DAD3-407D-9B77-68B03FA581D4}" type="datetimeFigureOut">
               <a:rPr lang="en-US" smtClean="0"/>
-              <a:t>3/26/2014</a:t>
+              <a:t>3/28/2014</a:t>
             </a:fld>
             <a:endParaRPr lang="en-US"/>
           </a:p>
@@ -2586,7 +2556,7 @@
           <a:p>
             <a:fld id="{6CA6AEE6-DAD3-407D-9B77-68B03FA581D4}" type="datetimeFigureOut">
               <a:rPr lang="en-US" smtClean="0"/>
-              <a:t>3/26/2014</a:t>
+              <a:t>3/28/2014</a:t>
             </a:fld>
             <a:endParaRPr lang="en-US"/>
           </a:p>
@@ -3007,7 +2977,7 @@
           <a:p>
             <a:fld id="{6CA6AEE6-DAD3-407D-9B77-68B03FA581D4}" type="datetimeFigureOut">
               <a:rPr lang="en-US" smtClean="0"/>
-              <a:t>3/26/2014</a:t>
+              <a:t>3/28/2014</a:t>
             </a:fld>
             <a:endParaRPr lang="en-US"/>
           </a:p>
@@ -3164,7 +3134,7 @@
           <a:p>
             <a:fld id="{6CA6AEE6-DAD3-407D-9B77-68B03FA581D4}" type="datetimeFigureOut">
               <a:rPr lang="en-US" smtClean="0"/>
-              <a:t>3/26/2014</a:t>
+              <a:t>3/28/2014</a:t>
             </a:fld>
             <a:endParaRPr lang="en-US"/>
           </a:p>
@@ -3259,7 +3229,7 @@
           <a:p>
             <a:fld id="{6CA6AEE6-DAD3-407D-9B77-68B03FA581D4}" type="datetimeFigureOut">
               <a:rPr lang="en-US" smtClean="0"/>
-              <a:t>3/26/2014</a:t>
+              <a:t>3/28/2014</a:t>
             </a:fld>
             <a:endParaRPr lang="en-US"/>
           </a:p>
@@ -3637,7 +3607,7 @@
           <a:p>
             <a:fld id="{6CA6AEE6-DAD3-407D-9B77-68B03FA581D4}" type="datetimeFigureOut">
               <a:rPr lang="en-US" smtClean="0"/>
-              <a:t>3/26/2014</a:t>
+              <a:t>3/28/2014</a:t>
             </a:fld>
             <a:endParaRPr lang="en-US"/>
           </a:p>
@@ -3926,7 +3896,7 @@
           <a:p>
             <a:fld id="{6CA6AEE6-DAD3-407D-9B77-68B03FA581D4}" type="datetimeFigureOut">
               <a:rPr lang="en-US" smtClean="0"/>
-              <a:t>3/26/2014</a:t>
+              <a:t>3/28/2014</a:t>
             </a:fld>
             <a:endParaRPr lang="en-US"/>
           </a:p>
@@ -4137,7 +4107,7 @@
           <a:p>
             <a:fld id="{6CA6AEE6-DAD3-407D-9B77-68B03FA581D4}" type="datetimeFigureOut">
               <a:rPr lang="en-US" smtClean="0"/>
-              <a:t>3/26/2014</a:t>
+              <a:t>3/28/2014</a:t>
             </a:fld>
             <a:endParaRPr lang="en-US"/>
           </a:p>
@@ -4755,17 +4725,18 @@
           </a:bodyPr>
           <a:lstStyle/>
           <a:p>
+            <a:pPr algn="ctr"/>
             <a:r>
               <a:rPr lang="en-US" dirty="0"/>
               <a:t>The Drift </a:t>
             </a:r>
             <a:r>
-              <a:rPr lang="en-US" dirty="0" err="1"/>
-              <a:t>Diusion</a:t>
+              <a:rPr lang="en-US" dirty="0" smtClean="0"/>
+              <a:t>Diffusion </a:t>
             </a:r>
             <a:r>
               <a:rPr lang="en-US" dirty="0"/>
-              <a:t> Simulation of Coupled</a:t>
+              <a:t>Simulation of Coupled</a:t>
             </a:r>
             <a:br>
               <a:rPr lang="en-US" dirty="0"/>
@@ -5063,41 +5034,40 @@
           <a:lstStyle/>
           <a:p>
             <a:r>
-              <a:rPr lang="en-US" dirty="0"/>
+              <a:rPr lang="en-US" sz="2000" dirty="0"/>
               <a:t>Debye Length:</a:t>
             </a:r>
           </a:p>
           <a:p>
             <a:r>
-              <a:rPr lang="en-US" dirty="0"/>
+              <a:rPr lang="en-US" sz="2000" dirty="0"/>
               <a:t>Dielectric Relaxation </a:t>
             </a:r>
             <a:r>
-              <a:rPr lang="en-US" dirty="0" smtClean="0"/>
+              <a:rPr lang="en-US" sz="2000" dirty="0" smtClean="0"/>
               <a:t>Time: </a:t>
             </a:r>
-            <a:endParaRPr lang="en-US" dirty="0"/>
-          </a:p>
-          <a:p>
-            <a:r>
-              <a:rPr lang="en-US" dirty="0"/>
+            <a:endParaRPr lang="en-US" sz="2000" dirty="0"/>
+          </a:p>
+          <a:p>
+            <a:r>
+              <a:rPr lang="en-US" sz="2000" dirty="0"/>
               <a:t>CFL Conditions</a:t>
             </a:r>
           </a:p>
           <a:p>
             <a:pPr lvl="1"/>
             <a:r>
-              <a:rPr lang="en-US" sz="1800" dirty="0"/>
+              <a:rPr lang="en-US" sz="2000" dirty="0"/>
               <a:t>Drift</a:t>
             </a:r>
           </a:p>
           <a:p>
             <a:pPr lvl="1"/>
             <a:r>
-              <a:rPr lang="en-US" sz="1800" dirty="0"/>
+              <a:rPr lang="en-US" sz="2000" dirty="0"/>
               <a:t>Diffusion:</a:t>
             </a:r>
-            <a:endParaRPr lang="en-US" sz="1800" dirty="0"/>
           </a:p>
         </p:txBody>
       </p:sp>
@@ -5117,7 +5087,7 @@
         </p:blipFill>
         <p:spPr>
           <a:xfrm>
-            <a:off x="3693460" y="2787266"/>
+            <a:off x="3810247" y="2771604"/>
             <a:ext cx="947597" cy="635729"/>
           </a:xfrm>
           <a:prstGeom prst="rect">
@@ -5141,7 +5111,7 @@
         </p:blipFill>
         <p:spPr>
           <a:xfrm>
-            <a:off x="3638213" y="3398774"/>
+            <a:off x="3897211" y="3453384"/>
             <a:ext cx="773670" cy="437813"/>
           </a:xfrm>
           <a:prstGeom prst="rect">
@@ -5165,7 +5135,7 @@
         </p:blipFill>
         <p:spPr>
           <a:xfrm>
-            <a:off x="3693460" y="4679648"/>
+            <a:off x="3903208" y="4655736"/>
             <a:ext cx="767673" cy="473798"/>
           </a:xfrm>
           <a:prstGeom prst="rect">
@@ -5189,7 +5159,7 @@
         </p:blipFill>
         <p:spPr>
           <a:xfrm>
-            <a:off x="3697843" y="4167214"/>
+            <a:off x="3880669" y="4171357"/>
             <a:ext cx="773670" cy="533773"/>
           </a:xfrm>
           <a:prstGeom prst="rect">
@@ -5197,60 +5167,6 @@
           </a:prstGeom>
         </p:spPr>
       </p:pic>
-      <p:pic>
-        <p:nvPicPr>
-          <p:cNvPr id="10" name="Picture 9"/>
-          <p:cNvPicPr>
-            <a:picLocks noChangeAspect="1"/>
-          </p:cNvPicPr>
-          <p:nvPr/>
-        </p:nvPicPr>
-        <p:blipFill rotWithShape="1">
-          <a:blip r:embed="rId6"/>
-          <a:srcRect b="8717"/>
-          <a:stretch/>
-        </p:blipFill>
-        <p:spPr>
-          <a:xfrm>
-            <a:off x="4641057" y="2228002"/>
-            <a:ext cx="4447696" cy="3475681"/>
-          </a:xfrm>
-          <a:prstGeom prst="rect">
-            <a:avLst/>
-          </a:prstGeom>
-        </p:spPr>
-      </p:pic>
-      <p:sp>
-        <p:nvSpPr>
-          <p:cNvPr id="4" name="TextBox 3"/>
-          <p:cNvSpPr txBox="1"/>
-          <p:nvPr/>
-        </p:nvSpPr>
-        <p:spPr>
-          <a:xfrm>
-            <a:off x="4822127" y="5703683"/>
-            <a:ext cx="4321874" cy="646331"/>
-          </a:xfrm>
-          <a:prstGeom prst="rect">
-            <a:avLst/>
-          </a:prstGeom>
-          <a:noFill/>
-        </p:spPr>
-        <p:txBody>
-          <a:bodyPr wrap="square" rtlCol="0">
-            <a:spAutoFit/>
-          </a:bodyPr>
-          <a:lstStyle/>
-          <a:p>
-            <a:pPr algn="ctr"/>
-            <a:r>
-              <a:rPr lang="en-US" dirty="0" smtClean="0"/>
-              <a:t>Figure 11: Spatial and temporal requirements for a simulation</a:t>
-            </a:r>
-            <a:endParaRPr lang="en-US" dirty="0"/>
-          </a:p>
-        </p:txBody>
-      </p:sp>
     </p:spTree>
     <p:extLst>
       <p:ext uri="{BB962C8B-B14F-4D97-AF65-F5344CB8AC3E}">
@@ -5338,13 +5254,8 @@
           <a:p>
             <a:r>
               <a:rPr lang="en-US" dirty="0" smtClean="0"/>
-              <a:t>Diffusion Current </a:t>
-            </a:r>
-            <a:r>
-              <a:rPr lang="en-US" dirty="0" smtClean="0"/>
-              <a:t>:</a:t>
-            </a:r>
-            <a:endParaRPr lang="en-US" dirty="0" smtClean="0"/>
+              <a:t>Diffusion Current :</a:t>
+            </a:r>
           </a:p>
           <a:p>
             <a:endParaRPr lang="en-US" dirty="0" smtClean="0"/>
@@ -5370,13 +5281,8 @@
           <a:p>
             <a:r>
               <a:rPr lang="en-US" dirty="0" smtClean="0"/>
-              <a:t>Drift </a:t>
-            </a:r>
-            <a:r>
-              <a:rPr lang="en-US" dirty="0" smtClean="0"/>
-              <a:t>Current:</a:t>
-            </a:r>
-            <a:endParaRPr lang="en-US" dirty="0" smtClean="0"/>
+              <a:t>Drift Current:</a:t>
+            </a:r>
           </a:p>
           <a:p>
             <a:endParaRPr lang="en-US" dirty="0"/>
@@ -5896,7 +5802,7 @@
             <a:pPr algn="ctr"/>
             <a:r>
               <a:rPr lang="en-US" dirty="0" smtClean="0"/>
-              <a:t>Figure 16: Lithium and hole density distribution over time</a:t>
+              <a:t>Figure 16:  Hole density distribution over time</a:t>
             </a:r>
             <a:endParaRPr lang="en-US" dirty="0"/>
           </a:p>
@@ -5956,9 +5862,20 @@
           <a:p>
             <a:r>
               <a:rPr lang="en-US" dirty="0" smtClean="0"/>
-              <a:t>5.2- Scaling to Higher densities</a:t>
-            </a:r>
-            <a:endParaRPr lang="en-US" dirty="0"/>
+              <a:t>5.3- </a:t>
+            </a:r>
+            <a:r>
+              <a:rPr lang="en-US" dirty="0"/>
+              <a:t>2-D </a:t>
+            </a:r>
+            <a:r>
+              <a:rPr lang="en-US" dirty="0" err="1"/>
+              <a:t>Memristor</a:t>
+            </a:r>
+            <a:r>
+              <a:rPr lang="en-US" dirty="0"/>
+              <a:t> Simulations</a:t>
+            </a:r>
           </a:p>
         </p:txBody>
       </p:sp>
@@ -5972,13 +5889,13 @@
         </p:nvPicPr>
         <p:blipFill rotWithShape="1">
           <a:blip r:embed="rId2"/>
-          <a:srcRect b="12082"/>
+          <a:srcRect r="10071" b="9098"/>
           <a:stretch/>
         </p:blipFill>
         <p:spPr>
           <a:xfrm>
-            <a:off x="4701039" y="2224755"/>
-            <a:ext cx="4017448" cy="3325386"/>
+            <a:off x="4314773" y="2228002"/>
+            <a:ext cx="4609697" cy="3502841"/>
           </a:xfrm>
           <a:prstGeom prst="rect">
             <a:avLst/>
@@ -5987,7 +5904,7 @@
       </p:pic>
       <p:pic>
         <p:nvPicPr>
-          <p:cNvPr id="8" name="Picture 7"/>
+          <p:cNvPr id="4" name="Picture 3"/>
           <p:cNvPicPr>
             <a:picLocks noChangeAspect="1"/>
           </p:cNvPicPr>
@@ -5995,13 +5912,13 @@
         </p:nvPicPr>
         <p:blipFill rotWithShape="1">
           <a:blip r:embed="rId3"/>
-          <a:srcRect b="10476"/>
+          <a:srcRect r="8417" b="7605"/>
           <a:stretch/>
         </p:blipFill>
         <p:spPr>
           <a:xfrm>
-            <a:off x="238103" y="2290272"/>
-            <a:ext cx="3971758" cy="3259869"/>
+            <a:off x="0" y="2228003"/>
+            <a:ext cx="4590107" cy="3578073"/>
           </a:xfrm>
           <a:prstGeom prst="rect">
             <a:avLst/>
@@ -6010,14 +5927,14 @@
       </p:pic>
       <p:sp>
         <p:nvSpPr>
-          <p:cNvPr id="5" name="TextBox 4"/>
+          <p:cNvPr id="6" name="TextBox 5"/>
           <p:cNvSpPr txBox="1"/>
           <p:nvPr/>
         </p:nvSpPr>
         <p:spPr>
           <a:xfrm>
-            <a:off x="581192" y="5550141"/>
-            <a:ext cx="3631955" cy="646331"/>
+            <a:off x="479075" y="5730842"/>
+            <a:ext cx="3631955" cy="923330"/>
           </a:xfrm>
           <a:prstGeom prst="rect">
             <a:avLst/>
@@ -6033,22 +5950,25 @@
             <a:pPr algn="ctr"/>
             <a:r>
               <a:rPr lang="en-US" dirty="0" smtClean="0"/>
-              <a:t>Figure 17: Normalized hole densities at steady state</a:t>
-            </a:r>
-            <a:endParaRPr lang="en-US" dirty="0"/>
-          </a:p>
-        </p:txBody>
-      </p:sp>
-      <p:sp>
-        <p:nvSpPr>
-          <p:cNvPr id="6" name="TextBox 5"/>
+              <a:t>Figure 19</a:t>
+            </a:r>
+            <a:r>
+              <a:rPr lang="en-US" dirty="0"/>
+              <a:t>: Hole distribution at steady state for different PEDOT:PSS thicknesses</a:t>
+            </a:r>
+          </a:p>
+        </p:txBody>
+      </p:sp>
+      <p:sp>
+        <p:nvSpPr>
+          <p:cNvPr id="8" name="TextBox 7"/>
           <p:cNvSpPr txBox="1"/>
           <p:nvPr/>
         </p:nvSpPr>
         <p:spPr>
           <a:xfrm>
-            <a:off x="4938989" y="5550141"/>
-            <a:ext cx="3631955" cy="646331"/>
+            <a:off x="4793848" y="5726377"/>
+            <a:ext cx="3631955" cy="923330"/>
           </a:xfrm>
           <a:prstGeom prst="rect">
             <a:avLst/>
@@ -6064,16 +5984,19 @@
             <a:pPr algn="ctr"/>
             <a:r>
               <a:rPr lang="en-US" dirty="0" smtClean="0"/>
-              <a:t>Figure 18: Normalized current densities</a:t>
-            </a:r>
-            <a:endParaRPr lang="en-US" dirty="0"/>
+              <a:t>Figure 20: Lithium </a:t>
+            </a:r>
+            <a:r>
+              <a:rPr lang="en-US" dirty="0"/>
+              <a:t>distribution at steady state for different PEDOT:PSS thicknesses</a:t>
+            </a:r>
           </a:p>
         </p:txBody>
       </p:sp>
     </p:spTree>
     <p:extLst>
       <p:ext uri="{BB962C8B-B14F-4D97-AF65-F5344CB8AC3E}">
-        <p14:creationId xmlns:p14="http://schemas.microsoft.com/office/powerpoint/2010/main" val="471421709"/>
+        <p14:creationId xmlns:p14="http://schemas.microsoft.com/office/powerpoint/2010/main" val="627964728"/>
       </p:ext>
     </p:extLst>
   </p:cSld>
@@ -6143,7 +6066,7 @@
       </p:sp>
       <p:pic>
         <p:nvPicPr>
-          <p:cNvPr id="7" name="Picture 6"/>
+          <p:cNvPr id="4" name="Picture 3"/>
           <p:cNvPicPr>
             <a:picLocks noChangeAspect="1"/>
           </p:cNvPicPr>
@@ -6151,13 +6074,13 @@
         </p:nvPicPr>
         <p:blipFill rotWithShape="1">
           <a:blip r:embed="rId2"/>
-          <a:srcRect r="10071" b="9098"/>
+          <a:srcRect r="10628" b="18785"/>
           <a:stretch/>
         </p:blipFill>
         <p:spPr>
           <a:xfrm>
-            <a:off x="4314773" y="2228002"/>
-            <a:ext cx="4609697" cy="3502841"/>
+            <a:off x="119448" y="2347925"/>
+            <a:ext cx="4614984" cy="3449635"/>
           </a:xfrm>
           <a:prstGeom prst="rect">
             <a:avLst/>
@@ -6166,7 +6089,7 @@
       </p:pic>
       <p:pic>
         <p:nvPicPr>
-          <p:cNvPr id="4" name="Picture 3"/>
+          <p:cNvPr id="5" name="Picture 4"/>
           <p:cNvPicPr>
             <a:picLocks noChangeAspect="1"/>
           </p:cNvPicPr>
@@ -6174,13 +6097,13 @@
         </p:nvPicPr>
         <p:blipFill rotWithShape="1">
           <a:blip r:embed="rId3"/>
-          <a:srcRect r="8417" b="7605"/>
+          <a:srcRect l="7764" r="8703" b="12345"/>
           <a:stretch/>
         </p:blipFill>
         <p:spPr>
           <a:xfrm>
-            <a:off x="0" y="2228003"/>
-            <a:ext cx="4590107" cy="3578073"/>
+            <a:off x="4734432" y="2259952"/>
+            <a:ext cx="4298256" cy="3625580"/>
           </a:xfrm>
           <a:prstGeom prst="rect">
             <a:avLst/>
@@ -6212,24 +6135,24 @@
             <a:pPr algn="ctr"/>
             <a:r>
               <a:rPr lang="en-US" dirty="0" smtClean="0"/>
-              <a:t>Figure 19</a:t>
+              <a:t>Figure 21: Perchlorate </a:t>
             </a:r>
             <a:r>
               <a:rPr lang="en-US" dirty="0"/>
-              <a:t>: Hole distribution at steady state for different PEDOT:PSS thicknesses</a:t>
-            </a:r>
-          </a:p>
-        </p:txBody>
-      </p:sp>
-      <p:sp>
-        <p:nvSpPr>
-          <p:cNvPr id="8" name="TextBox 7"/>
+              <a:t>distribution at steady state for different PEDOT:PSS thicknesses</a:t>
+            </a:r>
+          </a:p>
+        </p:txBody>
+      </p:sp>
+      <p:sp>
+        <p:nvSpPr>
+          <p:cNvPr id="7" name="TextBox 6"/>
           <p:cNvSpPr txBox="1"/>
           <p:nvPr/>
         </p:nvSpPr>
         <p:spPr>
           <a:xfrm>
-            <a:off x="4793848" y="5726377"/>
+            <a:off x="4734432" y="5797560"/>
             <a:ext cx="3631955" cy="923330"/>
           </a:xfrm>
           <a:prstGeom prst="rect">
@@ -6246,7 +6169,7 @@
             <a:pPr algn="ctr"/>
             <a:r>
               <a:rPr lang="en-US" dirty="0" smtClean="0"/>
-              <a:t>Figure 20: Lithium </a:t>
+              <a:t>Figure 22: Electric field strength </a:t>
             </a:r>
             <a:r>
               <a:rPr lang="en-US" dirty="0"/>
@@ -6258,20 +6181,13 @@
     </p:spTree>
     <p:extLst>
       <p:ext uri="{BB962C8B-B14F-4D97-AF65-F5344CB8AC3E}">
-        <p14:creationId xmlns:p14="http://schemas.microsoft.com/office/powerpoint/2010/main" val="627964728"/>
+        <p14:creationId xmlns:p14="http://schemas.microsoft.com/office/powerpoint/2010/main" val="2837598342"/>
       </p:ext>
     </p:extLst>
   </p:cSld>
   <p:clrMapOvr>
     <a:masterClrMapping/>
   </p:clrMapOvr>
-  <p:timing>
-    <p:tnLst>
-      <p:par>
-        <p:cTn id="1" dur="indefinite" restart="never" nodeType="tmRoot"/>
-      </p:par>
-    </p:tnLst>
-  </p:timing>
 </p:sld>
 </file>
 
@@ -6309,63 +6225,66 @@
           <a:p>
             <a:r>
               <a:rPr lang="en-US" dirty="0" smtClean="0"/>
-              <a:t>5.3- </a:t>
+              <a:t>5.3- 2-D </a:t>
+            </a:r>
+            <a:r>
+              <a:rPr lang="en-US" dirty="0" err="1" smtClean="0"/>
+              <a:t>Memristor</a:t>
             </a:r>
             <a:r>
               <a:rPr lang="en-US" dirty="0"/>
-              <a:t>2-D </a:t>
-            </a:r>
-            <a:r>
-              <a:rPr lang="en-US" dirty="0" err="1"/>
-              <a:t>Memristor</a:t>
-            </a:r>
-            <a:r>
-              <a:rPr lang="en-US" dirty="0"/>
-              <a:t> Simulations</a:t>
-            </a:r>
+              <a:t> </a:t>
+            </a:r>
+            <a:r>
+              <a:rPr lang="en-US" dirty="0" smtClean="0"/>
+              <a:t>Simulations</a:t>
+            </a:r>
+            <a:endParaRPr lang="en-US" dirty="0"/>
           </a:p>
         </p:txBody>
       </p:sp>
       <p:pic>
         <p:nvPicPr>
-          <p:cNvPr id="4" name="Picture 3"/>
+          <p:cNvPr id="5" name="Content Placeholder 4"/>
+          <p:cNvPicPr>
+            <a:picLocks noGrp="1" noChangeAspect="1"/>
+          </p:cNvPicPr>
+          <p:nvPr>
+            <p:ph idx="1"/>
+          </p:nvPr>
+        </p:nvPicPr>
+        <p:blipFill rotWithShape="1">
+          <a:blip r:embed="rId3"/>
+          <a:srcRect b="12078"/>
+          <a:stretch/>
+        </p:blipFill>
+        <p:spPr>
+          <a:xfrm>
+            <a:off x="4407219" y="1908709"/>
+            <a:ext cx="4456124" cy="3713493"/>
+          </a:xfrm>
+          <a:prstGeom prst="rect">
+            <a:avLst/>
+          </a:prstGeom>
+        </p:spPr>
+      </p:pic>
+      <p:pic>
+        <p:nvPicPr>
+          <p:cNvPr id="3" name="Picture 2"/>
           <p:cNvPicPr>
             <a:picLocks noChangeAspect="1"/>
           </p:cNvPicPr>
           <p:nvPr/>
         </p:nvPicPr>
         <p:blipFill rotWithShape="1">
-          <a:blip r:embed="rId2"/>
-          <a:srcRect r="10628" b="18785"/>
+          <a:blip r:embed="rId4"/>
+          <a:srcRect l="8004" r="6426" b="10216"/>
           <a:stretch/>
         </p:blipFill>
         <p:spPr>
           <a:xfrm>
-            <a:off x="119448" y="2347925"/>
-            <a:ext cx="4614984" cy="3449635"/>
-          </a:xfrm>
-          <a:prstGeom prst="rect">
-            <a:avLst/>
-          </a:prstGeom>
-        </p:spPr>
-      </p:pic>
-      <p:pic>
-        <p:nvPicPr>
-          <p:cNvPr id="5" name="Picture 4"/>
-          <p:cNvPicPr>
-            <a:picLocks noChangeAspect="1"/>
-          </p:cNvPicPr>
-          <p:nvPr/>
-        </p:nvPicPr>
-        <p:blipFill rotWithShape="1">
-          <a:blip r:embed="rId3"/>
-          <a:srcRect l="7764" r="8703" b="12345"/>
-          <a:stretch/>
-        </p:blipFill>
-        <p:spPr>
-          <a:xfrm>
-            <a:off x="4734432" y="2259952"/>
-            <a:ext cx="4298256" cy="3625580"/>
+            <a:off x="139594" y="2028189"/>
+            <a:ext cx="4267625" cy="3474531"/>
           </a:xfrm>
           <a:prstGeom prst="rect">
             <a:avLst/>
@@ -6380,8 +6299,8 @@
         </p:nvSpPr>
         <p:spPr>
           <a:xfrm>
-            <a:off x="479075" y="5730842"/>
-            <a:ext cx="3631955" cy="923330"/>
+            <a:off x="569222" y="5436940"/>
+            <a:ext cx="3631955" cy="646331"/>
           </a:xfrm>
           <a:prstGeom prst="rect">
             <a:avLst/>
@@ -6397,12 +6316,9 @@
             <a:pPr algn="ctr"/>
             <a:r>
               <a:rPr lang="en-US" dirty="0" smtClean="0"/>
-              <a:t>Figure 21: Perchlorate </a:t>
-            </a:r>
-            <a:r>
-              <a:rPr lang="en-US" dirty="0"/>
-              <a:t>distribution at steady state for different PEDOT:PSS thicknesses</a:t>
-            </a:r>
+              <a:t>Figure 23: Current density over time for a potential pulse train</a:t>
+            </a:r>
+            <a:endParaRPr lang="en-US" dirty="0"/>
           </a:p>
         </p:txBody>
       </p:sp>
@@ -6414,8 +6330,8 @@
         </p:nvSpPr>
         <p:spPr>
           <a:xfrm>
-            <a:off x="4734432" y="5797560"/>
-            <a:ext cx="3631955" cy="923330"/>
+            <a:off x="4819303" y="5436942"/>
+            <a:ext cx="3631955" cy="646331"/>
           </a:xfrm>
           <a:prstGeom prst="rect">
             <a:avLst/>
@@ -6431,25 +6347,29 @@
             <a:pPr algn="ctr"/>
             <a:r>
               <a:rPr lang="en-US" dirty="0" smtClean="0"/>
-              <a:t>Figure 22: Electric field strength </a:t>
-            </a:r>
-            <a:r>
-              <a:rPr lang="en-US" dirty="0"/>
-              <a:t>distribution at steady state for different PEDOT:PSS thicknesses</a:t>
-            </a:r>
+              <a:t>Figure 24: Lithium and hole density distribution over time</a:t>
+            </a:r>
+            <a:endParaRPr lang="en-US" dirty="0"/>
           </a:p>
         </p:txBody>
       </p:sp>
     </p:spTree>
     <p:extLst>
       <p:ext uri="{BB962C8B-B14F-4D97-AF65-F5344CB8AC3E}">
-        <p14:creationId xmlns:p14="http://schemas.microsoft.com/office/powerpoint/2010/main" val="2837598342"/>
+        <p14:creationId xmlns:p14="http://schemas.microsoft.com/office/powerpoint/2010/main" val="3234808702"/>
       </p:ext>
     </p:extLst>
   </p:cSld>
   <p:clrMapOvr>
     <a:masterClrMapping/>
   </p:clrMapOvr>
+  <p:timing>
+    <p:tnLst>
+      <p:par>
+        <p:cTn id="1" dur="indefinite" restart="never" nodeType="tmRoot"/>
+      </p:par>
+    </p:tnLst>
+  </p:timing>
 </p:sld>
 </file>
 
@@ -6487,10 +6407,14 @@
           <a:p>
             <a:r>
               <a:rPr lang="en-US" dirty="0" smtClean="0"/>
-              <a:t>5.3- 2-D </a:t>
-            </a:r>
-            <a:r>
-              <a:rPr lang="en-US" dirty="0" err="1" smtClean="0"/>
+              <a:t>5.3- </a:t>
+            </a:r>
+            <a:r>
+              <a:rPr lang="en-US" dirty="0"/>
+              <a:t>2-D </a:t>
+            </a:r>
+            <a:r>
+              <a:rPr lang="en-US" dirty="0" err="1"/>
               <a:t>Memristor</a:t>
             </a:r>
             <a:r>
@@ -6499,7 +6423,7 @@
             </a:r>
             <a:r>
               <a:rPr lang="en-US" dirty="0" smtClean="0"/>
-              <a:t>Simulations</a:t>
+              <a:t>model cont.</a:t>
             </a:r>
             <a:endParaRPr lang="en-US" dirty="0"/>
           </a:p>
@@ -6507,23 +6431,21 @@
       </p:sp>
       <p:pic>
         <p:nvPicPr>
-          <p:cNvPr id="5" name="Content Placeholder 4"/>
+          <p:cNvPr id="4" name="Picture 3"/>
           <p:cNvPicPr>
-            <a:picLocks noGrp="1" noChangeAspect="1"/>
+            <a:picLocks noChangeAspect="1"/>
           </p:cNvPicPr>
-          <p:nvPr>
-            <p:ph idx="1"/>
-          </p:nvPr>
+          <p:nvPr/>
         </p:nvPicPr>
         <p:blipFill rotWithShape="1">
           <a:blip r:embed="rId3"/>
-          <a:srcRect b="12078"/>
+          <a:srcRect b="12458"/>
           <a:stretch/>
         </p:blipFill>
         <p:spPr>
           <a:xfrm>
-            <a:off x="4407219" y="1908709"/>
-            <a:ext cx="4456124" cy="3713493"/>
+            <a:off x="191450" y="2159624"/>
+            <a:ext cx="4450964" cy="3460834"/>
           </a:xfrm>
           <a:prstGeom prst="rect">
             <a:avLst/>
@@ -6532,7 +6454,7 @@
       </p:pic>
       <p:pic>
         <p:nvPicPr>
-          <p:cNvPr id="3" name="Picture 2"/>
+          <p:cNvPr id="5" name="Picture 4"/>
           <p:cNvPicPr>
             <a:picLocks noChangeAspect="1"/>
           </p:cNvPicPr>
@@ -6540,13 +6462,13 @@
         </p:nvPicPr>
         <p:blipFill rotWithShape="1">
           <a:blip r:embed="rId4"/>
-          <a:srcRect l="8004" r="6426" b="10216"/>
+          <a:srcRect r="5399" b="12096"/>
           <a:stretch/>
         </p:blipFill>
         <p:spPr>
           <a:xfrm>
-            <a:off x="139594" y="2028189"/>
-            <a:ext cx="4267625" cy="3474531"/>
+            <a:off x="4642414" y="2159624"/>
+            <a:ext cx="4085127" cy="3400827"/>
           </a:xfrm>
           <a:prstGeom prst="rect">
             <a:avLst/>
@@ -6561,8 +6483,8 @@
         </p:nvSpPr>
         <p:spPr>
           <a:xfrm>
-            <a:off x="569222" y="5436940"/>
-            <a:ext cx="3631955" cy="646331"/>
+            <a:off x="425513" y="5695166"/>
+            <a:ext cx="4104513" cy="646331"/>
           </a:xfrm>
           <a:prstGeom prst="rect">
             <a:avLst/>
@@ -6578,7 +6500,7 @@
             <a:pPr algn="ctr"/>
             <a:r>
               <a:rPr lang="en-US" dirty="0" smtClean="0"/>
-              <a:t>Figure 23: Current density over time for a potential pulse train</a:t>
+              <a:t>Figure 25: Normalized current vs. applied potential at different frequencies</a:t>
             </a:r>
             <a:endParaRPr lang="en-US" dirty="0"/>
           </a:p>
@@ -6592,7 +6514,7 @@
         </p:nvSpPr>
         <p:spPr>
           <a:xfrm>
-            <a:off x="4819303" y="5436942"/>
+            <a:off x="4938989" y="5686113"/>
             <a:ext cx="3631955" cy="646331"/>
           </a:xfrm>
           <a:prstGeom prst="rect">
@@ -6609,7 +6531,7 @@
             <a:pPr algn="ctr"/>
             <a:r>
               <a:rPr lang="en-US" dirty="0" smtClean="0"/>
-              <a:t>Figure 24: Lithium and hole density distribution over time</a:t>
+              <a:t>Figure 26: Lithium and hole density distribution over time</a:t>
             </a:r>
             <a:endParaRPr lang="en-US" dirty="0"/>
           </a:p>
@@ -6618,7 +6540,7 @@
     </p:spTree>
     <p:extLst>
       <p:ext uri="{BB962C8B-B14F-4D97-AF65-F5344CB8AC3E}">
-        <p14:creationId xmlns:p14="http://schemas.microsoft.com/office/powerpoint/2010/main" val="3234808702"/>
+        <p14:creationId xmlns:p14="http://schemas.microsoft.com/office/powerpoint/2010/main" val="4141668124"/>
       </p:ext>
     </p:extLst>
   </p:cSld>
@@ -6664,28 +6586,14 @@
         </p:nvSpPr>
         <p:spPr/>
         <p:txBody>
-          <a:bodyPr/>
+          <a:bodyPr>
+            <a:normAutofit/>
+          </a:bodyPr>
           <a:lstStyle/>
           <a:p>
             <a:r>
               <a:rPr lang="en-US" dirty="0" smtClean="0"/>
-              <a:t>5.3- </a:t>
-            </a:r>
-            <a:r>
-              <a:rPr lang="en-US" dirty="0"/>
-              <a:t>2-D </a:t>
-            </a:r>
-            <a:r>
-              <a:rPr lang="en-US" dirty="0" err="1"/>
-              <a:t>Memristor</a:t>
-            </a:r>
-            <a:r>
-              <a:rPr lang="en-US" dirty="0"/>
-              <a:t> </a:t>
-            </a:r>
-            <a:r>
-              <a:rPr lang="en-US" dirty="0" smtClean="0"/>
-              <a:t>model cont.</a:t>
+              <a:t>6. 2-D simulation vs. experimental results</a:t>
             </a:r>
             <a:endParaRPr lang="en-US" dirty="0"/>
           </a:p>
@@ -6700,14 +6608,14 @@
           <p:nvPr/>
         </p:nvPicPr>
         <p:blipFill rotWithShape="1">
-          <a:blip r:embed="rId3"/>
-          <a:srcRect b="12458"/>
+          <a:blip r:embed="rId2"/>
+          <a:srcRect b="967"/>
           <a:stretch/>
         </p:blipFill>
         <p:spPr>
           <a:xfrm>
-            <a:off x="191450" y="2159624"/>
-            <a:ext cx="4450964" cy="3460834"/>
+            <a:off x="198408" y="2663139"/>
+            <a:ext cx="4128726" cy="2144252"/>
           </a:xfrm>
           <a:prstGeom prst="rect">
             <a:avLst/>
@@ -6722,15 +6630,16 @@
           </p:cNvPicPr>
           <p:nvPr/>
         </p:nvPicPr>
-        <p:blipFill rotWithShape="1">
-          <a:blip r:embed="rId4"/>
-          <a:srcRect r="5399" b="12096"/>
-          <a:stretch/>
+        <p:blipFill>
+          <a:blip r:embed="rId3"/>
+          <a:stretch>
+            <a:fillRect/>
+          </a:stretch>
         </p:blipFill>
         <p:spPr>
           <a:xfrm>
-            <a:off x="4642414" y="2159624"/>
-            <a:ext cx="4085127" cy="3400827"/>
+            <a:off x="4327134" y="2676407"/>
+            <a:ext cx="4649139" cy="2151916"/>
           </a:xfrm>
           <a:prstGeom prst="rect">
             <a:avLst/>
@@ -6739,14 +6648,74 @@
       </p:pic>
       <p:sp>
         <p:nvSpPr>
-          <p:cNvPr id="6" name="TextBox 5"/>
+          <p:cNvPr id="7" name="Rectangle 6"/>
+          <p:cNvSpPr/>
+          <p:nvPr/>
+        </p:nvSpPr>
+        <p:spPr>
+          <a:xfrm>
+            <a:off x="300534" y="4986258"/>
+            <a:ext cx="4572000" cy="923330"/>
+          </a:xfrm>
+          <a:prstGeom prst="rect">
+            <a:avLst/>
+          </a:prstGeom>
+        </p:spPr>
+        <p:txBody>
+          <a:bodyPr>
+            <a:spAutoFit/>
+          </a:bodyPr>
+          <a:lstStyle/>
+          <a:p>
+            <a:pPr algn="ctr"/>
+            <a:r>
+              <a:rPr lang="en-US" dirty="0" smtClean="0"/>
+              <a:t>Figure 27: Experimental results for various applied potentials at 1.0 Hz (Courtesy of Eduardo Barrera*)</a:t>
+            </a:r>
+            <a:endParaRPr lang="en-US" dirty="0"/>
+          </a:p>
+        </p:txBody>
+      </p:sp>
+      <p:sp>
+        <p:nvSpPr>
+          <p:cNvPr id="9" name="Rectangle 8"/>
+          <p:cNvSpPr/>
+          <p:nvPr/>
+        </p:nvSpPr>
+        <p:spPr>
+          <a:xfrm>
+            <a:off x="4572000" y="5007190"/>
+            <a:ext cx="4404273" cy="646331"/>
+          </a:xfrm>
+          <a:prstGeom prst="rect">
+            <a:avLst/>
+          </a:prstGeom>
+        </p:spPr>
+        <p:txBody>
+          <a:bodyPr wrap="square">
+            <a:spAutoFit/>
+          </a:bodyPr>
+          <a:lstStyle/>
+          <a:p>
+            <a:pPr algn="ctr"/>
+            <a:r>
+              <a:rPr lang="en-US" dirty="0" smtClean="0"/>
+              <a:t>Figure 28: Simulation results for various applied potentials at 0.5 Hz</a:t>
+            </a:r>
+            <a:endParaRPr lang="en-US" dirty="0"/>
+          </a:p>
+        </p:txBody>
+      </p:sp>
+      <p:sp>
+        <p:nvSpPr>
+          <p:cNvPr id="8" name="TextBox 7"/>
           <p:cNvSpPr txBox="1"/>
           <p:nvPr/>
         </p:nvSpPr>
         <p:spPr>
           <a:xfrm>
-            <a:off x="425513" y="5695166"/>
-            <a:ext cx="4104513" cy="646331"/>
+            <a:off x="290033" y="6283105"/>
+            <a:ext cx="8130012" cy="492443"/>
           </a:xfrm>
           <a:prstGeom prst="rect">
             <a:avLst/>
@@ -6759,50 +6728,34 @@
           </a:bodyPr>
           <a:lstStyle/>
           <a:p>
-            <a:pPr algn="ctr"/>
-            <a:r>
-              <a:rPr lang="en-US" dirty="0" smtClean="0"/>
-              <a:t>Figure 25: Normalized current vs. applied potential at different frequencies</a:t>
-            </a:r>
-            <a:endParaRPr lang="en-US" dirty="0"/>
-          </a:p>
-        </p:txBody>
-      </p:sp>
-      <p:sp>
-        <p:nvSpPr>
-          <p:cNvPr id="7" name="TextBox 6"/>
-          <p:cNvSpPr txBox="1"/>
-          <p:nvPr/>
-        </p:nvSpPr>
-        <p:spPr>
-          <a:xfrm>
-            <a:off x="4938989" y="5686113"/>
-            <a:ext cx="3631955" cy="646331"/>
-          </a:xfrm>
-          <a:prstGeom prst="rect">
-            <a:avLst/>
-          </a:prstGeom>
-          <a:noFill/>
-        </p:spPr>
-        <p:txBody>
-          <a:bodyPr wrap="square" rtlCol="0">
-            <a:spAutoFit/>
-          </a:bodyPr>
-          <a:lstStyle/>
-          <a:p>
-            <a:pPr algn="ctr"/>
-            <a:r>
-              <a:rPr lang="en-US" dirty="0" smtClean="0"/>
-              <a:t>Figure 26: Lithium and hole density distribution over time</a:t>
-            </a:r>
-            <a:endParaRPr lang="en-US" dirty="0"/>
+            <a:r>
+              <a:rPr lang="en-US" sz="1300" dirty="0" smtClean="0"/>
+              <a:t>*Eduardo Barrera Ramirez, Characterization of a PEDOT:PSS Electrolytic Device Using an </a:t>
+            </a:r>
+            <a:r>
+              <a:rPr lang="en-US" sz="1300" i="1" dirty="0" smtClean="0"/>
+              <a:t>in situ </a:t>
+            </a:r>
+            <a:r>
+              <a:rPr lang="en-US" sz="1300" dirty="0" err="1" smtClean="0"/>
+              <a:t>Spectroelectrochemical</a:t>
+            </a:r>
+            <a:r>
+              <a:rPr lang="en-US" sz="1300" dirty="0" smtClean="0"/>
+              <a:t> Technique, Master’s Thesis, </a:t>
+            </a:r>
+            <a:r>
+              <a:rPr lang="en-US" sz="1300" dirty="0" smtClean="0"/>
+              <a:t>2013 </a:t>
+            </a:r>
+            <a:endParaRPr lang="en-US" sz="1300" dirty="0"/>
           </a:p>
         </p:txBody>
       </p:sp>
     </p:spTree>
     <p:extLst>
       <p:ext uri="{BB962C8B-B14F-4D97-AF65-F5344CB8AC3E}">
-        <p14:creationId xmlns:p14="http://schemas.microsoft.com/office/powerpoint/2010/main" val="4141668124"/>
+        <p14:creationId xmlns:p14="http://schemas.microsoft.com/office/powerpoint/2010/main" val="4089733965"/>
       </p:ext>
     </p:extLst>
   </p:cSld>
@@ -7016,35 +6969,28 @@
           <a:p>
             <a:r>
               <a:rPr lang="en-US" dirty="0" smtClean="0"/>
-              <a:t>6. 2-D simulation vs. experimental results</a:t>
+              <a:t>6. </a:t>
+            </a:r>
+            <a:r>
+              <a:rPr lang="en-US" dirty="0"/>
+              <a:t>2-D </a:t>
+            </a:r>
+            <a:r>
+              <a:rPr lang="en-US" dirty="0" smtClean="0"/>
+              <a:t>simulation </a:t>
+            </a:r>
+            <a:r>
+              <a:rPr lang="en-US" dirty="0"/>
+              <a:t>vs. experimental </a:t>
+            </a:r>
+            <a:r>
+              <a:rPr lang="en-US" dirty="0" smtClean="0"/>
+              <a:t>results Cont.</a:t>
             </a:r>
             <a:endParaRPr lang="en-US" dirty="0"/>
           </a:p>
         </p:txBody>
       </p:sp>
-      <p:pic>
-        <p:nvPicPr>
-          <p:cNvPr id="4" name="Picture 3"/>
-          <p:cNvPicPr>
-            <a:picLocks noChangeAspect="1"/>
-          </p:cNvPicPr>
-          <p:nvPr/>
-        </p:nvPicPr>
-        <p:blipFill rotWithShape="1">
-          <a:blip r:embed="rId2"/>
-          <a:srcRect b="967"/>
-          <a:stretch/>
-        </p:blipFill>
-        <p:spPr>
-          <a:xfrm>
-            <a:off x="198408" y="2663139"/>
-            <a:ext cx="4128726" cy="2144252"/>
-          </a:xfrm>
-          <a:prstGeom prst="rect">
-            <a:avLst/>
-          </a:prstGeom>
-        </p:spPr>
-      </p:pic>
       <p:pic>
         <p:nvPicPr>
           <p:cNvPr id="5" name="Picture 4"/>
@@ -7054,51 +7000,44 @@
           <p:nvPr/>
         </p:nvPicPr>
         <p:blipFill>
-          <a:blip r:embed="rId3"/>
+          <a:blip r:embed="rId2"/>
           <a:stretch>
             <a:fillRect/>
           </a:stretch>
         </p:blipFill>
         <p:spPr>
           <a:xfrm>
-            <a:off x="4327134" y="2676407"/>
-            <a:ext cx="4649139" cy="2151916"/>
+            <a:off x="161464" y="2354243"/>
+            <a:ext cx="4661413" cy="3041114"/>
           </a:xfrm>
           <a:prstGeom prst="rect">
             <a:avLst/>
           </a:prstGeom>
         </p:spPr>
       </p:pic>
-      <p:sp>
-        <p:nvSpPr>
-          <p:cNvPr id="7" name="Rectangle 6"/>
-          <p:cNvSpPr/>
+      <p:pic>
+        <p:nvPicPr>
+          <p:cNvPr id="8" name="Picture 7"/>
+          <p:cNvPicPr>
+            <a:picLocks noChangeAspect="1"/>
+          </p:cNvPicPr>
           <p:nvPr/>
-        </p:nvSpPr>
-        <p:spPr>
-          <a:xfrm>
-            <a:off x="300534" y="4986258"/>
-            <a:ext cx="4572000" cy="923330"/>
-          </a:xfrm>
-          <a:prstGeom prst="rect">
-            <a:avLst/>
-          </a:prstGeom>
-        </p:spPr>
-        <p:txBody>
-          <a:bodyPr>
-            <a:spAutoFit/>
-          </a:bodyPr>
-          <a:lstStyle/>
-          <a:p>
-            <a:pPr algn="ctr"/>
-            <a:r>
-              <a:rPr lang="en-US" dirty="0" smtClean="0"/>
-              <a:t>Figure 27: Experimental results for various applied potentials at 1.0 Hz (Courtesy of Eduardo Barrera)</a:t>
-            </a:r>
-            <a:endParaRPr lang="en-US" dirty="0"/>
-          </a:p>
-        </p:txBody>
-      </p:sp>
+        </p:nvPicPr>
+        <p:blipFill rotWithShape="1">
+          <a:blip r:embed="rId3"/>
+          <a:srcRect b="11745"/>
+          <a:stretch/>
+        </p:blipFill>
+        <p:spPr>
+          <a:xfrm>
+            <a:off x="4822877" y="2354243"/>
+            <a:ext cx="4218095" cy="3025256"/>
+          </a:xfrm>
+          <a:prstGeom prst="rect">
+            <a:avLst/>
+          </a:prstGeom>
+        </p:spPr>
+      </p:pic>
       <p:sp>
         <p:nvSpPr>
           <p:cNvPr id="9" name="Rectangle 8"/>
@@ -7107,7 +7046,7 @@
         </p:nvSpPr>
         <p:spPr>
           <a:xfrm>
-            <a:off x="4572000" y="5007190"/>
+            <a:off x="290033" y="5395357"/>
             <a:ext cx="4404273" cy="646331"/>
           </a:xfrm>
           <a:prstGeom prst="rect">
@@ -7123,16 +7062,108 @@
             <a:pPr algn="ctr"/>
             <a:r>
               <a:rPr lang="en-US" dirty="0" smtClean="0"/>
-              <a:t>Figure 28: Simulation results for various applied potentials at 1.0 Hz</a:t>
+              <a:t>Figure 29</a:t>
+            </a:r>
+            <a:r>
+              <a:rPr lang="en-US" dirty="0"/>
+              <a:t>: Measured I-V curve at different frequencies (Courtesy of Eduardo </a:t>
+            </a:r>
+            <a:r>
+              <a:rPr lang="en-US" dirty="0" smtClean="0"/>
+              <a:t>Barrera*)</a:t>
             </a:r>
             <a:endParaRPr lang="en-US" dirty="0"/>
+          </a:p>
+        </p:txBody>
+      </p:sp>
+      <p:sp>
+        <p:nvSpPr>
+          <p:cNvPr id="4" name="Rectangle 3"/>
+          <p:cNvSpPr/>
+          <p:nvPr/>
+        </p:nvSpPr>
+        <p:spPr>
+          <a:xfrm>
+            <a:off x="4971439" y="5395357"/>
+            <a:ext cx="4069533" cy="646331"/>
+          </a:xfrm>
+          <a:prstGeom prst="rect">
+            <a:avLst/>
+          </a:prstGeom>
+        </p:spPr>
+        <p:txBody>
+          <a:bodyPr wrap="square">
+            <a:spAutoFit/>
+          </a:bodyPr>
+          <a:lstStyle/>
+          <a:p>
+            <a:pPr algn="ctr"/>
+            <a:r>
+              <a:rPr lang="en-US" dirty="0" smtClean="0"/>
+              <a:t>Figure 30: Measured </a:t>
+            </a:r>
+            <a:r>
+              <a:rPr lang="en-US" dirty="0"/>
+              <a:t>I-V curve at different </a:t>
+            </a:r>
+            <a:r>
+              <a:rPr lang="en-US" dirty="0" smtClean="0"/>
+              <a:t>frequencies</a:t>
+            </a:r>
+            <a:endParaRPr lang="en-US" dirty="0"/>
+          </a:p>
+        </p:txBody>
+      </p:sp>
+      <p:sp>
+        <p:nvSpPr>
+          <p:cNvPr id="3" name="TextBox 2"/>
+          <p:cNvSpPr txBox="1"/>
+          <p:nvPr/>
+        </p:nvSpPr>
+        <p:spPr>
+          <a:xfrm>
+            <a:off x="290033" y="6283105"/>
+            <a:ext cx="8130012" cy="492443"/>
+          </a:xfrm>
+          <a:prstGeom prst="rect">
+            <a:avLst/>
+          </a:prstGeom>
+          <a:noFill/>
+        </p:spPr>
+        <p:txBody>
+          <a:bodyPr wrap="square" rtlCol="0">
+            <a:spAutoFit/>
+          </a:bodyPr>
+          <a:lstStyle/>
+          <a:p>
+            <a:r>
+              <a:rPr lang="en-US" sz="1300" dirty="0" smtClean="0"/>
+              <a:t>*Eduardo Barrera Ramirez, Characterization of a PEDOT:PSS Electrolytic Device Using an </a:t>
+            </a:r>
+            <a:r>
+              <a:rPr lang="en-US" sz="1300" i="1" dirty="0" smtClean="0"/>
+              <a:t>in situ </a:t>
+            </a:r>
+            <a:r>
+              <a:rPr lang="en-US" sz="1300" dirty="0" err="1" smtClean="0"/>
+              <a:t>Spectroelectrochemical</a:t>
+            </a:r>
+            <a:r>
+              <a:rPr lang="en-US" sz="1300" dirty="0" smtClean="0"/>
+              <a:t> Technique, Master’s Thesis, </a:t>
+            </a:r>
+            <a:r>
+              <a:rPr lang="en-US" sz="1300" dirty="0" smtClean="0"/>
+              <a:t>2013 </a:t>
+            </a:r>
+            <a:endParaRPr lang="en-US" sz="1300" dirty="0"/>
           </a:p>
         </p:txBody>
       </p:sp>
     </p:spTree>
     <p:extLst>
       <p:ext uri="{BB962C8B-B14F-4D97-AF65-F5344CB8AC3E}">
-        <p14:creationId xmlns:p14="http://schemas.microsoft.com/office/powerpoint/2010/main" val="4089733965"/>
+        <p14:creationId xmlns:p14="http://schemas.microsoft.com/office/powerpoint/2010/main" val="21781961"/>
       </p:ext>
     </p:extLst>
   </p:cSld>
@@ -7189,21 +7220,8 @@
             </a:r>
             <a:r>
               <a:rPr lang="en-US" dirty="0"/>
-              <a:t>2-D </a:t>
-            </a:r>
-            <a:r>
-              <a:rPr lang="en-US" dirty="0" smtClean="0"/>
-              <a:t>simulation </a:t>
-            </a:r>
-            <a:r>
-              <a:rPr lang="en-US" dirty="0"/>
-              <a:t>vs. experimental </a:t>
-            </a:r>
-            <a:r>
-              <a:rPr lang="en-US" dirty="0" smtClean="0"/>
-              <a:t>results Cont.</a:t>
-            </a:r>
-            <a:endParaRPr lang="en-US" dirty="0"/>
+              <a:t>2-D simulation vs. experimental results Cont.</a:t>
+            </a:r>
           </a:p>
         </p:txBody>
       </p:sp>
@@ -7215,16 +7233,15 @@
           </p:cNvPicPr>
           <p:nvPr/>
         </p:nvPicPr>
-        <p:blipFill>
+        <p:blipFill rotWithShape="1">
           <a:blip r:embed="rId2"/>
-          <a:stretch>
-            <a:fillRect/>
-          </a:stretch>
+          <a:srcRect b="16604"/>
+          <a:stretch/>
         </p:blipFill>
         <p:spPr>
           <a:xfrm>
-            <a:off x="161464" y="2354243"/>
-            <a:ext cx="4661413" cy="3041114"/>
+            <a:off x="9511" y="2480990"/>
+            <a:ext cx="4804152" cy="2399818"/>
           </a:xfrm>
           <a:prstGeom prst="rect">
             <a:avLst/>
@@ -7233,7 +7250,7 @@
       </p:pic>
       <p:pic>
         <p:nvPicPr>
-          <p:cNvPr id="8" name="Picture 7"/>
+          <p:cNvPr id="4" name="Picture 3"/>
           <p:cNvPicPr>
             <a:picLocks noChangeAspect="1"/>
           </p:cNvPicPr>
@@ -7241,13 +7258,13 @@
         </p:nvPicPr>
         <p:blipFill rotWithShape="1">
           <a:blip r:embed="rId3"/>
-          <a:srcRect b="11745"/>
+          <a:srcRect l="9210" r="5279" b="11813"/>
           <a:stretch/>
         </p:blipFill>
         <p:spPr>
           <a:xfrm>
-            <a:off x="4822877" y="2354243"/>
-            <a:ext cx="4218095" cy="3025256"/>
+            <a:off x="4813663" y="2417616"/>
+            <a:ext cx="4040626" cy="2630219"/>
           </a:xfrm>
           <a:prstGeom prst="rect">
             <a:avLst/>
@@ -7256,21 +7273,21 @@
       </p:pic>
       <p:sp>
         <p:nvSpPr>
-          <p:cNvPr id="9" name="Rectangle 8"/>
+          <p:cNvPr id="6" name="Rectangle 5"/>
           <p:cNvSpPr/>
           <p:nvPr/>
         </p:nvSpPr>
         <p:spPr>
           <a:xfrm>
-            <a:off x="290033" y="5395357"/>
-            <a:ext cx="4404273" cy="646331"/>
-          </a:xfrm>
-          <a:prstGeom prst="rect">
-            <a:avLst/>
-          </a:prstGeom>
-        </p:spPr>
-        <p:txBody>
-          <a:bodyPr wrap="square">
+            <a:off x="241663" y="4944182"/>
+            <a:ext cx="4572000" cy="923330"/>
+          </a:xfrm>
+          <a:prstGeom prst="rect">
+            <a:avLst/>
+          </a:prstGeom>
+        </p:spPr>
+        <p:txBody>
+          <a:bodyPr>
             <a:spAutoFit/>
           </a:bodyPr>
           <a:lstStyle/>
@@ -7278,32 +7295,37 @@
             <a:pPr algn="ctr"/>
             <a:r>
               <a:rPr lang="en-US" dirty="0" smtClean="0"/>
-              <a:t>Figure 29</a:t>
+              <a:t>Figure 31: Experimental </a:t>
             </a:r>
             <a:r>
               <a:rPr lang="en-US" dirty="0"/>
-              <a:t>: Measured I-V curve at different frequencies (Courtesy of Eduardo Barrera)</a:t>
-            </a:r>
-          </a:p>
-        </p:txBody>
-      </p:sp>
-      <p:sp>
-        <p:nvSpPr>
-          <p:cNvPr id="4" name="Rectangle 3"/>
+              <a:t>results for accumulation of lithium inside PEDOT:PSS (Courtesy of Eduardo </a:t>
+            </a:r>
+            <a:r>
+              <a:rPr lang="en-US" dirty="0" smtClean="0"/>
+              <a:t>Barrera*)</a:t>
+            </a:r>
+            <a:endParaRPr lang="en-US" dirty="0"/>
+          </a:p>
+        </p:txBody>
+      </p:sp>
+      <p:sp>
+        <p:nvSpPr>
+          <p:cNvPr id="7" name="Rectangle 6"/>
           <p:cNvSpPr/>
           <p:nvPr/>
         </p:nvSpPr>
         <p:spPr>
           <a:xfrm>
-            <a:off x="4971439" y="5395357"/>
-            <a:ext cx="4069533" cy="646331"/>
-          </a:xfrm>
-          <a:prstGeom prst="rect">
-            <a:avLst/>
-          </a:prstGeom>
-        </p:spPr>
-        <p:txBody>
-          <a:bodyPr wrap="square">
+            <a:off x="4440962" y="4944664"/>
+            <a:ext cx="4572000" cy="646331"/>
+          </a:xfrm>
+          <a:prstGeom prst="rect">
+            <a:avLst/>
+          </a:prstGeom>
+        </p:spPr>
+        <p:txBody>
+          <a:bodyPr>
             <a:spAutoFit/>
           </a:bodyPr>
           <a:lstStyle/>
@@ -7311,24 +7333,70 @@
             <a:pPr algn="ctr"/>
             <a:r>
               <a:rPr lang="en-US" dirty="0" smtClean="0"/>
-              <a:t>Figure 30: Measured </a:t>
+              <a:t>Figure 32: Simulation </a:t>
             </a:r>
             <a:r>
               <a:rPr lang="en-US" dirty="0"/>
-              <a:t>I-V curve at different </a:t>
+              <a:t>results for accumulation of lithium inside </a:t>
             </a:r>
             <a:r>
               <a:rPr lang="en-US" dirty="0" smtClean="0"/>
-              <a:t>frequencies</a:t>
+              <a:t>PEDOT:PSS</a:t>
             </a:r>
             <a:endParaRPr lang="en-US" dirty="0"/>
+          </a:p>
+        </p:txBody>
+      </p:sp>
+      <p:sp>
+        <p:nvSpPr>
+          <p:cNvPr id="8" name="TextBox 7"/>
+          <p:cNvSpPr txBox="1"/>
+          <p:nvPr/>
+        </p:nvSpPr>
+        <p:spPr>
+          <a:xfrm>
+            <a:off x="290033" y="6283105"/>
+            <a:ext cx="8130012" cy="492443"/>
+          </a:xfrm>
+          <a:prstGeom prst="rect">
+            <a:avLst/>
+          </a:prstGeom>
+          <a:noFill/>
+        </p:spPr>
+        <p:txBody>
+          <a:bodyPr wrap="square" rtlCol="0">
+            <a:spAutoFit/>
+          </a:bodyPr>
+          <a:lstStyle/>
+          <a:p>
+            <a:r>
+              <a:rPr lang="en-US" sz="1300" dirty="0" smtClean="0"/>
+              <a:t>*Eduardo Barrera Ramirez, Characterization of a PEDOT:PSS Electrolytic Device Using an </a:t>
+            </a:r>
+            <a:r>
+              <a:rPr lang="en-US" sz="1300" i="1" dirty="0" smtClean="0"/>
+              <a:t>in situ </a:t>
+            </a:r>
+            <a:r>
+              <a:rPr lang="en-US" sz="1300" dirty="0" err="1" smtClean="0"/>
+              <a:t>Spectroelectrochemical</a:t>
+            </a:r>
+            <a:r>
+              <a:rPr lang="en-US" sz="1300" dirty="0" smtClean="0"/>
+              <a:t> Technique, Master’s Thesis, </a:t>
+            </a:r>
+            <a:r>
+              <a:rPr lang="en-US" sz="1300" dirty="0" smtClean="0"/>
+              <a:t>2013 </a:t>
+            </a:r>
+            <a:endParaRPr lang="en-US" sz="1300" dirty="0"/>
           </a:p>
         </p:txBody>
       </p:sp>
     </p:spTree>
     <p:extLst>
       <p:ext uri="{BB962C8B-B14F-4D97-AF65-F5344CB8AC3E}">
-        <p14:creationId xmlns:p14="http://schemas.microsoft.com/office/powerpoint/2010/main" val="21781961"/>
+        <p14:creationId xmlns:p14="http://schemas.microsoft.com/office/powerpoint/2010/main" val="1513814466"/>
       </p:ext>
     </p:extLst>
   </p:cSld>
@@ -7374,135 +7442,104 @@
         </p:nvSpPr>
         <p:spPr/>
         <p:txBody>
+          <a:bodyPr/>
+          <a:lstStyle/>
+          <a:p>
+            <a:r>
+              <a:rPr lang="en-US" dirty="0"/>
+              <a:t>7</a:t>
+            </a:r>
+            <a:r>
+              <a:rPr lang="en-US" dirty="0" smtClean="0"/>
+              <a:t>- Conclusion</a:t>
+            </a:r>
+            <a:endParaRPr lang="en-US" dirty="0"/>
+          </a:p>
+        </p:txBody>
+      </p:sp>
+      <p:sp>
+        <p:nvSpPr>
+          <p:cNvPr id="3" name="Content Placeholder 2"/>
+          <p:cNvSpPr>
+            <a:spLocks noGrp="1"/>
+          </p:cNvSpPr>
+          <p:nvPr>
+            <p:ph idx="1"/>
+          </p:nvPr>
+        </p:nvSpPr>
+        <p:spPr/>
+        <p:txBody>
           <a:bodyPr>
-            <a:normAutofit/>
+            <a:normAutofit fontScale="92500" lnSpcReduction="20000"/>
           </a:bodyPr>
           <a:lstStyle/>
           <a:p>
+            <a:pPr marL="0" indent="0">
+              <a:buNone/>
+            </a:pPr>
+            <a:endParaRPr lang="en-US" dirty="0" smtClean="0"/>
+          </a:p>
+          <a:p>
+            <a:endParaRPr lang="en-US" dirty="0" smtClean="0"/>
+          </a:p>
+          <a:p>
+            <a:endParaRPr lang="en-US" dirty="0"/>
+          </a:p>
+          <a:p>
             <a:r>
               <a:rPr lang="en-US" dirty="0" smtClean="0"/>
-              <a:t>6. </a:t>
-            </a:r>
-            <a:r>
-              <a:rPr lang="en-US" dirty="0"/>
-              <a:t>2-D simulation vs. experimental results Cont.</a:t>
-            </a:r>
-          </a:p>
-        </p:txBody>
-      </p:sp>
-      <p:pic>
-        <p:nvPicPr>
-          <p:cNvPr id="5" name="Picture 4"/>
-          <p:cNvPicPr>
-            <a:picLocks noChangeAspect="1"/>
-          </p:cNvPicPr>
-          <p:nvPr/>
-        </p:nvPicPr>
-        <p:blipFill rotWithShape="1">
-          <a:blip r:embed="rId2"/>
-          <a:srcRect b="16604"/>
-          <a:stretch/>
-        </p:blipFill>
-        <p:spPr>
-          <a:xfrm>
-            <a:off x="9511" y="2480990"/>
-            <a:ext cx="4804152" cy="2399818"/>
-          </a:xfrm>
-          <a:prstGeom prst="rect">
-            <a:avLst/>
-          </a:prstGeom>
-        </p:spPr>
-      </p:pic>
-      <p:pic>
-        <p:nvPicPr>
-          <p:cNvPr id="4" name="Picture 3"/>
-          <p:cNvPicPr>
-            <a:picLocks noChangeAspect="1"/>
-          </p:cNvPicPr>
-          <p:nvPr/>
-        </p:nvPicPr>
-        <p:blipFill rotWithShape="1">
-          <a:blip r:embed="rId3"/>
-          <a:srcRect l="9210" r="5279" b="11813"/>
-          <a:stretch/>
-        </p:blipFill>
-        <p:spPr>
-          <a:xfrm>
-            <a:off x="4813663" y="2417616"/>
-            <a:ext cx="4040626" cy="2630219"/>
-          </a:xfrm>
-          <a:prstGeom prst="rect">
-            <a:avLst/>
-          </a:prstGeom>
-        </p:spPr>
-      </p:pic>
-      <p:sp>
-        <p:nvSpPr>
-          <p:cNvPr id="6" name="Rectangle 5"/>
-          <p:cNvSpPr/>
-          <p:nvPr/>
-        </p:nvSpPr>
-        <p:spPr>
-          <a:xfrm>
-            <a:off x="241663" y="4944182"/>
-            <a:ext cx="4572000" cy="923330"/>
-          </a:xfrm>
-          <a:prstGeom prst="rect">
-            <a:avLst/>
-          </a:prstGeom>
-        </p:spPr>
-        <p:txBody>
-          <a:bodyPr>
-            <a:spAutoFit/>
-          </a:bodyPr>
-          <a:lstStyle/>
-          <a:p>
-            <a:pPr algn="ctr"/>
+              <a:t>Simulation of a ionic electronic device</a:t>
+            </a:r>
+          </a:p>
+          <a:p>
             <a:r>
               <a:rPr lang="en-US" dirty="0" smtClean="0"/>
-              <a:t>Figure 31: Experimental </a:t>
-            </a:r>
-            <a:r>
-              <a:rPr lang="en-US" dirty="0"/>
-              <a:t>results for accumulation of lithium inside PEDOT:PSS (Courtesy of Eduardo Barrera)</a:t>
-            </a:r>
-          </a:p>
-        </p:txBody>
-      </p:sp>
-      <p:sp>
-        <p:nvSpPr>
-          <p:cNvPr id="7" name="Rectangle 6"/>
-          <p:cNvSpPr/>
-          <p:nvPr/>
-        </p:nvSpPr>
-        <p:spPr>
-          <a:xfrm>
-            <a:off x="4440962" y="4944664"/>
-            <a:ext cx="4572000" cy="646331"/>
-          </a:xfrm>
-          <a:prstGeom prst="rect">
-            <a:avLst/>
-          </a:prstGeom>
-        </p:spPr>
-        <p:txBody>
-          <a:bodyPr>
-            <a:spAutoFit/>
-          </a:bodyPr>
-          <a:lstStyle/>
-          <a:p>
-            <a:pPr algn="ctr"/>
+              <a:t>Saturation Mechanism</a:t>
+            </a:r>
+          </a:p>
+          <a:p>
             <a:r>
               <a:rPr lang="en-US" dirty="0" smtClean="0"/>
-              <a:t>Figure 32: Simulation </a:t>
-            </a:r>
-            <a:r>
-              <a:rPr lang="en-US" dirty="0"/>
-              <a:t>results for accumulation of lithium inside </a:t>
-            </a:r>
+              <a:t>Density scaling issues, parameter fitting</a:t>
+            </a:r>
+          </a:p>
+          <a:p>
             <a:r>
               <a:rPr lang="en-US" dirty="0" smtClean="0"/>
-              <a:t>PEDOT:PSS</a:t>
-            </a:r>
+              <a:t>Additional modeling of hole transport mechanisms</a:t>
+            </a:r>
+          </a:p>
+          <a:p>
+            <a:r>
+              <a:rPr lang="en-US" dirty="0" smtClean="0"/>
+              <a:t>Different Geometries</a:t>
+            </a:r>
+          </a:p>
+          <a:p>
+            <a:r>
+              <a:rPr lang="en-US" dirty="0" smtClean="0"/>
+              <a:t>Further experimental verification</a:t>
+            </a:r>
+          </a:p>
+          <a:p>
+            <a:r>
+              <a:rPr lang="en-US" dirty="0" smtClean="0"/>
+              <a:t>3D Modelling</a:t>
+            </a:r>
+          </a:p>
+          <a:p>
+            <a:endParaRPr lang="en-US" dirty="0" smtClean="0"/>
+          </a:p>
+          <a:p>
+            <a:endParaRPr lang="en-US" dirty="0" smtClean="0"/>
+          </a:p>
+          <a:p>
+            <a:endParaRPr lang="en-US" dirty="0" smtClean="0"/>
+          </a:p>
+          <a:p>
+            <a:endParaRPr lang="en-US" dirty="0" smtClean="0"/>
+          </a:p>
+          <a:p>
             <a:endParaRPr lang="en-US" dirty="0"/>
           </a:p>
         </p:txBody>
@@ -7510,7 +7547,7 @@
     </p:spTree>
     <p:extLst>
       <p:ext uri="{BB962C8B-B14F-4D97-AF65-F5344CB8AC3E}">
-        <p14:creationId xmlns:p14="http://schemas.microsoft.com/office/powerpoint/2010/main" val="1513814466"/>
+        <p14:creationId xmlns:p14="http://schemas.microsoft.com/office/powerpoint/2010/main" val="3334265842"/>
       </p:ext>
     </p:extLst>
   </p:cSld>
@@ -7556,109 +7593,220 @@
         </p:nvSpPr>
         <p:spPr/>
         <p:txBody>
-          <a:bodyPr/>
+          <a:bodyPr>
+            <a:normAutofit/>
+          </a:bodyPr>
+          <a:lstStyle/>
+          <a:p>
+            <a:r>
+              <a:rPr lang="en-US" dirty="0" smtClean="0"/>
+              <a:t>4.3- Numerical and Physical Limitations</a:t>
+            </a:r>
+            <a:endParaRPr lang="en-US" dirty="0"/>
+          </a:p>
+        </p:txBody>
+      </p:sp>
+      <p:sp>
+        <p:nvSpPr>
+          <p:cNvPr id="3" name="Content Placeholder 2"/>
+          <p:cNvSpPr>
+            <a:spLocks noGrp="1"/>
+          </p:cNvSpPr>
+          <p:nvPr>
+            <p:ph idx="1"/>
+          </p:nvPr>
+        </p:nvSpPr>
+        <p:spPr/>
+        <p:txBody>
+          <a:bodyPr>
+            <a:normAutofit/>
+          </a:bodyPr>
           <a:lstStyle/>
           <a:p>
             <a:r>
               <a:rPr lang="en-US" dirty="0"/>
-              <a:t>7</a:t>
+              <a:t>Debye Length:</a:t>
+            </a:r>
+          </a:p>
+          <a:p>
+            <a:r>
+              <a:rPr lang="en-US" dirty="0"/>
+              <a:t>Dielectric Relaxation </a:t>
             </a:r>
             <a:r>
               <a:rPr lang="en-US" dirty="0" smtClean="0"/>
-              <a:t>- Conclusion</a:t>
+              <a:t>Time: </a:t>
             </a:r>
             <a:endParaRPr lang="en-US" dirty="0"/>
           </a:p>
-        </p:txBody>
-      </p:sp>
-      <p:sp>
-        <p:nvSpPr>
-          <p:cNvPr id="3" name="Content Placeholder 2"/>
-          <p:cNvSpPr>
-            <a:spLocks noGrp="1"/>
-          </p:cNvSpPr>
-          <p:nvPr>
-            <p:ph idx="1"/>
-          </p:nvPr>
-        </p:nvSpPr>
-        <p:spPr/>
-        <p:txBody>
-          <a:bodyPr>
-            <a:normAutofit fontScale="92500" lnSpcReduction="20000"/>
+          <a:p>
+            <a:r>
+              <a:rPr lang="en-US" dirty="0"/>
+              <a:t>CFL Conditions</a:t>
+            </a:r>
+          </a:p>
+          <a:p>
+            <a:pPr lvl="1"/>
+            <a:r>
+              <a:rPr lang="en-US" sz="1800" dirty="0"/>
+              <a:t>Drift</a:t>
+            </a:r>
+          </a:p>
+          <a:p>
+            <a:pPr lvl="1"/>
+            <a:r>
+              <a:rPr lang="en-US" sz="1800" dirty="0"/>
+              <a:t>Diffusion:</a:t>
+            </a:r>
+          </a:p>
+        </p:txBody>
+      </p:sp>
+      <p:pic>
+        <p:nvPicPr>
+          <p:cNvPr id="6" name="Picture 5"/>
+          <p:cNvPicPr>
+            <a:picLocks noChangeAspect="1"/>
+          </p:cNvPicPr>
+          <p:nvPr/>
+        </p:nvPicPr>
+        <p:blipFill>
+          <a:blip r:embed="rId2"/>
+          <a:stretch>
+            <a:fillRect/>
+          </a:stretch>
+        </p:blipFill>
+        <p:spPr>
+          <a:xfrm>
+            <a:off x="3693460" y="2787266"/>
+            <a:ext cx="947597" cy="635729"/>
+          </a:xfrm>
+          <a:prstGeom prst="rect">
+            <a:avLst/>
+          </a:prstGeom>
+        </p:spPr>
+      </p:pic>
+      <p:pic>
+        <p:nvPicPr>
+          <p:cNvPr id="7" name="Picture 6"/>
+          <p:cNvPicPr>
+            <a:picLocks noChangeAspect="1"/>
+          </p:cNvPicPr>
+          <p:nvPr/>
+        </p:nvPicPr>
+        <p:blipFill>
+          <a:blip r:embed="rId3"/>
+          <a:stretch>
+            <a:fillRect/>
+          </a:stretch>
+        </p:blipFill>
+        <p:spPr>
+          <a:xfrm>
+            <a:off x="3681165" y="3449696"/>
+            <a:ext cx="773670" cy="437813"/>
+          </a:xfrm>
+          <a:prstGeom prst="rect">
+            <a:avLst/>
+          </a:prstGeom>
+        </p:spPr>
+      </p:pic>
+      <p:pic>
+        <p:nvPicPr>
+          <p:cNvPr id="8" name="Picture 7"/>
+          <p:cNvPicPr>
+            <a:picLocks noChangeAspect="1"/>
+          </p:cNvPicPr>
+          <p:nvPr/>
+        </p:nvPicPr>
+        <p:blipFill>
+          <a:blip r:embed="rId4"/>
+          <a:stretch>
+            <a:fillRect/>
+          </a:stretch>
+        </p:blipFill>
+        <p:spPr>
+          <a:xfrm>
+            <a:off x="3693460" y="4679648"/>
+            <a:ext cx="767673" cy="473798"/>
+          </a:xfrm>
+          <a:prstGeom prst="rect">
+            <a:avLst/>
+          </a:prstGeom>
+        </p:spPr>
+      </p:pic>
+      <p:pic>
+        <p:nvPicPr>
+          <p:cNvPr id="9" name="Picture 8"/>
+          <p:cNvPicPr>
+            <a:picLocks noChangeAspect="1"/>
+          </p:cNvPicPr>
+          <p:nvPr/>
+        </p:nvPicPr>
+        <p:blipFill>
+          <a:blip r:embed="rId5"/>
+          <a:stretch>
+            <a:fillRect/>
+          </a:stretch>
+        </p:blipFill>
+        <p:spPr>
+          <a:xfrm>
+            <a:off x="3697843" y="4167214"/>
+            <a:ext cx="773670" cy="533773"/>
+          </a:xfrm>
+          <a:prstGeom prst="rect">
+            <a:avLst/>
+          </a:prstGeom>
+        </p:spPr>
+      </p:pic>
+      <p:pic>
+        <p:nvPicPr>
+          <p:cNvPr id="10" name="Picture 9"/>
+          <p:cNvPicPr>
+            <a:picLocks noChangeAspect="1"/>
+          </p:cNvPicPr>
+          <p:nvPr/>
+        </p:nvPicPr>
+        <p:blipFill rotWithShape="1">
+          <a:blip r:embed="rId6"/>
+          <a:srcRect b="8717"/>
+          <a:stretch/>
+        </p:blipFill>
+        <p:spPr>
+          <a:xfrm>
+            <a:off x="4641057" y="2228002"/>
+            <a:ext cx="4447696" cy="3475681"/>
+          </a:xfrm>
+          <a:prstGeom prst="rect">
+            <a:avLst/>
+          </a:prstGeom>
+        </p:spPr>
+      </p:pic>
+      <p:sp>
+        <p:nvSpPr>
+          <p:cNvPr id="4" name="TextBox 3"/>
+          <p:cNvSpPr txBox="1"/>
+          <p:nvPr/>
+        </p:nvSpPr>
+        <p:spPr>
+          <a:xfrm>
+            <a:off x="4822127" y="5703683"/>
+            <a:ext cx="4321874" cy="646331"/>
+          </a:xfrm>
+          <a:prstGeom prst="rect">
+            <a:avLst/>
+          </a:prstGeom>
+          <a:noFill/>
+        </p:spPr>
+        <p:txBody>
+          <a:bodyPr wrap="square" rtlCol="0">
+            <a:spAutoFit/>
           </a:bodyPr>
           <a:lstStyle/>
           <a:p>
-            <a:pPr marL="0" indent="0">
-              <a:buNone/>
-            </a:pPr>
-            <a:endParaRPr lang="en-US" dirty="0" smtClean="0"/>
-          </a:p>
-          <a:p>
-            <a:endParaRPr lang="en-US" dirty="0" smtClean="0"/>
-          </a:p>
-          <a:p>
-            <a:endParaRPr lang="en-US" dirty="0"/>
-          </a:p>
-          <a:p>
+            <a:pPr algn="ctr"/>
             <a:r>
               <a:rPr lang="en-US" dirty="0" smtClean="0"/>
-              <a:t>Simulation of </a:t>
-            </a:r>
-            <a:r>
-              <a:rPr lang="en-US" dirty="0" smtClean="0"/>
-              <a:t>a ionic electronic device</a:t>
-            </a:r>
-            <a:endParaRPr lang="en-US" dirty="0" smtClean="0"/>
-          </a:p>
-          <a:p>
-            <a:r>
-              <a:rPr lang="en-US" dirty="0" smtClean="0"/>
-              <a:t>Density Limiting Mechanism</a:t>
-            </a:r>
-          </a:p>
-          <a:p>
-            <a:r>
-              <a:rPr lang="en-US" dirty="0" smtClean="0"/>
-              <a:t>Density scaling issues, parameter fitting</a:t>
-            </a:r>
-          </a:p>
-          <a:p>
-            <a:r>
-              <a:rPr lang="en-US" dirty="0" smtClean="0"/>
-              <a:t>Additional modeling of hole transport mechanisms</a:t>
-            </a:r>
-          </a:p>
-          <a:p>
-            <a:r>
-              <a:rPr lang="en-US" dirty="0" smtClean="0"/>
-              <a:t>Different Geometries</a:t>
-            </a:r>
-          </a:p>
-          <a:p>
-            <a:r>
-              <a:rPr lang="en-US" dirty="0" smtClean="0"/>
-              <a:t>Further experimental verification</a:t>
-            </a:r>
-          </a:p>
-          <a:p>
-            <a:r>
-              <a:rPr lang="en-US" dirty="0" smtClean="0"/>
-              <a:t>3D Modelling</a:t>
-            </a:r>
-          </a:p>
-          <a:p>
-            <a:endParaRPr lang="en-US" dirty="0" smtClean="0"/>
-          </a:p>
-          <a:p>
-            <a:endParaRPr lang="en-US" dirty="0" smtClean="0"/>
-          </a:p>
-          <a:p>
-            <a:endParaRPr lang="en-US" dirty="0" smtClean="0"/>
-          </a:p>
-          <a:p>
-            <a:endParaRPr lang="en-US" dirty="0" smtClean="0"/>
-          </a:p>
-          <a:p>
+              <a:t>Figure 11: Spatial and temporal requirements for a simulation</a:t>
+            </a:r>
             <a:endParaRPr lang="en-US" dirty="0"/>
           </a:p>
         </p:txBody>
@@ -7666,7 +7814,7 @@
     </p:spTree>
     <p:extLst>
       <p:ext uri="{BB962C8B-B14F-4D97-AF65-F5344CB8AC3E}">
-        <p14:creationId xmlns:p14="http://schemas.microsoft.com/office/powerpoint/2010/main" val="3334265842"/>
+        <p14:creationId xmlns:p14="http://schemas.microsoft.com/office/powerpoint/2010/main" val="2126313866"/>
       </p:ext>
     </p:extLst>
   </p:cSld>
@@ -7717,6 +7865,174 @@
           <a:p>
             <a:r>
               <a:rPr lang="en-US" dirty="0" smtClean="0"/>
+              <a:t>5.2- Scaling to Higher densities</a:t>
+            </a:r>
+            <a:endParaRPr lang="en-US" dirty="0"/>
+          </a:p>
+        </p:txBody>
+      </p:sp>
+      <p:pic>
+        <p:nvPicPr>
+          <p:cNvPr id="7" name="Picture 6"/>
+          <p:cNvPicPr>
+            <a:picLocks noChangeAspect="1"/>
+          </p:cNvPicPr>
+          <p:nvPr/>
+        </p:nvPicPr>
+        <p:blipFill rotWithShape="1">
+          <a:blip r:embed="rId2"/>
+          <a:srcRect b="12082"/>
+          <a:stretch/>
+        </p:blipFill>
+        <p:spPr>
+          <a:xfrm>
+            <a:off x="4701039" y="2224755"/>
+            <a:ext cx="4017448" cy="3325386"/>
+          </a:xfrm>
+          <a:prstGeom prst="rect">
+            <a:avLst/>
+          </a:prstGeom>
+        </p:spPr>
+      </p:pic>
+      <p:pic>
+        <p:nvPicPr>
+          <p:cNvPr id="8" name="Picture 7"/>
+          <p:cNvPicPr>
+            <a:picLocks noChangeAspect="1"/>
+          </p:cNvPicPr>
+          <p:nvPr/>
+        </p:nvPicPr>
+        <p:blipFill rotWithShape="1">
+          <a:blip r:embed="rId3"/>
+          <a:srcRect b="10476"/>
+          <a:stretch/>
+        </p:blipFill>
+        <p:spPr>
+          <a:xfrm>
+            <a:off x="238103" y="2290272"/>
+            <a:ext cx="3971758" cy="3259869"/>
+          </a:xfrm>
+          <a:prstGeom prst="rect">
+            <a:avLst/>
+          </a:prstGeom>
+        </p:spPr>
+      </p:pic>
+      <p:sp>
+        <p:nvSpPr>
+          <p:cNvPr id="5" name="TextBox 4"/>
+          <p:cNvSpPr txBox="1"/>
+          <p:nvPr/>
+        </p:nvSpPr>
+        <p:spPr>
+          <a:xfrm>
+            <a:off x="581192" y="5550141"/>
+            <a:ext cx="3631955" cy="646331"/>
+          </a:xfrm>
+          <a:prstGeom prst="rect">
+            <a:avLst/>
+          </a:prstGeom>
+          <a:noFill/>
+        </p:spPr>
+        <p:txBody>
+          <a:bodyPr wrap="square" rtlCol="0">
+            <a:spAutoFit/>
+          </a:bodyPr>
+          <a:lstStyle/>
+          <a:p>
+            <a:pPr algn="ctr"/>
+            <a:r>
+              <a:rPr lang="en-US" dirty="0" smtClean="0"/>
+              <a:t>Figure 17: Normalized hole densities at steady state</a:t>
+            </a:r>
+            <a:endParaRPr lang="en-US" dirty="0"/>
+          </a:p>
+        </p:txBody>
+      </p:sp>
+      <p:sp>
+        <p:nvSpPr>
+          <p:cNvPr id="6" name="TextBox 5"/>
+          <p:cNvSpPr txBox="1"/>
+          <p:nvPr/>
+        </p:nvSpPr>
+        <p:spPr>
+          <a:xfrm>
+            <a:off x="4938989" y="5550141"/>
+            <a:ext cx="3631955" cy="646331"/>
+          </a:xfrm>
+          <a:prstGeom prst="rect">
+            <a:avLst/>
+          </a:prstGeom>
+          <a:noFill/>
+        </p:spPr>
+        <p:txBody>
+          <a:bodyPr wrap="square" rtlCol="0">
+            <a:spAutoFit/>
+          </a:bodyPr>
+          <a:lstStyle/>
+          <a:p>
+            <a:pPr algn="ctr"/>
+            <a:r>
+              <a:rPr lang="en-US" dirty="0" smtClean="0"/>
+              <a:t>Figure 18: Normalized current densities</a:t>
+            </a:r>
+            <a:endParaRPr lang="en-US" dirty="0"/>
+          </a:p>
+        </p:txBody>
+      </p:sp>
+    </p:spTree>
+    <p:extLst>
+      <p:ext uri="{BB962C8B-B14F-4D97-AF65-F5344CB8AC3E}">
+        <p14:creationId xmlns:p14="http://schemas.microsoft.com/office/powerpoint/2010/main" val="471421709"/>
+      </p:ext>
+    </p:extLst>
+  </p:cSld>
+  <p:clrMapOvr>
+    <a:masterClrMapping/>
+  </p:clrMapOvr>
+  <p:timing>
+    <p:tnLst>
+      <p:par>
+        <p:cTn id="1" dur="indefinite" restart="never" nodeType="tmRoot"/>
+      </p:par>
+    </p:tnLst>
+  </p:timing>
+</p:sld>
+</file>
+
+<file path=ppt/slides/slide25.xml><?xml version="1.0" encoding="utf-8"?>
+<p:sld xmlns:a="http://schemas.openxmlformats.org/drawingml/2006/main" xmlns:r="http://schemas.openxmlformats.org/officeDocument/2006/relationships" xmlns:p="http://schemas.openxmlformats.org/presentationml/2006/main">
+  <p:cSld>
+    <p:spTree>
+      <p:nvGrpSpPr>
+        <p:cNvPr id="1" name=""/>
+        <p:cNvGrpSpPr/>
+        <p:nvPr/>
+      </p:nvGrpSpPr>
+      <p:grpSpPr>
+        <a:xfrm>
+          <a:off x="0" y="0"/>
+          <a:ext cx="0" cy="0"/>
+          <a:chOff x="0" y="0"/>
+          <a:chExt cx="0" cy="0"/>
+        </a:xfrm>
+      </p:grpSpPr>
+      <p:sp>
+        <p:nvSpPr>
+          <p:cNvPr id="2" name="Title 1"/>
+          <p:cNvSpPr>
+            <a:spLocks noGrp="1"/>
+          </p:cNvSpPr>
+          <p:nvPr>
+            <p:ph type="title"/>
+          </p:nvPr>
+        </p:nvSpPr>
+        <p:spPr/>
+        <p:txBody>
+          <a:bodyPr/>
+          <a:lstStyle/>
+          <a:p>
+            <a:r>
+              <a:rPr lang="en-US" dirty="0" smtClean="0"/>
               <a:t>Electric Field</a:t>
             </a:r>
             <a:endParaRPr lang="en-US" dirty="0"/>
@@ -7778,7 +8094,7 @@
 </p:sld>
 </file>
 
-<file path=ppt/slides/slide25.xml><?xml version="1.0" encoding="utf-8"?>
+<file path=ppt/slides/slide26.xml><?xml version="1.0" encoding="utf-8"?>
 <p:sld xmlns:a="http://schemas.openxmlformats.org/drawingml/2006/main" xmlns:r="http://schemas.openxmlformats.org/officeDocument/2006/relationships" xmlns:p="http://schemas.openxmlformats.org/presentationml/2006/main">
   <p:cSld>
     <p:spTree>
@@ -7935,55 +8251,19 @@
           <a:p>
             <a:r>
               <a:rPr lang="en-US" sz="1650" dirty="0"/>
-              <a:t>Electrical behavior determined </a:t>
-            </a:r>
+              <a:t>Electrical behavior determined by the movement of mobile charged particles</a:t>
+            </a:r>
+          </a:p>
+          <a:p>
             <a:r>
               <a:rPr lang="en-US" sz="1650" dirty="0"/>
-              <a:t>by the movement </a:t>
-            </a:r>
+              <a:t>Ions, holes and electrons</a:t>
+            </a:r>
+          </a:p>
+          <a:p>
             <a:r>
               <a:rPr lang="en-US" sz="1650" dirty="0"/>
-              <a:t>of mobile </a:t>
-            </a:r>
-            <a:r>
-              <a:rPr lang="en-US" sz="1650" dirty="0"/>
-              <a:t>charged </a:t>
-            </a:r>
-            <a:r>
-              <a:rPr lang="en-US" sz="1650" dirty="0"/>
-              <a:t>particles</a:t>
-            </a:r>
-          </a:p>
-          <a:p>
-            <a:r>
-              <a:rPr lang="en-US" sz="1650" dirty="0"/>
-              <a:t>Ions</a:t>
-            </a:r>
-            <a:r>
-              <a:rPr lang="en-US" sz="1650" dirty="0"/>
-              <a:t>, holes and </a:t>
-            </a:r>
-            <a:r>
-              <a:rPr lang="en-US" sz="1650" dirty="0"/>
-              <a:t>electrons</a:t>
-            </a:r>
-          </a:p>
-          <a:p>
-            <a:r>
-              <a:rPr lang="en-US" sz="1650" dirty="0"/>
-              <a:t>Natural: </a:t>
-            </a:r>
-            <a:r>
-              <a:rPr lang="en-US" sz="1650" dirty="0"/>
-              <a:t>Ionic-channels </a:t>
-            </a:r>
-            <a:r>
-              <a:rPr lang="en-US" sz="1650" dirty="0"/>
-              <a:t>in organic </a:t>
-            </a:r>
-            <a:r>
-              <a:rPr lang="en-US" sz="1650" dirty="0"/>
-              <a:t>membranes</a:t>
+              <a:t>Natural: Ionic-channels in organic membranes</a:t>
             </a:r>
           </a:p>
           <a:p>
@@ -8002,7 +8282,6 @@
               <a:rPr lang="en-US" sz="1650" dirty="0"/>
               <a:t>Easy to fabricate, low operating voltage, slow</a:t>
             </a:r>
-            <a:endParaRPr lang="en-US" sz="1650" dirty="0"/>
           </a:p>
           <a:p>
             <a:endParaRPr lang="en-US" dirty="0"/>
@@ -8108,7 +8387,6 @@
               <a:rPr lang="en-US" sz="1800" dirty="0"/>
               <a:t>Poisson’s Equation:</a:t>
             </a:r>
-            <a:endParaRPr lang="en-US" sz="1800" dirty="0"/>
           </a:p>
         </p:txBody>
       </p:sp>
@@ -8323,7 +8601,6 @@
               <a:rPr lang="en-US" sz="2200" dirty="0"/>
               <a:t>Poisson’s Equation </a:t>
             </a:r>
-            <a:endParaRPr lang="en-US" sz="2200" dirty="0"/>
           </a:p>
           <a:p>
             <a:pPr marL="342900" lvl="1" indent="0">
@@ -8605,6 +8882,187 @@
 </file>
 
 <file path=ppt/slides/slide7.xml><?xml version="1.0" encoding="utf-8"?>
+<p:sld xmlns:a="http://schemas.openxmlformats.org/drawingml/2006/main" xmlns:r="http://schemas.openxmlformats.org/officeDocument/2006/relationships" xmlns:p="http://schemas.openxmlformats.org/presentationml/2006/main">
+  <p:cSld>
+    <p:spTree>
+      <p:nvGrpSpPr>
+        <p:cNvPr id="1" name=""/>
+        <p:cNvGrpSpPr/>
+        <p:nvPr/>
+      </p:nvGrpSpPr>
+      <p:grpSpPr>
+        <a:xfrm>
+          <a:off x="0" y="0"/>
+          <a:ext cx="0" cy="0"/>
+          <a:chOff x="0" y="0"/>
+          <a:chExt cx="0" cy="0"/>
+        </a:xfrm>
+      </p:grpSpPr>
+      <p:sp>
+        <p:nvSpPr>
+          <p:cNvPr id="2" name="Title 1"/>
+          <p:cNvSpPr>
+            <a:spLocks noGrp="1"/>
+          </p:cNvSpPr>
+          <p:nvPr>
+            <p:ph type="title"/>
+          </p:nvPr>
+        </p:nvSpPr>
+        <p:spPr/>
+        <p:txBody>
+          <a:bodyPr/>
+          <a:lstStyle/>
+          <a:p>
+            <a:r>
+              <a:rPr lang="en-US" dirty="0" smtClean="0"/>
+              <a:t>4- </a:t>
+            </a:r>
+            <a:r>
+              <a:rPr lang="en-US" dirty="0" err="1" smtClean="0"/>
+              <a:t>Memristor</a:t>
+            </a:r>
+            <a:endParaRPr lang="en-US" dirty="0"/>
+          </a:p>
+        </p:txBody>
+      </p:sp>
+      <p:sp>
+        <p:nvSpPr>
+          <p:cNvPr id="3" name="Content Placeholder 2"/>
+          <p:cNvSpPr>
+            <a:spLocks noGrp="1"/>
+          </p:cNvSpPr>
+          <p:nvPr>
+            <p:ph idx="1"/>
+          </p:nvPr>
+        </p:nvSpPr>
+        <p:spPr>
+          <a:xfrm>
+            <a:off x="581192" y="2055987"/>
+            <a:ext cx="7989752" cy="3630795"/>
+          </a:xfrm>
+        </p:spPr>
+        <p:txBody>
+          <a:bodyPr>
+            <a:normAutofit/>
+          </a:bodyPr>
+          <a:lstStyle/>
+          <a:p>
+            <a:r>
+              <a:rPr lang="en-US" sz="1800" dirty="0"/>
+              <a:t>Voltage controlled resistor with memory</a:t>
+            </a:r>
+          </a:p>
+          <a:p>
+            <a:r>
+              <a:rPr lang="en-US" sz="1800" dirty="0"/>
+              <a:t>Equation: M(q(t)) = V(t)/I(t)</a:t>
+            </a:r>
+          </a:p>
+          <a:p>
+            <a:r>
+              <a:rPr lang="en-US" sz="1800" dirty="0"/>
+              <a:t>2 Distinct types</a:t>
+            </a:r>
+          </a:p>
+          <a:p>
+            <a:pPr lvl="1"/>
+            <a:r>
+              <a:rPr lang="en-US" sz="1800" dirty="0"/>
+              <a:t>Organic: Based on PEDOT:PSS….</a:t>
+            </a:r>
+          </a:p>
+          <a:p>
+            <a:pPr lvl="1"/>
+            <a:r>
+              <a:rPr lang="en-US" sz="1800" dirty="0"/>
+              <a:t>Inorganic: Based on TiO2  </a:t>
+            </a:r>
+          </a:p>
+        </p:txBody>
+      </p:sp>
+      <p:pic>
+        <p:nvPicPr>
+          <p:cNvPr id="4" name="Picture 3"/>
+          <p:cNvPicPr>
+            <a:picLocks noChangeAspect="1"/>
+          </p:cNvPicPr>
+          <p:nvPr/>
+        </p:nvPicPr>
+        <p:blipFill rotWithShape="1">
+          <a:blip r:embed="rId2"/>
+          <a:srcRect l="1968" r="3647" b="36427"/>
+          <a:stretch/>
+        </p:blipFill>
+        <p:spPr>
+          <a:xfrm>
+            <a:off x="4576068" y="3152193"/>
+            <a:ext cx="4146487" cy="1438381"/>
+          </a:xfrm>
+          <a:prstGeom prst="rect">
+            <a:avLst/>
+          </a:prstGeom>
+        </p:spPr>
+      </p:pic>
+      <p:sp>
+        <p:nvSpPr>
+          <p:cNvPr id="5" name="TextBox 4"/>
+          <p:cNvSpPr txBox="1"/>
+          <p:nvPr/>
+        </p:nvSpPr>
+        <p:spPr>
+          <a:xfrm>
+            <a:off x="4336150" y="4590574"/>
+            <a:ext cx="4626321" cy="646331"/>
+          </a:xfrm>
+          <a:prstGeom prst="rect">
+            <a:avLst/>
+          </a:prstGeom>
+          <a:noFill/>
+        </p:spPr>
+        <p:txBody>
+          <a:bodyPr wrap="square" rtlCol="0">
+            <a:spAutoFit/>
+          </a:bodyPr>
+          <a:lstStyle/>
+          <a:p>
+            <a:pPr algn="ctr"/>
+            <a:r>
+              <a:rPr lang="en-US" dirty="0" smtClean="0"/>
+              <a:t>Figure 6: An organic </a:t>
+            </a:r>
+            <a:r>
+              <a:rPr lang="en-US" dirty="0" err="1" smtClean="0"/>
+              <a:t>memristor</a:t>
+            </a:r>
+            <a:r>
+              <a:rPr lang="en-US" dirty="0" smtClean="0"/>
+              <a:t> with electrolyte and PEDOT:PSS (not to scale)</a:t>
+            </a:r>
+            <a:endParaRPr lang="en-US" dirty="0"/>
+          </a:p>
+        </p:txBody>
+      </p:sp>
+    </p:spTree>
+    <p:extLst>
+      <p:ext uri="{BB962C8B-B14F-4D97-AF65-F5344CB8AC3E}">
+        <p14:creationId xmlns:p14="http://schemas.microsoft.com/office/powerpoint/2010/main" val="593619456"/>
+      </p:ext>
+    </p:extLst>
+  </p:cSld>
+  <p:clrMapOvr>
+    <a:masterClrMapping/>
+  </p:clrMapOvr>
+  <p:timing>
+    <p:tnLst>
+      <p:par>
+        <p:cTn id="1" dur="indefinite" restart="never" nodeType="tmRoot"/>
+      </p:par>
+    </p:tnLst>
+  </p:timing>
+</p:sld>
+</file>
+
+<file path=ppt/slides/slide8.xml><?xml version="1.0" encoding="utf-8"?>
 <p:sld xmlns:a="http://schemas.openxmlformats.org/drawingml/2006/main" xmlns:r="http://schemas.openxmlformats.org/officeDocument/2006/relationships" xmlns:p="http://schemas.openxmlformats.org/presentationml/2006/main">
   <p:cSld>
     <p:spTree>
@@ -9126,187 +9584,6 @@
     <p:extLst>
       <p:ext uri="{BB962C8B-B14F-4D97-AF65-F5344CB8AC3E}">
         <p14:creationId xmlns:p14="http://schemas.microsoft.com/office/powerpoint/2010/main" val="463396718"/>
-      </p:ext>
-    </p:extLst>
-  </p:cSld>
-  <p:clrMapOvr>
-    <a:masterClrMapping/>
-  </p:clrMapOvr>
-  <p:timing>
-    <p:tnLst>
-      <p:par>
-        <p:cTn id="1" dur="indefinite" restart="never" nodeType="tmRoot"/>
-      </p:par>
-    </p:tnLst>
-  </p:timing>
-</p:sld>
-</file>
-
-<file path=ppt/slides/slide8.xml><?xml version="1.0" encoding="utf-8"?>
-<p:sld xmlns:a="http://schemas.openxmlformats.org/drawingml/2006/main" xmlns:r="http://schemas.openxmlformats.org/officeDocument/2006/relationships" xmlns:p="http://schemas.openxmlformats.org/presentationml/2006/main">
-  <p:cSld>
-    <p:spTree>
-      <p:nvGrpSpPr>
-        <p:cNvPr id="1" name=""/>
-        <p:cNvGrpSpPr/>
-        <p:nvPr/>
-      </p:nvGrpSpPr>
-      <p:grpSpPr>
-        <a:xfrm>
-          <a:off x="0" y="0"/>
-          <a:ext cx="0" cy="0"/>
-          <a:chOff x="0" y="0"/>
-          <a:chExt cx="0" cy="0"/>
-        </a:xfrm>
-      </p:grpSpPr>
-      <p:sp>
-        <p:nvSpPr>
-          <p:cNvPr id="2" name="Title 1"/>
-          <p:cNvSpPr>
-            <a:spLocks noGrp="1"/>
-          </p:cNvSpPr>
-          <p:nvPr>
-            <p:ph type="title"/>
-          </p:nvPr>
-        </p:nvSpPr>
-        <p:spPr/>
-        <p:txBody>
-          <a:bodyPr/>
-          <a:lstStyle/>
-          <a:p>
-            <a:r>
-              <a:rPr lang="en-US" dirty="0" smtClean="0"/>
-              <a:t>4- </a:t>
-            </a:r>
-            <a:r>
-              <a:rPr lang="en-US" dirty="0" err="1" smtClean="0"/>
-              <a:t>Memristor</a:t>
-            </a:r>
-            <a:endParaRPr lang="en-US" dirty="0"/>
-          </a:p>
-        </p:txBody>
-      </p:sp>
-      <p:sp>
-        <p:nvSpPr>
-          <p:cNvPr id="3" name="Content Placeholder 2"/>
-          <p:cNvSpPr>
-            <a:spLocks noGrp="1"/>
-          </p:cNvSpPr>
-          <p:nvPr>
-            <p:ph idx="1"/>
-          </p:nvPr>
-        </p:nvSpPr>
-        <p:spPr>
-          <a:xfrm>
-            <a:off x="581192" y="2055987"/>
-            <a:ext cx="7989752" cy="3630795"/>
-          </a:xfrm>
-        </p:spPr>
-        <p:txBody>
-          <a:bodyPr>
-            <a:normAutofit/>
-          </a:bodyPr>
-          <a:lstStyle/>
-          <a:p>
-            <a:r>
-              <a:rPr lang="en-US" sz="1800" dirty="0"/>
-              <a:t>Voltage controlled resistor with memory</a:t>
-            </a:r>
-          </a:p>
-          <a:p>
-            <a:r>
-              <a:rPr lang="en-US" sz="1800" dirty="0"/>
-              <a:t>Equation: M(q(t)) = V(t)/I(t)</a:t>
-            </a:r>
-          </a:p>
-          <a:p>
-            <a:r>
-              <a:rPr lang="en-US" sz="1800" dirty="0"/>
-              <a:t>2 Distinct types</a:t>
-            </a:r>
-          </a:p>
-          <a:p>
-            <a:pPr lvl="1"/>
-            <a:r>
-              <a:rPr lang="en-US" sz="1800" dirty="0"/>
-              <a:t>Organic: Based on PEDOT:PSS….</a:t>
-            </a:r>
-          </a:p>
-          <a:p>
-            <a:pPr lvl="1"/>
-            <a:r>
-              <a:rPr lang="en-US" sz="1800" dirty="0"/>
-              <a:t>Inorganic: Based on TiO2  </a:t>
-            </a:r>
-          </a:p>
-        </p:txBody>
-      </p:sp>
-      <p:pic>
-        <p:nvPicPr>
-          <p:cNvPr id="4" name="Picture 3"/>
-          <p:cNvPicPr>
-            <a:picLocks noChangeAspect="1"/>
-          </p:cNvPicPr>
-          <p:nvPr/>
-        </p:nvPicPr>
-        <p:blipFill rotWithShape="1">
-          <a:blip r:embed="rId2"/>
-          <a:srcRect l="1968" r="3647" b="36427"/>
-          <a:stretch/>
-        </p:blipFill>
-        <p:spPr>
-          <a:xfrm>
-            <a:off x="4576068" y="3152193"/>
-            <a:ext cx="4146487" cy="1438381"/>
-          </a:xfrm>
-          <a:prstGeom prst="rect">
-            <a:avLst/>
-          </a:prstGeom>
-        </p:spPr>
-      </p:pic>
-      <p:sp>
-        <p:nvSpPr>
-          <p:cNvPr id="5" name="TextBox 4"/>
-          <p:cNvSpPr txBox="1"/>
-          <p:nvPr/>
-        </p:nvSpPr>
-        <p:spPr>
-          <a:xfrm>
-            <a:off x="4336150" y="4590574"/>
-            <a:ext cx="4626321" cy="646331"/>
-          </a:xfrm>
-          <a:prstGeom prst="rect">
-            <a:avLst/>
-          </a:prstGeom>
-          <a:noFill/>
-        </p:spPr>
-        <p:txBody>
-          <a:bodyPr wrap="square" rtlCol="0">
-            <a:spAutoFit/>
-          </a:bodyPr>
-          <a:lstStyle/>
-          <a:p>
-            <a:pPr algn="ctr"/>
-            <a:r>
-              <a:rPr lang="en-US" dirty="0" smtClean="0"/>
-              <a:t>Figure 6: An organic </a:t>
-            </a:r>
-            <a:r>
-              <a:rPr lang="en-US" dirty="0" err="1" smtClean="0"/>
-              <a:t>memristor</a:t>
-            </a:r>
-            <a:r>
-              <a:rPr lang="en-US" dirty="0" smtClean="0"/>
-              <a:t> with electrolyte and PEDOT:PSS (not to scale)</a:t>
-            </a:r>
-            <a:endParaRPr lang="en-US" dirty="0"/>
-          </a:p>
-        </p:txBody>
-      </p:sp>
-    </p:spTree>
-    <p:extLst>
-      <p:ext uri="{BB962C8B-B14F-4D97-AF65-F5344CB8AC3E}">
-        <p14:creationId xmlns:p14="http://schemas.microsoft.com/office/powerpoint/2010/main" val="593619456"/>
       </p:ext>
     </p:extLst>
   </p:cSld>

--- a/Memristor Thesis/Memristor Presentation.pptx
+++ b/Memristor Thesis/Memristor Presentation.pptx
@@ -5,7 +5,7 @@
     <p:sldMasterId id="2147483922" r:id="rId1"/>
   </p:sldMasterIdLst>
   <p:notesMasterIdLst>
-    <p:notesMasterId r:id="rId28"/>
+    <p:notesMasterId r:id="rId27"/>
   </p:notesMasterIdLst>
   <p:sldIdLst>
     <p:sldId id="256" r:id="rId2"/>
@@ -18,22 +18,21 @@
     <p:sldId id="268" r:id="rId9"/>
     <p:sldId id="266" r:id="rId10"/>
     <p:sldId id="277" r:id="rId11"/>
-    <p:sldId id="269" r:id="rId12"/>
-    <p:sldId id="262" r:id="rId13"/>
-    <p:sldId id="270" r:id="rId14"/>
-    <p:sldId id="271" r:id="rId15"/>
-    <p:sldId id="279" r:id="rId16"/>
-    <p:sldId id="280" r:id="rId17"/>
-    <p:sldId id="273" r:id="rId18"/>
-    <p:sldId id="274" r:id="rId19"/>
-    <p:sldId id="263" r:id="rId20"/>
-    <p:sldId id="275" r:id="rId21"/>
+    <p:sldId id="262" r:id="rId12"/>
+    <p:sldId id="270" r:id="rId13"/>
+    <p:sldId id="271" r:id="rId14"/>
+    <p:sldId id="279" r:id="rId15"/>
+    <p:sldId id="280" r:id="rId16"/>
+    <p:sldId id="273" r:id="rId17"/>
+    <p:sldId id="274" r:id="rId18"/>
+    <p:sldId id="263" r:id="rId19"/>
+    <p:sldId id="275" r:id="rId20"/>
+    <p:sldId id="264" r:id="rId21"/>
     <p:sldId id="276" r:id="rId22"/>
-    <p:sldId id="264" r:id="rId23"/>
-    <p:sldId id="283" r:id="rId24"/>
-    <p:sldId id="272" r:id="rId25"/>
-    <p:sldId id="278" r:id="rId26"/>
-    <p:sldId id="281" r:id="rId27"/>
+    <p:sldId id="283" r:id="rId23"/>
+    <p:sldId id="272" r:id="rId24"/>
+    <p:sldId id="278" r:id="rId25"/>
+    <p:sldId id="281" r:id="rId26"/>
   </p:sldIdLst>
   <p:sldSz cx="9144000" cy="6858000" type="screen4x3"/>
   <p:notesSz cx="6858000" cy="9144000"/>
@@ -222,7 +221,7 @@
           <a:p>
             <a:fld id="{633A82BD-B66E-4D80-A70E-2EB0FC0F57F6}" type="datetimeFigureOut">
               <a:rPr lang="en-US" smtClean="0"/>
-              <a:t>3/28/2014</a:t>
+              <a:t>4/10/2014</a:t>
             </a:fld>
             <a:endParaRPr lang="en-US"/>
           </a:p>
@@ -688,7 +687,7 @@
           <a:p>
             <a:fld id="{C938C26D-EBF1-41FC-BA8D-73BC1ABF576E}" type="slidenum">
               <a:rPr lang="en-US" smtClean="0"/>
-              <a:t>13</a:t>
+              <a:t>12</a:t>
             </a:fld>
             <a:endParaRPr lang="en-US"/>
           </a:p>
@@ -777,7 +776,7 @@
           <a:p>
             <a:fld id="{C938C26D-EBF1-41FC-BA8D-73BC1ABF576E}" type="slidenum">
               <a:rPr lang="en-US" smtClean="0"/>
-              <a:t>14</a:t>
+              <a:t>13</a:t>
             </a:fld>
             <a:endParaRPr lang="en-US"/>
           </a:p>
@@ -897,7 +896,7 @@
           <a:p>
             <a:fld id="{C938C26D-EBF1-41FC-BA8D-73BC1ABF576E}" type="slidenum">
               <a:rPr lang="en-US" smtClean="0"/>
-              <a:t>17</a:t>
+              <a:t>16</a:t>
             </a:fld>
             <a:endParaRPr lang="en-US"/>
           </a:p>
@@ -986,7 +985,7 @@
           <a:p>
             <a:fld id="{C938C26D-EBF1-41FC-BA8D-73BC1ABF576E}" type="slidenum">
               <a:rPr lang="en-US" smtClean="0"/>
-              <a:t>18</a:t>
+              <a:t>17</a:t>
             </a:fld>
             <a:endParaRPr lang="en-US"/>
           </a:p>
@@ -1245,7 +1244,7 @@
           <a:p>
             <a:fld id="{6CA6AEE6-DAD3-407D-9B77-68B03FA581D4}" type="datetimeFigureOut">
               <a:rPr lang="en-US" smtClean="0"/>
-              <a:t>3/28/2014</a:t>
+              <a:t>4/10/2014</a:t>
             </a:fld>
             <a:endParaRPr lang="en-US"/>
           </a:p>
@@ -1492,7 +1491,7 @@
           <a:p>
             <a:fld id="{6CA6AEE6-DAD3-407D-9B77-68B03FA581D4}" type="datetimeFigureOut">
               <a:rPr lang="en-US" smtClean="0"/>
-              <a:t>3/28/2014</a:t>
+              <a:t>4/10/2014</a:t>
             </a:fld>
             <a:endParaRPr lang="en-US"/>
           </a:p>
@@ -1727,7 +1726,7 @@
           <a:p>
             <a:fld id="{6CA6AEE6-DAD3-407D-9B77-68B03FA581D4}" type="datetimeFigureOut">
               <a:rPr lang="en-US" smtClean="0"/>
-              <a:t>3/28/2014</a:t>
+              <a:t>4/10/2014</a:t>
             </a:fld>
             <a:endParaRPr lang="en-US"/>
           </a:p>
@@ -1957,7 +1956,7 @@
           <a:p>
             <a:fld id="{6CA6AEE6-DAD3-407D-9B77-68B03FA581D4}" type="datetimeFigureOut">
               <a:rPr lang="en-US" smtClean="0"/>
-              <a:t>3/28/2014</a:t>
+              <a:t>4/10/2014</a:t>
             </a:fld>
             <a:endParaRPr lang="en-US"/>
           </a:p>
@@ -2259,7 +2258,7 @@
           <a:p>
             <a:fld id="{6CA6AEE6-DAD3-407D-9B77-68B03FA581D4}" type="datetimeFigureOut">
               <a:rPr lang="en-US" smtClean="0"/>
-              <a:t>3/28/2014</a:t>
+              <a:t>4/10/2014</a:t>
             </a:fld>
             <a:endParaRPr lang="en-US"/>
           </a:p>
@@ -2556,7 +2555,7 @@
           <a:p>
             <a:fld id="{6CA6AEE6-DAD3-407D-9B77-68B03FA581D4}" type="datetimeFigureOut">
               <a:rPr lang="en-US" smtClean="0"/>
-              <a:t>3/28/2014</a:t>
+              <a:t>4/10/2014</a:t>
             </a:fld>
             <a:endParaRPr lang="en-US"/>
           </a:p>
@@ -2977,7 +2976,7 @@
           <a:p>
             <a:fld id="{6CA6AEE6-DAD3-407D-9B77-68B03FA581D4}" type="datetimeFigureOut">
               <a:rPr lang="en-US" smtClean="0"/>
-              <a:t>3/28/2014</a:t>
+              <a:t>4/10/2014</a:t>
             </a:fld>
             <a:endParaRPr lang="en-US"/>
           </a:p>
@@ -3134,7 +3133,7 @@
           <a:p>
             <a:fld id="{6CA6AEE6-DAD3-407D-9B77-68B03FA581D4}" type="datetimeFigureOut">
               <a:rPr lang="en-US" smtClean="0"/>
-              <a:t>3/28/2014</a:t>
+              <a:t>4/10/2014</a:t>
             </a:fld>
             <a:endParaRPr lang="en-US"/>
           </a:p>
@@ -3229,7 +3228,7 @@
           <a:p>
             <a:fld id="{6CA6AEE6-DAD3-407D-9B77-68B03FA581D4}" type="datetimeFigureOut">
               <a:rPr lang="en-US" smtClean="0"/>
-              <a:t>3/28/2014</a:t>
+              <a:t>4/10/2014</a:t>
             </a:fld>
             <a:endParaRPr lang="en-US"/>
           </a:p>
@@ -3607,7 +3606,7 @@
           <a:p>
             <a:fld id="{6CA6AEE6-DAD3-407D-9B77-68B03FA581D4}" type="datetimeFigureOut">
               <a:rPr lang="en-US" smtClean="0"/>
-              <a:t>3/28/2014</a:t>
+              <a:t>4/10/2014</a:t>
             </a:fld>
             <a:endParaRPr lang="en-US"/>
           </a:p>
@@ -3896,7 +3895,7 @@
           <a:p>
             <a:fld id="{6CA6AEE6-DAD3-407D-9B77-68B03FA581D4}" type="datetimeFigureOut">
               <a:rPr lang="en-US" smtClean="0"/>
-              <a:t>3/28/2014</a:t>
+              <a:t>4/10/2014</a:t>
             </a:fld>
             <a:endParaRPr lang="en-US"/>
           </a:p>
@@ -4107,7 +4106,7 @@
           <a:p>
             <a:fld id="{6CA6AEE6-DAD3-407D-9B77-68B03FA581D4}" type="datetimeFigureOut">
               <a:rPr lang="en-US" smtClean="0"/>
-              <a:t>3/28/2014</a:t>
+              <a:t>4/10/2014</a:t>
             </a:fld>
             <a:endParaRPr lang="en-US"/>
           </a:p>
@@ -5010,7 +5009,15 @@
           <a:p>
             <a:r>
               <a:rPr lang="en-US" dirty="0" smtClean="0"/>
-              <a:t>4.3- Numerical and Physical Limitations</a:t>
+              <a:t>5- 1-D and 2-d </a:t>
+            </a:r>
+            <a:r>
+              <a:rPr lang="en-US" dirty="0" err="1" smtClean="0"/>
+              <a:t>memristor</a:t>
+            </a:r>
+            <a:r>
+              <a:rPr lang="en-US" dirty="0" smtClean="0"/>
+              <a:t> Simulations</a:t>
             </a:r>
             <a:endParaRPr lang="en-US" dirty="0"/>
           </a:p>
@@ -5028,67 +5035,63 @@
         </p:nvSpPr>
         <p:spPr/>
         <p:txBody>
-          <a:bodyPr>
-            <a:normAutofit/>
-          </a:bodyPr>
-          <a:lstStyle/>
-          <a:p>
-            <a:r>
-              <a:rPr lang="en-US" sz="2000" dirty="0"/>
-              <a:t>Debye Length:</a:t>
-            </a:r>
-          </a:p>
-          <a:p>
-            <a:r>
-              <a:rPr lang="en-US" sz="2000" dirty="0"/>
-              <a:t>Dielectric Relaxation </a:t>
-            </a:r>
-            <a:r>
-              <a:rPr lang="en-US" sz="2000" dirty="0" smtClean="0"/>
-              <a:t>Time: </a:t>
-            </a:r>
-            <a:endParaRPr lang="en-US" sz="2000" dirty="0"/>
-          </a:p>
-          <a:p>
-            <a:r>
-              <a:rPr lang="en-US" sz="2000" dirty="0"/>
-              <a:t>CFL Conditions</a:t>
-            </a:r>
-          </a:p>
-          <a:p>
-            <a:pPr lvl="1"/>
-            <a:r>
-              <a:rPr lang="en-US" sz="2000" dirty="0"/>
-              <a:t>Drift</a:t>
-            </a:r>
-          </a:p>
-          <a:p>
-            <a:pPr lvl="1"/>
-            <a:r>
-              <a:rPr lang="en-US" sz="2000" dirty="0"/>
-              <a:t>Diffusion:</a:t>
-            </a:r>
+          <a:bodyPr/>
+          <a:lstStyle/>
+          <a:p>
+            <a:r>
+              <a:rPr lang="en-US" dirty="0" smtClean="0"/>
+              <a:t>Diffusion Current :</a:t>
+            </a:r>
+          </a:p>
+          <a:p>
+            <a:endParaRPr lang="en-US" dirty="0" smtClean="0"/>
+          </a:p>
+          <a:p>
+            <a:r>
+              <a:rPr lang="en-US" dirty="0" smtClean="0"/>
+              <a:t>Electric Potential:</a:t>
+            </a:r>
+          </a:p>
+          <a:p>
+            <a:endParaRPr lang="en-US" dirty="0" smtClean="0"/>
+          </a:p>
+          <a:p>
+            <a:r>
+              <a:rPr lang="en-US" dirty="0" smtClean="0"/>
+              <a:t>Electric Field:</a:t>
+            </a:r>
+          </a:p>
+          <a:p>
+            <a:endParaRPr lang="en-US" dirty="0" smtClean="0"/>
+          </a:p>
+          <a:p>
+            <a:r>
+              <a:rPr lang="en-US" dirty="0" smtClean="0"/>
+              <a:t>Drift Current:</a:t>
+            </a:r>
+          </a:p>
+          <a:p>
+            <a:endParaRPr lang="en-US" dirty="0"/>
           </a:p>
         </p:txBody>
       </p:sp>
       <p:pic>
         <p:nvPicPr>
-          <p:cNvPr id="6" name="Picture 5"/>
+          <p:cNvPr id="4" name="Picture 3"/>
           <p:cNvPicPr>
             <a:picLocks noChangeAspect="1"/>
           </p:cNvPicPr>
           <p:nvPr/>
         </p:nvPicPr>
-        <p:blipFill>
+        <p:blipFill rotWithShape="1">
           <a:blip r:embed="rId2"/>
-          <a:stretch>
-            <a:fillRect/>
-          </a:stretch>
+          <a:srcRect b="23099"/>
+          <a:stretch/>
         </p:blipFill>
         <p:spPr>
           <a:xfrm>
-            <a:off x="3810247" y="2771604"/>
-            <a:ext cx="947597" cy="635729"/>
+            <a:off x="4405037" y="2795562"/>
+            <a:ext cx="4738963" cy="1781793"/>
           </a:xfrm>
           <a:prstGeom prst="rect">
             <a:avLst/>
@@ -5097,7 +5100,7 @@
       </p:pic>
       <p:pic>
         <p:nvPicPr>
-          <p:cNvPr id="7" name="Picture 6"/>
+          <p:cNvPr id="6" name="Picture 5"/>
           <p:cNvPicPr>
             <a:picLocks noChangeAspect="1"/>
           </p:cNvPicPr>
@@ -5111,8 +5114,8 @@
         </p:blipFill>
         <p:spPr>
           <a:xfrm>
-            <a:off x="3897211" y="3453384"/>
-            <a:ext cx="773670" cy="437813"/>
+            <a:off x="2810708" y="2425013"/>
+            <a:ext cx="1867081" cy="495495"/>
           </a:xfrm>
           <a:prstGeom prst="rect">
             <a:avLst/>
@@ -5121,7 +5124,7 @@
       </p:pic>
       <p:pic>
         <p:nvPicPr>
-          <p:cNvPr id="8" name="Picture 7"/>
+          <p:cNvPr id="7" name="Picture 6"/>
           <p:cNvPicPr>
             <a:picLocks noChangeAspect="1"/>
           </p:cNvPicPr>
@@ -5135,8 +5138,8 @@
         </p:blipFill>
         <p:spPr>
           <a:xfrm>
-            <a:off x="3903208" y="4655736"/>
-            <a:ext cx="767673" cy="473798"/>
+            <a:off x="2859018" y="3124401"/>
+            <a:ext cx="1238765" cy="636122"/>
           </a:xfrm>
           <a:prstGeom prst="rect">
             <a:avLst/>
@@ -5145,7 +5148,7 @@
       </p:pic>
       <p:pic>
         <p:nvPicPr>
-          <p:cNvPr id="9" name="Picture 8"/>
+          <p:cNvPr id="8" name="Picture 7"/>
           <p:cNvPicPr>
             <a:picLocks noChangeAspect="1"/>
           </p:cNvPicPr>
@@ -5159,18 +5162,80 @@
         </p:blipFill>
         <p:spPr>
           <a:xfrm>
-            <a:off x="3880669" y="4171357"/>
-            <a:ext cx="773670" cy="533773"/>
+            <a:off x="2810708" y="3951956"/>
+            <a:ext cx="1138571" cy="549655"/>
           </a:xfrm>
           <a:prstGeom prst="rect">
             <a:avLst/>
           </a:prstGeom>
         </p:spPr>
       </p:pic>
+      <p:pic>
+        <p:nvPicPr>
+          <p:cNvPr id="9" name="Picture 8"/>
+          <p:cNvPicPr>
+            <a:picLocks noChangeAspect="1"/>
+          </p:cNvPicPr>
+          <p:nvPr/>
+        </p:nvPicPr>
+        <p:blipFill>
+          <a:blip r:embed="rId6"/>
+          <a:stretch>
+            <a:fillRect/>
+          </a:stretch>
+        </p:blipFill>
+        <p:spPr>
+          <a:xfrm>
+            <a:off x="2754848" y="4693044"/>
+            <a:ext cx="2419190" cy="818899"/>
+          </a:xfrm>
+          <a:prstGeom prst="rect">
+            <a:avLst/>
+          </a:prstGeom>
+        </p:spPr>
+      </p:pic>
+      <p:sp>
+        <p:nvSpPr>
+          <p:cNvPr id="5" name="TextBox 4"/>
+          <p:cNvSpPr txBox="1"/>
+          <p:nvPr/>
+        </p:nvSpPr>
+        <p:spPr>
+          <a:xfrm>
+            <a:off x="5243498" y="4578572"/>
+            <a:ext cx="3257986" cy="369332"/>
+          </a:xfrm>
+          <a:prstGeom prst="rect">
+            <a:avLst/>
+          </a:prstGeom>
+          <a:noFill/>
+        </p:spPr>
+        <p:txBody>
+          <a:bodyPr wrap="square" rtlCol="0">
+            <a:spAutoFit/>
+          </a:bodyPr>
+          <a:lstStyle/>
+          <a:p>
+            <a:r>
+              <a:rPr lang="en-US" dirty="0" smtClean="0"/>
+              <a:t>Figure 11: 1-D </a:t>
+            </a:r>
+            <a:r>
+              <a:rPr lang="en-US" dirty="0" err="1" smtClean="0"/>
+              <a:t>Memristor</a:t>
+            </a:r>
+            <a:r>
+              <a:rPr lang="en-US" dirty="0" smtClean="0"/>
+              <a:t> Model</a:t>
+            </a:r>
+            <a:endParaRPr lang="en-US" dirty="0"/>
+          </a:p>
+        </p:txBody>
+      </p:sp>
     </p:spTree>
     <p:extLst>
       <p:ext uri="{BB962C8B-B14F-4D97-AF65-F5344CB8AC3E}">
-        <p14:creationId xmlns:p14="http://schemas.microsoft.com/office/powerpoint/2010/main" val="1540691131"/>
+        <p14:creationId xmlns:p14="http://schemas.microsoft.com/office/powerpoint/2010/main" val="3443467251"/>
       </p:ext>
     </p:extLst>
   </p:cSld>
@@ -5216,120 +5281,42 @@
         </p:nvSpPr>
         <p:spPr/>
         <p:txBody>
-          <a:bodyPr>
-            <a:normAutofit/>
-          </a:bodyPr>
+          <a:bodyPr/>
           <a:lstStyle/>
           <a:p>
             <a:r>
               <a:rPr lang="en-US" dirty="0" smtClean="0"/>
-              <a:t>5- 1-D and 2-d </a:t>
+              <a:t>5.1 – 1-D </a:t>
             </a:r>
             <a:r>
               <a:rPr lang="en-US" dirty="0" err="1" smtClean="0"/>
-              <a:t>memristor</a:t>
+              <a:t>Memristor</a:t>
             </a:r>
             <a:r>
               <a:rPr lang="en-US" dirty="0" smtClean="0"/>
-              <a:t> Simulations</a:t>
-            </a:r>
-            <a:endParaRPr lang="en-US" dirty="0"/>
-          </a:p>
-        </p:txBody>
-      </p:sp>
-      <p:sp>
-        <p:nvSpPr>
-          <p:cNvPr id="3" name="Content Placeholder 2"/>
-          <p:cNvSpPr>
-            <a:spLocks noGrp="1"/>
-          </p:cNvSpPr>
-          <p:nvPr>
-            <p:ph idx="1"/>
-          </p:nvPr>
-        </p:nvSpPr>
-        <p:spPr/>
-        <p:txBody>
-          <a:bodyPr/>
-          <a:lstStyle/>
-          <a:p>
-            <a:r>
-              <a:rPr lang="en-US" dirty="0" smtClean="0"/>
-              <a:t>Diffusion Current :</a:t>
-            </a:r>
-          </a:p>
-          <a:p>
-            <a:endParaRPr lang="en-US" dirty="0" smtClean="0"/>
-          </a:p>
-          <a:p>
-            <a:r>
-              <a:rPr lang="en-US" dirty="0" smtClean="0"/>
-              <a:t>Electric Potential:</a:t>
-            </a:r>
-          </a:p>
-          <a:p>
-            <a:endParaRPr lang="en-US" dirty="0" smtClean="0"/>
-          </a:p>
-          <a:p>
-            <a:r>
-              <a:rPr lang="en-US" dirty="0" smtClean="0"/>
-              <a:t>Electric Field:</a:t>
-            </a:r>
-          </a:p>
-          <a:p>
-            <a:endParaRPr lang="en-US" dirty="0" smtClean="0"/>
-          </a:p>
-          <a:p>
-            <a:r>
-              <a:rPr lang="en-US" dirty="0" smtClean="0"/>
-              <a:t>Drift Current:</a:t>
-            </a:r>
-          </a:p>
-          <a:p>
+              <a:t> Simulation</a:t>
+            </a:r>
             <a:endParaRPr lang="en-US" dirty="0"/>
           </a:p>
         </p:txBody>
       </p:sp>
       <p:pic>
         <p:nvPicPr>
-          <p:cNvPr id="4" name="Picture 3"/>
+          <p:cNvPr id="5" name="Picture 4"/>
           <p:cNvPicPr>
             <a:picLocks noChangeAspect="1"/>
           </p:cNvPicPr>
           <p:nvPr/>
         </p:nvPicPr>
         <p:blipFill rotWithShape="1">
-          <a:blip r:embed="rId2"/>
-          <a:srcRect b="23099"/>
+          <a:blip r:embed="rId3"/>
+          <a:srcRect b="12284"/>
           <a:stretch/>
         </p:blipFill>
         <p:spPr>
           <a:xfrm>
-            <a:off x="4405037" y="2795562"/>
-            <a:ext cx="4738963" cy="1781793"/>
-          </a:xfrm>
-          <a:prstGeom prst="rect">
-            <a:avLst/>
-          </a:prstGeom>
-        </p:spPr>
-      </p:pic>
-      <p:pic>
-        <p:nvPicPr>
-          <p:cNvPr id="6" name="Picture 5"/>
-          <p:cNvPicPr>
-            <a:picLocks noChangeAspect="1"/>
-          </p:cNvPicPr>
-          <p:nvPr/>
-        </p:nvPicPr>
-        <p:blipFill>
-          <a:blip r:embed="rId3"/>
-          <a:stretch>
-            <a:fillRect/>
-          </a:stretch>
-        </p:blipFill>
-        <p:spPr>
-          <a:xfrm>
-            <a:off x="2810708" y="2425013"/>
-            <a:ext cx="1867081" cy="495495"/>
+            <a:off x="4356232" y="2340222"/>
+            <a:ext cx="4625843" cy="3028483"/>
           </a:xfrm>
           <a:prstGeom prst="rect">
             <a:avLst/>
@@ -5344,80 +5331,31 @@
           </p:cNvPicPr>
           <p:nvPr/>
         </p:nvPicPr>
-        <p:blipFill>
+        <p:blipFill rotWithShape="1">
           <a:blip r:embed="rId4"/>
-          <a:stretch>
-            <a:fillRect/>
-          </a:stretch>
+          <a:srcRect b="10288"/>
+          <a:stretch/>
         </p:blipFill>
         <p:spPr>
           <a:xfrm>
-            <a:off x="2859018" y="3124401"/>
-            <a:ext cx="1238765" cy="636122"/>
+            <a:off x="353807" y="2449791"/>
+            <a:ext cx="3878257" cy="2900807"/>
           </a:xfrm>
           <a:prstGeom prst="rect">
             <a:avLst/>
           </a:prstGeom>
         </p:spPr>
       </p:pic>
-      <p:pic>
-        <p:nvPicPr>
-          <p:cNvPr id="8" name="Picture 7"/>
-          <p:cNvPicPr>
-            <a:picLocks noChangeAspect="1"/>
-          </p:cNvPicPr>
-          <p:nvPr/>
-        </p:nvPicPr>
-        <p:blipFill>
-          <a:blip r:embed="rId5"/>
-          <a:stretch>
-            <a:fillRect/>
-          </a:stretch>
-        </p:blipFill>
-        <p:spPr>
-          <a:xfrm>
-            <a:off x="2825872" y="3796535"/>
-            <a:ext cx="1138571" cy="549655"/>
-          </a:xfrm>
-          <a:prstGeom prst="rect">
-            <a:avLst/>
-          </a:prstGeom>
-        </p:spPr>
-      </p:pic>
-      <p:pic>
-        <p:nvPicPr>
-          <p:cNvPr id="9" name="Picture 8"/>
-          <p:cNvPicPr>
-            <a:picLocks noChangeAspect="1"/>
-          </p:cNvPicPr>
-          <p:nvPr/>
-        </p:nvPicPr>
-        <p:blipFill>
-          <a:blip r:embed="rId6"/>
-          <a:stretch>
-            <a:fillRect/>
-          </a:stretch>
-        </p:blipFill>
-        <p:spPr>
-          <a:xfrm>
-            <a:off x="2754848" y="4693044"/>
-            <a:ext cx="2419190" cy="818899"/>
-          </a:xfrm>
-          <a:prstGeom prst="rect">
-            <a:avLst/>
-          </a:prstGeom>
-        </p:spPr>
-      </p:pic>
-      <p:sp>
-        <p:nvSpPr>
-          <p:cNvPr id="5" name="TextBox 4"/>
+      <p:sp>
+        <p:nvSpPr>
+          <p:cNvPr id="4" name="TextBox 3"/>
           <p:cNvSpPr txBox="1"/>
           <p:nvPr/>
         </p:nvSpPr>
         <p:spPr>
           <a:xfrm>
-            <a:off x="5243498" y="4578572"/>
-            <a:ext cx="3257986" cy="369332"/>
+            <a:off x="724277" y="5251010"/>
+            <a:ext cx="3631955" cy="646331"/>
           </a:xfrm>
           <a:prstGeom prst="rect">
             <a:avLst/>
@@ -5430,17 +5368,41 @@
           </a:bodyPr>
           <a:lstStyle/>
           <a:p>
+            <a:pPr algn="ctr"/>
             <a:r>
               <a:rPr lang="en-US" dirty="0" smtClean="0"/>
-              <a:t>Figure 12: 1-D </a:t>
-            </a:r>
-            <a:r>
-              <a:rPr lang="en-US" dirty="0" err="1" smtClean="0"/>
-              <a:t>Memristor</a:t>
-            </a:r>
+              <a:t>Figure 12: Current density over time for a potential pulse train</a:t>
+            </a:r>
+            <a:endParaRPr lang="en-US" dirty="0"/>
+          </a:p>
+        </p:txBody>
+      </p:sp>
+      <p:sp>
+        <p:nvSpPr>
+          <p:cNvPr id="8" name="TextBox 7"/>
+          <p:cNvSpPr txBox="1"/>
+          <p:nvPr/>
+        </p:nvSpPr>
+        <p:spPr>
+          <a:xfrm>
+            <a:off x="4726702" y="5251009"/>
+            <a:ext cx="3631955" cy="646331"/>
+          </a:xfrm>
+          <a:prstGeom prst="rect">
+            <a:avLst/>
+          </a:prstGeom>
+          <a:noFill/>
+        </p:spPr>
+        <p:txBody>
+          <a:bodyPr wrap="square" rtlCol="0">
+            <a:spAutoFit/>
+          </a:bodyPr>
+          <a:lstStyle/>
+          <a:p>
+            <a:pPr algn="ctr"/>
             <a:r>
               <a:rPr lang="en-US" dirty="0" smtClean="0"/>
-              <a:t> Model</a:t>
+              <a:t>Figure 13: Lithium and hole density distribution over time</a:t>
             </a:r>
             <a:endParaRPr lang="en-US" dirty="0"/>
           </a:p>
@@ -5449,7 +5411,7 @@
     </p:spTree>
     <p:extLst>
       <p:ext uri="{BB962C8B-B14F-4D97-AF65-F5344CB8AC3E}">
-        <p14:creationId xmlns:p14="http://schemas.microsoft.com/office/powerpoint/2010/main" val="3443467251"/>
+        <p14:creationId xmlns:p14="http://schemas.microsoft.com/office/powerpoint/2010/main" val="3593465824"/>
       </p:ext>
     </p:extLst>
   </p:cSld>
@@ -5495,20 +5457,30 @@
         </p:nvSpPr>
         <p:spPr/>
         <p:txBody>
-          <a:bodyPr/>
+          <a:bodyPr>
+            <a:normAutofit/>
+          </a:bodyPr>
           <a:lstStyle/>
           <a:p>
             <a:r>
               <a:rPr lang="en-US" dirty="0" smtClean="0"/>
-              <a:t>5.1 – 1-D </a:t>
-            </a:r>
-            <a:r>
-              <a:rPr lang="en-US" dirty="0" err="1" smtClean="0"/>
+              <a:t>5.1 </a:t>
+            </a:r>
+            <a:r>
+              <a:rPr lang="en-US" dirty="0"/>
+              <a:t>– 1-D </a:t>
+            </a:r>
+            <a:r>
+              <a:rPr lang="en-US" dirty="0" err="1"/>
               <a:t>Memristor</a:t>
             </a:r>
             <a:r>
+              <a:rPr lang="en-US" dirty="0"/>
+              <a:t> </a:t>
+            </a:r>
+            <a:r>
               <a:rPr lang="en-US" dirty="0" smtClean="0"/>
-              <a:t> Simulation</a:t>
+              <a:t>Simulation cont.</a:t>
             </a:r>
             <a:endParaRPr lang="en-US" dirty="0"/>
           </a:p>
@@ -5524,13 +5496,13 @@
         </p:nvPicPr>
         <p:blipFill rotWithShape="1">
           <a:blip r:embed="rId3"/>
-          <a:srcRect b="12284"/>
+          <a:srcRect b="9684"/>
           <a:stretch/>
         </p:blipFill>
         <p:spPr>
           <a:xfrm>
-            <a:off x="4356232" y="2340222"/>
-            <a:ext cx="4625843" cy="3028483"/>
+            <a:off x="269291" y="2228003"/>
+            <a:ext cx="4260735" cy="3448520"/>
           </a:xfrm>
           <a:prstGeom prst="rect">
             <a:avLst/>
@@ -5539,7 +5511,7 @@
       </p:pic>
       <p:pic>
         <p:nvPicPr>
-          <p:cNvPr id="7" name="Picture 6"/>
+          <p:cNvPr id="6" name="Picture 5"/>
           <p:cNvPicPr>
             <a:picLocks noChangeAspect="1"/>
           </p:cNvPicPr>
@@ -5547,13 +5519,13 @@
         </p:nvPicPr>
         <p:blipFill rotWithShape="1">
           <a:blip r:embed="rId4"/>
-          <a:srcRect b="10288"/>
+          <a:srcRect b="9829"/>
           <a:stretch/>
         </p:blipFill>
         <p:spPr>
           <a:xfrm>
-            <a:off x="353807" y="2449791"/>
-            <a:ext cx="3878257" cy="2900807"/>
+            <a:off x="4599160" y="2185075"/>
+            <a:ext cx="4410434" cy="3500501"/>
           </a:xfrm>
           <a:prstGeom prst="rect">
             <a:avLst/>
@@ -5568,8 +5540,8 @@
         </p:nvSpPr>
         <p:spPr>
           <a:xfrm>
-            <a:off x="724277" y="5251010"/>
-            <a:ext cx="3631955" cy="646331"/>
+            <a:off x="425513" y="5685576"/>
+            <a:ext cx="4104513" cy="646331"/>
           </a:xfrm>
           <a:prstGeom prst="rect">
             <a:avLst/>
@@ -5585,7 +5557,7 @@
             <a:pPr algn="ctr"/>
             <a:r>
               <a:rPr lang="en-US" dirty="0" smtClean="0"/>
-              <a:t>Figure 13: Current density over time for a potential pulse train</a:t>
+              <a:t>Figure 14: Normalized current vs. applied potential at different frequencies</a:t>
             </a:r>
             <a:endParaRPr lang="en-US" dirty="0"/>
           </a:p>
@@ -5593,13 +5565,13 @@
       </p:sp>
       <p:sp>
         <p:nvSpPr>
-          <p:cNvPr id="8" name="TextBox 7"/>
+          <p:cNvPr id="7" name="TextBox 6"/>
           <p:cNvSpPr txBox="1"/>
           <p:nvPr/>
         </p:nvSpPr>
         <p:spPr>
           <a:xfrm>
-            <a:off x="4726702" y="5251009"/>
+            <a:off x="4938989" y="5676523"/>
             <a:ext cx="3631955" cy="646331"/>
           </a:xfrm>
           <a:prstGeom prst="rect">
@@ -5616,7 +5588,7 @@
             <a:pPr algn="ctr"/>
             <a:r>
               <a:rPr lang="en-US" dirty="0" smtClean="0"/>
-              <a:t>Figure 14: Lithium and hole density distribution over time</a:t>
+              <a:t>Figure 15:  Hole density distribution over time</a:t>
             </a:r>
             <a:endParaRPr lang="en-US" dirty="0"/>
           </a:p>
@@ -5625,7 +5597,7 @@
     </p:spTree>
     <p:extLst>
       <p:ext uri="{BB962C8B-B14F-4D97-AF65-F5344CB8AC3E}">
-        <p14:creationId xmlns:p14="http://schemas.microsoft.com/office/powerpoint/2010/main" val="3593465824"/>
+        <p14:creationId xmlns:p14="http://schemas.microsoft.com/office/powerpoint/2010/main" val="309568695"/>
       </p:ext>
     </p:extLst>
   </p:cSld>
@@ -5671,18 +5643,16 @@
         </p:nvSpPr>
         <p:spPr/>
         <p:txBody>
-          <a:bodyPr>
-            <a:normAutofit/>
-          </a:bodyPr>
+          <a:bodyPr/>
           <a:lstStyle/>
           <a:p>
             <a:r>
               <a:rPr lang="en-US" dirty="0" smtClean="0"/>
-              <a:t>5.1 </a:t>
+              <a:t>5.3- </a:t>
             </a:r>
             <a:r>
               <a:rPr lang="en-US" dirty="0"/>
-              <a:t>– 1-D </a:t>
+              <a:t>2-D </a:t>
             </a:r>
             <a:r>
               <a:rPr lang="en-US" dirty="0" err="1"/>
@@ -5690,19 +5660,37 @@
             </a:r>
             <a:r>
               <a:rPr lang="en-US" dirty="0"/>
-              <a:t> </a:t>
-            </a:r>
-            <a:r>
-              <a:rPr lang="en-US" dirty="0" smtClean="0"/>
-              <a:t>Simulation cont.</a:t>
-            </a:r>
-            <a:endParaRPr lang="en-US" dirty="0"/>
+              <a:t> Simulations</a:t>
+            </a:r>
           </a:p>
         </p:txBody>
       </p:sp>
       <p:pic>
         <p:nvPicPr>
-          <p:cNvPr id="5" name="Picture 4"/>
+          <p:cNvPr id="7" name="Picture 6"/>
+          <p:cNvPicPr>
+            <a:picLocks noChangeAspect="1"/>
+          </p:cNvPicPr>
+          <p:nvPr/>
+        </p:nvPicPr>
+        <p:blipFill rotWithShape="1">
+          <a:blip r:embed="rId2"/>
+          <a:srcRect r="10071" b="9098"/>
+          <a:stretch/>
+        </p:blipFill>
+        <p:spPr>
+          <a:xfrm>
+            <a:off x="4314773" y="2228002"/>
+            <a:ext cx="4609697" cy="3502841"/>
+          </a:xfrm>
+          <a:prstGeom prst="rect">
+            <a:avLst/>
+          </a:prstGeom>
+        </p:spPr>
+      </p:pic>
+      <p:pic>
+        <p:nvPicPr>
+          <p:cNvPr id="4" name="Picture 3"/>
           <p:cNvPicPr>
             <a:picLocks noChangeAspect="1"/>
           </p:cNvPicPr>
@@ -5710,52 +5698,29 @@
         </p:nvPicPr>
         <p:blipFill rotWithShape="1">
           <a:blip r:embed="rId3"/>
-          <a:srcRect b="9684"/>
+          <a:srcRect r="8417" b="7605"/>
           <a:stretch/>
         </p:blipFill>
         <p:spPr>
           <a:xfrm>
-            <a:off x="269291" y="2228003"/>
-            <a:ext cx="4260735" cy="3448520"/>
+            <a:off x="0" y="2228003"/>
+            <a:ext cx="4590107" cy="3578073"/>
           </a:xfrm>
           <a:prstGeom prst="rect">
             <a:avLst/>
           </a:prstGeom>
         </p:spPr>
       </p:pic>
-      <p:pic>
-        <p:nvPicPr>
-          <p:cNvPr id="6" name="Picture 5"/>
-          <p:cNvPicPr>
-            <a:picLocks noChangeAspect="1"/>
-          </p:cNvPicPr>
-          <p:nvPr/>
-        </p:nvPicPr>
-        <p:blipFill rotWithShape="1">
-          <a:blip r:embed="rId4"/>
-          <a:srcRect b="9829"/>
-          <a:stretch/>
-        </p:blipFill>
-        <p:spPr>
-          <a:xfrm>
-            <a:off x="4599160" y="2185075"/>
-            <a:ext cx="4410434" cy="3500501"/>
-          </a:xfrm>
-          <a:prstGeom prst="rect">
-            <a:avLst/>
-          </a:prstGeom>
-        </p:spPr>
-      </p:pic>
-      <p:sp>
-        <p:nvSpPr>
-          <p:cNvPr id="4" name="TextBox 3"/>
+      <p:sp>
+        <p:nvSpPr>
+          <p:cNvPr id="6" name="TextBox 5"/>
           <p:cNvSpPr txBox="1"/>
           <p:nvPr/>
         </p:nvSpPr>
         <p:spPr>
           <a:xfrm>
-            <a:off x="425513" y="5685576"/>
-            <a:ext cx="4104513" cy="646331"/>
+            <a:off x="479075" y="5730842"/>
+            <a:ext cx="3631955" cy="923330"/>
           </a:xfrm>
           <a:prstGeom prst="rect">
             <a:avLst/>
@@ -5771,22 +5736,25 @@
             <a:pPr algn="ctr"/>
             <a:r>
               <a:rPr lang="en-US" dirty="0" smtClean="0"/>
-              <a:t>Figure 15: Normalized current vs. applied potential at different frequencies</a:t>
-            </a:r>
-            <a:endParaRPr lang="en-US" dirty="0"/>
-          </a:p>
-        </p:txBody>
-      </p:sp>
-      <p:sp>
-        <p:nvSpPr>
-          <p:cNvPr id="7" name="TextBox 6"/>
+              <a:t>Figure 16: </a:t>
+            </a:r>
+            <a:r>
+              <a:rPr lang="en-US" dirty="0"/>
+              <a:t>Hole distribution at steady state for different PEDOT:PSS thicknesses</a:t>
+            </a:r>
+          </a:p>
+        </p:txBody>
+      </p:sp>
+      <p:sp>
+        <p:nvSpPr>
+          <p:cNvPr id="8" name="TextBox 7"/>
           <p:cNvSpPr txBox="1"/>
           <p:nvPr/>
         </p:nvSpPr>
         <p:spPr>
           <a:xfrm>
-            <a:off x="4938989" y="5676523"/>
-            <a:ext cx="3631955" cy="646331"/>
+            <a:off x="4793848" y="5726377"/>
+            <a:ext cx="3631955" cy="923330"/>
           </a:xfrm>
           <a:prstGeom prst="rect">
             <a:avLst/>
@@ -5802,16 +5770,19 @@
             <a:pPr algn="ctr"/>
             <a:r>
               <a:rPr lang="en-US" dirty="0" smtClean="0"/>
-              <a:t>Figure 16:  Hole density distribution over time</a:t>
-            </a:r>
-            <a:endParaRPr lang="en-US" dirty="0"/>
+              <a:t>Figure 17: Lithium </a:t>
+            </a:r>
+            <a:r>
+              <a:rPr lang="en-US" dirty="0"/>
+              <a:t>distribution at steady state for different PEDOT:PSS thicknesses</a:t>
+            </a:r>
           </a:p>
         </p:txBody>
       </p:sp>
     </p:spTree>
     <p:extLst>
       <p:ext uri="{BB962C8B-B14F-4D97-AF65-F5344CB8AC3E}">
-        <p14:creationId xmlns:p14="http://schemas.microsoft.com/office/powerpoint/2010/main" val="309568695"/>
+        <p14:creationId xmlns:p14="http://schemas.microsoft.com/office/powerpoint/2010/main" val="627964728"/>
       </p:ext>
     </p:extLst>
   </p:cSld>
@@ -5881,7 +5852,7 @@
       </p:sp>
       <p:pic>
         <p:nvPicPr>
-          <p:cNvPr id="7" name="Picture 6"/>
+          <p:cNvPr id="4" name="Picture 3"/>
           <p:cNvPicPr>
             <a:picLocks noChangeAspect="1"/>
           </p:cNvPicPr>
@@ -5889,13 +5860,13 @@
         </p:nvPicPr>
         <p:blipFill rotWithShape="1">
           <a:blip r:embed="rId2"/>
-          <a:srcRect r="10071" b="9098"/>
+          <a:srcRect r="10628" b="18785"/>
           <a:stretch/>
         </p:blipFill>
         <p:spPr>
           <a:xfrm>
-            <a:off x="4314773" y="2228002"/>
-            <a:ext cx="4609697" cy="3502841"/>
+            <a:off x="119448" y="2347925"/>
+            <a:ext cx="4614984" cy="3449635"/>
           </a:xfrm>
           <a:prstGeom prst="rect">
             <a:avLst/>
@@ -5904,7 +5875,7 @@
       </p:pic>
       <p:pic>
         <p:nvPicPr>
-          <p:cNvPr id="4" name="Picture 3"/>
+          <p:cNvPr id="5" name="Picture 4"/>
           <p:cNvPicPr>
             <a:picLocks noChangeAspect="1"/>
           </p:cNvPicPr>
@@ -5912,13 +5883,13 @@
         </p:nvPicPr>
         <p:blipFill rotWithShape="1">
           <a:blip r:embed="rId3"/>
-          <a:srcRect r="8417" b="7605"/>
+          <a:srcRect l="7764" r="8703" b="12345"/>
           <a:stretch/>
         </p:blipFill>
         <p:spPr>
           <a:xfrm>
-            <a:off x="0" y="2228003"/>
-            <a:ext cx="4590107" cy="3578073"/>
+            <a:off x="4734432" y="2259952"/>
+            <a:ext cx="4298256" cy="3625580"/>
           </a:xfrm>
           <a:prstGeom prst="rect">
             <a:avLst/>
@@ -5950,24 +5921,24 @@
             <a:pPr algn="ctr"/>
             <a:r>
               <a:rPr lang="en-US" dirty="0" smtClean="0"/>
-              <a:t>Figure 19</a:t>
+              <a:t>Figure 18: Perchlorate </a:t>
             </a:r>
             <a:r>
               <a:rPr lang="en-US" dirty="0"/>
-              <a:t>: Hole distribution at steady state for different PEDOT:PSS thicknesses</a:t>
-            </a:r>
-          </a:p>
-        </p:txBody>
-      </p:sp>
-      <p:sp>
-        <p:nvSpPr>
-          <p:cNvPr id="8" name="TextBox 7"/>
+              <a:t>distribution at steady state for different PEDOT:PSS thicknesses</a:t>
+            </a:r>
+          </a:p>
+        </p:txBody>
+      </p:sp>
+      <p:sp>
+        <p:nvSpPr>
+          <p:cNvPr id="7" name="TextBox 6"/>
           <p:cNvSpPr txBox="1"/>
           <p:nvPr/>
         </p:nvSpPr>
         <p:spPr>
           <a:xfrm>
-            <a:off x="4793848" y="5726377"/>
+            <a:off x="4734432" y="5797560"/>
             <a:ext cx="3631955" cy="923330"/>
           </a:xfrm>
           <a:prstGeom prst="rect">
@@ -5984,7 +5955,7 @@
             <a:pPr algn="ctr"/>
             <a:r>
               <a:rPr lang="en-US" dirty="0" smtClean="0"/>
-              <a:t>Figure 20: Lithium </a:t>
+              <a:t>Figure 19: Electric field strength </a:t>
             </a:r>
             <a:r>
               <a:rPr lang="en-US" dirty="0"/>
@@ -5996,20 +5967,13 @@
     </p:spTree>
     <p:extLst>
       <p:ext uri="{BB962C8B-B14F-4D97-AF65-F5344CB8AC3E}">
-        <p14:creationId xmlns:p14="http://schemas.microsoft.com/office/powerpoint/2010/main" val="627964728"/>
+        <p14:creationId xmlns:p14="http://schemas.microsoft.com/office/powerpoint/2010/main" val="2837598342"/>
       </p:ext>
     </p:extLst>
   </p:cSld>
   <p:clrMapOvr>
     <a:masterClrMapping/>
   </p:clrMapOvr>
-  <p:timing>
-    <p:tnLst>
-      <p:par>
-        <p:cTn id="1" dur="indefinite" restart="never" nodeType="tmRoot"/>
-      </p:par>
-    </p:tnLst>
-  </p:timing>
 </p:sld>
 </file>
 
@@ -6047,63 +6011,66 @@
           <a:p>
             <a:r>
               <a:rPr lang="en-US" dirty="0" smtClean="0"/>
-              <a:t>5.3- </a:t>
+              <a:t>5.3- 2-D </a:t>
+            </a:r>
+            <a:r>
+              <a:rPr lang="en-US" dirty="0" err="1" smtClean="0"/>
+              <a:t>Memristor</a:t>
             </a:r>
             <a:r>
               <a:rPr lang="en-US" dirty="0"/>
-              <a:t>2-D </a:t>
-            </a:r>
-            <a:r>
-              <a:rPr lang="en-US" dirty="0" err="1"/>
-              <a:t>Memristor</a:t>
-            </a:r>
-            <a:r>
-              <a:rPr lang="en-US" dirty="0"/>
-              <a:t> Simulations</a:t>
-            </a:r>
+              <a:t> </a:t>
+            </a:r>
+            <a:r>
+              <a:rPr lang="en-US" dirty="0" smtClean="0"/>
+              <a:t>Simulations</a:t>
+            </a:r>
+            <a:endParaRPr lang="en-US" dirty="0"/>
           </a:p>
         </p:txBody>
       </p:sp>
       <p:pic>
         <p:nvPicPr>
-          <p:cNvPr id="4" name="Picture 3"/>
+          <p:cNvPr id="5" name="Content Placeholder 4"/>
+          <p:cNvPicPr>
+            <a:picLocks noGrp="1" noChangeAspect="1"/>
+          </p:cNvPicPr>
+          <p:nvPr>
+            <p:ph idx="1"/>
+          </p:nvPr>
+        </p:nvPicPr>
+        <p:blipFill rotWithShape="1">
+          <a:blip r:embed="rId3"/>
+          <a:srcRect b="12078"/>
+          <a:stretch/>
+        </p:blipFill>
+        <p:spPr>
+          <a:xfrm>
+            <a:off x="4407219" y="1908709"/>
+            <a:ext cx="4456124" cy="3713493"/>
+          </a:xfrm>
+          <a:prstGeom prst="rect">
+            <a:avLst/>
+          </a:prstGeom>
+        </p:spPr>
+      </p:pic>
+      <p:pic>
+        <p:nvPicPr>
+          <p:cNvPr id="3" name="Picture 2"/>
           <p:cNvPicPr>
             <a:picLocks noChangeAspect="1"/>
           </p:cNvPicPr>
           <p:nvPr/>
         </p:nvPicPr>
         <p:blipFill rotWithShape="1">
-          <a:blip r:embed="rId2"/>
-          <a:srcRect r="10628" b="18785"/>
+          <a:blip r:embed="rId4"/>
+          <a:srcRect l="8004" r="6426" b="10216"/>
           <a:stretch/>
         </p:blipFill>
         <p:spPr>
           <a:xfrm>
-            <a:off x="119448" y="2347925"/>
-            <a:ext cx="4614984" cy="3449635"/>
-          </a:xfrm>
-          <a:prstGeom prst="rect">
-            <a:avLst/>
-          </a:prstGeom>
-        </p:spPr>
-      </p:pic>
-      <p:pic>
-        <p:nvPicPr>
-          <p:cNvPr id="5" name="Picture 4"/>
-          <p:cNvPicPr>
-            <a:picLocks noChangeAspect="1"/>
-          </p:cNvPicPr>
-          <p:nvPr/>
-        </p:nvPicPr>
-        <p:blipFill rotWithShape="1">
-          <a:blip r:embed="rId3"/>
-          <a:srcRect l="7764" r="8703" b="12345"/>
-          <a:stretch/>
-        </p:blipFill>
-        <p:spPr>
-          <a:xfrm>
-            <a:off x="4734432" y="2259952"/>
-            <a:ext cx="4298256" cy="3625580"/>
+            <a:off x="139594" y="2028189"/>
+            <a:ext cx="4267625" cy="3474531"/>
           </a:xfrm>
           <a:prstGeom prst="rect">
             <a:avLst/>
@@ -6118,8 +6085,8 @@
         </p:nvSpPr>
         <p:spPr>
           <a:xfrm>
-            <a:off x="479075" y="5730842"/>
-            <a:ext cx="3631955" cy="923330"/>
+            <a:off x="569222" y="5436940"/>
+            <a:ext cx="3631955" cy="646331"/>
           </a:xfrm>
           <a:prstGeom prst="rect">
             <a:avLst/>
@@ -6135,12 +6102,9 @@
             <a:pPr algn="ctr"/>
             <a:r>
               <a:rPr lang="en-US" dirty="0" smtClean="0"/>
-              <a:t>Figure 21: Perchlorate </a:t>
-            </a:r>
-            <a:r>
-              <a:rPr lang="en-US" dirty="0"/>
-              <a:t>distribution at steady state for different PEDOT:PSS thicknesses</a:t>
-            </a:r>
+              <a:t>Figure 20: Current density over time for a potential pulse train</a:t>
+            </a:r>
+            <a:endParaRPr lang="en-US" dirty="0"/>
           </a:p>
         </p:txBody>
       </p:sp>
@@ -6152,8 +6116,8 @@
         </p:nvSpPr>
         <p:spPr>
           <a:xfrm>
-            <a:off x="4734432" y="5797560"/>
-            <a:ext cx="3631955" cy="923330"/>
+            <a:off x="4819303" y="5436942"/>
+            <a:ext cx="3631955" cy="646331"/>
           </a:xfrm>
           <a:prstGeom prst="rect">
             <a:avLst/>
@@ -6169,25 +6133,29 @@
             <a:pPr algn="ctr"/>
             <a:r>
               <a:rPr lang="en-US" dirty="0" smtClean="0"/>
-              <a:t>Figure 22: Electric field strength </a:t>
-            </a:r>
-            <a:r>
-              <a:rPr lang="en-US" dirty="0"/>
-              <a:t>distribution at steady state for different PEDOT:PSS thicknesses</a:t>
-            </a:r>
+              <a:t>Figure 21: Lithium and hole density distribution over time</a:t>
+            </a:r>
+            <a:endParaRPr lang="en-US" dirty="0"/>
           </a:p>
         </p:txBody>
       </p:sp>
     </p:spTree>
     <p:extLst>
       <p:ext uri="{BB962C8B-B14F-4D97-AF65-F5344CB8AC3E}">
-        <p14:creationId xmlns:p14="http://schemas.microsoft.com/office/powerpoint/2010/main" val="2837598342"/>
+        <p14:creationId xmlns:p14="http://schemas.microsoft.com/office/powerpoint/2010/main" val="3234808702"/>
       </p:ext>
     </p:extLst>
   </p:cSld>
   <p:clrMapOvr>
     <a:masterClrMapping/>
   </p:clrMapOvr>
+  <p:timing>
+    <p:tnLst>
+      <p:par>
+        <p:cTn id="1" dur="indefinite" restart="never" nodeType="tmRoot"/>
+      </p:par>
+    </p:tnLst>
+  </p:timing>
 </p:sld>
 </file>
 
@@ -6225,10 +6193,14 @@
           <a:p>
             <a:r>
               <a:rPr lang="en-US" dirty="0" smtClean="0"/>
-              <a:t>5.3- 2-D </a:t>
-            </a:r>
-            <a:r>
-              <a:rPr lang="en-US" dirty="0" err="1" smtClean="0"/>
+              <a:t>5.3- </a:t>
+            </a:r>
+            <a:r>
+              <a:rPr lang="en-US" dirty="0"/>
+              <a:t>2-D </a:t>
+            </a:r>
+            <a:r>
+              <a:rPr lang="en-US" dirty="0" err="1"/>
               <a:t>Memristor</a:t>
             </a:r>
             <a:r>
@@ -6237,7 +6209,7 @@
             </a:r>
             <a:r>
               <a:rPr lang="en-US" dirty="0" smtClean="0"/>
-              <a:t>Simulations</a:t>
+              <a:t>model cont.</a:t>
             </a:r>
             <a:endParaRPr lang="en-US" dirty="0"/>
           </a:p>
@@ -6245,23 +6217,21 @@
       </p:sp>
       <p:pic>
         <p:nvPicPr>
-          <p:cNvPr id="5" name="Content Placeholder 4"/>
+          <p:cNvPr id="4" name="Picture 3"/>
           <p:cNvPicPr>
-            <a:picLocks noGrp="1" noChangeAspect="1"/>
+            <a:picLocks noChangeAspect="1"/>
           </p:cNvPicPr>
-          <p:nvPr>
-            <p:ph idx="1"/>
-          </p:nvPr>
+          <p:nvPr/>
         </p:nvPicPr>
         <p:blipFill rotWithShape="1">
           <a:blip r:embed="rId3"/>
-          <a:srcRect b="12078"/>
+          <a:srcRect b="12458"/>
           <a:stretch/>
         </p:blipFill>
         <p:spPr>
           <a:xfrm>
-            <a:off x="4407219" y="1908709"/>
-            <a:ext cx="4456124" cy="3713493"/>
+            <a:off x="191450" y="2159624"/>
+            <a:ext cx="4450964" cy="3460834"/>
           </a:xfrm>
           <a:prstGeom prst="rect">
             <a:avLst/>
@@ -6270,7 +6240,7 @@
       </p:pic>
       <p:pic>
         <p:nvPicPr>
-          <p:cNvPr id="3" name="Picture 2"/>
+          <p:cNvPr id="5" name="Picture 4"/>
           <p:cNvPicPr>
             <a:picLocks noChangeAspect="1"/>
           </p:cNvPicPr>
@@ -6278,13 +6248,13 @@
         </p:nvPicPr>
         <p:blipFill rotWithShape="1">
           <a:blip r:embed="rId4"/>
-          <a:srcRect l="8004" r="6426" b="10216"/>
+          <a:srcRect r="5399" b="12096"/>
           <a:stretch/>
         </p:blipFill>
         <p:spPr>
           <a:xfrm>
-            <a:off x="139594" y="2028189"/>
-            <a:ext cx="4267625" cy="3474531"/>
+            <a:off x="4642414" y="2159624"/>
+            <a:ext cx="4085127" cy="3400827"/>
           </a:xfrm>
           <a:prstGeom prst="rect">
             <a:avLst/>
@@ -6299,8 +6269,8 @@
         </p:nvSpPr>
         <p:spPr>
           <a:xfrm>
-            <a:off x="569222" y="5436940"/>
-            <a:ext cx="3631955" cy="646331"/>
+            <a:off x="425513" y="5695166"/>
+            <a:ext cx="4104513" cy="646331"/>
           </a:xfrm>
           <a:prstGeom prst="rect">
             <a:avLst/>
@@ -6316,7 +6286,7 @@
             <a:pPr algn="ctr"/>
             <a:r>
               <a:rPr lang="en-US" dirty="0" smtClean="0"/>
-              <a:t>Figure 23: Current density over time for a potential pulse train</a:t>
+              <a:t>Figure 22: Normalized current vs. applied potential at different frequencies</a:t>
             </a:r>
             <a:endParaRPr lang="en-US" dirty="0"/>
           </a:p>
@@ -6330,7 +6300,7 @@
         </p:nvSpPr>
         <p:spPr>
           <a:xfrm>
-            <a:off x="4819303" y="5436942"/>
+            <a:off x="4938989" y="5686113"/>
             <a:ext cx="3631955" cy="646331"/>
           </a:xfrm>
           <a:prstGeom prst="rect">
@@ -6347,7 +6317,7 @@
             <a:pPr algn="ctr"/>
             <a:r>
               <a:rPr lang="en-US" dirty="0" smtClean="0"/>
-              <a:t>Figure 24: Lithium and hole density distribution over time</a:t>
+              <a:t>Figure 23: Lithium density distribution over time</a:t>
             </a:r>
             <a:endParaRPr lang="en-US" dirty="0"/>
           </a:p>
@@ -6356,7 +6326,7 @@
     </p:spTree>
     <p:extLst>
       <p:ext uri="{BB962C8B-B14F-4D97-AF65-F5344CB8AC3E}">
-        <p14:creationId xmlns:p14="http://schemas.microsoft.com/office/powerpoint/2010/main" val="3234808702"/>
+        <p14:creationId xmlns:p14="http://schemas.microsoft.com/office/powerpoint/2010/main" val="4141668124"/>
       </p:ext>
     </p:extLst>
   </p:cSld>
@@ -6402,28 +6372,14 @@
         </p:nvSpPr>
         <p:spPr/>
         <p:txBody>
-          <a:bodyPr/>
+          <a:bodyPr>
+            <a:normAutofit/>
+          </a:bodyPr>
           <a:lstStyle/>
           <a:p>
             <a:r>
               <a:rPr lang="en-US" dirty="0" smtClean="0"/>
-              <a:t>5.3- </a:t>
-            </a:r>
-            <a:r>
-              <a:rPr lang="en-US" dirty="0"/>
-              <a:t>2-D </a:t>
-            </a:r>
-            <a:r>
-              <a:rPr lang="en-US" dirty="0" err="1"/>
-              <a:t>Memristor</a:t>
-            </a:r>
-            <a:r>
-              <a:rPr lang="en-US" dirty="0"/>
-              <a:t> </a:t>
-            </a:r>
-            <a:r>
-              <a:rPr lang="en-US" dirty="0" smtClean="0"/>
-              <a:t>model cont.</a:t>
+              <a:t>6. 2-D simulation vs. experimental results</a:t>
             </a:r>
             <a:endParaRPr lang="en-US" dirty="0"/>
           </a:p>
@@ -6438,14 +6394,14 @@
           <p:nvPr/>
         </p:nvPicPr>
         <p:blipFill rotWithShape="1">
-          <a:blip r:embed="rId3"/>
-          <a:srcRect b="12458"/>
+          <a:blip r:embed="rId2"/>
+          <a:srcRect b="967"/>
           <a:stretch/>
         </p:blipFill>
         <p:spPr>
           <a:xfrm>
-            <a:off x="191450" y="2159624"/>
-            <a:ext cx="4450964" cy="3460834"/>
+            <a:off x="198408" y="2663139"/>
+            <a:ext cx="4128726" cy="2144252"/>
           </a:xfrm>
           <a:prstGeom prst="rect">
             <a:avLst/>
@@ -6460,15 +6416,16 @@
           </p:cNvPicPr>
           <p:nvPr/>
         </p:nvPicPr>
-        <p:blipFill rotWithShape="1">
-          <a:blip r:embed="rId4"/>
-          <a:srcRect r="5399" b="12096"/>
-          <a:stretch/>
+        <p:blipFill>
+          <a:blip r:embed="rId3"/>
+          <a:stretch>
+            <a:fillRect/>
+          </a:stretch>
         </p:blipFill>
         <p:spPr>
           <a:xfrm>
-            <a:off x="4642414" y="2159624"/>
-            <a:ext cx="4085127" cy="3400827"/>
+            <a:off x="4327134" y="2676407"/>
+            <a:ext cx="4649139" cy="2151916"/>
           </a:xfrm>
           <a:prstGeom prst="rect">
             <a:avLst/>
@@ -6477,14 +6434,74 @@
       </p:pic>
       <p:sp>
         <p:nvSpPr>
-          <p:cNvPr id="6" name="TextBox 5"/>
+          <p:cNvPr id="7" name="Rectangle 6"/>
+          <p:cNvSpPr/>
+          <p:nvPr/>
+        </p:nvSpPr>
+        <p:spPr>
+          <a:xfrm>
+            <a:off x="300534" y="4986258"/>
+            <a:ext cx="4572000" cy="923330"/>
+          </a:xfrm>
+          <a:prstGeom prst="rect">
+            <a:avLst/>
+          </a:prstGeom>
+        </p:spPr>
+        <p:txBody>
+          <a:bodyPr>
+            <a:spAutoFit/>
+          </a:bodyPr>
+          <a:lstStyle/>
+          <a:p>
+            <a:pPr algn="ctr"/>
+            <a:r>
+              <a:rPr lang="en-US" dirty="0" smtClean="0"/>
+              <a:t>Figure 24: Experimental results for various applied potentials at 1.0 Hz (Courtesy of Eduardo Barrera*)</a:t>
+            </a:r>
+            <a:endParaRPr lang="en-US" dirty="0"/>
+          </a:p>
+        </p:txBody>
+      </p:sp>
+      <p:sp>
+        <p:nvSpPr>
+          <p:cNvPr id="9" name="Rectangle 8"/>
+          <p:cNvSpPr/>
+          <p:nvPr/>
+        </p:nvSpPr>
+        <p:spPr>
+          <a:xfrm>
+            <a:off x="4572000" y="5007190"/>
+            <a:ext cx="4404273" cy="646331"/>
+          </a:xfrm>
+          <a:prstGeom prst="rect">
+            <a:avLst/>
+          </a:prstGeom>
+        </p:spPr>
+        <p:txBody>
+          <a:bodyPr wrap="square">
+            <a:spAutoFit/>
+          </a:bodyPr>
+          <a:lstStyle/>
+          <a:p>
+            <a:pPr algn="ctr"/>
+            <a:r>
+              <a:rPr lang="en-US" dirty="0" smtClean="0"/>
+              <a:t>Figure 25: Simulation results for various applied potentials at 0.5 Hz</a:t>
+            </a:r>
+            <a:endParaRPr lang="en-US" dirty="0"/>
+          </a:p>
+        </p:txBody>
+      </p:sp>
+      <p:sp>
+        <p:nvSpPr>
+          <p:cNvPr id="8" name="TextBox 7"/>
           <p:cNvSpPr txBox="1"/>
           <p:nvPr/>
         </p:nvSpPr>
         <p:spPr>
           <a:xfrm>
-            <a:off x="425513" y="5695166"/>
-            <a:ext cx="4104513" cy="646331"/>
+            <a:off x="290033" y="6283105"/>
+            <a:ext cx="8130012" cy="492443"/>
           </a:xfrm>
           <a:prstGeom prst="rect">
             <a:avLst/>
@@ -6497,50 +6514,30 @@
           </a:bodyPr>
           <a:lstStyle/>
           <a:p>
-            <a:pPr algn="ctr"/>
-            <a:r>
-              <a:rPr lang="en-US" dirty="0" smtClean="0"/>
-              <a:t>Figure 25: Normalized current vs. applied potential at different frequencies</a:t>
-            </a:r>
-            <a:endParaRPr lang="en-US" dirty="0"/>
-          </a:p>
-        </p:txBody>
-      </p:sp>
-      <p:sp>
-        <p:nvSpPr>
-          <p:cNvPr id="7" name="TextBox 6"/>
-          <p:cNvSpPr txBox="1"/>
-          <p:nvPr/>
-        </p:nvSpPr>
-        <p:spPr>
-          <a:xfrm>
-            <a:off x="4938989" y="5686113"/>
-            <a:ext cx="3631955" cy="646331"/>
-          </a:xfrm>
-          <a:prstGeom prst="rect">
-            <a:avLst/>
-          </a:prstGeom>
-          <a:noFill/>
-        </p:spPr>
-        <p:txBody>
-          <a:bodyPr wrap="square" rtlCol="0">
-            <a:spAutoFit/>
-          </a:bodyPr>
-          <a:lstStyle/>
-          <a:p>
-            <a:pPr algn="ctr"/>
-            <a:r>
-              <a:rPr lang="en-US" dirty="0" smtClean="0"/>
-              <a:t>Figure 26: Lithium and hole density distribution over time</a:t>
-            </a:r>
-            <a:endParaRPr lang="en-US" dirty="0"/>
+            <a:r>
+              <a:rPr lang="en-US" sz="1300" dirty="0" smtClean="0"/>
+              <a:t>*Eduardo Barrera Ramirez, Characterization of a PEDOT:PSS Electrolytic Device Using an </a:t>
+            </a:r>
+            <a:r>
+              <a:rPr lang="en-US" sz="1300" i="1" dirty="0" smtClean="0"/>
+              <a:t>in situ </a:t>
+            </a:r>
+            <a:r>
+              <a:rPr lang="en-US" sz="1300" dirty="0" err="1" smtClean="0"/>
+              <a:t>Spectroelectrochemical</a:t>
+            </a:r>
+            <a:r>
+              <a:rPr lang="en-US" sz="1300" dirty="0" smtClean="0"/>
+              <a:t> Technique, Master’s Thesis, 2013 </a:t>
+            </a:r>
+            <a:endParaRPr lang="en-US" sz="1300" dirty="0"/>
           </a:p>
         </p:txBody>
       </p:sp>
     </p:spTree>
     <p:extLst>
       <p:ext uri="{BB962C8B-B14F-4D97-AF65-F5344CB8AC3E}">
-        <p14:creationId xmlns:p14="http://schemas.microsoft.com/office/powerpoint/2010/main" val="4141668124"/>
+        <p14:creationId xmlns:p14="http://schemas.microsoft.com/office/powerpoint/2010/main" val="4089733965"/>
       </p:ext>
     </p:extLst>
   </p:cSld>
@@ -6593,35 +6590,28 @@
           <a:p>
             <a:r>
               <a:rPr lang="en-US" dirty="0" smtClean="0"/>
-              <a:t>6. 2-D simulation vs. experimental results</a:t>
+              <a:t>6. </a:t>
+            </a:r>
+            <a:r>
+              <a:rPr lang="en-US" dirty="0"/>
+              <a:t>2-D </a:t>
+            </a:r>
+            <a:r>
+              <a:rPr lang="en-US" dirty="0" smtClean="0"/>
+              <a:t>simulation </a:t>
+            </a:r>
+            <a:r>
+              <a:rPr lang="en-US" dirty="0"/>
+              <a:t>vs. experimental </a:t>
+            </a:r>
+            <a:r>
+              <a:rPr lang="en-US" dirty="0" smtClean="0"/>
+              <a:t>results Cont.</a:t>
             </a:r>
             <a:endParaRPr lang="en-US" dirty="0"/>
           </a:p>
         </p:txBody>
       </p:sp>
-      <p:pic>
-        <p:nvPicPr>
-          <p:cNvPr id="4" name="Picture 3"/>
-          <p:cNvPicPr>
-            <a:picLocks noChangeAspect="1"/>
-          </p:cNvPicPr>
-          <p:nvPr/>
-        </p:nvPicPr>
-        <p:blipFill rotWithShape="1">
-          <a:blip r:embed="rId2"/>
-          <a:srcRect b="967"/>
-          <a:stretch/>
-        </p:blipFill>
-        <p:spPr>
-          <a:xfrm>
-            <a:off x="198408" y="2663139"/>
-            <a:ext cx="4128726" cy="2144252"/>
-          </a:xfrm>
-          <a:prstGeom prst="rect">
-            <a:avLst/>
-          </a:prstGeom>
-        </p:spPr>
-      </p:pic>
       <p:pic>
         <p:nvPicPr>
           <p:cNvPr id="5" name="Picture 4"/>
@@ -6631,51 +6621,44 @@
           <p:nvPr/>
         </p:nvPicPr>
         <p:blipFill>
-          <a:blip r:embed="rId3"/>
+          <a:blip r:embed="rId2"/>
           <a:stretch>
             <a:fillRect/>
           </a:stretch>
         </p:blipFill>
         <p:spPr>
           <a:xfrm>
-            <a:off x="4327134" y="2676407"/>
-            <a:ext cx="4649139" cy="2151916"/>
+            <a:off x="161464" y="2354243"/>
+            <a:ext cx="4661413" cy="3041114"/>
           </a:xfrm>
           <a:prstGeom prst="rect">
             <a:avLst/>
           </a:prstGeom>
         </p:spPr>
       </p:pic>
-      <p:sp>
-        <p:nvSpPr>
-          <p:cNvPr id="7" name="Rectangle 6"/>
-          <p:cNvSpPr/>
+      <p:pic>
+        <p:nvPicPr>
+          <p:cNvPr id="8" name="Picture 7"/>
+          <p:cNvPicPr>
+            <a:picLocks noChangeAspect="1"/>
+          </p:cNvPicPr>
           <p:nvPr/>
-        </p:nvSpPr>
-        <p:spPr>
-          <a:xfrm>
-            <a:off x="300534" y="4986258"/>
-            <a:ext cx="4572000" cy="923330"/>
-          </a:xfrm>
-          <a:prstGeom prst="rect">
-            <a:avLst/>
-          </a:prstGeom>
-        </p:spPr>
-        <p:txBody>
-          <a:bodyPr>
-            <a:spAutoFit/>
-          </a:bodyPr>
-          <a:lstStyle/>
-          <a:p>
-            <a:pPr algn="ctr"/>
-            <a:r>
-              <a:rPr lang="en-US" dirty="0" smtClean="0"/>
-              <a:t>Figure 27: Experimental results for various applied potentials at 1.0 Hz (Courtesy of Eduardo Barrera*)</a:t>
-            </a:r>
-            <a:endParaRPr lang="en-US" dirty="0"/>
-          </a:p>
-        </p:txBody>
-      </p:sp>
+        </p:nvPicPr>
+        <p:blipFill rotWithShape="1">
+          <a:blip r:embed="rId3"/>
+          <a:srcRect b="11745"/>
+          <a:stretch/>
+        </p:blipFill>
+        <p:spPr>
+          <a:xfrm>
+            <a:off x="4822877" y="2354243"/>
+            <a:ext cx="4218095" cy="3025256"/>
+          </a:xfrm>
+          <a:prstGeom prst="rect">
+            <a:avLst/>
+          </a:prstGeom>
+        </p:spPr>
+      </p:pic>
       <p:sp>
         <p:nvSpPr>
           <p:cNvPr id="9" name="Rectangle 8"/>
@@ -6684,7 +6667,7 @@
         </p:nvSpPr>
         <p:spPr>
           <a:xfrm>
-            <a:off x="4572000" y="5007190"/>
+            <a:off x="290033" y="5395357"/>
             <a:ext cx="4404273" cy="646331"/>
           </a:xfrm>
           <a:prstGeom prst="rect">
@@ -6700,7 +6683,15 @@
             <a:pPr algn="ctr"/>
             <a:r>
               <a:rPr lang="en-US" dirty="0" smtClean="0"/>
-              <a:t>Figure 28: Simulation results for various applied potentials at 0.5 Hz</a:t>
+              <a:t>Figure 26: </a:t>
+            </a:r>
+            <a:r>
+              <a:rPr lang="en-US" dirty="0"/>
+              <a:t>Measured I-V curve at different frequencies (Courtesy of Eduardo </a:t>
+            </a:r>
+            <a:r>
+              <a:rPr lang="en-US" dirty="0" smtClean="0"/>
+              <a:t>Barrera*)</a:t>
             </a:r>
             <a:endParaRPr lang="en-US" dirty="0"/>
           </a:p>
@@ -6708,7 +6699,45 @@
       </p:sp>
       <p:sp>
         <p:nvSpPr>
-          <p:cNvPr id="8" name="TextBox 7"/>
+          <p:cNvPr id="4" name="Rectangle 3"/>
+          <p:cNvSpPr/>
+          <p:nvPr/>
+        </p:nvSpPr>
+        <p:spPr>
+          <a:xfrm>
+            <a:off x="4971439" y="5395357"/>
+            <a:ext cx="4069533" cy="646331"/>
+          </a:xfrm>
+          <a:prstGeom prst="rect">
+            <a:avLst/>
+          </a:prstGeom>
+        </p:spPr>
+        <p:txBody>
+          <a:bodyPr wrap="square">
+            <a:spAutoFit/>
+          </a:bodyPr>
+          <a:lstStyle/>
+          <a:p>
+            <a:pPr algn="ctr"/>
+            <a:r>
+              <a:rPr lang="en-US" dirty="0" smtClean="0"/>
+              <a:t>Figure 27: Measured </a:t>
+            </a:r>
+            <a:r>
+              <a:rPr lang="en-US" dirty="0"/>
+              <a:t>I-V curve at different </a:t>
+            </a:r>
+            <a:r>
+              <a:rPr lang="en-US" dirty="0" smtClean="0"/>
+              <a:t>frequencies</a:t>
+            </a:r>
+            <a:endParaRPr lang="en-US" dirty="0"/>
+          </a:p>
+        </p:txBody>
+      </p:sp>
+      <p:sp>
+        <p:nvSpPr>
+          <p:cNvPr id="3" name="TextBox 2"/>
           <p:cNvSpPr txBox="1"/>
           <p:nvPr/>
         </p:nvSpPr>
@@ -6742,11 +6771,7 @@
             </a:r>
             <a:r>
               <a:rPr lang="en-US" sz="1300" dirty="0" smtClean="0"/>
-              <a:t> Technique, Master’s Thesis, </a:t>
-            </a:r>
-            <a:r>
-              <a:rPr lang="en-US" sz="1300" dirty="0" smtClean="0"/>
-              <a:t>2013 </a:t>
+              <a:t> Technique, Master’s Thesis, 2013 </a:t>
             </a:r>
             <a:endParaRPr lang="en-US" sz="1300" dirty="0"/>
           </a:p>
@@ -6755,7 +6780,7 @@
     </p:spTree>
     <p:extLst>
       <p:ext uri="{BB962C8B-B14F-4D97-AF65-F5344CB8AC3E}">
-        <p14:creationId xmlns:p14="http://schemas.microsoft.com/office/powerpoint/2010/main" val="4089733965"/>
+        <p14:creationId xmlns:p14="http://schemas.microsoft.com/office/powerpoint/2010/main" val="21781961"/>
       </p:ext>
     </p:extLst>
   </p:cSld>
@@ -6842,9 +6867,10 @@
               <a:buAutoNum type="arabicPeriod"/>
             </a:pPr>
             <a:r>
-              <a:rPr lang="en-US" sz="1800" dirty="0"/>
-              <a:t>Equations</a:t>
-            </a:r>
+              <a:rPr lang="en-US" sz="1800" dirty="0" smtClean="0"/>
+              <a:t>General Equations</a:t>
+            </a:r>
+            <a:endParaRPr lang="en-US" sz="1800" dirty="0"/>
           </a:p>
           <a:p>
             <a:pPr marL="342900" indent="-342900">
@@ -6962,208 +6988,141 @@
         </p:nvSpPr>
         <p:spPr/>
         <p:txBody>
+          <a:bodyPr/>
+          <a:lstStyle/>
+          <a:p>
+            <a:r>
+              <a:rPr lang="en-US" dirty="0"/>
+              <a:t>7</a:t>
+            </a:r>
+            <a:r>
+              <a:rPr lang="en-US" dirty="0" smtClean="0"/>
+              <a:t>- Conclusion</a:t>
+            </a:r>
+            <a:endParaRPr lang="en-US" dirty="0"/>
+          </a:p>
+        </p:txBody>
+      </p:sp>
+      <p:sp>
+        <p:nvSpPr>
+          <p:cNvPr id="3" name="Content Placeholder 2"/>
+          <p:cNvSpPr>
+            <a:spLocks noGrp="1"/>
+          </p:cNvSpPr>
+          <p:nvPr>
+            <p:ph idx="1"/>
+          </p:nvPr>
+        </p:nvSpPr>
+        <p:spPr/>
+        <p:txBody>
           <a:bodyPr>
-            <a:normAutofit/>
+            <a:normAutofit fontScale="47500" lnSpcReduction="20000"/>
           </a:bodyPr>
           <a:lstStyle/>
           <a:p>
-            <a:r>
-              <a:rPr lang="en-US" dirty="0" smtClean="0"/>
-              <a:t>6. </a:t>
-            </a:r>
-            <a:r>
-              <a:rPr lang="en-US" dirty="0"/>
-              <a:t>2-D </a:t>
-            </a:r>
-            <a:r>
-              <a:rPr lang="en-US" dirty="0" smtClean="0"/>
-              <a:t>simulation </a:t>
-            </a:r>
-            <a:r>
-              <a:rPr lang="en-US" dirty="0"/>
-              <a:t>vs. experimental </a:t>
-            </a:r>
-            <a:r>
-              <a:rPr lang="en-US" dirty="0" smtClean="0"/>
-              <a:t>results Cont.</a:t>
-            </a:r>
+            <a:pPr marL="0" indent="0">
+              <a:buNone/>
+            </a:pPr>
+            <a:endParaRPr lang="en-US" dirty="0" smtClean="0"/>
+          </a:p>
+          <a:p>
+            <a:endParaRPr lang="en-US" dirty="0" smtClean="0"/>
+          </a:p>
+          <a:p>
             <a:endParaRPr lang="en-US" dirty="0"/>
           </a:p>
-        </p:txBody>
-      </p:sp>
-      <p:pic>
-        <p:nvPicPr>
-          <p:cNvPr id="5" name="Picture 4"/>
-          <p:cNvPicPr>
-            <a:picLocks noChangeAspect="1"/>
-          </p:cNvPicPr>
-          <p:nvPr/>
-        </p:nvPicPr>
-        <p:blipFill>
-          <a:blip r:embed="rId2"/>
-          <a:stretch>
-            <a:fillRect/>
-          </a:stretch>
-        </p:blipFill>
-        <p:spPr>
-          <a:xfrm>
-            <a:off x="161464" y="2354243"/>
-            <a:ext cx="4661413" cy="3041114"/>
-          </a:xfrm>
-          <a:prstGeom prst="rect">
-            <a:avLst/>
-          </a:prstGeom>
-        </p:spPr>
-      </p:pic>
-      <p:pic>
-        <p:nvPicPr>
-          <p:cNvPr id="8" name="Picture 7"/>
-          <p:cNvPicPr>
-            <a:picLocks noChangeAspect="1"/>
-          </p:cNvPicPr>
-          <p:nvPr/>
-        </p:nvPicPr>
-        <p:blipFill rotWithShape="1">
-          <a:blip r:embed="rId3"/>
-          <a:srcRect b="11745"/>
-          <a:stretch/>
-        </p:blipFill>
-        <p:spPr>
-          <a:xfrm>
-            <a:off x="4822877" y="2354243"/>
-            <a:ext cx="4218095" cy="3025256"/>
-          </a:xfrm>
-          <a:prstGeom prst="rect">
-            <a:avLst/>
-          </a:prstGeom>
-        </p:spPr>
-      </p:pic>
-      <p:sp>
-        <p:nvSpPr>
-          <p:cNvPr id="9" name="Rectangle 8"/>
-          <p:cNvSpPr/>
-          <p:nvPr/>
-        </p:nvSpPr>
-        <p:spPr>
-          <a:xfrm>
-            <a:off x="290033" y="5395357"/>
-            <a:ext cx="4404273" cy="646331"/>
-          </a:xfrm>
-          <a:prstGeom prst="rect">
-            <a:avLst/>
-          </a:prstGeom>
-        </p:spPr>
-        <p:txBody>
-          <a:bodyPr wrap="square">
-            <a:spAutoFit/>
-          </a:bodyPr>
-          <a:lstStyle/>
-          <a:p>
-            <a:pPr algn="ctr"/>
-            <a:r>
-              <a:rPr lang="en-US" dirty="0" smtClean="0"/>
-              <a:t>Figure 29</a:t>
-            </a:r>
-            <a:r>
-              <a:rPr lang="en-US" dirty="0"/>
-              <a:t>: Measured I-V curve at different frequencies (Courtesy of Eduardo </a:t>
-            </a:r>
-            <a:r>
-              <a:rPr lang="en-US" dirty="0" smtClean="0"/>
-              <a:t>Barrera*)</a:t>
-            </a:r>
+          <a:p>
+            <a:r>
+              <a:rPr lang="en-US" sz="2600" dirty="0" smtClean="0"/>
+              <a:t>Accomplishments</a:t>
+            </a:r>
+          </a:p>
+          <a:p>
+            <a:pPr lvl="1"/>
+            <a:r>
+              <a:rPr lang="en-US" sz="2600" dirty="0" smtClean="0"/>
+              <a:t>Simulation of a ionic electronic device</a:t>
+            </a:r>
+          </a:p>
+          <a:p>
+            <a:pPr lvl="1"/>
+            <a:r>
+              <a:rPr lang="en-US" sz="2600" dirty="0" smtClean="0"/>
+              <a:t>Saturation Mechanism</a:t>
+            </a:r>
+          </a:p>
+          <a:p>
+            <a:pPr lvl="1"/>
+            <a:r>
+              <a:rPr lang="en-US" sz="2600" dirty="0" smtClean="0"/>
+              <a:t>Experimental Verification</a:t>
+            </a:r>
+          </a:p>
+          <a:p>
+            <a:endParaRPr lang="en-US" sz="2600" dirty="0" smtClean="0"/>
+          </a:p>
+          <a:p>
+            <a:r>
+              <a:rPr lang="en-US" sz="2600" dirty="0" smtClean="0"/>
+              <a:t>Future Work</a:t>
+            </a:r>
+          </a:p>
+          <a:p>
+            <a:pPr lvl="1"/>
+            <a:r>
+              <a:rPr lang="en-US" sz="2600" dirty="0" smtClean="0"/>
+              <a:t>Parameter fitting for 1-D and 2-D</a:t>
+            </a:r>
+          </a:p>
+          <a:p>
+            <a:pPr lvl="1"/>
+            <a:r>
+              <a:rPr lang="en-US" sz="2600" dirty="0" smtClean="0"/>
+              <a:t>Additional modeling of carrier transport mechanisms</a:t>
+            </a:r>
+          </a:p>
+          <a:p>
+            <a:pPr lvl="1"/>
+            <a:r>
+              <a:rPr lang="en-US" sz="2600" dirty="0" smtClean="0"/>
+              <a:t>Different Geometries</a:t>
+            </a:r>
+          </a:p>
+          <a:p>
+            <a:pPr lvl="1"/>
+            <a:r>
+              <a:rPr lang="en-US" sz="2600" dirty="0" smtClean="0"/>
+              <a:t>Further experimental verification</a:t>
+            </a:r>
+          </a:p>
+          <a:p>
+            <a:pPr lvl="1"/>
+            <a:r>
+              <a:rPr lang="en-US" sz="2600" dirty="0" smtClean="0"/>
+              <a:t>3D Structures</a:t>
+            </a:r>
+          </a:p>
+          <a:p>
+            <a:endParaRPr lang="en-US" dirty="0" smtClean="0"/>
+          </a:p>
+          <a:p>
+            <a:endParaRPr lang="en-US" dirty="0" smtClean="0"/>
+          </a:p>
+          <a:p>
+            <a:endParaRPr lang="en-US" dirty="0" smtClean="0"/>
+          </a:p>
+          <a:p>
+            <a:endParaRPr lang="en-US" dirty="0" smtClean="0"/>
+          </a:p>
+          <a:p>
             <a:endParaRPr lang="en-US" dirty="0"/>
-          </a:p>
-        </p:txBody>
-      </p:sp>
-      <p:sp>
-        <p:nvSpPr>
-          <p:cNvPr id="4" name="Rectangle 3"/>
-          <p:cNvSpPr/>
-          <p:nvPr/>
-        </p:nvSpPr>
-        <p:spPr>
-          <a:xfrm>
-            <a:off x="4971439" y="5395357"/>
-            <a:ext cx="4069533" cy="646331"/>
-          </a:xfrm>
-          <a:prstGeom prst="rect">
-            <a:avLst/>
-          </a:prstGeom>
-        </p:spPr>
-        <p:txBody>
-          <a:bodyPr wrap="square">
-            <a:spAutoFit/>
-          </a:bodyPr>
-          <a:lstStyle/>
-          <a:p>
-            <a:pPr algn="ctr"/>
-            <a:r>
-              <a:rPr lang="en-US" dirty="0" smtClean="0"/>
-              <a:t>Figure 30: Measured </a:t>
-            </a:r>
-            <a:r>
-              <a:rPr lang="en-US" dirty="0"/>
-              <a:t>I-V curve at different </a:t>
-            </a:r>
-            <a:r>
-              <a:rPr lang="en-US" dirty="0" smtClean="0"/>
-              <a:t>frequencies</a:t>
-            </a:r>
-            <a:endParaRPr lang="en-US" dirty="0"/>
-          </a:p>
-        </p:txBody>
-      </p:sp>
-      <p:sp>
-        <p:nvSpPr>
-          <p:cNvPr id="3" name="TextBox 2"/>
-          <p:cNvSpPr txBox="1"/>
-          <p:nvPr/>
-        </p:nvSpPr>
-        <p:spPr>
-          <a:xfrm>
-            <a:off x="290033" y="6283105"/>
-            <a:ext cx="8130012" cy="492443"/>
-          </a:xfrm>
-          <a:prstGeom prst="rect">
-            <a:avLst/>
-          </a:prstGeom>
-          <a:noFill/>
-        </p:spPr>
-        <p:txBody>
-          <a:bodyPr wrap="square" rtlCol="0">
-            <a:spAutoFit/>
-          </a:bodyPr>
-          <a:lstStyle/>
-          <a:p>
-            <a:r>
-              <a:rPr lang="en-US" sz="1300" dirty="0" smtClean="0"/>
-              <a:t>*Eduardo Barrera Ramirez, Characterization of a PEDOT:PSS Electrolytic Device Using an </a:t>
-            </a:r>
-            <a:r>
-              <a:rPr lang="en-US" sz="1300" i="1" dirty="0" smtClean="0"/>
-              <a:t>in situ </a:t>
-            </a:r>
-            <a:r>
-              <a:rPr lang="en-US" sz="1300" dirty="0" err="1" smtClean="0"/>
-              <a:t>Spectroelectrochemical</a:t>
-            </a:r>
-            <a:r>
-              <a:rPr lang="en-US" sz="1300" dirty="0" smtClean="0"/>
-              <a:t> Technique, Master’s Thesis, </a:t>
-            </a:r>
-            <a:r>
-              <a:rPr lang="en-US" sz="1300" dirty="0" smtClean="0"/>
-              <a:t>2013 </a:t>
-            </a:r>
-            <a:endParaRPr lang="en-US" sz="1300" dirty="0"/>
           </a:p>
         </p:txBody>
       </p:sp>
     </p:spTree>
     <p:extLst>
       <p:ext uri="{BB962C8B-B14F-4D97-AF65-F5344CB8AC3E}">
-        <p14:creationId xmlns:p14="http://schemas.microsoft.com/office/powerpoint/2010/main" val="21781961"/>
+        <p14:creationId xmlns:p14="http://schemas.microsoft.com/office/powerpoint/2010/main" val="3334265842"/>
       </p:ext>
     </p:extLst>
   </p:cSld>
@@ -7295,7 +7254,7 @@
             <a:pPr algn="ctr"/>
             <a:r>
               <a:rPr lang="en-US" dirty="0" smtClean="0"/>
-              <a:t>Figure 31: Experimental </a:t>
+              <a:t>Figure 28: Experimental </a:t>
             </a:r>
             <a:r>
               <a:rPr lang="en-US" dirty="0"/>
@@ -7333,7 +7292,7 @@
             <a:pPr algn="ctr"/>
             <a:r>
               <a:rPr lang="en-US" dirty="0" smtClean="0"/>
-              <a:t>Figure 32: Simulation </a:t>
+              <a:t>Figure 29: Simulation </a:t>
             </a:r>
             <a:r>
               <a:rPr lang="en-US" dirty="0"/>
@@ -7383,11 +7342,7 @@
             </a:r>
             <a:r>
               <a:rPr lang="en-US" sz="1300" dirty="0" smtClean="0"/>
-              <a:t> Technique, Master’s Thesis, </a:t>
-            </a:r>
-            <a:r>
-              <a:rPr lang="en-US" sz="1300" dirty="0" smtClean="0"/>
-              <a:t>2013 </a:t>
+              <a:t> Technique, Master’s Thesis, 2013 </a:t>
             </a:r>
             <a:endParaRPr lang="en-US" sz="1300" dirty="0"/>
           </a:p>
@@ -7442,112 +7397,229 @@
         </p:nvSpPr>
         <p:spPr/>
         <p:txBody>
-          <a:bodyPr/>
+          <a:bodyPr>
+            <a:normAutofit/>
+          </a:bodyPr>
+          <a:lstStyle/>
+          <a:p>
+            <a:r>
+              <a:rPr lang="en-US" dirty="0" smtClean="0"/>
+              <a:t>4.3- Numerical and Physical Limitations</a:t>
+            </a:r>
+            <a:endParaRPr lang="en-US" dirty="0"/>
+          </a:p>
+        </p:txBody>
+      </p:sp>
+      <p:sp>
+        <p:nvSpPr>
+          <p:cNvPr id="3" name="Content Placeholder 2"/>
+          <p:cNvSpPr>
+            <a:spLocks noGrp="1"/>
+          </p:cNvSpPr>
+          <p:nvPr>
+            <p:ph idx="1"/>
+          </p:nvPr>
+        </p:nvSpPr>
+        <p:spPr/>
+        <p:txBody>
+          <a:bodyPr>
+            <a:normAutofit/>
+          </a:bodyPr>
           <a:lstStyle/>
           <a:p>
             <a:r>
               <a:rPr lang="en-US" dirty="0"/>
-              <a:t>7</a:t>
+              <a:t>Debye Length:</a:t>
+            </a:r>
+          </a:p>
+          <a:p>
+            <a:r>
+              <a:rPr lang="en-US" dirty="0"/>
+              <a:t>Dielectric Relaxation </a:t>
             </a:r>
             <a:r>
               <a:rPr lang="en-US" dirty="0" smtClean="0"/>
-              <a:t>- Conclusion</a:t>
+              <a:t>Time: </a:t>
             </a:r>
             <a:endParaRPr lang="en-US" dirty="0"/>
           </a:p>
-        </p:txBody>
-      </p:sp>
-      <p:sp>
-        <p:nvSpPr>
-          <p:cNvPr id="3" name="Content Placeholder 2"/>
-          <p:cNvSpPr>
-            <a:spLocks noGrp="1"/>
-          </p:cNvSpPr>
-          <p:nvPr>
-            <p:ph idx="1"/>
-          </p:nvPr>
-        </p:nvSpPr>
-        <p:spPr/>
-        <p:txBody>
-          <a:bodyPr>
-            <a:normAutofit fontScale="92500" lnSpcReduction="20000"/>
+          <a:p>
+            <a:r>
+              <a:rPr lang="en-US" dirty="0"/>
+              <a:t>CFL Conditions</a:t>
+            </a:r>
+          </a:p>
+          <a:p>
+            <a:pPr lvl="1"/>
+            <a:r>
+              <a:rPr lang="en-US" sz="1800" dirty="0"/>
+              <a:t>Drift</a:t>
+            </a:r>
+          </a:p>
+          <a:p>
+            <a:pPr lvl="1"/>
+            <a:r>
+              <a:rPr lang="en-US" sz="1800" dirty="0"/>
+              <a:t>Diffusion:</a:t>
+            </a:r>
+          </a:p>
+        </p:txBody>
+      </p:sp>
+      <p:pic>
+        <p:nvPicPr>
+          <p:cNvPr id="6" name="Picture 5"/>
+          <p:cNvPicPr>
+            <a:picLocks noChangeAspect="1"/>
+          </p:cNvPicPr>
+          <p:nvPr/>
+        </p:nvPicPr>
+        <p:blipFill>
+          <a:blip r:embed="rId2"/>
+          <a:stretch>
+            <a:fillRect/>
+          </a:stretch>
+        </p:blipFill>
+        <p:spPr>
+          <a:xfrm>
+            <a:off x="3693460" y="2787266"/>
+            <a:ext cx="947597" cy="635729"/>
+          </a:xfrm>
+          <a:prstGeom prst="rect">
+            <a:avLst/>
+          </a:prstGeom>
+        </p:spPr>
+      </p:pic>
+      <p:pic>
+        <p:nvPicPr>
+          <p:cNvPr id="7" name="Picture 6"/>
+          <p:cNvPicPr>
+            <a:picLocks noChangeAspect="1"/>
+          </p:cNvPicPr>
+          <p:nvPr/>
+        </p:nvPicPr>
+        <p:blipFill>
+          <a:blip r:embed="rId3"/>
+          <a:stretch>
+            <a:fillRect/>
+          </a:stretch>
+        </p:blipFill>
+        <p:spPr>
+          <a:xfrm>
+            <a:off x="3681165" y="3449696"/>
+            <a:ext cx="773670" cy="437813"/>
+          </a:xfrm>
+          <a:prstGeom prst="rect">
+            <a:avLst/>
+          </a:prstGeom>
+        </p:spPr>
+      </p:pic>
+      <p:pic>
+        <p:nvPicPr>
+          <p:cNvPr id="8" name="Picture 7"/>
+          <p:cNvPicPr>
+            <a:picLocks noChangeAspect="1"/>
+          </p:cNvPicPr>
+          <p:nvPr/>
+        </p:nvPicPr>
+        <p:blipFill>
+          <a:blip r:embed="rId4"/>
+          <a:stretch>
+            <a:fillRect/>
+          </a:stretch>
+        </p:blipFill>
+        <p:spPr>
+          <a:xfrm>
+            <a:off x="3693460" y="4679648"/>
+            <a:ext cx="767673" cy="473798"/>
+          </a:xfrm>
+          <a:prstGeom prst="rect">
+            <a:avLst/>
+          </a:prstGeom>
+        </p:spPr>
+      </p:pic>
+      <p:pic>
+        <p:nvPicPr>
+          <p:cNvPr id="9" name="Picture 8"/>
+          <p:cNvPicPr>
+            <a:picLocks noChangeAspect="1"/>
+          </p:cNvPicPr>
+          <p:nvPr/>
+        </p:nvPicPr>
+        <p:blipFill>
+          <a:blip r:embed="rId5"/>
+          <a:stretch>
+            <a:fillRect/>
+          </a:stretch>
+        </p:blipFill>
+        <p:spPr>
+          <a:xfrm>
+            <a:off x="3697843" y="4167214"/>
+            <a:ext cx="773670" cy="533773"/>
+          </a:xfrm>
+          <a:prstGeom prst="rect">
+            <a:avLst/>
+          </a:prstGeom>
+        </p:spPr>
+      </p:pic>
+      <p:sp>
+        <p:nvSpPr>
+          <p:cNvPr id="4" name="TextBox 3"/>
+          <p:cNvSpPr txBox="1"/>
+          <p:nvPr/>
+        </p:nvSpPr>
+        <p:spPr>
+          <a:xfrm>
+            <a:off x="4822127" y="5703683"/>
+            <a:ext cx="4321874" cy="646331"/>
+          </a:xfrm>
+          <a:prstGeom prst="rect">
+            <a:avLst/>
+          </a:prstGeom>
+          <a:noFill/>
+        </p:spPr>
+        <p:txBody>
+          <a:bodyPr wrap="square" rtlCol="0">
+            <a:spAutoFit/>
           </a:bodyPr>
           <a:lstStyle/>
           <a:p>
-            <a:pPr marL="0" indent="0">
-              <a:buNone/>
-            </a:pPr>
-            <a:endParaRPr lang="en-US" dirty="0" smtClean="0"/>
-          </a:p>
-          <a:p>
-            <a:endParaRPr lang="en-US" dirty="0" smtClean="0"/>
-          </a:p>
-          <a:p>
+            <a:pPr algn="ctr"/>
+            <a:r>
+              <a:rPr lang="en-US" dirty="0" smtClean="0"/>
+              <a:t>Figure 11: Spatial and temporal requirements for a simulation</a:t>
+            </a:r>
             <a:endParaRPr lang="en-US" dirty="0"/>
           </a:p>
-          <a:p>
-            <a:r>
-              <a:rPr lang="en-US" dirty="0" smtClean="0"/>
-              <a:t>Simulation of a ionic electronic device</a:t>
-            </a:r>
-          </a:p>
-          <a:p>
-            <a:r>
-              <a:rPr lang="en-US" dirty="0" smtClean="0"/>
-              <a:t>Saturation Mechanism</a:t>
-            </a:r>
-          </a:p>
-          <a:p>
-            <a:r>
-              <a:rPr lang="en-US" dirty="0" smtClean="0"/>
-              <a:t>Density scaling issues, parameter fitting</a:t>
-            </a:r>
-          </a:p>
-          <a:p>
-            <a:r>
-              <a:rPr lang="en-US" dirty="0" smtClean="0"/>
-              <a:t>Additional modeling of hole transport mechanisms</a:t>
-            </a:r>
-          </a:p>
-          <a:p>
-            <a:r>
-              <a:rPr lang="en-US" dirty="0" smtClean="0"/>
-              <a:t>Different Geometries</a:t>
-            </a:r>
-          </a:p>
-          <a:p>
-            <a:r>
-              <a:rPr lang="en-US" dirty="0" smtClean="0"/>
-              <a:t>Further experimental verification</a:t>
-            </a:r>
-          </a:p>
-          <a:p>
-            <a:r>
-              <a:rPr lang="en-US" dirty="0" smtClean="0"/>
-              <a:t>3D Modelling</a:t>
-            </a:r>
-          </a:p>
-          <a:p>
-            <a:endParaRPr lang="en-US" dirty="0" smtClean="0"/>
-          </a:p>
-          <a:p>
-            <a:endParaRPr lang="en-US" dirty="0" smtClean="0"/>
-          </a:p>
-          <a:p>
-            <a:endParaRPr lang="en-US" dirty="0" smtClean="0"/>
-          </a:p>
-          <a:p>
-            <a:endParaRPr lang="en-US" dirty="0" smtClean="0"/>
-          </a:p>
-          <a:p>
-            <a:endParaRPr lang="en-US" dirty="0"/>
-          </a:p>
-        </p:txBody>
-      </p:sp>
+        </p:txBody>
+      </p:sp>
+      <p:pic>
+        <p:nvPicPr>
+          <p:cNvPr id="5" name="Picture 4"/>
+          <p:cNvPicPr>
+            <a:picLocks noChangeAspect="1"/>
+          </p:cNvPicPr>
+          <p:nvPr/>
+        </p:nvPicPr>
+        <p:blipFill>
+          <a:blip r:embed="rId6"/>
+          <a:stretch>
+            <a:fillRect/>
+          </a:stretch>
+        </p:blipFill>
+        <p:spPr>
+          <a:xfrm>
+            <a:off x="4655664" y="2228003"/>
+            <a:ext cx="4385502" cy="3475680"/>
+          </a:xfrm>
+          <a:prstGeom prst="rect">
+            <a:avLst/>
+          </a:prstGeom>
+        </p:spPr>
+      </p:pic>
     </p:spTree>
     <p:extLst>
       <p:ext uri="{BB962C8B-B14F-4D97-AF65-F5344CB8AC3E}">
-        <p14:creationId xmlns:p14="http://schemas.microsoft.com/office/powerpoint/2010/main" val="3334265842"/>
+        <p14:creationId xmlns:p14="http://schemas.microsoft.com/office/powerpoint/2010/main" val="2126313866"/>
       </p:ext>
     </p:extLst>
   </p:cSld>
@@ -7593,98 +7665,17 @@
         </p:nvSpPr>
         <p:spPr/>
         <p:txBody>
-          <a:bodyPr>
-            <a:normAutofit/>
-          </a:bodyPr>
+          <a:bodyPr/>
           <a:lstStyle/>
           <a:p>
             <a:r>
               <a:rPr lang="en-US" dirty="0" smtClean="0"/>
-              <a:t>4.3- Numerical and Physical Limitations</a:t>
+              <a:t>5.2- Scaling to Higher densities</a:t>
             </a:r>
             <a:endParaRPr lang="en-US" dirty="0"/>
           </a:p>
         </p:txBody>
       </p:sp>
-      <p:sp>
-        <p:nvSpPr>
-          <p:cNvPr id="3" name="Content Placeholder 2"/>
-          <p:cNvSpPr>
-            <a:spLocks noGrp="1"/>
-          </p:cNvSpPr>
-          <p:nvPr>
-            <p:ph idx="1"/>
-          </p:nvPr>
-        </p:nvSpPr>
-        <p:spPr/>
-        <p:txBody>
-          <a:bodyPr>
-            <a:normAutofit/>
-          </a:bodyPr>
-          <a:lstStyle/>
-          <a:p>
-            <a:r>
-              <a:rPr lang="en-US" dirty="0"/>
-              <a:t>Debye Length:</a:t>
-            </a:r>
-          </a:p>
-          <a:p>
-            <a:r>
-              <a:rPr lang="en-US" dirty="0"/>
-              <a:t>Dielectric Relaxation </a:t>
-            </a:r>
-            <a:r>
-              <a:rPr lang="en-US" dirty="0" smtClean="0"/>
-              <a:t>Time: </a:t>
-            </a:r>
-            <a:endParaRPr lang="en-US" dirty="0"/>
-          </a:p>
-          <a:p>
-            <a:r>
-              <a:rPr lang="en-US" dirty="0"/>
-              <a:t>CFL Conditions</a:t>
-            </a:r>
-          </a:p>
-          <a:p>
-            <a:pPr lvl="1"/>
-            <a:r>
-              <a:rPr lang="en-US" sz="1800" dirty="0"/>
-              <a:t>Drift</a:t>
-            </a:r>
-          </a:p>
-          <a:p>
-            <a:pPr lvl="1"/>
-            <a:r>
-              <a:rPr lang="en-US" sz="1800" dirty="0"/>
-              <a:t>Diffusion:</a:t>
-            </a:r>
-          </a:p>
-        </p:txBody>
-      </p:sp>
-      <p:pic>
-        <p:nvPicPr>
-          <p:cNvPr id="6" name="Picture 5"/>
-          <p:cNvPicPr>
-            <a:picLocks noChangeAspect="1"/>
-          </p:cNvPicPr>
-          <p:nvPr/>
-        </p:nvPicPr>
-        <p:blipFill>
-          <a:blip r:embed="rId2"/>
-          <a:stretch>
-            <a:fillRect/>
-          </a:stretch>
-        </p:blipFill>
-        <p:spPr>
-          <a:xfrm>
-            <a:off x="3693460" y="2787266"/>
-            <a:ext cx="947597" cy="635729"/>
-          </a:xfrm>
-          <a:prstGeom prst="rect">
-            <a:avLst/>
-          </a:prstGeom>
-        </p:spPr>
-      </p:pic>
       <p:pic>
         <p:nvPicPr>
           <p:cNvPr id="7" name="Picture 6"/>
@@ -7693,16 +7684,15 @@
           </p:cNvPicPr>
           <p:nvPr/>
         </p:nvPicPr>
-        <p:blipFill>
-          <a:blip r:embed="rId3"/>
-          <a:stretch>
-            <a:fillRect/>
-          </a:stretch>
+        <p:blipFill rotWithShape="1">
+          <a:blip r:embed="rId2"/>
+          <a:srcRect b="12082"/>
+          <a:stretch/>
         </p:blipFill>
         <p:spPr>
           <a:xfrm>
-            <a:off x="3681165" y="3449696"/>
-            <a:ext cx="773670" cy="437813"/>
+            <a:off x="4701039" y="2224755"/>
+            <a:ext cx="4017448" cy="3325386"/>
           </a:xfrm>
           <a:prstGeom prst="rect">
             <a:avLst/>
@@ -7717,63 +7707,15 @@
           </p:cNvPicPr>
           <p:nvPr/>
         </p:nvPicPr>
-        <p:blipFill>
-          <a:blip r:embed="rId4"/>
-          <a:stretch>
-            <a:fillRect/>
-          </a:stretch>
-        </p:blipFill>
-        <p:spPr>
-          <a:xfrm>
-            <a:off x="3693460" y="4679648"/>
-            <a:ext cx="767673" cy="473798"/>
-          </a:xfrm>
-          <a:prstGeom prst="rect">
-            <a:avLst/>
-          </a:prstGeom>
-        </p:spPr>
-      </p:pic>
-      <p:pic>
-        <p:nvPicPr>
-          <p:cNvPr id="9" name="Picture 8"/>
-          <p:cNvPicPr>
-            <a:picLocks noChangeAspect="1"/>
-          </p:cNvPicPr>
-          <p:nvPr/>
-        </p:nvPicPr>
-        <p:blipFill>
-          <a:blip r:embed="rId5"/>
-          <a:stretch>
-            <a:fillRect/>
-          </a:stretch>
-        </p:blipFill>
-        <p:spPr>
-          <a:xfrm>
-            <a:off x="3697843" y="4167214"/>
-            <a:ext cx="773670" cy="533773"/>
-          </a:xfrm>
-          <a:prstGeom prst="rect">
-            <a:avLst/>
-          </a:prstGeom>
-        </p:spPr>
-      </p:pic>
-      <p:pic>
-        <p:nvPicPr>
-          <p:cNvPr id="10" name="Picture 9"/>
-          <p:cNvPicPr>
-            <a:picLocks noChangeAspect="1"/>
-          </p:cNvPicPr>
-          <p:nvPr/>
-        </p:nvPicPr>
         <p:blipFill rotWithShape="1">
-          <a:blip r:embed="rId6"/>
-          <a:srcRect b="8717"/>
+          <a:blip r:embed="rId3"/>
+          <a:srcRect b="10476"/>
           <a:stretch/>
         </p:blipFill>
         <p:spPr>
           <a:xfrm>
-            <a:off x="4641057" y="2228002"/>
-            <a:ext cx="4447696" cy="3475681"/>
+            <a:off x="238103" y="2290272"/>
+            <a:ext cx="3971758" cy="3259869"/>
           </a:xfrm>
           <a:prstGeom prst="rect">
             <a:avLst/>
@@ -7782,14 +7724,14 @@
       </p:pic>
       <p:sp>
         <p:nvSpPr>
-          <p:cNvPr id="4" name="TextBox 3"/>
+          <p:cNvPr id="5" name="TextBox 4"/>
           <p:cNvSpPr txBox="1"/>
           <p:nvPr/>
         </p:nvSpPr>
         <p:spPr>
           <a:xfrm>
-            <a:off x="4822127" y="5703683"/>
-            <a:ext cx="4321874" cy="646331"/>
+            <a:off x="581192" y="5550141"/>
+            <a:ext cx="3631955" cy="646331"/>
           </a:xfrm>
           <a:prstGeom prst="rect">
             <a:avLst/>
@@ -7805,7 +7747,38 @@
             <a:pPr algn="ctr"/>
             <a:r>
               <a:rPr lang="en-US" dirty="0" smtClean="0"/>
-              <a:t>Figure 11: Spatial and temporal requirements for a simulation</a:t>
+              <a:t>Figure 17: Normalized hole densities at steady state</a:t>
+            </a:r>
+            <a:endParaRPr lang="en-US" dirty="0"/>
+          </a:p>
+        </p:txBody>
+      </p:sp>
+      <p:sp>
+        <p:nvSpPr>
+          <p:cNvPr id="6" name="TextBox 5"/>
+          <p:cNvSpPr txBox="1"/>
+          <p:nvPr/>
+        </p:nvSpPr>
+        <p:spPr>
+          <a:xfrm>
+            <a:off x="4938989" y="5550141"/>
+            <a:ext cx="3631955" cy="646331"/>
+          </a:xfrm>
+          <a:prstGeom prst="rect">
+            <a:avLst/>
+          </a:prstGeom>
+          <a:noFill/>
+        </p:spPr>
+        <p:txBody>
+          <a:bodyPr wrap="square" rtlCol="0">
+            <a:spAutoFit/>
+          </a:bodyPr>
+          <a:lstStyle/>
+          <a:p>
+            <a:pPr algn="ctr"/>
+            <a:r>
+              <a:rPr lang="en-US" dirty="0" smtClean="0"/>
+              <a:t>Figure 18: Normalized current densities</a:t>
             </a:r>
             <a:endParaRPr lang="en-US" dirty="0"/>
           </a:p>
@@ -7814,7 +7787,7 @@
     </p:spTree>
     <p:extLst>
       <p:ext uri="{BB962C8B-B14F-4D97-AF65-F5344CB8AC3E}">
-        <p14:creationId xmlns:p14="http://schemas.microsoft.com/office/powerpoint/2010/main" val="2126313866"/>
+        <p14:creationId xmlns:p14="http://schemas.microsoft.com/office/powerpoint/2010/main" val="471421709"/>
       </p:ext>
     </p:extLst>
   </p:cSld>
@@ -7865,174 +7838,6 @@
           <a:p>
             <a:r>
               <a:rPr lang="en-US" dirty="0" smtClean="0"/>
-              <a:t>5.2- Scaling to Higher densities</a:t>
-            </a:r>
-            <a:endParaRPr lang="en-US" dirty="0"/>
-          </a:p>
-        </p:txBody>
-      </p:sp>
-      <p:pic>
-        <p:nvPicPr>
-          <p:cNvPr id="7" name="Picture 6"/>
-          <p:cNvPicPr>
-            <a:picLocks noChangeAspect="1"/>
-          </p:cNvPicPr>
-          <p:nvPr/>
-        </p:nvPicPr>
-        <p:blipFill rotWithShape="1">
-          <a:blip r:embed="rId2"/>
-          <a:srcRect b="12082"/>
-          <a:stretch/>
-        </p:blipFill>
-        <p:spPr>
-          <a:xfrm>
-            <a:off x="4701039" y="2224755"/>
-            <a:ext cx="4017448" cy="3325386"/>
-          </a:xfrm>
-          <a:prstGeom prst="rect">
-            <a:avLst/>
-          </a:prstGeom>
-        </p:spPr>
-      </p:pic>
-      <p:pic>
-        <p:nvPicPr>
-          <p:cNvPr id="8" name="Picture 7"/>
-          <p:cNvPicPr>
-            <a:picLocks noChangeAspect="1"/>
-          </p:cNvPicPr>
-          <p:nvPr/>
-        </p:nvPicPr>
-        <p:blipFill rotWithShape="1">
-          <a:blip r:embed="rId3"/>
-          <a:srcRect b="10476"/>
-          <a:stretch/>
-        </p:blipFill>
-        <p:spPr>
-          <a:xfrm>
-            <a:off x="238103" y="2290272"/>
-            <a:ext cx="3971758" cy="3259869"/>
-          </a:xfrm>
-          <a:prstGeom prst="rect">
-            <a:avLst/>
-          </a:prstGeom>
-        </p:spPr>
-      </p:pic>
-      <p:sp>
-        <p:nvSpPr>
-          <p:cNvPr id="5" name="TextBox 4"/>
-          <p:cNvSpPr txBox="1"/>
-          <p:nvPr/>
-        </p:nvSpPr>
-        <p:spPr>
-          <a:xfrm>
-            <a:off x="581192" y="5550141"/>
-            <a:ext cx="3631955" cy="646331"/>
-          </a:xfrm>
-          <a:prstGeom prst="rect">
-            <a:avLst/>
-          </a:prstGeom>
-          <a:noFill/>
-        </p:spPr>
-        <p:txBody>
-          <a:bodyPr wrap="square" rtlCol="0">
-            <a:spAutoFit/>
-          </a:bodyPr>
-          <a:lstStyle/>
-          <a:p>
-            <a:pPr algn="ctr"/>
-            <a:r>
-              <a:rPr lang="en-US" dirty="0" smtClean="0"/>
-              <a:t>Figure 17: Normalized hole densities at steady state</a:t>
-            </a:r>
-            <a:endParaRPr lang="en-US" dirty="0"/>
-          </a:p>
-        </p:txBody>
-      </p:sp>
-      <p:sp>
-        <p:nvSpPr>
-          <p:cNvPr id="6" name="TextBox 5"/>
-          <p:cNvSpPr txBox="1"/>
-          <p:nvPr/>
-        </p:nvSpPr>
-        <p:spPr>
-          <a:xfrm>
-            <a:off x="4938989" y="5550141"/>
-            <a:ext cx="3631955" cy="646331"/>
-          </a:xfrm>
-          <a:prstGeom prst="rect">
-            <a:avLst/>
-          </a:prstGeom>
-          <a:noFill/>
-        </p:spPr>
-        <p:txBody>
-          <a:bodyPr wrap="square" rtlCol="0">
-            <a:spAutoFit/>
-          </a:bodyPr>
-          <a:lstStyle/>
-          <a:p>
-            <a:pPr algn="ctr"/>
-            <a:r>
-              <a:rPr lang="en-US" dirty="0" smtClean="0"/>
-              <a:t>Figure 18: Normalized current densities</a:t>
-            </a:r>
-            <a:endParaRPr lang="en-US" dirty="0"/>
-          </a:p>
-        </p:txBody>
-      </p:sp>
-    </p:spTree>
-    <p:extLst>
-      <p:ext uri="{BB962C8B-B14F-4D97-AF65-F5344CB8AC3E}">
-        <p14:creationId xmlns:p14="http://schemas.microsoft.com/office/powerpoint/2010/main" val="471421709"/>
-      </p:ext>
-    </p:extLst>
-  </p:cSld>
-  <p:clrMapOvr>
-    <a:masterClrMapping/>
-  </p:clrMapOvr>
-  <p:timing>
-    <p:tnLst>
-      <p:par>
-        <p:cTn id="1" dur="indefinite" restart="never" nodeType="tmRoot"/>
-      </p:par>
-    </p:tnLst>
-  </p:timing>
-</p:sld>
-</file>
-
-<file path=ppt/slides/slide25.xml><?xml version="1.0" encoding="utf-8"?>
-<p:sld xmlns:a="http://schemas.openxmlformats.org/drawingml/2006/main" xmlns:r="http://schemas.openxmlformats.org/officeDocument/2006/relationships" xmlns:p="http://schemas.openxmlformats.org/presentationml/2006/main">
-  <p:cSld>
-    <p:spTree>
-      <p:nvGrpSpPr>
-        <p:cNvPr id="1" name=""/>
-        <p:cNvGrpSpPr/>
-        <p:nvPr/>
-      </p:nvGrpSpPr>
-      <p:grpSpPr>
-        <a:xfrm>
-          <a:off x="0" y="0"/>
-          <a:ext cx="0" cy="0"/>
-          <a:chOff x="0" y="0"/>
-          <a:chExt cx="0" cy="0"/>
-        </a:xfrm>
-      </p:grpSpPr>
-      <p:sp>
-        <p:nvSpPr>
-          <p:cNvPr id="2" name="Title 1"/>
-          <p:cNvSpPr>
-            <a:spLocks noGrp="1"/>
-          </p:cNvSpPr>
-          <p:nvPr>
-            <p:ph type="title"/>
-          </p:nvPr>
-        </p:nvSpPr>
-        <p:spPr/>
-        <p:txBody>
-          <a:bodyPr/>
-          <a:lstStyle/>
-          <a:p>
-            <a:r>
-              <a:rPr lang="en-US" dirty="0" smtClean="0"/>
               <a:t>Electric Field</a:t>
             </a:r>
             <a:endParaRPr lang="en-US" dirty="0"/>
@@ -8094,7 +7899,7 @@
 </p:sld>
 </file>
 
-<file path=ppt/slides/slide26.xml><?xml version="1.0" encoding="utf-8"?>
+<file path=ppt/slides/slide25.xml><?xml version="1.0" encoding="utf-8"?>
 <p:sld xmlns:a="http://schemas.openxmlformats.org/drawingml/2006/main" xmlns:r="http://schemas.openxmlformats.org/officeDocument/2006/relationships" xmlns:p="http://schemas.openxmlformats.org/presentationml/2006/main">
   <p:cSld>
     <p:spTree>
@@ -8948,8 +8753,12 @@
           <a:lstStyle/>
           <a:p>
             <a:r>
+              <a:rPr lang="en-US" sz="1800" dirty="0" smtClean="0"/>
+              <a:t>Charge </a:t>
+            </a:r>
+            <a:r>
               <a:rPr lang="en-US" sz="1800" dirty="0"/>
-              <a:t>Voltage controlled resistor with memory</a:t>
+              <a:t>controlled resistor with memory</a:t>
             </a:r>
           </a:p>
           <a:p>
@@ -8968,14 +8777,22 @@
             <a:pPr lvl="1"/>
             <a:r>
               <a:rPr lang="en-US" sz="1800" dirty="0"/>
-              <a:t>Organic: Based on PEDOT:PSS….</a:t>
+              <a:t>Organic: Based on </a:t>
+            </a:r>
+            <a:r>
+              <a:rPr lang="en-US" sz="1800" dirty="0" smtClean="0"/>
+              <a:t>PEDOT:PSS</a:t>
             </a:r>
           </a:p>
           <a:p>
             <a:pPr lvl="1"/>
             <a:r>
+              <a:rPr lang="en-US" sz="1800" dirty="0" smtClean="0"/>
+              <a:t>Inorganic</a:t>
+            </a:r>
+            <a:r>
               <a:rPr lang="en-US" sz="1800" dirty="0"/>
-              <a:t>Inorganic: Based on TiO2  </a:t>
+              <a:t>: Based on TiO2  </a:t>
             </a:r>
           </a:p>
         </p:txBody>
@@ -9028,7 +8845,7 @@
             <a:pPr algn="ctr"/>
             <a:r>
               <a:rPr lang="en-US" dirty="0" smtClean="0"/>
-              <a:t>Figure 6: An organic </a:t>
+              <a:t>Figure 2: An organic </a:t>
             </a:r>
             <a:r>
               <a:rPr lang="en-US" dirty="0" err="1" smtClean="0"/>
@@ -9096,7 +8913,7 @@
           <a:p>
             <a:r>
               <a:rPr lang="en-US" dirty="0" smtClean="0"/>
-              <a:t>3.2- Current Limiting Mechanism</a:t>
+              <a:t>4.1- Density Limiting Mechanism</a:t>
             </a:r>
             <a:endParaRPr lang="en-US" dirty="0"/>
           </a:p>
@@ -9478,7 +9295,7 @@
           <a:p>
             <a:r>
               <a:rPr lang="en-US" sz="1400" dirty="0" smtClean="0"/>
-              <a:t>Figure 2: Initial particle density</a:t>
+              <a:t>Figure 3: Initial particle density</a:t>
             </a:r>
             <a:endParaRPr lang="en-US" sz="1400" dirty="0"/>
           </a:p>
@@ -9509,7 +9326,7 @@
             <a:pPr algn="ctr"/>
             <a:r>
               <a:rPr lang="en-US" sz="1400" dirty="0" smtClean="0"/>
-              <a:t>Figure 3: Density accumulation (right wall) </a:t>
+              <a:t>Figure 4: Density accumulation (right wall) </a:t>
             </a:r>
             <a:endParaRPr lang="en-US" sz="1400" dirty="0"/>
           </a:p>
@@ -9540,11 +9357,11 @@
             <a:pPr algn="ctr"/>
             <a:r>
               <a:rPr lang="en-US" sz="1400" dirty="0" smtClean="0"/>
-              <a:t>Figure 4: Density accumulation </a:t>
+              <a:t>Figure 5: Density accumulation (left </a:t>
             </a:r>
             <a:r>
               <a:rPr lang="en-US" sz="1400" dirty="0"/>
-              <a:t>(right wall) </a:t>
+              <a:t>wall) </a:t>
             </a:r>
           </a:p>
         </p:txBody>
@@ -9574,7 +9391,7 @@
             <a:pPr algn="ctr"/>
             <a:r>
               <a:rPr lang="en-US" sz="1400" dirty="0" smtClean="0"/>
-              <a:t>Figure 5: Density accumulation over time</a:t>
+              <a:t>Figure 6: Density accumulation over time</a:t>
             </a:r>
             <a:endParaRPr lang="en-US" sz="1400" dirty="0"/>
           </a:p>

--- a/Memristor Thesis/Memristor Presentation.pptx
+++ b/Memristor Thesis/Memristor Presentation.pptx
@@ -222,7 +222,7 @@
           <a:p>
             <a:fld id="{633A82BD-B66E-4D80-A70E-2EB0FC0F57F6}" type="datetimeFigureOut">
               <a:rPr lang="en-US" smtClean="0"/>
-              <a:t>4/21/2014</a:t>
+              <a:t>4/22/2014</a:t>
             </a:fld>
             <a:endParaRPr lang="en-US"/>
           </a:p>
@@ -1245,7 +1245,7 @@
           <a:p>
             <a:fld id="{6CA6AEE6-DAD3-407D-9B77-68B03FA581D4}" type="datetimeFigureOut">
               <a:rPr lang="en-US" smtClean="0"/>
-              <a:t>4/21/2014</a:t>
+              <a:t>4/22/2014</a:t>
             </a:fld>
             <a:endParaRPr lang="en-US"/>
           </a:p>
@@ -1492,7 +1492,7 @@
           <a:p>
             <a:fld id="{6CA6AEE6-DAD3-407D-9B77-68B03FA581D4}" type="datetimeFigureOut">
               <a:rPr lang="en-US" smtClean="0"/>
-              <a:t>4/21/2014</a:t>
+              <a:t>4/22/2014</a:t>
             </a:fld>
             <a:endParaRPr lang="en-US"/>
           </a:p>
@@ -1727,7 +1727,7 @@
           <a:p>
             <a:fld id="{6CA6AEE6-DAD3-407D-9B77-68B03FA581D4}" type="datetimeFigureOut">
               <a:rPr lang="en-US" smtClean="0"/>
-              <a:t>4/21/2014</a:t>
+              <a:t>4/22/2014</a:t>
             </a:fld>
             <a:endParaRPr lang="en-US"/>
           </a:p>
@@ -1957,7 +1957,7 @@
           <a:p>
             <a:fld id="{6CA6AEE6-DAD3-407D-9B77-68B03FA581D4}" type="datetimeFigureOut">
               <a:rPr lang="en-US" smtClean="0"/>
-              <a:t>4/21/2014</a:t>
+              <a:t>4/22/2014</a:t>
             </a:fld>
             <a:endParaRPr lang="en-US"/>
           </a:p>
@@ -2259,7 +2259,7 @@
           <a:p>
             <a:fld id="{6CA6AEE6-DAD3-407D-9B77-68B03FA581D4}" type="datetimeFigureOut">
               <a:rPr lang="en-US" smtClean="0"/>
-              <a:t>4/21/2014</a:t>
+              <a:t>4/22/2014</a:t>
             </a:fld>
             <a:endParaRPr lang="en-US"/>
           </a:p>
@@ -2556,7 +2556,7 @@
           <a:p>
             <a:fld id="{6CA6AEE6-DAD3-407D-9B77-68B03FA581D4}" type="datetimeFigureOut">
               <a:rPr lang="en-US" smtClean="0"/>
-              <a:t>4/21/2014</a:t>
+              <a:t>4/22/2014</a:t>
             </a:fld>
             <a:endParaRPr lang="en-US"/>
           </a:p>
@@ -2977,7 +2977,7 @@
           <a:p>
             <a:fld id="{6CA6AEE6-DAD3-407D-9B77-68B03FA581D4}" type="datetimeFigureOut">
               <a:rPr lang="en-US" smtClean="0"/>
-              <a:t>4/21/2014</a:t>
+              <a:t>4/22/2014</a:t>
             </a:fld>
             <a:endParaRPr lang="en-US"/>
           </a:p>
@@ -3134,7 +3134,7 @@
           <a:p>
             <a:fld id="{6CA6AEE6-DAD3-407D-9B77-68B03FA581D4}" type="datetimeFigureOut">
               <a:rPr lang="en-US" smtClean="0"/>
-              <a:t>4/21/2014</a:t>
+              <a:t>4/22/2014</a:t>
             </a:fld>
             <a:endParaRPr lang="en-US"/>
           </a:p>
@@ -3229,7 +3229,7 @@
           <a:p>
             <a:fld id="{6CA6AEE6-DAD3-407D-9B77-68B03FA581D4}" type="datetimeFigureOut">
               <a:rPr lang="en-US" smtClean="0"/>
-              <a:t>4/21/2014</a:t>
+              <a:t>4/22/2014</a:t>
             </a:fld>
             <a:endParaRPr lang="en-US"/>
           </a:p>
@@ -3607,7 +3607,7 @@
           <a:p>
             <a:fld id="{6CA6AEE6-DAD3-407D-9B77-68B03FA581D4}" type="datetimeFigureOut">
               <a:rPr lang="en-US" smtClean="0"/>
-              <a:t>4/21/2014</a:t>
+              <a:t>4/22/2014</a:t>
             </a:fld>
             <a:endParaRPr lang="en-US"/>
           </a:p>
@@ -3896,7 +3896,7 @@
           <a:p>
             <a:fld id="{6CA6AEE6-DAD3-407D-9B77-68B03FA581D4}" type="datetimeFigureOut">
               <a:rPr lang="en-US" smtClean="0"/>
-              <a:t>4/21/2014</a:t>
+              <a:t>4/22/2014</a:t>
             </a:fld>
             <a:endParaRPr lang="en-US"/>
           </a:p>
@@ -4107,7 +4107,7 @@
           <a:p>
             <a:fld id="{6CA6AEE6-DAD3-407D-9B77-68B03FA581D4}" type="datetimeFigureOut">
               <a:rPr lang="en-US" smtClean="0"/>
-              <a:t>4/21/2014</a:t>
+              <a:t>4/22/2014</a:t>
             </a:fld>
             <a:endParaRPr lang="en-US"/>
           </a:p>
@@ -4917,15 +4917,7 @@
           <a:p>
             <a:r>
               <a:rPr lang="en-US" dirty="0" smtClean="0"/>
-              <a:t>Figure </a:t>
-            </a:r>
-            <a:r>
-              <a:rPr lang="en-US" dirty="0" smtClean="0"/>
-              <a:t>10: </a:t>
-            </a:r>
-            <a:r>
-              <a:rPr lang="en-US" dirty="0" smtClean="0"/>
-              <a:t>Boundary condition for holes</a:t>
+              <a:t>Figure 10: Boundary condition for holes</a:t>
             </a:r>
             <a:endParaRPr lang="en-US" dirty="0"/>
           </a:p>
@@ -4956,15 +4948,7 @@
             <a:pPr algn="ctr"/>
             <a:r>
               <a:rPr lang="en-US" dirty="0" smtClean="0"/>
-              <a:t>Figure </a:t>
-            </a:r>
-            <a:r>
-              <a:rPr lang="en-US" dirty="0" smtClean="0"/>
-              <a:t>11: </a:t>
-            </a:r>
-            <a:r>
-              <a:rPr lang="en-US" dirty="0" smtClean="0"/>
-              <a:t>Boundary condition for electric potential</a:t>
+              <a:t>Figure 11: Boundary condition for electric potential</a:t>
             </a:r>
             <a:endParaRPr lang="en-US" dirty="0"/>
           </a:p>
@@ -5235,15 +5219,7 @@
           <a:p>
             <a:r>
               <a:rPr lang="en-US" dirty="0" smtClean="0"/>
-              <a:t>Figure </a:t>
-            </a:r>
-            <a:r>
-              <a:rPr lang="en-US" dirty="0" smtClean="0"/>
-              <a:t>12: </a:t>
-            </a:r>
-            <a:r>
-              <a:rPr lang="en-US" dirty="0" smtClean="0"/>
-              <a:t>1-D </a:t>
+              <a:t>Figure 12: 1-D </a:t>
             </a:r>
             <a:r>
               <a:rPr lang="en-US" dirty="0" err="1" smtClean="0"/>
@@ -5396,15 +5372,7 @@
             <a:pPr algn="ctr"/>
             <a:r>
               <a:rPr lang="en-US" dirty="0" smtClean="0"/>
-              <a:t>Figure </a:t>
-            </a:r>
-            <a:r>
-              <a:rPr lang="en-US" dirty="0" smtClean="0"/>
-              <a:t>13: </a:t>
-            </a:r>
-            <a:r>
-              <a:rPr lang="en-US" dirty="0" smtClean="0"/>
-              <a:t>Current density over time for a potential pulse train</a:t>
+              <a:t>Figure 13: Current density over time for a potential pulse train</a:t>
             </a:r>
             <a:endParaRPr lang="en-US" dirty="0"/>
           </a:p>
@@ -5435,15 +5403,7 @@
             <a:pPr algn="ctr"/>
             <a:r>
               <a:rPr lang="en-US" dirty="0" smtClean="0"/>
-              <a:t>Figure </a:t>
-            </a:r>
-            <a:r>
-              <a:rPr lang="en-US" dirty="0" smtClean="0"/>
-              <a:t>14: </a:t>
-            </a:r>
-            <a:r>
-              <a:rPr lang="en-US" dirty="0" smtClean="0"/>
-              <a:t>Lithium and hole density distribution over time</a:t>
+              <a:t>Figure 14: Lithium and hole density distribution over time</a:t>
             </a:r>
             <a:endParaRPr lang="en-US" dirty="0"/>
           </a:p>
@@ -5598,15 +5558,7 @@
             <a:pPr algn="ctr"/>
             <a:r>
               <a:rPr lang="en-US" dirty="0" smtClean="0"/>
-              <a:t>Figure </a:t>
-            </a:r>
-            <a:r>
-              <a:rPr lang="en-US" dirty="0" smtClean="0"/>
-              <a:t>15: </a:t>
-            </a:r>
-            <a:r>
-              <a:rPr lang="en-US" dirty="0" smtClean="0"/>
-              <a:t>Normalized current vs. applied potential at different frequencies</a:t>
+              <a:t>Figure 15: Normalized current vs. applied potential at different frequencies</a:t>
             </a:r>
             <a:endParaRPr lang="en-US" dirty="0"/>
           </a:p>
@@ -5637,15 +5589,7 @@
             <a:pPr algn="ctr"/>
             <a:r>
               <a:rPr lang="en-US" dirty="0" smtClean="0"/>
-              <a:t>Figure </a:t>
-            </a:r>
-            <a:r>
-              <a:rPr lang="en-US" dirty="0" smtClean="0"/>
-              <a:t>16:  </a:t>
-            </a:r>
-            <a:r>
-              <a:rPr lang="en-US" dirty="0" smtClean="0"/>
-              <a:t>Hole density distribution over time</a:t>
+              <a:t>Figure 16:  Hole density distribution over time</a:t>
             </a:r>
             <a:endParaRPr lang="en-US" dirty="0"/>
           </a:p>
@@ -5793,11 +5737,7 @@
             <a:pPr algn="ctr"/>
             <a:r>
               <a:rPr lang="en-US" dirty="0" smtClean="0"/>
-              <a:t>Figure </a:t>
-            </a:r>
-            <a:r>
-              <a:rPr lang="en-US" dirty="0" smtClean="0"/>
-              <a:t>17: </a:t>
+              <a:t>Figure 17: </a:t>
             </a:r>
             <a:r>
               <a:rPr lang="en-US" dirty="0"/>
@@ -5831,15 +5771,7 @@
             <a:pPr algn="ctr"/>
             <a:r>
               <a:rPr lang="en-US" dirty="0" smtClean="0"/>
-              <a:t>Figure </a:t>
-            </a:r>
-            <a:r>
-              <a:rPr lang="en-US" dirty="0" smtClean="0"/>
-              <a:t>18: </a:t>
-            </a:r>
-            <a:r>
-              <a:rPr lang="en-US" dirty="0" smtClean="0"/>
-              <a:t>Lithium </a:t>
+              <a:t>Figure 18: Lithium </a:t>
             </a:r>
             <a:r>
               <a:rPr lang="en-US" dirty="0"/>
@@ -5993,15 +5925,7 @@
             <a:pPr algn="ctr"/>
             <a:r>
               <a:rPr lang="en-US" dirty="0" smtClean="0"/>
-              <a:t>Figure </a:t>
-            </a:r>
-            <a:r>
-              <a:rPr lang="en-US" dirty="0" smtClean="0"/>
-              <a:t>19: </a:t>
-            </a:r>
-            <a:r>
-              <a:rPr lang="en-US" dirty="0" smtClean="0"/>
-              <a:t>Current density over time for a potential pulse train</a:t>
+              <a:t>Figure 19: Current density over time for a potential pulse train</a:t>
             </a:r>
             <a:endParaRPr lang="en-US" dirty="0"/>
           </a:p>
@@ -6032,15 +5956,7 @@
             <a:pPr algn="ctr"/>
             <a:r>
               <a:rPr lang="en-US" dirty="0" smtClean="0"/>
-              <a:t>Figure </a:t>
-            </a:r>
-            <a:r>
-              <a:rPr lang="en-US" dirty="0" smtClean="0"/>
-              <a:t>20: </a:t>
-            </a:r>
-            <a:r>
-              <a:rPr lang="en-US" dirty="0" smtClean="0"/>
-              <a:t>Lithium and hole density distribution over time</a:t>
+              <a:t>Figure 20: Lithium and hole density distribution over time</a:t>
             </a:r>
             <a:endParaRPr lang="en-US" dirty="0"/>
           </a:p>
@@ -6193,15 +6109,7 @@
             <a:pPr algn="ctr"/>
             <a:r>
               <a:rPr lang="en-US" dirty="0" smtClean="0"/>
-              <a:t>Figure </a:t>
-            </a:r>
-            <a:r>
-              <a:rPr lang="en-US" dirty="0" smtClean="0"/>
-              <a:t>21: </a:t>
-            </a:r>
-            <a:r>
-              <a:rPr lang="en-US" dirty="0" smtClean="0"/>
-              <a:t>Normalized current vs. applied potential at different frequencies</a:t>
+              <a:t>Figure 21: Normalized current vs. applied potential at different frequencies</a:t>
             </a:r>
             <a:endParaRPr lang="en-US" dirty="0"/>
           </a:p>
@@ -6232,15 +6140,7 @@
             <a:pPr algn="ctr"/>
             <a:r>
               <a:rPr lang="en-US" dirty="0" smtClean="0"/>
-              <a:t>Figure </a:t>
-            </a:r>
-            <a:r>
-              <a:rPr lang="en-US" dirty="0" smtClean="0"/>
-              <a:t>22: </a:t>
-            </a:r>
-            <a:r>
-              <a:rPr lang="en-US" dirty="0" smtClean="0"/>
-              <a:t>Lithium density distribution over time</a:t>
+              <a:t>Figure 22: Lithium density distribution over time</a:t>
             </a:r>
             <a:endParaRPr lang="en-US" dirty="0"/>
           </a:p>
@@ -6379,15 +6279,7 @@
             <a:pPr algn="ctr"/>
             <a:r>
               <a:rPr lang="en-US" dirty="0" smtClean="0"/>
-              <a:t>Figure </a:t>
-            </a:r>
-            <a:r>
-              <a:rPr lang="en-US" dirty="0" smtClean="0"/>
-              <a:t>23: </a:t>
-            </a:r>
-            <a:r>
-              <a:rPr lang="en-US" dirty="0" smtClean="0"/>
-              <a:t>Experimental results for various applied potentials at 1.0 Hz (Courtesy of Eduardo Barrera*)</a:t>
+              <a:t>Figure 23: Experimental results for various applied potentials at 1.0 Hz (Courtesy of Eduardo Barrera*)</a:t>
             </a:r>
             <a:endParaRPr lang="en-US" dirty="0"/>
           </a:p>
@@ -6417,15 +6309,7 @@
             <a:pPr algn="ctr"/>
             <a:r>
               <a:rPr lang="en-US" dirty="0" smtClean="0"/>
-              <a:t>Figure </a:t>
-            </a:r>
-            <a:r>
-              <a:rPr lang="en-US" dirty="0" smtClean="0"/>
-              <a:t>24: </a:t>
-            </a:r>
-            <a:r>
-              <a:rPr lang="en-US" dirty="0" smtClean="0"/>
-              <a:t>Simulation results for various applied potentials at 0.5 Hz</a:t>
+              <a:t>Figure 24: Simulation results for various applied potentials at 0.5 Hz</a:t>
             </a:r>
             <a:endParaRPr lang="en-US" dirty="0"/>
           </a:p>
@@ -6622,11 +6506,7 @@
             <a:pPr algn="ctr"/>
             <a:r>
               <a:rPr lang="en-US" dirty="0" smtClean="0"/>
-              <a:t>Figure </a:t>
-            </a:r>
-            <a:r>
-              <a:rPr lang="en-US" dirty="0" smtClean="0"/>
-              <a:t>25: </a:t>
+              <a:t>Figure 25: </a:t>
             </a:r>
             <a:r>
               <a:rPr lang="en-US" dirty="0"/>
@@ -6664,15 +6544,7 @@
             <a:pPr algn="ctr"/>
             <a:r>
               <a:rPr lang="en-US" dirty="0" smtClean="0"/>
-              <a:t>Figure </a:t>
-            </a:r>
-            <a:r>
-              <a:rPr lang="en-US" dirty="0" smtClean="0"/>
-              <a:t>26: </a:t>
-            </a:r>
-            <a:r>
-              <a:rPr lang="en-US" dirty="0" smtClean="0"/>
-              <a:t>Measured </a:t>
+              <a:t>Figure 26: Measured </a:t>
             </a:r>
             <a:r>
               <a:rPr lang="en-US" dirty="0"/>
@@ -6835,15 +6707,7 @@
             <a:pPr lvl="1"/>
             <a:r>
               <a:rPr lang="en-US" sz="1500" dirty="0" smtClean="0"/>
-              <a:t>Simulation of </a:t>
-            </a:r>
-            <a:r>
-              <a:rPr lang="en-US" sz="1500" dirty="0" smtClean="0"/>
-              <a:t>an </a:t>
-            </a:r>
-            <a:r>
-              <a:rPr lang="en-US" sz="1500" dirty="0" smtClean="0"/>
-              <a:t>ionic electronic device</a:t>
+              <a:t>Simulation of an ionic electronic device</a:t>
             </a:r>
           </a:p>
           <a:p>
@@ -6895,13 +6759,6 @@
             <a:r>
               <a:rPr lang="en-US" sz="1500" dirty="0" smtClean="0"/>
               <a:t>Further experimental verification</a:t>
-            </a:r>
-          </a:p>
-          <a:p>
-            <a:pPr lvl="1"/>
-            <a:r>
-              <a:rPr lang="en-US" sz="1500" dirty="0" smtClean="0"/>
-              <a:t>3D Structures</a:t>
             </a:r>
           </a:p>
           <a:p>
@@ -17934,15 +17791,7 @@
           <a:p>
             <a:r>
               <a:rPr lang="en-US" dirty="0" smtClean="0"/>
-              <a:t>Figure </a:t>
-            </a:r>
-            <a:r>
-              <a:rPr lang="en-US" dirty="0" smtClean="0"/>
-              <a:t>2: </a:t>
-            </a:r>
-            <a:r>
-              <a:rPr lang="en-US" dirty="0" smtClean="0"/>
-              <a:t>Finite Difference Drift Diffusion Solver Flowchart</a:t>
+              <a:t>Figure 2: Finite Difference Drift Diffusion Solver Flowchart</a:t>
             </a:r>
             <a:endParaRPr lang="en-US" dirty="0"/>
           </a:p>
@@ -18139,15 +17988,7 @@
             <a:pPr algn="ctr"/>
             <a:r>
               <a:rPr lang="en-US" dirty="0" smtClean="0"/>
-              <a:t>Figure </a:t>
-            </a:r>
-            <a:r>
-              <a:rPr lang="en-US" dirty="0" smtClean="0"/>
-              <a:t>4: </a:t>
-            </a:r>
-            <a:r>
-              <a:rPr lang="en-US" dirty="0" smtClean="0"/>
-              <a:t>An organic </a:t>
+              <a:t>Figure 4: An organic </a:t>
             </a:r>
             <a:r>
               <a:rPr lang="en-US" dirty="0" err="1" smtClean="0"/>
@@ -23190,15 +23031,7 @@
           <a:p>
             <a:r>
               <a:rPr lang="en-US" sz="1400" dirty="0" smtClean="0"/>
-              <a:t>Figure </a:t>
-            </a:r>
-            <a:r>
-              <a:rPr lang="en-US" sz="1400" dirty="0" smtClean="0"/>
-              <a:t>4: </a:t>
-            </a:r>
-            <a:r>
-              <a:rPr lang="en-US" sz="1400" dirty="0" smtClean="0"/>
-              <a:t>Initial particle density</a:t>
+              <a:t>Figure 4: Initial particle density</a:t>
             </a:r>
             <a:endParaRPr lang="en-US" sz="1400" dirty="0"/>
           </a:p>
@@ -23229,15 +23062,7 @@
             <a:pPr algn="ctr"/>
             <a:r>
               <a:rPr lang="en-US" sz="1400" dirty="0" smtClean="0"/>
-              <a:t>Figure </a:t>
-            </a:r>
-            <a:r>
-              <a:rPr lang="en-US" sz="1400" dirty="0" smtClean="0"/>
-              <a:t>5: Density </a:t>
-            </a:r>
-            <a:r>
-              <a:rPr lang="en-US" sz="1400" dirty="0" smtClean="0"/>
-              <a:t>accumulation (right wall) </a:t>
+              <a:t>Figure 5: Density accumulation (right wall) </a:t>
             </a:r>
             <a:endParaRPr lang="en-US" sz="1400" dirty="0"/>
           </a:p>
@@ -23268,15 +23093,7 @@
             <a:pPr algn="ctr"/>
             <a:r>
               <a:rPr lang="en-US" sz="1400" dirty="0" smtClean="0"/>
-              <a:t>Figure </a:t>
-            </a:r>
-            <a:r>
-              <a:rPr lang="en-US" sz="1400" dirty="0" smtClean="0"/>
-              <a:t>6: </a:t>
-            </a:r>
-            <a:r>
-              <a:rPr lang="en-US" sz="1400" dirty="0" smtClean="0"/>
-              <a:t>Density accumulation (left </a:t>
+              <a:t>Figure 6: Density accumulation (left </a:t>
             </a:r>
             <a:r>
               <a:rPr lang="en-US" sz="1400" dirty="0"/>
@@ -23310,15 +23127,7 @@
             <a:pPr algn="ctr"/>
             <a:r>
               <a:rPr lang="en-US" sz="1400" dirty="0" smtClean="0"/>
-              <a:t>Figure </a:t>
-            </a:r>
-            <a:r>
-              <a:rPr lang="en-US" sz="1400" dirty="0" smtClean="0"/>
-              <a:t>7: </a:t>
-            </a:r>
-            <a:r>
-              <a:rPr lang="en-US" sz="1400" dirty="0" smtClean="0"/>
-              <a:t>Density accumulation over time</a:t>
+              <a:t>Figure 7: Density accumulation over time</a:t>
             </a:r>
             <a:endParaRPr lang="en-US" sz="1400" dirty="0"/>
           </a:p>
@@ -23463,15 +23272,7 @@
             <a:pPr algn="ctr"/>
             <a:r>
               <a:rPr lang="en-US" dirty="0" smtClean="0"/>
-              <a:t>Figure </a:t>
-            </a:r>
-            <a:r>
-              <a:rPr lang="en-US" dirty="0" smtClean="0"/>
-              <a:t>9: </a:t>
-            </a:r>
-            <a:r>
-              <a:rPr lang="en-US" dirty="0" smtClean="0"/>
-              <a:t>Boundary condition for perchlorate ions</a:t>
+              <a:t>Figure 9: Boundary condition for perchlorate ions</a:t>
             </a:r>
             <a:endParaRPr lang="en-US" dirty="0"/>
           </a:p>
@@ -23501,15 +23302,7 @@
           <a:p>
             <a:r>
               <a:rPr lang="en-US" dirty="0" smtClean="0"/>
-              <a:t>Figure </a:t>
-            </a:r>
-            <a:r>
-              <a:rPr lang="en-US" dirty="0" smtClean="0"/>
-              <a:t>8: </a:t>
-            </a:r>
-            <a:r>
-              <a:rPr lang="en-US" dirty="0" smtClean="0"/>
-              <a:t>Boundary condition for lithium ions </a:t>
+              <a:t>Figure 8: Boundary condition for lithium ions </a:t>
             </a:r>
             <a:endParaRPr lang="en-US" dirty="0"/>
           </a:p>
